--- a/slides.pptx
+++ b/slides.pptx
@@ -7,30 +7,41 @@
   <p:sldIdLst>
     <p:sldId id="343" r:id="rId5"/>
     <p:sldId id="257" r:id="rId6"/>
-    <p:sldId id="259" r:id="rId7"/>
-    <p:sldId id="350" r:id="rId8"/>
-    <p:sldId id="351" r:id="rId9"/>
-    <p:sldId id="352" r:id="rId10"/>
-    <p:sldId id="353" r:id="rId11"/>
-    <p:sldId id="354" r:id="rId12"/>
-    <p:sldId id="355" r:id="rId13"/>
-    <p:sldId id="356" r:id="rId14"/>
-    <p:sldId id="357" r:id="rId15"/>
-    <p:sldId id="358" r:id="rId16"/>
-    <p:sldId id="359" r:id="rId17"/>
-    <p:sldId id="360" r:id="rId18"/>
-    <p:sldId id="361" r:id="rId19"/>
-    <p:sldId id="362" r:id="rId20"/>
-    <p:sldId id="363" r:id="rId21"/>
-    <p:sldId id="364" r:id="rId22"/>
-    <p:sldId id="365" r:id="rId23"/>
-    <p:sldId id="366" r:id="rId24"/>
-    <p:sldId id="367" r:id="rId25"/>
-    <p:sldId id="368" r:id="rId26"/>
-    <p:sldId id="369" r:id="rId27"/>
-    <p:sldId id="370" r:id="rId28"/>
-    <p:sldId id="371" r:id="rId29"/>
-    <p:sldId id="349" r:id="rId30"/>
+    <p:sldId id="382" r:id="rId7"/>
+    <p:sldId id="259" r:id="rId8"/>
+    <p:sldId id="350" r:id="rId9"/>
+    <p:sldId id="381" r:id="rId10"/>
+    <p:sldId id="372" r:id="rId11"/>
+    <p:sldId id="351" r:id="rId12"/>
+    <p:sldId id="352" r:id="rId13"/>
+    <p:sldId id="353" r:id="rId14"/>
+    <p:sldId id="383" r:id="rId15"/>
+    <p:sldId id="354" r:id="rId16"/>
+    <p:sldId id="355" r:id="rId17"/>
+    <p:sldId id="373" r:id="rId18"/>
+    <p:sldId id="356" r:id="rId19"/>
+    <p:sldId id="357" r:id="rId20"/>
+    <p:sldId id="358" r:id="rId21"/>
+    <p:sldId id="384" r:id="rId22"/>
+    <p:sldId id="374" r:id="rId23"/>
+    <p:sldId id="359" r:id="rId24"/>
+    <p:sldId id="385" r:id="rId25"/>
+    <p:sldId id="360" r:id="rId26"/>
+    <p:sldId id="375" r:id="rId27"/>
+    <p:sldId id="376" r:id="rId28"/>
+    <p:sldId id="377" r:id="rId29"/>
+    <p:sldId id="363" r:id="rId30"/>
+    <p:sldId id="364" r:id="rId31"/>
+    <p:sldId id="378" r:id="rId32"/>
+    <p:sldId id="379" r:id="rId33"/>
+    <p:sldId id="380" r:id="rId34"/>
+    <p:sldId id="367" r:id="rId35"/>
+    <p:sldId id="368" r:id="rId36"/>
+    <p:sldId id="386" r:id="rId37"/>
+    <p:sldId id="369" r:id="rId38"/>
+    <p:sldId id="370" r:id="rId39"/>
+    <p:sldId id="371" r:id="rId40"/>
+    <p:sldId id="349" r:id="rId41"/>
   </p:sldIdLst>
   <p:sldSz cx="12192000" cy="6858000"/>
   <p:notesSz cx="6858000" cy="9144000"/>
@@ -1450,7 +1461,7 @@
                 <a14:useLocalDpi xmlns:a14="http://schemas.microsoft.com/office/drawing/2010/main"/>
               </a:ext>
               <a:ext uri="{96DAC541-7B7A-43D3-8B79-37D633B846F1}">
-                <asvg:svgBlip xmlns:asvg="http://schemas.microsoft.com/office/drawing/2016/SVG/main" xmlns="" r:embed="rId5"/>
+                <asvg:svgBlip xmlns="" xmlns:asvg="http://schemas.microsoft.com/office/drawing/2016/SVG/main" r:embed="rId5"/>
               </a:ext>
             </a:extLst>
           </a:blip>
@@ -1523,7 +1534,7 @@
                 <a14:useLocalDpi xmlns:a14="http://schemas.microsoft.com/office/drawing/2010/main"/>
               </a:ext>
               <a:ext uri="{96DAC541-7B7A-43D3-8B79-37D633B846F1}">
-                <asvg:svgBlip xmlns:asvg="http://schemas.microsoft.com/office/drawing/2016/SVG/main" xmlns="" r:embed="rId7"/>
+                <asvg:svgBlip xmlns="" xmlns:asvg="http://schemas.microsoft.com/office/drawing/2016/SVG/main" r:embed="rId7"/>
               </a:ext>
             </a:extLst>
           </a:blip>
@@ -1596,7 +1607,7 @@
                 <a14:useLocalDpi xmlns:a14="http://schemas.microsoft.com/office/drawing/2010/main"/>
               </a:ext>
               <a:ext uri="{96DAC541-7B7A-43D3-8B79-37D633B846F1}">
-                <asvg:svgBlip xmlns:asvg="http://schemas.microsoft.com/office/drawing/2016/SVG/main" xmlns="" r:embed="rId9"/>
+                <asvg:svgBlip xmlns="" xmlns:asvg="http://schemas.microsoft.com/office/drawing/2016/SVG/main" r:embed="rId9"/>
               </a:ext>
             </a:extLst>
           </a:blip>
@@ -1742,7 +1753,7 @@
                 <a14:useLocalDpi xmlns:a14="http://schemas.microsoft.com/office/drawing/2010/main"/>
               </a:ext>
               <a:ext uri="{96DAC541-7B7A-43D3-8B79-37D633B846F1}">
-                <asvg:svgBlip xmlns:asvg="http://schemas.microsoft.com/office/drawing/2016/SVG/main" xmlns="" r:embed="rId2"/>
+                <asvg:svgBlip xmlns="" xmlns:asvg="http://schemas.microsoft.com/office/drawing/2016/SVG/main" r:embed="rId5"/>
               </a:ext>
             </a:extLst>
           </a:blip>
@@ -1941,13 +1952,13 @@
           <a:avLst/>
         </a:prstGeom>
         <a:blipFill>
-          <a:blip xmlns:r="http://schemas.openxmlformats.org/officeDocument/2006/relationships" r:embed="rId3">
+          <a:blip xmlns:r="http://schemas.openxmlformats.org/officeDocument/2006/relationships" r:embed="rId6">
             <a:extLst>
               <a:ext uri="{28A0092B-C50C-407E-A947-70E740481C1C}">
                 <a14:useLocalDpi xmlns:a14="http://schemas.microsoft.com/office/drawing/2010/main"/>
               </a:ext>
               <a:ext uri="{96DAC541-7B7A-43D3-8B79-37D633B846F1}">
-                <asvg:svgBlip xmlns:asvg="http://schemas.microsoft.com/office/drawing/2016/SVG/main" xmlns="" r:embed="rId4"/>
+                <asvg:svgBlip xmlns="" xmlns:asvg="http://schemas.microsoft.com/office/drawing/2016/SVG/main" r:embed="rId7"/>
               </a:ext>
             </a:extLst>
           </a:blip>
@@ -2161,13 +2172,13 @@
           <a:avLst/>
         </a:prstGeom>
         <a:blipFill>
-          <a:blip xmlns:r="http://schemas.openxmlformats.org/officeDocument/2006/relationships" r:embed="rId5">
+          <a:blip xmlns:r="http://schemas.openxmlformats.org/officeDocument/2006/relationships" r:embed="rId8">
             <a:extLst>
               <a:ext uri="{28A0092B-C50C-407E-A947-70E740481C1C}">
                 <a14:useLocalDpi xmlns:a14="http://schemas.microsoft.com/office/drawing/2010/main"/>
               </a:ext>
               <a:ext uri="{96DAC541-7B7A-43D3-8B79-37D633B846F1}">
-                <asvg:svgBlip xmlns:asvg="http://schemas.microsoft.com/office/drawing/2016/SVG/main" xmlns="" r:embed="rId6"/>
+                <asvg:svgBlip xmlns="" xmlns:asvg="http://schemas.microsoft.com/office/drawing/2016/SVG/main" r:embed="rId9"/>
               </a:ext>
             </a:extLst>
           </a:blip>
@@ -2270,7 +2281,7 @@
           </a:br>
           <a:r>
             <a:rPr lang="en-US" sz="1200" b="0" i="0" kern="1200" dirty="0" smtClean="0">
-              <a:hlinkClick xmlns:r="http://schemas.openxmlformats.org/officeDocument/2006/relationships" r:id="rId7"/>
+              <a:hlinkClick xmlns:r="http://schemas.openxmlformats.org/officeDocument/2006/relationships" r:id="rId10"/>
             </a:rPr>
             <a:t>amirsh.nll@gmail.com</a:t>
           </a:r>
@@ -2290,7 +2301,7 @@
           </a:pPr>
           <a:r>
             <a:rPr lang="en-US" sz="1200" b="0" i="0" kern="1200" dirty="0" smtClean="0">
-              <a:hlinkClick xmlns:r="http://schemas.openxmlformats.org/officeDocument/2006/relationships" r:id="rId8"/>
+              <a:hlinkClick xmlns:r="http://schemas.openxmlformats.org/officeDocument/2006/relationships" r:id="rId11"/>
             </a:rPr>
             <a:t>Farshad_asgharzade@hotmail.com</a:t>
           </a:r>
@@ -2310,7 +2321,7 @@
           </a:pPr>
           <a:r>
             <a:rPr lang="en-US" sz="1200" b="0" i="0" kern="1200" dirty="0" smtClean="0">
-              <a:hlinkClick xmlns:r="http://schemas.openxmlformats.org/officeDocument/2006/relationships" r:id="rId9"/>
+              <a:hlinkClick xmlns:r="http://schemas.openxmlformats.org/officeDocument/2006/relationships" r:id="rId12"/>
             </a:rPr>
             <a:t>gholamniareza@gmail.com</a:t>
           </a:r>
@@ -2532,7 +2543,7 @@
   </dgm:layoutNode>
   <dgm:extLst>
     <a:ext uri="{68A01E43-0DF5-4B5B-8FA6-DAF915123BFB}">
-      <dgm1612:lstStyle xmlns:dgm1612="http://schemas.microsoft.com/office/drawing/2016/12/diagram" xmlns="">
+      <dgm1612:lstStyle xmlns="" xmlns:dgm1612="http://schemas.microsoft.com/office/drawing/2016/12/diagram">
         <a:lvl1pPr>
           <a:lnSpc>
             <a:spcPct val="100000"/>
@@ -9092,7 +9103,6 @@
               <a:rPr lang="en-US" sz="2000" dirty="0"/>
               <a:t> Detection by Handcrafted and Learned CNN Filters</a:t>
             </a:r>
-            <a:endParaRPr lang="en-US" sz="2000" dirty="0"/>
           </a:p>
         </p:txBody>
       </p:sp>
@@ -9244,10 +9254,137 @@
           </a:xfrm>
         </p:spPr>
         <p:txBody>
-          <a:bodyPr/>
+          <a:bodyPr>
+            <a:normAutofit/>
+          </a:bodyPr>
           <a:lstStyle/>
           <a:p>
-            <a:endParaRPr lang="en-US" dirty="0">
+            <a:r>
+              <a:rPr lang="en-US" sz="1800" dirty="0"/>
+              <a:t>Latest advances in CNNs also made an impact on </a:t>
+            </a:r>
+            <a:r>
+              <a:rPr lang="en-US" sz="1800" dirty="0" smtClean="0"/>
+              <a:t>feature</a:t>
+            </a:r>
+            <a:r>
+              <a:rPr lang="fa-IR" sz="1800" dirty="0" smtClean="0"/>
+              <a:t> </a:t>
+            </a:r>
+            <a:r>
+              <a:rPr lang="en-US" sz="1800" dirty="0" smtClean="0"/>
+              <a:t>detection</a:t>
+            </a:r>
+            <a:r>
+              <a:rPr lang="en-US" sz="1800" dirty="0"/>
+              <a:t>. TILDE </a:t>
+            </a:r>
+            <a:r>
+              <a:rPr lang="en-US" sz="1800" dirty="0" smtClean="0"/>
+              <a:t>trained </a:t>
+            </a:r>
+            <a:r>
+              <a:rPr lang="en-US" sz="1800" dirty="0"/>
+              <a:t>multiple piece-wise </a:t>
+            </a:r>
+            <a:r>
+              <a:rPr lang="en-US" sz="1800" dirty="0" smtClean="0"/>
+              <a:t>linear</a:t>
+            </a:r>
+            <a:r>
+              <a:rPr lang="fa-IR" sz="1800" dirty="0" smtClean="0"/>
+              <a:t> </a:t>
+            </a:r>
+            <a:r>
+              <a:rPr lang="en-US" sz="1800" dirty="0" smtClean="0"/>
+              <a:t>regression </a:t>
+            </a:r>
+            <a:r>
+              <a:rPr lang="en-US" sz="1800" dirty="0"/>
+              <a:t>models to identify interest points that are </a:t>
+            </a:r>
+            <a:r>
+              <a:rPr lang="en-US" sz="1800" dirty="0" smtClean="0"/>
+              <a:t>robust</a:t>
+            </a:r>
+            <a:r>
+              <a:rPr lang="fa-IR" sz="1800" dirty="0" smtClean="0"/>
+              <a:t> </a:t>
+            </a:r>
+            <a:r>
+              <a:rPr lang="en-US" sz="1800" dirty="0" smtClean="0"/>
+              <a:t>under </a:t>
+            </a:r>
+            <a:r>
+              <a:rPr lang="en-US" sz="1800" dirty="0"/>
+              <a:t>severe weather and illumination changes. </a:t>
+            </a:r>
+            <a:r>
+              <a:rPr lang="en-US" sz="1800" dirty="0" smtClean="0"/>
+              <a:t>introduced </a:t>
+            </a:r>
+            <a:r>
+              <a:rPr lang="en-US" sz="1800" dirty="0"/>
+              <a:t>a new formulation to train a CNN based on </a:t>
+            </a:r>
+            <a:r>
+              <a:rPr lang="en-US" sz="1800" dirty="0" smtClean="0"/>
+              <a:t>feature</a:t>
+            </a:r>
+            <a:r>
+              <a:rPr lang="fa-IR" sz="1800" dirty="0" smtClean="0"/>
+              <a:t> </a:t>
+            </a:r>
+            <a:r>
+              <a:rPr lang="en-US" sz="1800" dirty="0" smtClean="0"/>
+              <a:t>covariant </a:t>
+            </a:r>
+            <a:r>
+              <a:rPr lang="en-US" sz="1800" dirty="0"/>
+              <a:t>constraints. Previous detector was extended </a:t>
+            </a:r>
+            <a:r>
+              <a:rPr lang="en-US" sz="1800" dirty="0" smtClean="0"/>
+              <a:t>in</a:t>
+            </a:r>
+            <a:r>
+              <a:rPr lang="fa-IR" sz="1800" dirty="0" smtClean="0"/>
+              <a:t> </a:t>
+            </a:r>
+            <a:r>
+              <a:rPr lang="en-US" sz="1800" dirty="0" smtClean="0"/>
+              <a:t> </a:t>
+            </a:r>
+            <a:r>
+              <a:rPr lang="en-US" sz="1800" dirty="0"/>
+              <a:t>by adding predefined detector anchors, showing improved stability in training</a:t>
+            </a:r>
+            <a:r>
+              <a:rPr lang="en-US" sz="1800" dirty="0" smtClean="0"/>
+              <a:t>.</a:t>
+            </a:r>
+            <a:endParaRPr lang="fa-IR" sz="1800" dirty="0" smtClean="0"/>
+          </a:p>
+          <a:p>
+            <a:r>
+              <a:rPr lang="en-US" sz="1800" dirty="0"/>
+              <a:t>Latest advances in CNNs also made an impact on feature detection. TILDE trained multiple piece-wise linear regression models to identify interest points that are robust under severe weather and illumination changes</a:t>
+            </a:r>
+            <a:r>
+              <a:rPr lang="en-US" sz="1800" dirty="0" smtClean="0"/>
+              <a:t>.</a:t>
+            </a:r>
+          </a:p>
+          <a:p>
+            <a:r>
+              <a:rPr lang="en-US" sz="1800" dirty="0"/>
+              <a:t>introduced a new formulation to train a CNN based on feature covariant constraints. Previous detector was extended in by adding predefined detector anchors, showing improved stability in </a:t>
+            </a:r>
+            <a:r>
+              <a:rPr lang="en-US" sz="1800" dirty="0" smtClean="0"/>
+              <a:t>training.</a:t>
+            </a:r>
+            <a:endParaRPr lang="en-US" sz="1800" dirty="0">
               <a:solidFill>
                 <a:schemeClr val="tx1"/>
               </a:solidFill>
@@ -9283,16 +9420,15 @@
           <a:p>
             <a:r>
               <a:rPr lang="en-US" dirty="0"/>
-              <a:t>Multi-scale Pyramid</a:t>
-            </a:r>
-            <a:endParaRPr lang="en-US" dirty="0"/>
+              <a:t>Learned Detectors</a:t>
+            </a:r>
           </a:p>
         </p:txBody>
       </p:sp>
     </p:spTree>
     <p:extLst>
       <p:ext uri="{BB962C8B-B14F-4D97-AF65-F5344CB8AC3E}">
-        <p14:creationId xmlns:p14="http://schemas.microsoft.com/office/powerpoint/2010/main" val="4037790876"/>
+        <p14:creationId xmlns:p14="http://schemas.microsoft.com/office/powerpoint/2010/main" val="424912960"/>
       </p:ext>
     </p:extLst>
   </p:cSld>
@@ -9342,10 +9478,16 @@
           </a:xfrm>
         </p:spPr>
         <p:txBody>
-          <a:bodyPr/>
+          <a:bodyPr>
+            <a:normAutofit/>
+          </a:bodyPr>
           <a:lstStyle/>
           <a:p>
-            <a:endParaRPr lang="en-US" dirty="0">
+            <a:r>
+              <a:rPr lang="en-US" sz="1800" dirty="0"/>
+              <a:t>Quadruple image patches and a ranking scheme of point responses as cost function were used in to train a neural network. In, authors proposed a pipeline to automatically sample positive and negative pairs of patches from a region proposal network to optimize jointly point detections and their representations. Recently, LF-Net estimated position, scale and orientation of features by optimizing jointly the detector and descriptor.</a:t>
+            </a:r>
+            <a:endParaRPr lang="en-US" sz="1800" dirty="0">
               <a:solidFill>
                 <a:schemeClr val="tx1"/>
               </a:solidFill>
@@ -9381,16 +9523,15 @@
           <a:p>
             <a:r>
               <a:rPr lang="en-US" dirty="0"/>
-              <a:t>Loss Functions</a:t>
-            </a:r>
-            <a:endParaRPr lang="en-US" dirty="0"/>
+              <a:t>Learned Detectors</a:t>
+            </a:r>
           </a:p>
         </p:txBody>
       </p:sp>
     </p:spTree>
     <p:extLst>
       <p:ext uri="{BB962C8B-B14F-4D97-AF65-F5344CB8AC3E}">
-        <p14:creationId xmlns:p14="http://schemas.microsoft.com/office/powerpoint/2010/main" val="3740938454"/>
+        <p14:creationId xmlns:p14="http://schemas.microsoft.com/office/powerpoint/2010/main" val="3997169714"/>
       </p:ext>
     </p:extLst>
   </p:cSld>
@@ -9443,7 +9584,11 @@
           <a:bodyPr/>
           <a:lstStyle/>
           <a:p>
-            <a:endParaRPr lang="en-US" dirty="0">
+            <a:r>
+              <a:rPr lang="en-US" sz="1800"/>
+              <a:t>Key.Net architecture combines successful ideas from handcrafted and learned methods namely gradient-based feature extraction, learned combinations of low-level features and multi-scale pyramid representation.</a:t>
+            </a:r>
+            <a:endParaRPr lang="en-US" sz="1800" dirty="0">
               <a:solidFill>
                 <a:schemeClr val="tx1"/>
               </a:solidFill>
@@ -9474,21 +9619,26 @@
           </a:xfrm>
         </p:spPr>
         <p:txBody>
-          <a:bodyPr/>
+          <a:bodyPr>
+            <a:normAutofit/>
+          </a:bodyPr>
           <a:lstStyle/>
           <a:p>
             <a:r>
-              <a:rPr lang="en-US" dirty="0"/>
-              <a:t>Index Proposal Layer</a:t>
-            </a:r>
-            <a:endParaRPr lang="en-US" dirty="0"/>
+              <a:rPr lang="en-US" sz="1800" dirty="0" err="1"/>
+              <a:t>Key.Net</a:t>
+            </a:r>
+            <a:r>
+              <a:rPr lang="en-US" sz="1800" dirty="0"/>
+              <a:t> Architecture</a:t>
+            </a:r>
           </a:p>
         </p:txBody>
       </p:sp>
     </p:spTree>
     <p:extLst>
       <p:ext uri="{BB962C8B-B14F-4D97-AF65-F5344CB8AC3E}">
-        <p14:creationId xmlns:p14="http://schemas.microsoft.com/office/powerpoint/2010/main" val="1523001583"/>
+        <p14:creationId xmlns:p14="http://schemas.microsoft.com/office/powerpoint/2010/main" val="2458426814"/>
       </p:ext>
     </p:extLst>
   </p:cSld>
@@ -9517,40 +9667,6 @@
       </p:grpSpPr>
       <p:sp>
         <p:nvSpPr>
-          <p:cNvPr id="3" name="Content Placeholder 2">
-            <a:extLst>
-              <a:ext uri="{FF2B5EF4-FFF2-40B4-BE49-F238E27FC236}">
-                <a16:creationId xmlns:a16="http://schemas.microsoft.com/office/drawing/2014/main" id="{6AB250FE-08C8-4530-B722-29C38A359D8B}"/>
-              </a:ext>
-            </a:extLst>
-          </p:cNvPr>
-          <p:cNvSpPr>
-            <a:spLocks noGrp="1"/>
-          </p:cNvSpPr>
-          <p:nvPr>
-            <p:ph sz="half" idx="2"/>
-          </p:nvPr>
-        </p:nvSpPr>
-        <p:spPr>
-          <a:xfrm>
-            <a:off x="1097280" y="1602378"/>
-            <a:ext cx="10058400" cy="4266718"/>
-          </a:xfrm>
-        </p:spPr>
-        <p:txBody>
-          <a:bodyPr/>
-          <a:lstStyle/>
-          <a:p>
-            <a:endParaRPr lang="en-US" dirty="0">
-              <a:solidFill>
-                <a:schemeClr val="tx1"/>
-              </a:solidFill>
-            </a:endParaRPr>
-          </a:p>
-        </p:txBody>
-      </p:sp>
-      <p:sp>
-        <p:nvSpPr>
           <p:cNvPr id="2" name="Title 1">
             <a:extLst>
               <a:ext uri="{FF2B5EF4-FFF2-40B4-BE49-F238E27FC236}">
@@ -9577,16 +9693,1198 @@
           <a:p>
             <a:r>
               <a:rPr lang="en-US" dirty="0"/>
-              <a:t>Experimental Settings</a:t>
-            </a:r>
-            <a:endParaRPr lang="en-US" dirty="0"/>
+              <a:t>Handcrafted and Learned Filters</a:t>
+            </a:r>
           </a:p>
         </p:txBody>
       </p:sp>
+      <mc:AlternateContent xmlns:mc="http://schemas.openxmlformats.org/markup-compatibility/2006">
+        <mc:Choice xmlns:a14="http://schemas.microsoft.com/office/drawing/2010/main" Requires="a14">
+          <p:sp>
+            <p:nvSpPr>
+              <p:cNvPr id="4" name="Rectangle 3"/>
+              <p:cNvSpPr/>
+              <p:nvPr/>
+            </p:nvSpPr>
+            <p:spPr>
+              <a:xfrm>
+                <a:off x="4592662" y="1821120"/>
+                <a:ext cx="3067635" cy="516873"/>
+              </a:xfrm>
+              <a:prstGeom prst="rect">
+                <a:avLst/>
+              </a:prstGeom>
+            </p:spPr>
+            <p:txBody>
+              <a:bodyPr wrap="none">
+                <a:spAutoFit/>
+              </a:bodyPr>
+              <a:lstStyle/>
+              <a:p>
+                <a14:m>
+                  <m:oMathPara xmlns:m="http://schemas.openxmlformats.org/officeDocument/2006/math">
+                    <m:oMathParaPr>
+                      <m:jc m:val="centerGroup"/>
+                    </m:oMathParaPr>
+                    <m:oMath xmlns:m="http://schemas.openxmlformats.org/officeDocument/2006/math">
+                      <m:d>
+                        <m:dPr>
+                          <m:begChr m:val=""/>
+                          <m:ctrlPr>
+                            <a:rPr lang="en-US">
+                              <a:latin typeface="Cambria Math" panose="02040503050406030204" pitchFamily="18" charset="0"/>
+                            </a:rPr>
+                          </m:ctrlPr>
+                        </m:dPr>
+                        <m:e>
+                          <m:sSub>
+                            <m:sSubPr>
+                              <m:ctrlPr>
+                                <a:rPr lang="en-US">
+                                  <a:latin typeface="Cambria Math" panose="02040503050406030204" pitchFamily="18" charset="0"/>
+                                </a:rPr>
+                              </m:ctrlPr>
+                            </m:sSubPr>
+                            <m:e>
+                              <m:r>
+                                <a:rPr lang="en-US" i="1">
+                                  <a:latin typeface="Cambria Math" panose="02040503050406030204" pitchFamily="18" charset="0"/>
+                                </a:rPr>
+                                <m:t>𝐼</m:t>
+                              </m:r>
+                            </m:e>
+                            <m:sub>
+                              <m:sSub>
+                                <m:sSubPr>
+                                  <m:ctrlPr>
+                                    <a:rPr lang="en-US" i="1">
+                                      <a:latin typeface="Cambria Math" panose="02040503050406030204" pitchFamily="18" charset="0"/>
+                                    </a:rPr>
+                                  </m:ctrlPr>
+                                </m:sSubPr>
+                                <m:e>
+                                  <m:r>
+                                    <a:rPr lang="en-US" i="1">
+                                      <a:latin typeface="Cambria Math" panose="02040503050406030204" pitchFamily="18" charset="0"/>
+                                    </a:rPr>
+                                    <m:t>𝑖</m:t>
+                                  </m:r>
+                                </m:e>
+                                <m:sub>
+                                  <m:r>
+                                    <a:rPr lang="en-US" i="0">
+                                      <a:latin typeface="Cambria Math" panose="02040503050406030204" pitchFamily="18" charset="0"/>
+                                    </a:rPr>
+                                    <m:t>1</m:t>
+                                  </m:r>
+                                </m:sub>
+                              </m:sSub>
+                              <m:r>
+                                <a:rPr lang="en-US" i="0">
+                                  <a:latin typeface="Cambria Math" panose="02040503050406030204" pitchFamily="18" charset="0"/>
+                                </a:rPr>
+                                <m:t>, …, </m:t>
+                              </m:r>
+                              <m:sSub>
+                                <m:sSubPr>
+                                  <m:ctrlPr>
+                                    <a:rPr lang="en-US" i="1">
+                                      <a:latin typeface="Cambria Math" panose="02040503050406030204" pitchFamily="18" charset="0"/>
+                                    </a:rPr>
+                                  </m:ctrlPr>
+                                </m:sSubPr>
+                                <m:e>
+                                  <m:r>
+                                    <a:rPr lang="en-US" i="1">
+                                      <a:latin typeface="Cambria Math" panose="02040503050406030204" pitchFamily="18" charset="0"/>
+                                    </a:rPr>
+                                    <m:t>𝑖</m:t>
+                                  </m:r>
+                                </m:e>
+                                <m:sub>
+                                  <m:r>
+                                    <a:rPr lang="en-US" i="1">
+                                      <a:latin typeface="Cambria Math" panose="02040503050406030204" pitchFamily="18" charset="0"/>
+                                    </a:rPr>
+                                    <m:t>𝑛</m:t>
+                                  </m:r>
+                                </m:sub>
+                              </m:sSub>
+                            </m:sub>
+                          </m:sSub>
+                          <m:r>
+                            <a:rPr lang="en-US" i="0">
+                              <a:latin typeface="Cambria Math" panose="02040503050406030204" pitchFamily="18" charset="0"/>
+                            </a:rPr>
+                            <m:t>=</m:t>
+                          </m:r>
+                          <m:sSub>
+                            <m:sSubPr>
+                              <m:ctrlPr>
+                                <a:rPr lang="en-US" i="1">
+                                  <a:latin typeface="Cambria Math" panose="02040503050406030204" pitchFamily="18" charset="0"/>
+                                </a:rPr>
+                              </m:ctrlPr>
+                            </m:sSubPr>
+                            <m:e>
+                              <m:r>
+                                <a:rPr lang="en-US" i="1">
+                                  <a:latin typeface="Cambria Math" panose="02040503050406030204" pitchFamily="18" charset="0"/>
+                                </a:rPr>
+                                <m:t>𝐼</m:t>
+                              </m:r>
+                            </m:e>
+                            <m:sub>
+                              <m:r>
+                                <a:rPr lang="en-US" i="0">
+                                  <a:latin typeface="Cambria Math" panose="02040503050406030204" pitchFamily="18" charset="0"/>
+                                </a:rPr>
+                                <m:t>0</m:t>
+                              </m:r>
+                            </m:sub>
+                          </m:sSub>
+                          <m:r>
+                            <a:rPr lang="en-US" i="0">
+                              <a:latin typeface="Cambria Math" panose="02040503050406030204" pitchFamily="18" charset="0"/>
+                            </a:rPr>
+                            <m:t>∗</m:t>
+                          </m:r>
+                          <m:sSub>
+                            <m:sSubPr>
+                              <m:ctrlPr>
+                                <a:rPr lang="en-US" i="1">
+                                  <a:latin typeface="Cambria Math" panose="02040503050406030204" pitchFamily="18" charset="0"/>
+                                </a:rPr>
+                              </m:ctrlPr>
+                            </m:sSubPr>
+                            <m:e>
+                              <m:sSub>
+                                <m:sSubPr>
+                                  <m:ctrlPr>
+                                    <a:rPr lang="en-US" i="1">
+                                      <a:latin typeface="Cambria Math" panose="02040503050406030204" pitchFamily="18" charset="0"/>
+                                    </a:rPr>
+                                  </m:ctrlPr>
+                                </m:sSubPr>
+                                <m:e>
+                                  <m:r>
+                                    <a:rPr lang="en-US" i="0">
+                                      <a:latin typeface="Cambria Math" panose="02040503050406030204" pitchFamily="18" charset="0"/>
+                                    </a:rPr>
+                                    <m:t>∂</m:t>
+                                  </m:r>
+                                </m:e>
+                                <m:sub>
+                                  <m:r>
+                                    <a:rPr lang="en-US" i="1">
+                                      <a:latin typeface="Cambria Math" panose="02040503050406030204" pitchFamily="18" charset="0"/>
+                                    </a:rPr>
+                                    <m:t>𝑖</m:t>
+                                  </m:r>
+                                </m:sub>
+                              </m:sSub>
+                            </m:e>
+                            <m:sub>
+                              <m:r>
+                                <a:rPr lang="en-US" i="0">
+                                  <a:latin typeface="Cambria Math" panose="02040503050406030204" pitchFamily="18" charset="0"/>
+                                </a:rPr>
+                                <m:t>1</m:t>
+                              </m:r>
+                            </m:sub>
+                          </m:sSub>
+                          <m:r>
+                            <a:rPr lang="en-US" i="0">
+                              <a:latin typeface="Cambria Math" panose="02040503050406030204" pitchFamily="18" charset="0"/>
+                            </a:rPr>
+                            <m:t>,..,</m:t>
+                          </m:r>
+                          <m:sSub>
+                            <m:sSubPr>
+                              <m:ctrlPr>
+                                <a:rPr lang="en-US" i="1">
+                                  <a:latin typeface="Cambria Math" panose="02040503050406030204" pitchFamily="18" charset="0"/>
+                                </a:rPr>
+                              </m:ctrlPr>
+                            </m:sSubPr>
+                            <m:e>
+                              <m:r>
+                                <a:rPr lang="en-US" i="1">
+                                  <a:latin typeface="Cambria Math" panose="02040503050406030204" pitchFamily="18" charset="0"/>
+                                </a:rPr>
+                                <m:t>𝑖</m:t>
+                              </m:r>
+                            </m:e>
+                            <m:sub>
+                              <m:r>
+                                <a:rPr lang="en-US" i="1">
+                                  <a:latin typeface="Cambria Math" panose="02040503050406030204" pitchFamily="18" charset="0"/>
+                                </a:rPr>
+                                <m:t>𝑛</m:t>
+                              </m:r>
+                            </m:sub>
+                          </m:sSub>
+                          <m:r>
+                            <a:rPr lang="en-US" i="1">
+                              <a:latin typeface="Cambria Math" panose="02040503050406030204" pitchFamily="18" charset="0"/>
+                            </a:rPr>
+                            <m:t>𝑔</m:t>
+                          </m:r>
+                          <m:r>
+                            <a:rPr lang="en-US" i="1">
+                              <a:latin typeface="Cambria Math" panose="02040503050406030204" pitchFamily="18" charset="0"/>
+                            </a:rPr>
+                            <m:t>𝜎</m:t>
+                          </m:r>
+                          <m:r>
+                            <a:rPr lang="en-US" i="0">
+                              <a:latin typeface="Cambria Math" panose="02040503050406030204" pitchFamily="18" charset="0"/>
+                            </a:rPr>
+                            <m:t>(</m:t>
+                          </m:r>
+                          <m:groupChr>
+                            <m:groupChrPr>
+                              <m:chr m:val="→"/>
+                              <m:pos m:val="top"/>
+                              <m:ctrlPr>
+                                <a:rPr lang="en-US" i="1">
+                                  <a:latin typeface="Cambria Math" panose="02040503050406030204" pitchFamily="18" charset="0"/>
+                                </a:rPr>
+                              </m:ctrlPr>
+                            </m:groupChrPr>
+                            <m:e>
+                              <m:r>
+                                <a:rPr lang="en-US" i="1">
+                                  <a:latin typeface="Cambria Math" panose="02040503050406030204" pitchFamily="18" charset="0"/>
+                                </a:rPr>
+                                <m:t>𝑥</m:t>
+                              </m:r>
+                            </m:e>
+                          </m:groupChr>
+                        </m:e>
+                      </m:d>
+                    </m:oMath>
+                  </m:oMathPara>
+                </a14:m>
+                <a:endParaRPr lang="en-US" dirty="0"/>
+              </a:p>
+            </p:txBody>
+          </p:sp>
+        </mc:Choice>
+        <mc:Fallback>
+          <p:sp>
+            <p:nvSpPr>
+              <p:cNvPr id="4" name="Rectangle 3"/>
+              <p:cNvSpPr>
+                <a:spLocks noRot="1" noChangeAspect="1" noMove="1" noResize="1" noEditPoints="1" noAdjustHandles="1" noChangeArrowheads="1" noChangeShapeType="1" noTextEdit="1"/>
+              </p:cNvSpPr>
+              <p:nvPr/>
+            </p:nvSpPr>
+            <p:spPr>
+              <a:xfrm>
+                <a:off x="4592662" y="1821120"/>
+                <a:ext cx="3067635" cy="516873"/>
+              </a:xfrm>
+              <a:prstGeom prst="rect">
+                <a:avLst/>
+              </a:prstGeom>
+              <a:blipFill>
+                <a:blip r:embed="rId2"/>
+                <a:stretch>
+                  <a:fillRect t="-168235" r="-27778" b="-243529"/>
+                </a:stretch>
+              </a:blipFill>
+            </p:spPr>
+            <p:txBody>
+              <a:bodyPr/>
+              <a:lstStyle/>
+              <a:p>
+                <a:r>
+                  <a:rPr lang="en-US">
+                    <a:noFill/>
+                  </a:rPr>
+                  <a:t> </a:t>
+                </a:r>
+              </a:p>
+            </p:txBody>
+          </p:sp>
+        </mc:Fallback>
+      </mc:AlternateContent>
+      <mc:AlternateContent xmlns:mc="http://schemas.openxmlformats.org/markup-compatibility/2006">
+        <mc:Choice xmlns:a14="http://schemas.microsoft.com/office/drawing/2010/main" Requires="a14">
+          <p:sp>
+            <p:nvSpPr>
+              <p:cNvPr id="5" name="Rectangle 4"/>
+              <p:cNvSpPr/>
+              <p:nvPr/>
+            </p:nvSpPr>
+            <p:spPr>
+              <a:xfrm>
+                <a:off x="1097280" y="2628658"/>
+                <a:ext cx="10058400" cy="3548857"/>
+              </a:xfrm>
+              <a:prstGeom prst="rect">
+                <a:avLst/>
+              </a:prstGeom>
+            </p:spPr>
+            <p:txBody>
+              <a:bodyPr wrap="square">
+                <a:spAutoFit/>
+              </a:bodyPr>
+              <a:lstStyle/>
+              <a:p>
+                <a:pPr marL="228600" marR="0" algn="r" rtl="1">
+                  <a:lnSpc>
+                    <a:spcPct val="107000"/>
+                  </a:lnSpc>
+                  <a:spcBef>
+                    <a:spcPts val="0"/>
+                  </a:spcBef>
+                  <a:spcAft>
+                    <a:spcPts val="800"/>
+                  </a:spcAft>
+                </a:pPr>
+                <a:r>
+                  <a:rPr lang="fa-IR" dirty="0">
+                    <a:latin typeface="Calibri" panose="020F0502020204030204" pitchFamily="34" charset="0"/>
+                    <a:ea typeface="Calibri" panose="020F0502020204030204" pitchFamily="34" charset="0"/>
+                    <a:cs typeface="B Nazanin" panose="00000400000000000000" pitchFamily="2" charset="-78"/>
+                  </a:rPr>
+                  <a:t>جایی که  </a:t>
+                </a:r>
+                <a14:m>
+                  <m:oMath xmlns:m="http://schemas.openxmlformats.org/officeDocument/2006/math">
+                    <m:sSub>
+                      <m:sSubPr>
+                        <m:ctrlPr>
+                          <a:rPr lang="en-US" i="1">
+                            <a:latin typeface="Cambria Math" panose="02040503050406030204" pitchFamily="18" charset="0"/>
+                            <a:ea typeface="Calibri" panose="020F0502020204030204" pitchFamily="34" charset="0"/>
+                            <a:cs typeface="B Nazanin" panose="00000400000000000000" pitchFamily="2" charset="-78"/>
+                          </a:rPr>
+                        </m:ctrlPr>
+                      </m:sSubPr>
+                      <m:e>
+                        <m:r>
+                          <a:rPr lang="en-US" i="1">
+                            <a:latin typeface="Cambria Math" panose="02040503050406030204" pitchFamily="18" charset="0"/>
+                            <a:ea typeface="Calibri" panose="020F0502020204030204" pitchFamily="34" charset="0"/>
+                            <a:cs typeface="B Nazanin" panose="00000400000000000000" pitchFamily="2" charset="-78"/>
+                          </a:rPr>
+                          <m:t>𝑔</m:t>
+                        </m:r>
+                      </m:e>
+                      <m:sub>
+                        <m:r>
+                          <a:rPr lang="en-US" i="1">
+                            <a:latin typeface="Cambria Math" panose="02040503050406030204" pitchFamily="18" charset="0"/>
+                            <a:ea typeface="Calibri" panose="020F0502020204030204" pitchFamily="34" charset="0"/>
+                            <a:cs typeface="B Nazanin" panose="00000400000000000000" pitchFamily="2" charset="-78"/>
+                          </a:rPr>
+                          <m:t>𝜎</m:t>
+                        </m:r>
+                      </m:sub>
+                    </m:sSub>
+                  </m:oMath>
+                </a14:m>
+                <a:r>
+                  <a:rPr lang="fa-IR" dirty="0">
+                    <a:latin typeface="Calibri" panose="020F0502020204030204" pitchFamily="34" charset="0"/>
+                    <a:ea typeface="Calibri" panose="020F0502020204030204" pitchFamily="34" charset="0"/>
+                    <a:cs typeface="B Nazanin" panose="00000400000000000000" pitchFamily="2" charset="-78"/>
+                  </a:rPr>
+                  <a:t>نشانگر </a:t>
+                </a:r>
+                <a:r>
+                  <a:rPr lang="en-US" dirty="0">
+                    <a:latin typeface="Calibri" panose="020F0502020204030204" pitchFamily="34" charset="0"/>
+                    <a:ea typeface="Calibri" panose="020F0502020204030204" pitchFamily="34" charset="0"/>
+                    <a:cs typeface="B Nazanin" panose="00000400000000000000" pitchFamily="2" charset="-78"/>
+                  </a:rPr>
+                  <a:t>Gaussian</a:t>
+                </a:r>
+                <a:r>
+                  <a:rPr lang="fa-IR" dirty="0">
+                    <a:latin typeface="Calibri" panose="020F0502020204030204" pitchFamily="34" charset="0"/>
+                    <a:ea typeface="Calibri" panose="020F0502020204030204" pitchFamily="34" charset="0"/>
+                    <a:cs typeface="B Nazanin" panose="00000400000000000000" pitchFamily="2" charset="-78"/>
+                  </a:rPr>
+                  <a:t> با عرض </a:t>
+                </a:r>
+                <a:r>
+                  <a:rPr lang="en-US" dirty="0">
+                    <a:latin typeface="Calibri" panose="020F0502020204030204" pitchFamily="34" charset="0"/>
+                    <a:ea typeface="Calibri" panose="020F0502020204030204" pitchFamily="34" charset="0"/>
+                    <a:cs typeface="B Nazanin" panose="00000400000000000000" pitchFamily="2" charset="-78"/>
+                  </a:rPr>
+                  <a:t>σ</a:t>
+                </a:r>
+                <a:r>
+                  <a:rPr lang="fa-IR" dirty="0">
+                    <a:latin typeface="Calibri" panose="020F0502020204030204" pitchFamily="34" charset="0"/>
+                    <a:ea typeface="Calibri" panose="020F0502020204030204" pitchFamily="34" charset="0"/>
+                    <a:cs typeface="B Nazanin" panose="00000400000000000000" pitchFamily="2" charset="-78"/>
+                  </a:rPr>
+                  <a:t> است که در </a:t>
+                </a:r>
+                <a14:m>
+                  <m:oMath xmlns:m="http://schemas.openxmlformats.org/officeDocument/2006/math">
+                    <m:box>
+                      <m:boxPr>
+                        <m:ctrlPr>
+                          <a:rPr lang="en-US" i="1">
+                            <a:latin typeface="Cambria Math" panose="02040503050406030204" pitchFamily="18" charset="0"/>
+                            <a:ea typeface="Calibri" panose="020F0502020204030204" pitchFamily="34" charset="0"/>
+                            <a:cs typeface="B Nazanin" panose="00000400000000000000" pitchFamily="2" charset="-78"/>
+                          </a:rPr>
+                        </m:ctrlPr>
+                      </m:boxPr>
+                      <m:e>
+                        <m:groupChr>
+                          <m:groupChrPr>
+                            <m:chr m:val="→"/>
+                            <m:pos m:val="top"/>
+                            <m:ctrlPr>
+                              <a:rPr lang="en-US" i="1">
+                                <a:latin typeface="Cambria Math" panose="02040503050406030204" pitchFamily="18" charset="0"/>
+                                <a:ea typeface="Calibri" panose="020F0502020204030204" pitchFamily="34" charset="0"/>
+                                <a:cs typeface="B Nazanin" panose="00000400000000000000" pitchFamily="2" charset="-78"/>
+                              </a:rPr>
+                            </m:ctrlPr>
+                          </m:groupChrPr>
+                          <m:e>
+                            <m:r>
+                              <a:rPr lang="en-US" i="1">
+                                <a:latin typeface="Cambria Math" panose="02040503050406030204" pitchFamily="18" charset="0"/>
+                                <a:ea typeface="Calibri" panose="020F0502020204030204" pitchFamily="34" charset="0"/>
+                                <a:cs typeface="B Nazanin" panose="00000400000000000000" pitchFamily="2" charset="-78"/>
+                              </a:rPr>
+                              <m:t>𝑥</m:t>
+                            </m:r>
+                          </m:e>
+                        </m:groupChr>
+                        <m:r>
+                          <a:rPr lang="en-US" i="1">
+                            <a:latin typeface="Cambria Math" panose="02040503050406030204" pitchFamily="18" charset="0"/>
+                            <a:ea typeface="Calibri" panose="020F0502020204030204" pitchFamily="34" charset="0"/>
+                            <a:cs typeface="B Nazanin" panose="00000400000000000000" pitchFamily="2" charset="-78"/>
+                          </a:rPr>
+                          <m:t>=</m:t>
+                        </m:r>
+                        <m:box>
+                          <m:boxPr>
+                            <m:ctrlPr>
+                              <a:rPr lang="en-US" i="1">
+                                <a:latin typeface="Cambria Math" panose="02040503050406030204" pitchFamily="18" charset="0"/>
+                                <a:ea typeface="Calibri" panose="020F0502020204030204" pitchFamily="34" charset="0"/>
+                                <a:cs typeface="B Nazanin" panose="00000400000000000000" pitchFamily="2" charset="-78"/>
+                              </a:rPr>
+                            </m:ctrlPr>
+                          </m:boxPr>
+                          <m:e>
+                            <m:groupChr>
+                              <m:groupChrPr>
+                                <m:chr m:val="→"/>
+                                <m:pos m:val="top"/>
+                                <m:ctrlPr>
+                                  <a:rPr lang="en-US" i="1">
+                                    <a:latin typeface="Cambria Math" panose="02040503050406030204" pitchFamily="18" charset="0"/>
+                                    <a:ea typeface="Calibri" panose="020F0502020204030204" pitchFamily="34" charset="0"/>
+                                    <a:cs typeface="B Nazanin" panose="00000400000000000000" pitchFamily="2" charset="-78"/>
+                                  </a:rPr>
+                                </m:ctrlPr>
+                              </m:groupChrPr>
+                              <m:e>
+                                <m:r>
+                                  <a:rPr lang="en-US" i="1">
+                                    <a:latin typeface="Cambria Math" panose="02040503050406030204" pitchFamily="18" charset="0"/>
+                                    <a:ea typeface="Calibri" panose="020F0502020204030204" pitchFamily="34" charset="0"/>
+                                    <a:cs typeface="B Nazanin" panose="00000400000000000000" pitchFamily="2" charset="-78"/>
+                                  </a:rPr>
+                                  <m:t>0</m:t>
+                                </m:r>
+                              </m:e>
+                            </m:groupChr>
+                          </m:e>
+                        </m:box>
+                      </m:e>
+                    </m:box>
+                  </m:oMath>
+                </a14:m>
+                <a:r>
+                  <a:rPr lang="fa-IR" dirty="0">
+                    <a:latin typeface="Calibri" panose="020F0502020204030204" pitchFamily="34" charset="0"/>
+                    <a:ea typeface="Calibri" panose="020F0502020204030204" pitchFamily="34" charset="0"/>
+                    <a:cs typeface="B Nazanin" panose="00000400000000000000" pitchFamily="2" charset="-78"/>
+                  </a:rPr>
+                  <a:t> قرار دارد و جهت را نشان می دهد. مشتقات مرتبه بالاتر یعنی </a:t>
+                </a:r>
+                <a:r>
+                  <a:rPr lang="en-US" dirty="0">
+                    <a:latin typeface="Calibri" panose="020F0502020204030204" pitchFamily="34" charset="0"/>
+                    <a:ea typeface="Calibri" panose="020F0502020204030204" pitchFamily="34" charset="0"/>
+                    <a:cs typeface="B Nazanin" panose="00000400000000000000" pitchFamily="2" charset="-78"/>
+                  </a:rPr>
+                  <a:t>n&gt;2</a:t>
+                </a:r>
+                <a:r>
+                  <a:rPr lang="fa-IR" dirty="0">
+                    <a:latin typeface="Calibri" panose="020F0502020204030204" pitchFamily="34" charset="0"/>
+                    <a:ea typeface="Calibri" panose="020F0502020204030204" pitchFamily="34" charset="0"/>
+                    <a:cs typeface="B Nazanin" panose="00000400000000000000" pitchFamily="2" charset="-78"/>
+                  </a:rPr>
+                  <a:t> به نویز حساس هستند و به هسته های بزرگ احتیاج دارند ، بنابراین مشتقات و ترکیبات آنها را فقط تا مرتبه دوم شامل می کنیم:</a:t>
+                </a:r>
+                <a:endParaRPr lang="en-US" dirty="0">
+                  <a:latin typeface="Calibri" panose="020F0502020204030204" pitchFamily="34" charset="0"/>
+                  <a:ea typeface="Calibri" panose="020F0502020204030204" pitchFamily="34" charset="0"/>
+                  <a:cs typeface="Arial" panose="020B0604020202020204" pitchFamily="34" charset="0"/>
+                </a:endParaRPr>
+              </a:p>
+              <a:p>
+                <a:pPr marL="342900" marR="0" lvl="0" indent="-342900" algn="r" rtl="1">
+                  <a:lnSpc>
+                    <a:spcPct val="107000"/>
+                  </a:lnSpc>
+                  <a:spcBef>
+                    <a:spcPts val="0"/>
+                  </a:spcBef>
+                  <a:spcAft>
+                    <a:spcPts val="800"/>
+                  </a:spcAft>
+                  <a:buFont typeface="Times New Roman" panose="02020603050405020304" pitchFamily="18" charset="0"/>
+                  <a:buChar char="-"/>
+                </a:pPr>
+                <a:r>
+                  <a:rPr lang="en-US" dirty="0">
+                    <a:latin typeface="Calibri" panose="020F0502020204030204" pitchFamily="34" charset="0"/>
+                    <a:ea typeface="Calibri" panose="020F0502020204030204" pitchFamily="34" charset="0"/>
+                    <a:cs typeface="B Nazanin" panose="00000400000000000000" pitchFamily="2" charset="-78"/>
+                  </a:rPr>
+                  <a:t>First order</a:t>
+                </a:r>
+                <a:r>
+                  <a:rPr lang="fa-IR" dirty="0">
+                    <a:latin typeface="Calibri" panose="020F0502020204030204" pitchFamily="34" charset="0"/>
+                    <a:ea typeface="Calibri" panose="020F0502020204030204" pitchFamily="34" charset="0"/>
+                    <a:cs typeface="B Nazanin" panose="00000400000000000000" pitchFamily="2" charset="-78"/>
+                  </a:rPr>
+                  <a:t> : از تصویر </a:t>
+                </a:r>
+                <a:r>
+                  <a:rPr lang="en-US" dirty="0">
+                    <a:latin typeface="Calibri" panose="020F0502020204030204" pitchFamily="34" charset="0"/>
+                    <a:ea typeface="Calibri" panose="020F0502020204030204" pitchFamily="34" charset="0"/>
+                    <a:cs typeface="B Nazanin" panose="00000400000000000000" pitchFamily="2" charset="-78"/>
+                  </a:rPr>
+                  <a:t>I</a:t>
+                </a:r>
+                <a:r>
+                  <a:rPr lang="fa-IR" dirty="0">
+                    <a:latin typeface="Calibri" panose="020F0502020204030204" pitchFamily="34" charset="0"/>
+                    <a:ea typeface="Calibri" panose="020F0502020204030204" pitchFamily="34" charset="0"/>
+                    <a:cs typeface="B Nazanin" panose="00000400000000000000" pitchFamily="2" charset="-78"/>
+                  </a:rPr>
+                  <a:t> شیب درجه یک </a:t>
+                </a:r>
+                <a:r>
+                  <a:rPr lang="en-US" dirty="0">
+                    <a:latin typeface="Calibri" panose="020F0502020204030204" pitchFamily="34" charset="0"/>
+                    <a:ea typeface="Calibri" panose="020F0502020204030204" pitchFamily="34" charset="0"/>
+                    <a:cs typeface="B Nazanin" panose="00000400000000000000" pitchFamily="2" charset="-78"/>
+                  </a:rPr>
+                  <a:t>I</a:t>
+                </a:r>
+                <a:r>
+                  <a:rPr lang="en-US" baseline="-25000" dirty="0">
+                    <a:latin typeface="Calibri" panose="020F0502020204030204" pitchFamily="34" charset="0"/>
+                    <a:ea typeface="Calibri" panose="020F0502020204030204" pitchFamily="34" charset="0"/>
+                    <a:cs typeface="B Nazanin" panose="00000400000000000000" pitchFamily="2" charset="-78"/>
+                  </a:rPr>
+                  <a:t>x</a:t>
+                </a:r>
+                <a:r>
+                  <a:rPr lang="fa-IR" dirty="0">
+                    <a:latin typeface="Calibri" panose="020F0502020204030204" pitchFamily="34" charset="0"/>
+                    <a:ea typeface="Calibri" panose="020F0502020204030204" pitchFamily="34" charset="0"/>
+                    <a:cs typeface="B Nazanin" panose="00000400000000000000" pitchFamily="2" charset="-78"/>
+                  </a:rPr>
+                  <a:t> و </a:t>
+                </a:r>
+                <a:r>
+                  <a:rPr lang="en-US" dirty="0" err="1">
+                    <a:latin typeface="Calibri" panose="020F0502020204030204" pitchFamily="34" charset="0"/>
+                    <a:ea typeface="Calibri" panose="020F0502020204030204" pitchFamily="34" charset="0"/>
+                    <a:cs typeface="B Nazanin" panose="00000400000000000000" pitchFamily="2" charset="-78"/>
+                  </a:rPr>
+                  <a:t>I</a:t>
+                </a:r>
+                <a:r>
+                  <a:rPr lang="en-US" baseline="-25000" dirty="0" err="1">
+                    <a:latin typeface="Calibri" panose="020F0502020204030204" pitchFamily="34" charset="0"/>
+                    <a:ea typeface="Calibri" panose="020F0502020204030204" pitchFamily="34" charset="0"/>
+                    <a:cs typeface="B Nazanin" panose="00000400000000000000" pitchFamily="2" charset="-78"/>
+                  </a:rPr>
+                  <a:t>y</a:t>
+                </a:r>
+                <a:r>
+                  <a:rPr lang="fa-IR" dirty="0">
+                    <a:latin typeface="Calibri" panose="020F0502020204030204" pitchFamily="34" charset="0"/>
+                    <a:ea typeface="Calibri" panose="020F0502020204030204" pitchFamily="34" charset="0"/>
+                    <a:cs typeface="B Nazanin" panose="00000400000000000000" pitchFamily="2" charset="-78"/>
+                  </a:rPr>
+                  <a:t> را بدست می آوریم. علاوه بر این ، ما </a:t>
+                </a:r>
+                <a:r>
+                  <a:rPr lang="en-US" dirty="0">
+                    <a:latin typeface="Calibri" panose="020F0502020204030204" pitchFamily="34" charset="0"/>
+                    <a:ea typeface="Calibri" panose="020F0502020204030204" pitchFamily="34" charset="0"/>
+                    <a:cs typeface="B Nazanin" panose="00000400000000000000" pitchFamily="2" charset="-78"/>
+                  </a:rPr>
+                  <a:t>I</a:t>
+                </a:r>
+                <a:r>
+                  <a:rPr lang="en-US" baseline="-25000" dirty="0">
+                    <a:latin typeface="Calibri" panose="020F0502020204030204" pitchFamily="34" charset="0"/>
+                    <a:ea typeface="Calibri" panose="020F0502020204030204" pitchFamily="34" charset="0"/>
+                    <a:cs typeface="B Nazanin" panose="00000400000000000000" pitchFamily="2" charset="-78"/>
+                  </a:rPr>
+                  <a:t>x</a:t>
+                </a:r>
+                <a:r>
+                  <a:rPr lang="en-US" dirty="0">
+                    <a:latin typeface="Calibri" panose="020F0502020204030204" pitchFamily="34" charset="0"/>
+                    <a:ea typeface="Calibri" panose="020F0502020204030204" pitchFamily="34" charset="0"/>
+                    <a:cs typeface="B Nazanin" panose="00000400000000000000" pitchFamily="2" charset="-78"/>
+                  </a:rPr>
+                  <a:t> </a:t>
+                </a:r>
+                <a:r>
+                  <a:rPr lang="en-US" dirty="0">
+                    <a:latin typeface="Cambria Math" panose="02040503050406030204" pitchFamily="18" charset="0"/>
+                    <a:ea typeface="Calibri" panose="020F0502020204030204" pitchFamily="34" charset="0"/>
+                    <a:cs typeface="Cambria Math" panose="02040503050406030204" pitchFamily="18" charset="0"/>
+                  </a:rPr>
+                  <a:t>∗</a:t>
+                </a:r>
+                <a:r>
+                  <a:rPr lang="en-US" dirty="0">
+                    <a:latin typeface="Calibri" panose="020F0502020204030204" pitchFamily="34" charset="0"/>
+                    <a:ea typeface="Calibri" panose="020F0502020204030204" pitchFamily="34" charset="0"/>
+                    <a:cs typeface="B Nazanin" panose="00000400000000000000" pitchFamily="2" charset="-78"/>
+                  </a:rPr>
+                  <a:t> </a:t>
+                </a:r>
+                <a:r>
+                  <a:rPr lang="en-US" dirty="0" err="1">
+                    <a:latin typeface="Calibri" panose="020F0502020204030204" pitchFamily="34" charset="0"/>
+                    <a:ea typeface="Calibri" panose="020F0502020204030204" pitchFamily="34" charset="0"/>
+                    <a:cs typeface="B Nazanin" panose="00000400000000000000" pitchFamily="2" charset="-78"/>
+                  </a:rPr>
+                  <a:t>I</a:t>
+                </a:r>
+                <a:r>
+                  <a:rPr lang="en-US" baseline="-25000" dirty="0" err="1">
+                    <a:latin typeface="Calibri" panose="020F0502020204030204" pitchFamily="34" charset="0"/>
+                    <a:ea typeface="Calibri" panose="020F0502020204030204" pitchFamily="34" charset="0"/>
+                    <a:cs typeface="B Nazanin" panose="00000400000000000000" pitchFamily="2" charset="-78"/>
+                  </a:rPr>
+                  <a:t>y</a:t>
+                </a:r>
+                <a:r>
+                  <a:rPr lang="en-US" dirty="0">
+                    <a:latin typeface="Calibri" panose="020F0502020204030204" pitchFamily="34" charset="0"/>
+                    <a:ea typeface="Calibri" panose="020F0502020204030204" pitchFamily="34" charset="0"/>
+                    <a:cs typeface="B Nazanin" panose="00000400000000000000" pitchFamily="2" charset="-78"/>
+                  </a:rPr>
+                  <a:t> </a:t>
+                </a:r>
+                <a:r>
+                  <a:rPr lang="fa-IR" dirty="0">
+                    <a:latin typeface="Calibri" panose="020F0502020204030204" pitchFamily="34" charset="0"/>
+                    <a:ea typeface="Calibri" panose="020F0502020204030204" pitchFamily="34" charset="0"/>
+                    <a:cs typeface="B Nazanin" panose="00000400000000000000" pitchFamily="2" charset="-78"/>
+                  </a:rPr>
+                  <a:t>، </a:t>
+                </a:r>
+                <a:r>
+                  <a:rPr lang="en-US" dirty="0">
+                    <a:latin typeface="Calibri" panose="020F0502020204030204" pitchFamily="34" charset="0"/>
+                    <a:ea typeface="Calibri" panose="020F0502020204030204" pitchFamily="34" charset="0"/>
+                    <a:cs typeface="B Nazanin" panose="00000400000000000000" pitchFamily="2" charset="-78"/>
+                  </a:rPr>
+                  <a:t>I</a:t>
+                </a:r>
+                <a:r>
+                  <a:rPr lang="en-US" baseline="-25000" dirty="0">
+                    <a:latin typeface="Calibri" panose="020F0502020204030204" pitchFamily="34" charset="0"/>
+                    <a:ea typeface="Calibri" panose="020F0502020204030204" pitchFamily="34" charset="0"/>
+                    <a:cs typeface="B Nazanin" panose="00000400000000000000" pitchFamily="2" charset="-78"/>
+                  </a:rPr>
+                  <a:t>x</a:t>
+                </a:r>
+                <a:r>
+                  <a:rPr lang="en-US" baseline="30000" dirty="0">
+                    <a:latin typeface="Calibri" panose="020F0502020204030204" pitchFamily="34" charset="0"/>
+                    <a:ea typeface="Calibri" panose="020F0502020204030204" pitchFamily="34" charset="0"/>
+                    <a:cs typeface="B Nazanin" panose="00000400000000000000" pitchFamily="2" charset="-78"/>
+                  </a:rPr>
+                  <a:t> 2</a:t>
+                </a:r>
+                <a:r>
+                  <a:rPr lang="fa-IR" dirty="0">
+                    <a:latin typeface="Calibri" panose="020F0502020204030204" pitchFamily="34" charset="0"/>
+                    <a:ea typeface="Calibri" panose="020F0502020204030204" pitchFamily="34" charset="0"/>
+                    <a:cs typeface="B Nazanin" panose="00000400000000000000" pitchFamily="2" charset="-78"/>
+                  </a:rPr>
+                  <a:t> و </a:t>
+                </a:r>
+                <a:r>
+                  <a:rPr lang="en-US" dirty="0" err="1">
+                    <a:latin typeface="Calibri" panose="020F0502020204030204" pitchFamily="34" charset="0"/>
+                    <a:ea typeface="Calibri" panose="020F0502020204030204" pitchFamily="34" charset="0"/>
+                    <a:cs typeface="B Nazanin" panose="00000400000000000000" pitchFamily="2" charset="-78"/>
+                  </a:rPr>
+                  <a:t>I</a:t>
+                </a:r>
+                <a:r>
+                  <a:rPr lang="en-US" baseline="-25000" dirty="0" err="1">
+                    <a:latin typeface="Calibri" panose="020F0502020204030204" pitchFamily="34" charset="0"/>
+                    <a:ea typeface="Calibri" panose="020F0502020204030204" pitchFamily="34" charset="0"/>
+                    <a:cs typeface="B Nazanin" panose="00000400000000000000" pitchFamily="2" charset="-78"/>
+                  </a:rPr>
+                  <a:t>y</a:t>
+                </a:r>
+                <a:r>
+                  <a:rPr lang="en-US" dirty="0">
+                    <a:latin typeface="Calibri" panose="020F0502020204030204" pitchFamily="34" charset="0"/>
+                    <a:ea typeface="Calibri" panose="020F0502020204030204" pitchFamily="34" charset="0"/>
+                    <a:cs typeface="B Nazanin" panose="00000400000000000000" pitchFamily="2" charset="-78"/>
+                  </a:rPr>
+                  <a:t> </a:t>
+                </a:r>
+                <a:r>
+                  <a:rPr lang="en-US" baseline="30000" dirty="0">
+                    <a:latin typeface="Calibri" panose="020F0502020204030204" pitchFamily="34" charset="0"/>
+                    <a:ea typeface="Calibri" panose="020F0502020204030204" pitchFamily="34" charset="0"/>
+                    <a:cs typeface="B Nazanin" panose="00000400000000000000" pitchFamily="2" charset="-78"/>
+                  </a:rPr>
+                  <a:t>2</a:t>
+                </a:r>
+                <a:r>
+                  <a:rPr lang="fa-IR" dirty="0">
+                    <a:latin typeface="Calibri" panose="020F0502020204030204" pitchFamily="34" charset="0"/>
+                    <a:ea typeface="Calibri" panose="020F0502020204030204" pitchFamily="34" charset="0"/>
+                    <a:cs typeface="B Nazanin" panose="00000400000000000000" pitchFamily="2" charset="-78"/>
+                  </a:rPr>
+                  <a:t> را در ماتریس لحظه دوم ردیاب هریس محاسبه می کنیم</a:t>
+                </a:r>
+                <a:r>
+                  <a:rPr lang="en-US" dirty="0">
+                    <a:latin typeface="Calibri" panose="020F0502020204030204" pitchFamily="34" charset="0"/>
+                    <a:ea typeface="Calibri" panose="020F0502020204030204" pitchFamily="34" charset="0"/>
+                    <a:cs typeface="B Nazanin" panose="00000400000000000000" pitchFamily="2" charset="-78"/>
+                  </a:rPr>
+                  <a:t>.</a:t>
+                </a:r>
+              </a:p>
+              <a:p>
+                <a:pPr marL="342900" marR="0" lvl="0" indent="-342900" algn="r" rtl="1">
+                  <a:lnSpc>
+                    <a:spcPct val="107000"/>
+                  </a:lnSpc>
+                  <a:spcBef>
+                    <a:spcPts val="0"/>
+                  </a:spcBef>
+                  <a:spcAft>
+                    <a:spcPts val="800"/>
+                  </a:spcAft>
+                  <a:buFont typeface="Times New Roman" panose="02020603050405020304" pitchFamily="18" charset="0"/>
+                  <a:buChar char="-"/>
+                </a:pPr>
+                <a:r>
+                  <a:rPr lang="en-US" dirty="0">
+                    <a:latin typeface="Calibri" panose="020F0502020204030204" pitchFamily="34" charset="0"/>
+                    <a:ea typeface="Calibri" panose="020F0502020204030204" pitchFamily="34" charset="0"/>
+                    <a:cs typeface="B Nazanin" panose="00000400000000000000" pitchFamily="2" charset="-78"/>
+                  </a:rPr>
+                  <a:t>Second order</a:t>
+                </a:r>
+                <a:r>
+                  <a:rPr lang="fa-IR" dirty="0">
+                    <a:latin typeface="Calibri" panose="020F0502020204030204" pitchFamily="34" charset="0"/>
+                    <a:ea typeface="Calibri" panose="020F0502020204030204" pitchFamily="34" charset="0"/>
+                    <a:cs typeface="B Nazanin" panose="00000400000000000000" pitchFamily="2" charset="-78"/>
+                  </a:rPr>
+                  <a:t> : از تصویر </a:t>
+                </a:r>
+                <a:r>
+                  <a:rPr lang="en-US" dirty="0">
+                    <a:latin typeface="Calibri" panose="020F0502020204030204" pitchFamily="34" charset="0"/>
+                    <a:ea typeface="Calibri" panose="020F0502020204030204" pitchFamily="34" charset="0"/>
+                    <a:cs typeface="B Nazanin" panose="00000400000000000000" pitchFamily="2" charset="-78"/>
+                  </a:rPr>
+                  <a:t>I</a:t>
+                </a:r>
+                <a:r>
+                  <a:rPr lang="fa-IR" dirty="0">
+                    <a:latin typeface="Calibri" panose="020F0502020204030204" pitchFamily="34" charset="0"/>
+                    <a:ea typeface="Calibri" panose="020F0502020204030204" pitchFamily="34" charset="0"/>
+                    <a:cs typeface="B Nazanin" panose="00000400000000000000" pitchFamily="2" charset="-78"/>
+                  </a:rPr>
+                  <a:t> ، مشتقات مرتبه 2 ، </a:t>
+                </a:r>
+                <a:r>
+                  <a:rPr lang="en-US" dirty="0" err="1">
+                    <a:latin typeface="Calibri" panose="020F0502020204030204" pitchFamily="34" charset="0"/>
+                    <a:ea typeface="Calibri" panose="020F0502020204030204" pitchFamily="34" charset="0"/>
+                    <a:cs typeface="B Nazanin" panose="00000400000000000000" pitchFamily="2" charset="-78"/>
+                  </a:rPr>
+                  <a:t>I</a:t>
+                </a:r>
+                <a:r>
+                  <a:rPr lang="en-US" baseline="-25000" dirty="0" err="1">
+                    <a:latin typeface="Calibri" panose="020F0502020204030204" pitchFamily="34" charset="0"/>
+                    <a:ea typeface="Calibri" panose="020F0502020204030204" pitchFamily="34" charset="0"/>
+                    <a:cs typeface="B Nazanin" panose="00000400000000000000" pitchFamily="2" charset="-78"/>
+                  </a:rPr>
+                  <a:t>xx</a:t>
+                </a:r>
+                <a:r>
+                  <a:rPr lang="en-US" dirty="0">
+                    <a:latin typeface="Calibri" panose="020F0502020204030204" pitchFamily="34" charset="0"/>
+                    <a:ea typeface="Calibri" panose="020F0502020204030204" pitchFamily="34" charset="0"/>
+                    <a:cs typeface="B Nazanin" panose="00000400000000000000" pitchFamily="2" charset="-78"/>
+                  </a:rPr>
+                  <a:t> </a:t>
+                </a:r>
+                <a:r>
+                  <a:rPr lang="fa-IR" dirty="0">
+                    <a:latin typeface="Calibri" panose="020F0502020204030204" pitchFamily="34" charset="0"/>
+                    <a:ea typeface="Calibri" panose="020F0502020204030204" pitchFamily="34" charset="0"/>
+                    <a:cs typeface="B Nazanin" panose="00000400000000000000" pitchFamily="2" charset="-78"/>
+                  </a:rPr>
+                  <a:t>، </a:t>
+                </a:r>
+                <a:r>
+                  <a:rPr lang="en-US" dirty="0" err="1">
+                    <a:latin typeface="Calibri" panose="020F0502020204030204" pitchFamily="34" charset="0"/>
+                    <a:ea typeface="Calibri" panose="020F0502020204030204" pitchFamily="34" charset="0"/>
+                    <a:cs typeface="B Nazanin" panose="00000400000000000000" pitchFamily="2" charset="-78"/>
+                  </a:rPr>
+                  <a:t>I</a:t>
+                </a:r>
+                <a:r>
+                  <a:rPr lang="en-US" baseline="-25000" dirty="0" err="1">
+                    <a:latin typeface="Calibri" panose="020F0502020204030204" pitchFamily="34" charset="0"/>
+                    <a:ea typeface="Calibri" panose="020F0502020204030204" pitchFamily="34" charset="0"/>
+                    <a:cs typeface="B Nazanin" panose="00000400000000000000" pitchFamily="2" charset="-78"/>
+                  </a:rPr>
+                  <a:t>yy</a:t>
+                </a:r>
+                <a:r>
+                  <a:rPr lang="fa-IR" dirty="0">
+                    <a:latin typeface="Calibri" panose="020F0502020204030204" pitchFamily="34" charset="0"/>
+                    <a:ea typeface="Calibri" panose="020F0502020204030204" pitchFamily="34" charset="0"/>
+                    <a:cs typeface="B Nazanin" panose="00000400000000000000" pitchFamily="2" charset="-78"/>
+                  </a:rPr>
+                  <a:t> و </a:t>
+                </a:r>
+                <a:r>
+                  <a:rPr lang="en-US" dirty="0" err="1">
+                    <a:latin typeface="Calibri" panose="020F0502020204030204" pitchFamily="34" charset="0"/>
+                    <a:ea typeface="Calibri" panose="020F0502020204030204" pitchFamily="34" charset="0"/>
+                    <a:cs typeface="B Nazanin" panose="00000400000000000000" pitchFamily="2" charset="-78"/>
+                  </a:rPr>
+                  <a:t>I</a:t>
+                </a:r>
+                <a:r>
+                  <a:rPr lang="en-US" baseline="-25000" dirty="0" err="1">
+                    <a:latin typeface="Calibri" panose="020F0502020204030204" pitchFamily="34" charset="0"/>
+                    <a:ea typeface="Calibri" panose="020F0502020204030204" pitchFamily="34" charset="0"/>
+                    <a:cs typeface="B Nazanin" panose="00000400000000000000" pitchFamily="2" charset="-78"/>
+                  </a:rPr>
+                  <a:t>xy</a:t>
+                </a:r>
+                <a:r>
+                  <a:rPr lang="fa-IR" dirty="0">
+                    <a:latin typeface="Calibri" panose="020F0502020204030204" pitchFamily="34" charset="0"/>
+                    <a:ea typeface="Calibri" panose="020F0502020204030204" pitchFamily="34" charset="0"/>
+                    <a:cs typeface="B Nazanin" panose="00000400000000000000" pitchFamily="2" charset="-78"/>
+                  </a:rPr>
+                  <a:t> نیز مانند ماتریس هسیان استفاده شده در آشکارسازهای هسیان و </a:t>
+                </a:r>
+                <a:r>
+                  <a:rPr lang="en-US" dirty="0" err="1">
+                    <a:latin typeface="Calibri" panose="020F0502020204030204" pitchFamily="34" charset="0"/>
+                    <a:ea typeface="Calibri" panose="020F0502020204030204" pitchFamily="34" charset="0"/>
+                    <a:cs typeface="B Nazanin" panose="00000400000000000000" pitchFamily="2" charset="-78"/>
+                  </a:rPr>
+                  <a:t>DoG</a:t>
+                </a:r>
+                <a:r>
+                  <a:rPr lang="fa-IR" dirty="0">
+                    <a:latin typeface="Calibri" panose="020F0502020204030204" pitchFamily="34" charset="0"/>
+                    <a:ea typeface="Calibri" panose="020F0502020204030204" pitchFamily="34" charset="0"/>
+                    <a:cs typeface="B Nazanin" panose="00000400000000000000" pitchFamily="2" charset="-78"/>
+                  </a:rPr>
+                  <a:t> هستند. از آنجا که آشکارساز هسی از تعیین کننده ماتریس هسی استفاده می کند ، </a:t>
+                </a:r>
+                <a:r>
+                  <a:rPr lang="en-US" dirty="0" err="1">
+                    <a:latin typeface="Calibri" panose="020F0502020204030204" pitchFamily="34" charset="0"/>
+                    <a:ea typeface="Calibri" panose="020F0502020204030204" pitchFamily="34" charset="0"/>
+                    <a:cs typeface="B Nazanin" panose="00000400000000000000" pitchFamily="2" charset="-78"/>
+                  </a:rPr>
+                  <a:t>I</a:t>
+                </a:r>
+                <a:r>
+                  <a:rPr lang="en-US" baseline="-25000" dirty="0" err="1">
+                    <a:latin typeface="Calibri" panose="020F0502020204030204" pitchFamily="34" charset="0"/>
+                    <a:ea typeface="Calibri" panose="020F0502020204030204" pitchFamily="34" charset="0"/>
+                    <a:cs typeface="B Nazanin" panose="00000400000000000000" pitchFamily="2" charset="-78"/>
+                  </a:rPr>
+                  <a:t>xx</a:t>
+                </a:r>
+                <a:r>
+                  <a:rPr lang="en-US" dirty="0">
+                    <a:latin typeface="Calibri" panose="020F0502020204030204" pitchFamily="34" charset="0"/>
+                    <a:ea typeface="Calibri" panose="020F0502020204030204" pitchFamily="34" charset="0"/>
+                    <a:cs typeface="B Nazanin" panose="00000400000000000000" pitchFamily="2" charset="-78"/>
+                  </a:rPr>
+                  <a:t> </a:t>
+                </a:r>
+                <a:r>
+                  <a:rPr lang="en-US" dirty="0">
+                    <a:latin typeface="Cambria Math" panose="02040503050406030204" pitchFamily="18" charset="0"/>
+                    <a:ea typeface="Calibri" panose="020F0502020204030204" pitchFamily="34" charset="0"/>
+                    <a:cs typeface="Cambria Math" panose="02040503050406030204" pitchFamily="18" charset="0"/>
+                  </a:rPr>
+                  <a:t>∗</a:t>
+                </a:r>
+                <a:r>
+                  <a:rPr lang="en-US" dirty="0">
+                    <a:latin typeface="Calibri" panose="020F0502020204030204" pitchFamily="34" charset="0"/>
+                    <a:ea typeface="Calibri" panose="020F0502020204030204" pitchFamily="34" charset="0"/>
+                    <a:cs typeface="B Nazanin" panose="00000400000000000000" pitchFamily="2" charset="-78"/>
+                  </a:rPr>
+                  <a:t> </a:t>
+                </a:r>
+                <a:r>
+                  <a:rPr lang="en-US" dirty="0" err="1">
+                    <a:latin typeface="Calibri" panose="020F0502020204030204" pitchFamily="34" charset="0"/>
+                    <a:ea typeface="Calibri" panose="020F0502020204030204" pitchFamily="34" charset="0"/>
+                    <a:cs typeface="B Nazanin" panose="00000400000000000000" pitchFamily="2" charset="-78"/>
+                  </a:rPr>
+                  <a:t>I</a:t>
+                </a:r>
+                <a:r>
+                  <a:rPr lang="en-US" baseline="-25000" dirty="0" err="1">
+                    <a:latin typeface="Calibri" panose="020F0502020204030204" pitchFamily="34" charset="0"/>
+                    <a:ea typeface="Calibri" panose="020F0502020204030204" pitchFamily="34" charset="0"/>
+                    <a:cs typeface="B Nazanin" panose="00000400000000000000" pitchFamily="2" charset="-78"/>
+                  </a:rPr>
+                  <a:t>yy</a:t>
+                </a:r>
+                <a:r>
+                  <a:rPr lang="fa-IR" dirty="0">
+                    <a:latin typeface="Calibri" panose="020F0502020204030204" pitchFamily="34" charset="0"/>
+                    <a:ea typeface="Calibri" panose="020F0502020204030204" pitchFamily="34" charset="0"/>
+                    <a:cs typeface="B Nazanin" panose="00000400000000000000" pitchFamily="2" charset="-78"/>
+                  </a:rPr>
+                  <a:t> و </a:t>
+                </a:r>
+                <a:r>
+                  <a:rPr lang="en-US" dirty="0">
+                    <a:latin typeface="Calibri" panose="020F0502020204030204" pitchFamily="34" charset="0"/>
+                    <a:ea typeface="Calibri" panose="020F0502020204030204" pitchFamily="34" charset="0"/>
+                    <a:cs typeface="B Nazanin" panose="00000400000000000000" pitchFamily="2" charset="-78"/>
+                  </a:rPr>
+                  <a:t>I</a:t>
+                </a:r>
+                <a:r>
+                  <a:rPr lang="en-US" baseline="30000" dirty="0">
+                    <a:latin typeface="Calibri" panose="020F0502020204030204" pitchFamily="34" charset="0"/>
+                    <a:ea typeface="Calibri" panose="020F0502020204030204" pitchFamily="34" charset="0"/>
+                    <a:cs typeface="B Nazanin" panose="00000400000000000000" pitchFamily="2" charset="-78"/>
+                  </a:rPr>
+                  <a:t>2</a:t>
+                </a:r>
+                <a:r>
+                  <a:rPr lang="en-US" dirty="0">
+                    <a:latin typeface="Calibri" panose="020F0502020204030204" pitchFamily="34" charset="0"/>
+                    <a:ea typeface="Calibri" panose="020F0502020204030204" pitchFamily="34" charset="0"/>
+                    <a:cs typeface="B Nazanin" panose="00000400000000000000" pitchFamily="2" charset="-78"/>
+                  </a:rPr>
+                  <a:t> </a:t>
+                </a:r>
+                <a:r>
+                  <a:rPr lang="en-US" baseline="-25000" dirty="0" err="1">
+                    <a:latin typeface="Calibri" panose="020F0502020204030204" pitchFamily="34" charset="0"/>
+                    <a:ea typeface="Calibri" panose="020F0502020204030204" pitchFamily="34" charset="0"/>
+                    <a:cs typeface="B Nazanin" panose="00000400000000000000" pitchFamily="2" charset="-78"/>
+                  </a:rPr>
+                  <a:t>xy</a:t>
+                </a:r>
+                <a:r>
+                  <a:rPr lang="fa-IR" dirty="0">
+                    <a:latin typeface="Calibri" panose="020F0502020204030204" pitchFamily="34" charset="0"/>
+                    <a:ea typeface="Calibri" panose="020F0502020204030204" pitchFamily="34" charset="0"/>
+                    <a:cs typeface="B Nazanin" panose="00000400000000000000" pitchFamily="2" charset="-78"/>
+                  </a:rPr>
+                  <a:t> را اضافه می کنیم.</a:t>
+                </a:r>
+                <a:endParaRPr lang="en-US" dirty="0">
+                  <a:latin typeface="Calibri" panose="020F0502020204030204" pitchFamily="34" charset="0"/>
+                  <a:ea typeface="Calibri" panose="020F0502020204030204" pitchFamily="34" charset="0"/>
+                  <a:cs typeface="B Nazanin" panose="00000400000000000000" pitchFamily="2" charset="-78"/>
+                </a:endParaRPr>
+              </a:p>
+              <a:p>
+                <a:pPr marL="342900" marR="0" lvl="0" indent="-342900" algn="r" rtl="1">
+                  <a:lnSpc>
+                    <a:spcPct val="107000"/>
+                  </a:lnSpc>
+                  <a:spcBef>
+                    <a:spcPts val="0"/>
+                  </a:spcBef>
+                  <a:spcAft>
+                    <a:spcPts val="800"/>
+                  </a:spcAft>
+                  <a:buFont typeface="Times New Roman" panose="02020603050405020304" pitchFamily="18" charset="0"/>
+                  <a:buChar char="-"/>
+                </a:pPr>
+                <a:r>
+                  <a:rPr lang="en-US" dirty="0">
+                    <a:latin typeface="Calibri" panose="020F0502020204030204" pitchFamily="34" charset="0"/>
+                    <a:ea typeface="Calibri" panose="020F0502020204030204" pitchFamily="34" charset="0"/>
+                    <a:cs typeface="B Nazanin" panose="00000400000000000000" pitchFamily="2" charset="-78"/>
+                  </a:rPr>
+                  <a:t>Learned</a:t>
+                </a:r>
+                <a:r>
+                  <a:rPr lang="fa-IR" dirty="0">
+                    <a:latin typeface="Calibri" panose="020F0502020204030204" pitchFamily="34" charset="0"/>
+                    <a:ea typeface="Calibri" panose="020F0502020204030204" pitchFamily="34" charset="0"/>
+                    <a:cs typeface="B Nazanin" panose="00000400000000000000" pitchFamily="2" charset="-78"/>
+                  </a:rPr>
+                  <a:t> : یک لایه کانولوشن با فیلترهای </a:t>
+                </a:r>
+                <a:r>
+                  <a:rPr lang="en-US" dirty="0">
+                    <a:latin typeface="Calibri" panose="020F0502020204030204" pitchFamily="34" charset="0"/>
+                    <a:ea typeface="Calibri" panose="020F0502020204030204" pitchFamily="34" charset="0"/>
+                    <a:cs typeface="B Nazanin" panose="00000400000000000000" pitchFamily="2" charset="-78"/>
+                  </a:rPr>
+                  <a:t>M</a:t>
+                </a:r>
+                <a:r>
+                  <a:rPr lang="fa-IR" dirty="0">
+                    <a:latin typeface="Calibri" panose="020F0502020204030204" pitchFamily="34" charset="0"/>
+                    <a:ea typeface="Calibri" panose="020F0502020204030204" pitchFamily="34" charset="0"/>
+                    <a:cs typeface="B Nazanin" panose="00000400000000000000" pitchFamily="2" charset="-78"/>
+                  </a:rPr>
+                  <a:t> ، یک لایه نرمال سازی دسته ای و یک تابع فعال سازی </a:t>
+                </a:r>
+                <a:r>
+                  <a:rPr lang="en-US" dirty="0" err="1">
+                    <a:latin typeface="Calibri" panose="020F0502020204030204" pitchFamily="34" charset="0"/>
+                    <a:ea typeface="Calibri" panose="020F0502020204030204" pitchFamily="34" charset="0"/>
+                    <a:cs typeface="B Nazanin" panose="00000400000000000000" pitchFamily="2" charset="-78"/>
+                  </a:rPr>
+                  <a:t>ReLU</a:t>
+                </a:r>
+                <a:r>
+                  <a:rPr lang="en-US" dirty="0">
+                    <a:latin typeface="B Nazanin" panose="00000400000000000000" pitchFamily="2" charset="-78"/>
+                    <a:ea typeface="Calibri" panose="020F0502020204030204" pitchFamily="34" charset="0"/>
+                    <a:cs typeface="B Nazanin" panose="00000400000000000000" pitchFamily="2" charset="-78"/>
+                  </a:rPr>
+                  <a:t> </a:t>
+                </a:r>
+                <a:r>
+                  <a:rPr lang="fa-IR" dirty="0">
+                    <a:latin typeface="B Nazanin" panose="00000400000000000000" pitchFamily="2" charset="-78"/>
+                    <a:ea typeface="Calibri" panose="020F0502020204030204" pitchFamily="34" charset="0"/>
+                    <a:cs typeface="B Nazanin" panose="00000400000000000000" pitchFamily="2" charset="-78"/>
+                  </a:rPr>
+                  <a:t>یک بلوک یاد گرفته شده را تشکیل می دهد.</a:t>
+                </a:r>
+                <a:endParaRPr lang="en-US" dirty="0">
+                  <a:latin typeface="Calibri" panose="020F0502020204030204" pitchFamily="34" charset="0"/>
+                  <a:ea typeface="Calibri" panose="020F0502020204030204" pitchFamily="34" charset="0"/>
+                  <a:cs typeface="B Nazanin" panose="00000400000000000000" pitchFamily="2" charset="-78"/>
+                </a:endParaRPr>
+              </a:p>
+              <a:p>
+                <a:pPr algn="r" rtl="1">
+                  <a:lnSpc>
+                    <a:spcPct val="107000"/>
+                  </a:lnSpc>
+                  <a:spcAft>
+                    <a:spcPts val="800"/>
+                  </a:spcAft>
+                </a:pPr>
+                <a:r>
+                  <a:rPr lang="fa-IR" dirty="0">
+                    <a:latin typeface="Calibri" panose="020F0502020204030204" pitchFamily="34" charset="0"/>
+                    <a:ea typeface="Calibri" panose="020F0502020204030204" pitchFamily="34" charset="0"/>
+                    <a:cs typeface="B Nazanin" panose="00000400000000000000" pitchFamily="2" charset="-78"/>
+                  </a:rPr>
+                  <a:t>فیلترهای رمزگذاری شده سخت، تعداد پارامترهای قابل یادگیری برای آموزش معماری را کاهش می دهند و باعث بهبود ثبات و همگرایی در حین تولید مجدد می شوند.</a:t>
+                </a:r>
+                <a:endParaRPr lang="en-US" dirty="0">
+                  <a:latin typeface="Calibri" panose="020F0502020204030204" pitchFamily="34" charset="0"/>
+                  <a:ea typeface="Calibri" panose="020F0502020204030204" pitchFamily="34" charset="0"/>
+                  <a:cs typeface="Arial" panose="020B0604020202020204" pitchFamily="34" charset="0"/>
+                </a:endParaRPr>
+              </a:p>
+            </p:txBody>
+          </p:sp>
+        </mc:Choice>
+        <mc:Fallback>
+          <p:sp>
+            <p:nvSpPr>
+              <p:cNvPr id="5" name="Rectangle 4"/>
+              <p:cNvSpPr>
+                <a:spLocks noRot="1" noChangeAspect="1" noMove="1" noResize="1" noEditPoints="1" noAdjustHandles="1" noChangeArrowheads="1" noChangeShapeType="1" noTextEdit="1"/>
+              </p:cNvSpPr>
+              <p:nvPr/>
+            </p:nvSpPr>
+            <p:spPr>
+              <a:xfrm>
+                <a:off x="1097280" y="2628658"/>
+                <a:ext cx="10058400" cy="3548857"/>
+              </a:xfrm>
+              <a:prstGeom prst="rect">
+                <a:avLst/>
+              </a:prstGeom>
+              <a:blipFill>
+                <a:blip r:embed="rId3"/>
+                <a:stretch>
+                  <a:fillRect l="-606" t="-1031" r="-485" b="-2234"/>
+                </a:stretch>
+              </a:blipFill>
+            </p:spPr>
+            <p:txBody>
+              <a:bodyPr/>
+              <a:lstStyle/>
+              <a:p>
+                <a:r>
+                  <a:rPr lang="en-US">
+                    <a:noFill/>
+                  </a:rPr>
+                  <a:t> </a:t>
+                </a:r>
+              </a:p>
+            </p:txBody>
+          </p:sp>
+        </mc:Fallback>
+      </mc:AlternateContent>
     </p:spTree>
     <p:extLst>
       <p:ext uri="{BB962C8B-B14F-4D97-AF65-F5344CB8AC3E}">
-        <p14:creationId xmlns:p14="http://schemas.microsoft.com/office/powerpoint/2010/main" val="1910690375"/>
+        <p14:creationId xmlns:p14="http://schemas.microsoft.com/office/powerpoint/2010/main" val="144864381"/>
       </p:ext>
     </p:extLst>
   </p:cSld>
@@ -9615,40 +10913,6 @@
       </p:grpSpPr>
       <p:sp>
         <p:nvSpPr>
-          <p:cNvPr id="3" name="Content Placeholder 2">
-            <a:extLst>
-              <a:ext uri="{FF2B5EF4-FFF2-40B4-BE49-F238E27FC236}">
-                <a16:creationId xmlns:a16="http://schemas.microsoft.com/office/drawing/2014/main" id="{6AB250FE-08C8-4530-B722-29C38A359D8B}"/>
-              </a:ext>
-            </a:extLst>
-          </p:cNvPr>
-          <p:cNvSpPr>
-            <a:spLocks noGrp="1"/>
-          </p:cNvSpPr>
-          <p:nvPr>
-            <p:ph sz="half" idx="2"/>
-          </p:nvPr>
-        </p:nvSpPr>
-        <p:spPr>
-          <a:xfrm>
-            <a:off x="1097280" y="1602378"/>
-            <a:ext cx="10058400" cy="4266718"/>
-          </a:xfrm>
-        </p:spPr>
-        <p:txBody>
-          <a:bodyPr/>
-          <a:lstStyle/>
-          <a:p>
-            <a:endParaRPr lang="en-US" dirty="0">
-              <a:solidFill>
-                <a:schemeClr val="tx1"/>
-              </a:solidFill>
-            </a:endParaRPr>
-          </a:p>
-        </p:txBody>
-      </p:sp>
-      <p:sp>
-        <p:nvSpPr>
           <p:cNvPr id="2" name="Title 1">
             <a:extLst>
               <a:ext uri="{FF2B5EF4-FFF2-40B4-BE49-F238E27FC236}">
@@ -9675,16 +10939,278 @@
           <a:p>
             <a:r>
               <a:rPr lang="en-US" dirty="0"/>
-              <a:t>Training Data</a:t>
-            </a:r>
-            <a:endParaRPr lang="en-US" dirty="0"/>
+              <a:t>Handcrafted and Learned Filters</a:t>
+            </a:r>
+          </a:p>
+        </p:txBody>
+      </p:sp>
+      <p:pic>
+        <p:nvPicPr>
+          <p:cNvPr id="4" name="Picture 3"/>
+          <p:cNvPicPr>
+            <a:picLocks noChangeAspect="1"/>
+          </p:cNvPicPr>
+          <p:nvPr/>
+        </p:nvPicPr>
+        <p:blipFill>
+          <a:blip r:embed="rId2">
+            <a:extLst>
+              <a:ext uri="{28A0092B-C50C-407E-A947-70E740481C1C}">
+                <a14:useLocalDpi xmlns:a14="http://schemas.microsoft.com/office/drawing/2010/main" val="0"/>
+              </a:ext>
+            </a:extLst>
+          </a:blip>
+          <a:stretch>
+            <a:fillRect/>
+          </a:stretch>
+        </p:blipFill>
+        <p:spPr>
+          <a:xfrm>
+            <a:off x="2470581" y="1864562"/>
+            <a:ext cx="7311797" cy="2886705"/>
+          </a:xfrm>
+          <a:prstGeom prst="rect">
+            <a:avLst/>
+          </a:prstGeom>
+        </p:spPr>
+      </p:pic>
+      <p:sp>
+        <p:nvSpPr>
+          <p:cNvPr id="5" name="Rectangle 4"/>
+          <p:cNvSpPr/>
+          <p:nvPr/>
+        </p:nvSpPr>
+        <p:spPr>
+          <a:xfrm>
+            <a:off x="901336" y="4906155"/>
+            <a:ext cx="10450286" cy="882742"/>
+          </a:xfrm>
+          <a:prstGeom prst="rect">
+            <a:avLst/>
+          </a:prstGeom>
+        </p:spPr>
+        <p:txBody>
+          <a:bodyPr wrap="square">
+            <a:spAutoFit/>
+          </a:bodyPr>
+          <a:lstStyle/>
+          <a:p>
+            <a:pPr marL="228600" marR="0" algn="ctr" rtl="1">
+              <a:lnSpc>
+                <a:spcPct val="107000"/>
+              </a:lnSpc>
+              <a:spcBef>
+                <a:spcPts val="0"/>
+              </a:spcBef>
+              <a:spcAft>
+                <a:spcPts val="800"/>
+              </a:spcAft>
+            </a:pPr>
+            <a:r>
+              <a:rPr lang="fa-IR" sz="1600" i="1" dirty="0">
+                <a:latin typeface="Calibri" panose="020F0502020204030204" pitchFamily="34" charset="0"/>
+                <a:ea typeface="Calibri" panose="020F0502020204030204" pitchFamily="34" charset="0"/>
+                <a:cs typeface="B Nazanin" panose="00000400000000000000" pitchFamily="2" charset="-78"/>
+              </a:rPr>
+              <a:t>تصویر 2 : روند آموزش سیامی. تصویر </a:t>
+            </a:r>
+            <a:r>
+              <a:rPr lang="en-US" sz="1600" i="1" dirty="0">
+                <a:latin typeface="Calibri" panose="020F0502020204030204" pitchFamily="34" charset="0"/>
+                <a:ea typeface="Calibri" panose="020F0502020204030204" pitchFamily="34" charset="0"/>
+                <a:cs typeface="B Nazanin" panose="00000400000000000000" pitchFamily="2" charset="-78"/>
+              </a:rPr>
+              <a:t>l</a:t>
+            </a:r>
+            <a:r>
+              <a:rPr lang="en-US" sz="1600" i="1" baseline="-25000" dirty="0">
+                <a:latin typeface="Calibri" panose="020F0502020204030204" pitchFamily="34" charset="0"/>
+                <a:ea typeface="Calibri" panose="020F0502020204030204" pitchFamily="34" charset="0"/>
+                <a:cs typeface="B Nazanin" panose="00000400000000000000" pitchFamily="2" charset="-78"/>
+              </a:rPr>
+              <a:t>a</a:t>
+            </a:r>
+            <a:r>
+              <a:rPr lang="fa-IR" sz="1600" i="1" dirty="0">
+                <a:latin typeface="Calibri" panose="020F0502020204030204" pitchFamily="34" charset="0"/>
+                <a:ea typeface="Calibri" panose="020F0502020204030204" pitchFamily="34" charset="0"/>
+                <a:cs typeface="B Nazanin" panose="00000400000000000000" pitchFamily="2" charset="-78"/>
+              </a:rPr>
+              <a:t> و </a:t>
+            </a:r>
+            <a:r>
+              <a:rPr lang="en-US" sz="1600" i="1" dirty="0" err="1">
+                <a:latin typeface="Calibri" panose="020F0502020204030204" pitchFamily="34" charset="0"/>
+                <a:ea typeface="Calibri" panose="020F0502020204030204" pitchFamily="34" charset="0"/>
+                <a:cs typeface="B Nazanin" panose="00000400000000000000" pitchFamily="2" charset="-78"/>
+              </a:rPr>
+              <a:t>l</a:t>
+            </a:r>
+            <a:r>
+              <a:rPr lang="en-US" sz="1600" i="1" baseline="-25000" dirty="0" err="1">
+                <a:latin typeface="Calibri" panose="020F0502020204030204" pitchFamily="34" charset="0"/>
+                <a:ea typeface="Calibri" panose="020F0502020204030204" pitchFamily="34" charset="0"/>
+                <a:cs typeface="B Nazanin" panose="00000400000000000000" pitchFamily="2" charset="-78"/>
+              </a:rPr>
+              <a:t>b</a:t>
+            </a:r>
+            <a:r>
+              <a:rPr lang="fa-IR" sz="1600" i="1" dirty="0">
+                <a:latin typeface="Calibri" panose="020F0502020204030204" pitchFamily="34" charset="0"/>
+                <a:ea typeface="Calibri" panose="020F0502020204030204" pitchFamily="34" charset="0"/>
+                <a:cs typeface="B Nazanin" panose="00000400000000000000" pitchFamily="2" charset="-78"/>
+              </a:rPr>
+              <a:t> برای تولید نقشه های پاسخ خود ، </a:t>
+            </a:r>
+            <a:r>
+              <a:rPr lang="en-US" sz="1600" i="1" dirty="0">
+                <a:latin typeface="Calibri" panose="020F0502020204030204" pitchFamily="34" charset="0"/>
+                <a:ea typeface="Calibri" panose="020F0502020204030204" pitchFamily="34" charset="0"/>
+                <a:cs typeface="B Nazanin" panose="00000400000000000000" pitchFamily="2" charset="-78"/>
+              </a:rPr>
+              <a:t>R</a:t>
+            </a:r>
+            <a:r>
+              <a:rPr lang="en-US" sz="1600" i="1" baseline="-25000" dirty="0">
+                <a:latin typeface="Calibri" panose="020F0502020204030204" pitchFamily="34" charset="0"/>
+                <a:ea typeface="Calibri" panose="020F0502020204030204" pitchFamily="34" charset="0"/>
+                <a:cs typeface="B Nazanin" panose="00000400000000000000" pitchFamily="2" charset="-78"/>
+              </a:rPr>
+              <a:t>a</a:t>
+            </a:r>
+            <a:r>
+              <a:rPr lang="fa-IR" sz="1600" i="1" dirty="0">
+                <a:latin typeface="Calibri" panose="020F0502020204030204" pitchFamily="34" charset="0"/>
+                <a:ea typeface="Calibri" panose="020F0502020204030204" pitchFamily="34" charset="0"/>
+                <a:cs typeface="B Nazanin" panose="00000400000000000000" pitchFamily="2" charset="-78"/>
+              </a:rPr>
+              <a:t> و </a:t>
+            </a:r>
+            <a:r>
+              <a:rPr lang="en-US" sz="1600" i="1" dirty="0" err="1">
+                <a:latin typeface="Calibri" panose="020F0502020204030204" pitchFamily="34" charset="0"/>
+                <a:ea typeface="Calibri" panose="020F0502020204030204" pitchFamily="34" charset="0"/>
+                <a:cs typeface="B Nazanin" panose="00000400000000000000" pitchFamily="2" charset="-78"/>
+              </a:rPr>
+              <a:t>R</a:t>
+            </a:r>
+            <a:r>
+              <a:rPr lang="en-US" sz="1600" i="1" baseline="-25000" dirty="0" err="1">
+                <a:latin typeface="Calibri" panose="020F0502020204030204" pitchFamily="34" charset="0"/>
+                <a:ea typeface="Calibri" panose="020F0502020204030204" pitchFamily="34" charset="0"/>
+                <a:cs typeface="B Nazanin" panose="00000400000000000000" pitchFamily="2" charset="-78"/>
+              </a:rPr>
+              <a:t>b</a:t>
+            </a:r>
+            <a:r>
+              <a:rPr lang="fa-IR" sz="1600" i="1" dirty="0">
+                <a:latin typeface="Calibri" panose="020F0502020204030204" pitchFamily="34" charset="0"/>
+                <a:ea typeface="Calibri" panose="020F0502020204030204" pitchFamily="34" charset="0"/>
+                <a:cs typeface="B Nazanin" panose="00000400000000000000" pitchFamily="2" charset="-78"/>
+              </a:rPr>
+              <a:t> از طریق </a:t>
+            </a:r>
+            <a:r>
+              <a:rPr lang="en-US" sz="1600" i="1" dirty="0" err="1">
+                <a:latin typeface="Calibri" panose="020F0502020204030204" pitchFamily="34" charset="0"/>
+                <a:ea typeface="Calibri" panose="020F0502020204030204" pitchFamily="34" charset="0"/>
+                <a:cs typeface="B Nazanin" panose="00000400000000000000" pitchFamily="2" charset="-78"/>
+              </a:rPr>
+              <a:t>Key.Net</a:t>
+            </a:r>
+            <a:r>
+              <a:rPr lang="fa-IR" sz="1600" i="1" dirty="0">
+                <a:latin typeface="Calibri" panose="020F0502020204030204" pitchFamily="34" charset="0"/>
+                <a:ea typeface="Calibri" panose="020F0502020204030204" pitchFamily="34" charset="0"/>
+                <a:cs typeface="B Nazanin" panose="00000400000000000000" pitchFamily="2" charset="-78"/>
+              </a:rPr>
+              <a:t> می روند. </a:t>
+            </a:r>
+            <a:r>
+              <a:rPr lang="en-US" sz="1600" i="1" dirty="0">
+                <a:latin typeface="Calibri" panose="020F0502020204030204" pitchFamily="34" charset="0"/>
+                <a:ea typeface="Calibri" panose="020F0502020204030204" pitchFamily="34" charset="0"/>
+                <a:cs typeface="B Nazanin" panose="00000400000000000000" pitchFamily="2" charset="-78"/>
+              </a:rPr>
+              <a:t>M-SIP</a:t>
+            </a:r>
+            <a:r>
+              <a:rPr lang="fa-IR" sz="1600" i="1" dirty="0">
+                <a:latin typeface="Calibri" panose="020F0502020204030204" pitchFamily="34" charset="0"/>
+                <a:ea typeface="Calibri" panose="020F0502020204030204" pitchFamily="34" charset="0"/>
+                <a:cs typeface="B Nazanin" panose="00000400000000000000" pitchFamily="2" charset="-78"/>
+              </a:rPr>
+              <a:t> مختصات نقطه علاقه را برای هر یک از پنجره ها در مناطق چند مقیاس پیشنهاد می کند. تابع از دست دادن نهایی به عنوان یک رگرسیون از شاخص های مختصات از </a:t>
+            </a:r>
+            <a:r>
+              <a:rPr lang="en-US" sz="1600" i="1" dirty="0" err="1">
+                <a:latin typeface="Calibri" panose="020F0502020204030204" pitchFamily="34" charset="0"/>
+                <a:ea typeface="Calibri" panose="020F0502020204030204" pitchFamily="34" charset="0"/>
+                <a:cs typeface="B Nazanin" panose="00000400000000000000" pitchFamily="2" charset="-78"/>
+              </a:rPr>
+              <a:t>I</a:t>
+            </a:r>
+            <a:r>
+              <a:rPr lang="en-US" sz="1600" i="1" baseline="-25000" dirty="0" err="1">
+                <a:latin typeface="Calibri" panose="020F0502020204030204" pitchFamily="34" charset="0"/>
+                <a:ea typeface="Calibri" panose="020F0502020204030204" pitchFamily="34" charset="0"/>
+                <a:cs typeface="B Nazanin" panose="00000400000000000000" pitchFamily="2" charset="-78"/>
+              </a:rPr>
+              <a:t>a</a:t>
+            </a:r>
+            <a:r>
+              <a:rPr lang="fa-IR" sz="1600" i="1" dirty="0">
+                <a:latin typeface="Calibri" panose="020F0502020204030204" pitchFamily="34" charset="0"/>
+                <a:ea typeface="Calibri" panose="020F0502020204030204" pitchFamily="34" charset="0"/>
+                <a:cs typeface="B Nazanin" panose="00000400000000000000" pitchFamily="2" charset="-78"/>
+              </a:rPr>
+              <a:t> و حداکثر مختصات محلی از </a:t>
+            </a:r>
+            <a:r>
+              <a:rPr lang="en-US" sz="1600" i="1" dirty="0" err="1">
+                <a:latin typeface="Calibri" panose="020F0502020204030204" pitchFamily="34" charset="0"/>
+                <a:ea typeface="Calibri" panose="020F0502020204030204" pitchFamily="34" charset="0"/>
+                <a:cs typeface="B Nazanin" panose="00000400000000000000" pitchFamily="2" charset="-78"/>
+              </a:rPr>
+              <a:t>I</a:t>
+            </a:r>
+            <a:r>
+              <a:rPr lang="en-US" sz="1600" i="1" baseline="-25000" dirty="0" err="1">
+                <a:latin typeface="Calibri" panose="020F0502020204030204" pitchFamily="34" charset="0"/>
+                <a:ea typeface="Calibri" panose="020F0502020204030204" pitchFamily="34" charset="0"/>
+                <a:cs typeface="B Nazanin" panose="00000400000000000000" pitchFamily="2" charset="-78"/>
+              </a:rPr>
+              <a:t>b</a:t>
+            </a:r>
+            <a:r>
+              <a:rPr lang="en-US" sz="1600" i="1" dirty="0">
+                <a:latin typeface="Calibri" panose="020F0502020204030204" pitchFamily="34" charset="0"/>
+                <a:ea typeface="Calibri" panose="020F0502020204030204" pitchFamily="34" charset="0"/>
+                <a:cs typeface="B Nazanin" panose="00000400000000000000" pitchFamily="2" charset="-78"/>
+              </a:rPr>
+              <a:t> </a:t>
+            </a:r>
+            <a:r>
+              <a:rPr lang="fa-IR" sz="1600" i="1" dirty="0">
+                <a:latin typeface="Calibri" panose="020F0502020204030204" pitchFamily="34" charset="0"/>
+                <a:ea typeface="Calibri" panose="020F0502020204030204" pitchFamily="34" charset="0"/>
+                <a:cs typeface="B Nazanin" panose="00000400000000000000" pitchFamily="2" charset="-78"/>
+              </a:rPr>
+              <a:t>محاسبه می شود. بهتر تجسم رنگ است.</a:t>
+            </a:r>
+            <a:endParaRPr lang="en-US" sz="2400" dirty="0">
+              <a:effectLst/>
+              <a:latin typeface="Calibri" panose="020F0502020204030204" pitchFamily="34" charset="0"/>
+              <a:ea typeface="Calibri" panose="020F0502020204030204" pitchFamily="34" charset="0"/>
+              <a:cs typeface="Arial" panose="020B0604020202020204" pitchFamily="34" charset="0"/>
+            </a:endParaRPr>
           </a:p>
         </p:txBody>
       </p:sp>
     </p:spTree>
     <p:extLst>
       <p:ext uri="{BB962C8B-B14F-4D97-AF65-F5344CB8AC3E}">
-        <p14:creationId xmlns:p14="http://schemas.microsoft.com/office/powerpoint/2010/main" val="2277005259"/>
+        <p14:creationId xmlns:p14="http://schemas.microsoft.com/office/powerpoint/2010/main" val="2435365822"/>
       </p:ext>
     </p:extLst>
   </p:cSld>
@@ -9734,10 +11260,54 @@
           </a:xfrm>
         </p:spPr>
         <p:txBody>
-          <a:bodyPr/>
+          <a:bodyPr>
+            <a:normAutofit/>
+          </a:bodyPr>
           <a:lstStyle/>
           <a:p>
-            <a:endParaRPr lang="en-US" dirty="0">
+            <a:r>
+              <a:rPr lang="en-US" sz="1800" dirty="0"/>
+              <a:t>e robust to small scale changes without the need for computing several forward passes</a:t>
+            </a:r>
+            <a:r>
+              <a:rPr lang="en-US" sz="1800" dirty="0" smtClean="0"/>
+              <a:t>.</a:t>
+            </a:r>
+            <a:endParaRPr lang="fa-IR" sz="1800" dirty="0" smtClean="0"/>
+          </a:p>
+          <a:p>
+            <a:r>
+              <a:rPr lang="en-US" sz="1800" dirty="0"/>
+              <a:t>All the feature maps resulting from the handcrafted filters are concatenated to feed the stack of learned filters in each of the scale levels</a:t>
+            </a:r>
+            <a:r>
+              <a:rPr lang="en-US" sz="1800" dirty="0" smtClean="0"/>
+              <a:t>.</a:t>
+            </a:r>
+            <a:endParaRPr lang="fa-IR" sz="1800" dirty="0" smtClean="0"/>
+          </a:p>
+          <a:p>
+            <a:r>
+              <a:rPr lang="en-US" sz="1800" dirty="0"/>
+              <a:t>All three streams share the weights, such that the same type of anchors result from different levels and form the set of candidates for final </a:t>
+            </a:r>
+            <a:r>
+              <a:rPr lang="en-US" sz="1800" dirty="0" err="1"/>
+              <a:t>keypoints</a:t>
+            </a:r>
+            <a:r>
+              <a:rPr lang="en-US" sz="1800" dirty="0"/>
+              <a:t>. Feature maps from all scale levels are then </a:t>
+            </a:r>
+            <a:r>
+              <a:rPr lang="en-US" sz="1800" dirty="0" err="1"/>
+              <a:t>upsampled</a:t>
+            </a:r>
+            <a:r>
+              <a:rPr lang="en-US" sz="1800" dirty="0"/>
+              <a:t>, concatenated and fed to the last convolutional filter to obtain the final response map.</a:t>
+            </a:r>
+            <a:endParaRPr lang="en-US" sz="1800" dirty="0">
               <a:solidFill>
                 <a:schemeClr val="tx1"/>
               </a:solidFill>
@@ -9773,16 +11343,15 @@
           <a:p>
             <a:r>
               <a:rPr lang="en-US" dirty="0"/>
-              <a:t>Evaluation Metrics</a:t>
-            </a:r>
-            <a:endParaRPr lang="en-US" dirty="0"/>
+              <a:t>Multi-scale Pyramid</a:t>
+            </a:r>
           </a:p>
         </p:txBody>
       </p:sp>
     </p:spTree>
     <p:extLst>
       <p:ext uri="{BB962C8B-B14F-4D97-AF65-F5344CB8AC3E}">
-        <p14:creationId xmlns:p14="http://schemas.microsoft.com/office/powerpoint/2010/main" val="3750171213"/>
+        <p14:creationId xmlns:p14="http://schemas.microsoft.com/office/powerpoint/2010/main" val="4037790876"/>
       </p:ext>
     </p:extLst>
   </p:cSld>
@@ -9832,10 +11401,117 @@
           </a:xfrm>
         </p:spPr>
         <p:txBody>
-          <a:bodyPr/>
+          <a:bodyPr>
+            <a:normAutofit/>
+          </a:bodyPr>
           <a:lstStyle/>
           <a:p>
-            <a:endParaRPr lang="en-US" dirty="0">
+            <a:r>
+              <a:rPr lang="en-US" sz="1800" dirty="0"/>
+              <a:t>In supervised training, the loss function relies on </a:t>
+            </a:r>
+            <a:r>
+              <a:rPr lang="en-US" sz="1800" dirty="0" smtClean="0"/>
+              <a:t>the</a:t>
+            </a:r>
+            <a:r>
+              <a:rPr lang="fa-IR" sz="1800" dirty="0" smtClean="0"/>
+              <a:t> </a:t>
+            </a:r>
+            <a:r>
+              <a:rPr lang="en-US" sz="1800" dirty="0" smtClean="0"/>
+              <a:t>ground </a:t>
+            </a:r>
+            <a:r>
+              <a:rPr lang="en-US" sz="1800" dirty="0"/>
+              <a:t>truth</a:t>
+            </a:r>
+            <a:r>
+              <a:rPr lang="en-US" sz="1800" dirty="0" smtClean="0"/>
+              <a:t>.</a:t>
+            </a:r>
+            <a:endParaRPr lang="fa-IR" sz="1800" dirty="0" smtClean="0"/>
+          </a:p>
+          <a:p>
+            <a:r>
+              <a:rPr lang="en-US" sz="1800" dirty="0"/>
+              <a:t>In the case of </a:t>
+            </a:r>
+            <a:r>
+              <a:rPr lang="en-US" sz="1800" dirty="0" err="1"/>
+              <a:t>keypoints</a:t>
+            </a:r>
+            <a:r>
+              <a:rPr lang="en-US" sz="1800" dirty="0"/>
+              <a:t>, ground truth is not well defined as </a:t>
+            </a:r>
+            <a:r>
+              <a:rPr lang="en-US" sz="1800" dirty="0" err="1"/>
+              <a:t>keypoint</a:t>
+            </a:r>
+            <a:r>
+              <a:rPr lang="en-US" sz="1800" dirty="0"/>
+              <a:t> locations are useful as long as they can be accurately detected </a:t>
+            </a:r>
+            <a:r>
+              <a:rPr lang="en-US" sz="1800" dirty="0" smtClean="0"/>
+              <a:t>regardless </a:t>
+            </a:r>
+            <a:r>
+              <a:rPr lang="en-US" sz="1800" dirty="0"/>
+              <a:t>of geometric or photometric image transformation</a:t>
+            </a:r>
+            <a:r>
+              <a:rPr lang="en-US" sz="1800" dirty="0" smtClean="0"/>
+              <a:t>.</a:t>
+            </a:r>
+            <a:endParaRPr lang="fa-IR" sz="1800" dirty="0" smtClean="0"/>
+          </a:p>
+          <a:p>
+            <a:r>
+              <a:rPr lang="en-US" sz="1800" dirty="0" err="1"/>
+              <a:t>chors</a:t>
+            </a:r>
+            <a:r>
+              <a:rPr lang="en-US" sz="1800" dirty="0"/>
+              <a:t> to guide their training. Although anchors make the training more stable and lead to better results, they prevent the network from proposing new </a:t>
+            </a:r>
+            <a:r>
+              <a:rPr lang="en-US" sz="1800" dirty="0" err="1"/>
+              <a:t>keypoints</a:t>
+            </a:r>
+            <a:r>
+              <a:rPr lang="en-US" sz="1800" dirty="0"/>
+              <a:t> in case there is no anchor in the proximity</a:t>
+            </a:r>
+            <a:r>
+              <a:rPr lang="en-US" sz="1800" dirty="0" smtClean="0"/>
+              <a:t>.</a:t>
+            </a:r>
+            <a:endParaRPr lang="en-US" sz="1800" dirty="0"/>
+          </a:p>
+          <a:p>
+            <a:r>
+              <a:rPr lang="en-US" sz="1800" dirty="0"/>
+              <a:t>In contrast, the handcrafted filters in </a:t>
+            </a:r>
+            <a:r>
+              <a:rPr lang="en-US" sz="1800" dirty="0" err="1"/>
+              <a:t>Key.Net</a:t>
+            </a:r>
+            <a:r>
+              <a:rPr lang="en-US" sz="1800" dirty="0"/>
+              <a:t> provide a weak constraint with the benefit of the anchor-based methods while allowing the detector to propose new stable </a:t>
+            </a:r>
+            <a:r>
+              <a:rPr lang="en-US" sz="1800" dirty="0" err="1"/>
+              <a:t>keypoints</a:t>
+            </a:r>
+            <a:r>
+              <a:rPr lang="en-US" sz="1800" dirty="0"/>
+              <a:t>. In our approach, only the geometric transformation between images is required to guide the loss.</a:t>
+            </a:r>
+            <a:endParaRPr lang="en-US" sz="1800" dirty="0">
               <a:solidFill>
                 <a:schemeClr val="tx1"/>
               </a:solidFill>
@@ -9871,16 +11547,15 @@
           <a:p>
             <a:r>
               <a:rPr lang="en-US" dirty="0"/>
-              <a:t>Implementation Notes</a:t>
-            </a:r>
-            <a:endParaRPr lang="en-US" dirty="0"/>
+              <a:t>Loss Functions</a:t>
+            </a:r>
           </a:p>
         </p:txBody>
       </p:sp>
     </p:spTree>
     <p:extLst>
       <p:ext uri="{BB962C8B-B14F-4D97-AF65-F5344CB8AC3E}">
-        <p14:creationId xmlns:p14="http://schemas.microsoft.com/office/powerpoint/2010/main" val="1980161564"/>
+        <p14:creationId xmlns:p14="http://schemas.microsoft.com/office/powerpoint/2010/main" val="3740938454"/>
       </p:ext>
     </p:extLst>
   </p:cSld>
@@ -9909,40 +11584,6 @@
       </p:grpSpPr>
       <p:sp>
         <p:nvSpPr>
-          <p:cNvPr id="3" name="Content Placeholder 2">
-            <a:extLst>
-              <a:ext uri="{FF2B5EF4-FFF2-40B4-BE49-F238E27FC236}">
-                <a16:creationId xmlns:a16="http://schemas.microsoft.com/office/drawing/2014/main" id="{6AB250FE-08C8-4530-B722-29C38A359D8B}"/>
-              </a:ext>
-            </a:extLst>
-          </p:cNvPr>
-          <p:cNvSpPr>
-            <a:spLocks noGrp="1"/>
-          </p:cNvSpPr>
-          <p:nvPr>
-            <p:ph sz="half" idx="2"/>
-          </p:nvPr>
-        </p:nvSpPr>
-        <p:spPr>
-          <a:xfrm>
-            <a:off x="1097280" y="1602378"/>
-            <a:ext cx="10058400" cy="4266718"/>
-          </a:xfrm>
-        </p:spPr>
-        <p:txBody>
-          <a:bodyPr/>
-          <a:lstStyle/>
-          <a:p>
-            <a:endParaRPr lang="en-US" dirty="0">
-              <a:solidFill>
-                <a:schemeClr val="tx1"/>
-              </a:solidFill>
-            </a:endParaRPr>
-          </a:p>
-        </p:txBody>
-      </p:sp>
-      <p:sp>
-        <p:nvSpPr>
           <p:cNvPr id="2" name="Title 1">
             <a:extLst>
               <a:ext uri="{FF2B5EF4-FFF2-40B4-BE49-F238E27FC236}">
@@ -9969,16 +11610,881 @@
           <a:p>
             <a:r>
               <a:rPr lang="en-US" dirty="0"/>
-              <a:t>Results</a:t>
-            </a:r>
-            <a:endParaRPr lang="en-US" dirty="0"/>
+              <a:t>Index Proposal Layer</a:t>
+            </a:r>
           </a:p>
         </p:txBody>
       </p:sp>
+      <mc:AlternateContent xmlns:mc="http://schemas.openxmlformats.org/markup-compatibility/2006">
+        <mc:Choice xmlns:a14="http://schemas.microsoft.com/office/drawing/2010/main" Requires="a14">
+          <p:sp>
+            <p:nvSpPr>
+              <p:cNvPr id="4" name="Rectangle 3"/>
+              <p:cNvSpPr/>
+              <p:nvPr/>
+            </p:nvSpPr>
+            <p:spPr>
+              <a:xfrm>
+                <a:off x="4740171" y="2122409"/>
+                <a:ext cx="2772617" cy="784382"/>
+              </a:xfrm>
+              <a:prstGeom prst="rect">
+                <a:avLst/>
+              </a:prstGeom>
+            </p:spPr>
+            <p:txBody>
+              <a:bodyPr wrap="none">
+                <a:spAutoFit/>
+              </a:bodyPr>
+              <a:lstStyle/>
+              <a:p>
+                <a14:m>
+                  <m:oMathPara xmlns:m="http://schemas.openxmlformats.org/officeDocument/2006/math">
+                    <m:oMathParaPr>
+                      <m:jc m:val="centerGroup"/>
+                    </m:oMathParaPr>
+                    <m:oMath xmlns:m="http://schemas.openxmlformats.org/officeDocument/2006/math">
+                      <m:r>
+                        <a:rPr lang="en-US" i="1" smtClean="0">
+                          <a:latin typeface="Cambria Math" panose="02040503050406030204" pitchFamily="18" charset="0"/>
+                        </a:rPr>
+                        <m:t>𝑚</m:t>
+                      </m:r>
+                      <m:sSub>
+                        <m:sSubPr>
+                          <m:ctrlPr>
+                            <a:rPr lang="en-US" i="1">
+                              <a:latin typeface="Cambria Math" panose="02040503050406030204" pitchFamily="18" charset="0"/>
+                            </a:rPr>
+                          </m:ctrlPr>
+                        </m:sSubPr>
+                        <m:e/>
+                        <m:sub>
+                          <m:r>
+                            <a:rPr lang="en-US" i="1">
+                              <a:latin typeface="Cambria Math" panose="02040503050406030204" pitchFamily="18" charset="0"/>
+                            </a:rPr>
+                            <m:t>𝑖</m:t>
+                          </m:r>
+                        </m:sub>
+                      </m:sSub>
+                      <m:d>
+                        <m:dPr>
+                          <m:ctrlPr>
+                            <a:rPr lang="en-US" i="1">
+                              <a:latin typeface="Cambria Math" panose="02040503050406030204" pitchFamily="18" charset="0"/>
+                            </a:rPr>
+                          </m:ctrlPr>
+                        </m:dPr>
+                        <m:e>
+                          <m:r>
+                            <a:rPr lang="en-US" i="1">
+                              <a:latin typeface="Cambria Math" panose="02040503050406030204" pitchFamily="18" charset="0"/>
+                            </a:rPr>
+                            <m:t>𝑢</m:t>
+                          </m:r>
+                          <m:r>
+                            <a:rPr lang="en-US" i="0">
+                              <a:latin typeface="Cambria Math" panose="02040503050406030204" pitchFamily="18" charset="0"/>
+                            </a:rPr>
+                            <m:t>,</m:t>
+                          </m:r>
+                          <m:r>
+                            <a:rPr lang="en-US" i="1">
+                              <a:latin typeface="Cambria Math" panose="02040503050406030204" pitchFamily="18" charset="0"/>
+                            </a:rPr>
+                            <m:t>𝑣</m:t>
+                          </m:r>
+                        </m:e>
+                      </m:d>
+                      <m:r>
+                        <a:rPr lang="en-US" i="0">
+                          <a:latin typeface="Cambria Math" panose="02040503050406030204" pitchFamily="18" charset="0"/>
+                        </a:rPr>
+                        <m:t>=</m:t>
+                      </m:r>
+                      <m:f>
+                        <m:fPr>
+                          <m:ctrlPr>
+                            <a:rPr lang="en-US" i="1">
+                              <a:latin typeface="Cambria Math" panose="02040503050406030204" pitchFamily="18" charset="0"/>
+                            </a:rPr>
+                          </m:ctrlPr>
+                        </m:fPr>
+                        <m:num>
+                          <m:sSup>
+                            <m:sSupPr>
+                              <m:ctrlPr>
+                                <a:rPr lang="en-US" i="1">
+                                  <a:latin typeface="Cambria Math" panose="02040503050406030204" pitchFamily="18" charset="0"/>
+                                </a:rPr>
+                              </m:ctrlPr>
+                            </m:sSupPr>
+                            <m:e>
+                              <m:r>
+                                <a:rPr lang="en-US" i="1">
+                                  <a:latin typeface="Cambria Math" panose="02040503050406030204" pitchFamily="18" charset="0"/>
+                                </a:rPr>
+                                <m:t>𝑒</m:t>
+                              </m:r>
+                            </m:e>
+                            <m:sup>
+                              <m:d>
+                                <m:dPr>
+                                  <m:begChr m:val=""/>
+                                  <m:ctrlPr>
+                                    <a:rPr lang="en-US" i="1">
+                                      <a:latin typeface="Cambria Math" panose="02040503050406030204" pitchFamily="18" charset="0"/>
+                                    </a:rPr>
+                                  </m:ctrlPr>
+                                </m:dPr>
+                                <m:e>
+                                  <m:sSub>
+                                    <m:sSubPr>
+                                      <m:ctrlPr>
+                                        <a:rPr lang="en-US" i="1">
+                                          <a:latin typeface="Cambria Math" panose="02040503050406030204" pitchFamily="18" charset="0"/>
+                                        </a:rPr>
+                                      </m:ctrlPr>
+                                    </m:sSubPr>
+                                    <m:e>
+                                      <m:r>
+                                        <a:rPr lang="en-US" i="1">
+                                          <a:latin typeface="Cambria Math" panose="02040503050406030204" pitchFamily="18" charset="0"/>
+                                        </a:rPr>
+                                        <m:t>𝑤</m:t>
+                                      </m:r>
+                                    </m:e>
+                                    <m:sub>
+                                      <m:r>
+                                        <a:rPr lang="en-US" i="1">
+                                          <a:latin typeface="Cambria Math" panose="02040503050406030204" pitchFamily="18" charset="0"/>
+                                        </a:rPr>
+                                        <m:t>𝑖</m:t>
+                                      </m:r>
+                                    </m:sub>
+                                  </m:sSub>
+                                  <m:r>
+                                    <a:rPr lang="en-US" i="0">
+                                      <a:latin typeface="Cambria Math" panose="02040503050406030204" pitchFamily="18" charset="0"/>
+                                    </a:rPr>
+                                    <m:t>(</m:t>
+                                  </m:r>
+                                  <m:r>
+                                    <a:rPr lang="en-US" i="1">
+                                      <a:latin typeface="Cambria Math" panose="02040503050406030204" pitchFamily="18" charset="0"/>
+                                    </a:rPr>
+                                    <m:t>𝑢</m:t>
+                                  </m:r>
+                                  <m:r>
+                                    <a:rPr lang="en-US" i="0">
+                                      <a:latin typeface="Cambria Math" panose="02040503050406030204" pitchFamily="18" charset="0"/>
+                                    </a:rPr>
+                                    <m:t>, </m:t>
+                                  </m:r>
+                                  <m:r>
+                                    <a:rPr lang="en-US" i="1">
+                                      <a:latin typeface="Cambria Math" panose="02040503050406030204" pitchFamily="18" charset="0"/>
+                                    </a:rPr>
+                                    <m:t>𝑣</m:t>
+                                  </m:r>
+                                </m:e>
+                              </m:d>
+                            </m:sup>
+                          </m:sSup>
+                        </m:num>
+                        <m:den>
+                          <m:d>
+                            <m:dPr>
+                              <m:begChr m:val=""/>
+                              <m:ctrlPr>
+                                <a:rPr lang="en-US" i="1">
+                                  <a:latin typeface="Cambria Math" panose="02040503050406030204" pitchFamily="18" charset="0"/>
+                                </a:rPr>
+                              </m:ctrlPr>
+                            </m:dPr>
+                            <m:e>
+                              <m:sSubSup>
+                                <m:sSubSupPr>
+                                  <m:ctrlPr>
+                                    <a:rPr lang="en-US" i="1">
+                                      <a:latin typeface="Cambria Math" panose="02040503050406030204" pitchFamily="18" charset="0"/>
+                                    </a:rPr>
+                                  </m:ctrlPr>
+                                </m:sSubSupPr>
+                                <m:e>
+                                  <m:r>
+                                    <m:rPr>
+                                      <m:sty m:val="p"/>
+                                    </m:rPr>
+                                    <a:rPr lang="en-US" i="0">
+                                      <a:latin typeface="Cambria Math" panose="02040503050406030204" pitchFamily="18" charset="0"/>
+                                    </a:rPr>
+                                    <m:t>Σ</m:t>
+                                  </m:r>
+                                </m:e>
+                                <m:sub>
+                                  <m:r>
+                                    <a:rPr lang="en-US" i="1">
+                                      <a:latin typeface="Cambria Math" panose="02040503050406030204" pitchFamily="18" charset="0"/>
+                                    </a:rPr>
+                                    <m:t>𝑗</m:t>
+                                  </m:r>
+                                  <m:r>
+                                    <a:rPr lang="en-US" i="0">
+                                      <a:latin typeface="Cambria Math" panose="02040503050406030204" pitchFamily="18" charset="0"/>
+                                    </a:rPr>
+                                    <m:t>,</m:t>
+                                  </m:r>
+                                  <m:r>
+                                    <a:rPr lang="en-US" i="1">
+                                      <a:latin typeface="Cambria Math" panose="02040503050406030204" pitchFamily="18" charset="0"/>
+                                    </a:rPr>
+                                    <m:t>𝑘</m:t>
+                                  </m:r>
+                                </m:sub>
+                                <m:sup>
+                                  <m:r>
+                                    <a:rPr lang="en-US" i="1">
+                                      <a:latin typeface="Cambria Math" panose="02040503050406030204" pitchFamily="18" charset="0"/>
+                                    </a:rPr>
+                                    <m:t>𝑁</m:t>
+                                  </m:r>
+                                </m:sup>
+                              </m:sSubSup>
+                              <m:sSup>
+                                <m:sSupPr>
+                                  <m:ctrlPr>
+                                    <a:rPr lang="en-US" i="1">
+                                      <a:latin typeface="Cambria Math" panose="02040503050406030204" pitchFamily="18" charset="0"/>
+                                    </a:rPr>
+                                  </m:ctrlPr>
+                                </m:sSupPr>
+                                <m:e>
+                                  <m:r>
+                                    <a:rPr lang="en-US" i="1">
+                                      <a:latin typeface="Cambria Math" panose="02040503050406030204" pitchFamily="18" charset="0"/>
+                                    </a:rPr>
+                                    <m:t>𝑒</m:t>
+                                  </m:r>
+                                </m:e>
+                                <m:sup>
+                                  <m:sSub>
+                                    <m:sSubPr>
+                                      <m:ctrlPr>
+                                        <a:rPr lang="en-US" i="1">
+                                          <a:latin typeface="Cambria Math" panose="02040503050406030204" pitchFamily="18" charset="0"/>
+                                        </a:rPr>
+                                      </m:ctrlPr>
+                                    </m:sSubPr>
+                                    <m:e>
+                                      <m:r>
+                                        <a:rPr lang="en-US" i="1">
+                                          <a:latin typeface="Cambria Math" panose="02040503050406030204" pitchFamily="18" charset="0"/>
+                                        </a:rPr>
+                                        <m:t>𝑤</m:t>
+                                      </m:r>
+                                    </m:e>
+                                    <m:sub>
+                                      <m:r>
+                                        <a:rPr lang="en-US" i="1">
+                                          <a:latin typeface="Cambria Math" panose="02040503050406030204" pitchFamily="18" charset="0"/>
+                                        </a:rPr>
+                                        <m:t>𝐼</m:t>
+                                      </m:r>
+                                    </m:sub>
+                                  </m:sSub>
+                                </m:sup>
+                              </m:sSup>
+                              <m:r>
+                                <a:rPr lang="en-US" i="0">
+                                  <a:latin typeface="Cambria Math" panose="02040503050406030204" pitchFamily="18" charset="0"/>
+                                </a:rPr>
+                                <m:t>(</m:t>
+                              </m:r>
+                              <m:r>
+                                <a:rPr lang="en-US" i="1">
+                                  <a:latin typeface="Cambria Math" panose="02040503050406030204" pitchFamily="18" charset="0"/>
+                                </a:rPr>
+                                <m:t>𝑗</m:t>
+                              </m:r>
+                              <m:r>
+                                <a:rPr lang="en-US" i="0">
+                                  <a:latin typeface="Cambria Math" panose="02040503050406030204" pitchFamily="18" charset="0"/>
+                                </a:rPr>
+                                <m:t>, </m:t>
+                              </m:r>
+                              <m:r>
+                                <a:rPr lang="en-US" i="1">
+                                  <a:latin typeface="Cambria Math" panose="02040503050406030204" pitchFamily="18" charset="0"/>
+                                </a:rPr>
+                                <m:t>𝑘</m:t>
+                              </m:r>
+                            </m:e>
+                          </m:d>
+                        </m:den>
+                      </m:f>
+                    </m:oMath>
+                  </m:oMathPara>
+                </a14:m>
+                <a:endParaRPr lang="en-US" dirty="0"/>
+              </a:p>
+            </p:txBody>
+          </p:sp>
+        </mc:Choice>
+        <mc:Fallback>
+          <p:sp>
+            <p:nvSpPr>
+              <p:cNvPr id="4" name="Rectangle 3"/>
+              <p:cNvSpPr>
+                <a:spLocks noRot="1" noChangeAspect="1" noMove="1" noResize="1" noEditPoints="1" noAdjustHandles="1" noChangeArrowheads="1" noChangeShapeType="1" noTextEdit="1"/>
+              </p:cNvSpPr>
+              <p:nvPr/>
+            </p:nvSpPr>
+            <p:spPr>
+              <a:xfrm>
+                <a:off x="4740171" y="2122409"/>
+                <a:ext cx="2772617" cy="784382"/>
+              </a:xfrm>
+              <a:prstGeom prst="rect">
+                <a:avLst/>
+              </a:prstGeom>
+              <a:blipFill>
+                <a:blip r:embed="rId2"/>
+                <a:stretch>
+                  <a:fillRect/>
+                </a:stretch>
+              </a:blipFill>
+            </p:spPr>
+            <p:txBody>
+              <a:bodyPr/>
+              <a:lstStyle/>
+              <a:p>
+                <a:r>
+                  <a:rPr lang="en-US">
+                    <a:noFill/>
+                  </a:rPr>
+                  <a:t> </a:t>
+                </a:r>
+              </a:p>
+            </p:txBody>
+          </p:sp>
+        </mc:Fallback>
+      </mc:AlternateContent>
+      <mc:AlternateContent xmlns:mc="http://schemas.openxmlformats.org/markup-compatibility/2006">
+        <mc:Choice xmlns:a14="http://schemas.microsoft.com/office/drawing/2010/main" Requires="a14">
+          <p:sp>
+            <p:nvSpPr>
+              <p:cNvPr id="5" name="Rectangle 4"/>
+              <p:cNvSpPr/>
+              <p:nvPr/>
+            </p:nvSpPr>
+            <p:spPr>
+              <a:xfrm>
+                <a:off x="3304787" y="3235422"/>
+                <a:ext cx="5582426" cy="387157"/>
+              </a:xfrm>
+              <a:prstGeom prst="rect">
+                <a:avLst/>
+              </a:prstGeom>
+            </p:spPr>
+            <p:txBody>
+              <a:bodyPr wrap="none">
+                <a:spAutoFit/>
+              </a:bodyPr>
+              <a:lstStyle/>
+              <a:p>
+                <a14:m>
+                  <m:oMathPara xmlns:m="http://schemas.openxmlformats.org/officeDocument/2006/math">
+                    <m:oMathParaPr>
+                      <m:jc m:val="centerGroup"/>
+                    </m:oMathParaPr>
+                    <m:oMath xmlns:m="http://schemas.openxmlformats.org/officeDocument/2006/math">
+                      <m:sSup>
+                        <m:sSupPr>
+                          <m:ctrlPr>
+                            <a:rPr lang="en-US">
+                              <a:latin typeface="Cambria Math" panose="02040503050406030204" pitchFamily="18" charset="0"/>
+                            </a:rPr>
+                          </m:ctrlPr>
+                        </m:sSupPr>
+                        <m:e>
+                          <m:d>
+                            <m:dPr>
+                              <m:begChr m:val="["/>
+                              <m:endChr m:val="]"/>
+                              <m:ctrlPr>
+                                <a:rPr lang="en-US">
+                                  <a:latin typeface="Cambria Math" panose="02040503050406030204" pitchFamily="18" charset="0"/>
+                                </a:rPr>
+                              </m:ctrlPr>
+                            </m:dPr>
+                            <m:e>
+                              <m:sSub>
+                                <m:sSubPr>
+                                  <m:ctrlPr>
+                                    <a:rPr lang="en-US">
+                                      <a:latin typeface="Cambria Math" panose="02040503050406030204" pitchFamily="18" charset="0"/>
+                                    </a:rPr>
+                                  </m:ctrlPr>
+                                </m:sSubPr>
+                                <m:e>
+                                  <m:r>
+                                    <a:rPr lang="en-US" i="1">
+                                      <a:latin typeface="Cambria Math" panose="02040503050406030204" pitchFamily="18" charset="0"/>
+                                    </a:rPr>
+                                    <m:t>𝑥</m:t>
+                                  </m:r>
+                                </m:e>
+                                <m:sub>
+                                  <m:r>
+                                    <a:rPr lang="en-US" i="1">
+                                      <a:latin typeface="Cambria Math" panose="02040503050406030204" pitchFamily="18" charset="0"/>
+                                    </a:rPr>
+                                    <m:t>𝑖</m:t>
+                                  </m:r>
+                                </m:sub>
+                              </m:sSub>
+                              <m:r>
+                                <a:rPr lang="en-US" i="0">
+                                  <a:latin typeface="Cambria Math" panose="02040503050406030204" pitchFamily="18" charset="0"/>
+                                </a:rPr>
+                                <m:t>,</m:t>
+                              </m:r>
+                              <m:sSub>
+                                <m:sSubPr>
+                                  <m:ctrlPr>
+                                    <a:rPr lang="en-US" i="1">
+                                      <a:latin typeface="Cambria Math" panose="02040503050406030204" pitchFamily="18" charset="0"/>
+                                    </a:rPr>
+                                  </m:ctrlPr>
+                                </m:sSubPr>
+                                <m:e>
+                                  <m:r>
+                                    <a:rPr lang="en-US" i="1">
+                                      <a:latin typeface="Cambria Math" panose="02040503050406030204" pitchFamily="18" charset="0"/>
+                                    </a:rPr>
+                                    <m:t>𝑦</m:t>
+                                  </m:r>
+                                </m:e>
+                                <m:sub>
+                                  <m:r>
+                                    <a:rPr lang="en-US" i="1">
+                                      <a:latin typeface="Cambria Math" panose="02040503050406030204" pitchFamily="18" charset="0"/>
+                                    </a:rPr>
+                                    <m:t>𝑖</m:t>
+                                  </m:r>
+                                </m:sub>
+                              </m:sSub>
+                            </m:e>
+                          </m:d>
+                        </m:e>
+                        <m:sup>
+                          <m:r>
+                            <a:rPr lang="en-US" i="1">
+                              <a:latin typeface="Cambria Math" panose="02040503050406030204" pitchFamily="18" charset="0"/>
+                            </a:rPr>
+                            <m:t>𝑇</m:t>
+                          </m:r>
+                        </m:sup>
+                      </m:sSup>
+                      <m:r>
+                        <a:rPr lang="en-US" i="0">
+                          <a:latin typeface="Cambria Math" panose="02040503050406030204" pitchFamily="18" charset="0"/>
+                        </a:rPr>
+                        <m:t>=</m:t>
+                      </m:r>
+                      <m:sSup>
+                        <m:sSupPr>
+                          <m:ctrlPr>
+                            <a:rPr lang="en-US" i="1">
+                              <a:latin typeface="Cambria Math" panose="02040503050406030204" pitchFamily="18" charset="0"/>
+                            </a:rPr>
+                          </m:ctrlPr>
+                        </m:sSupPr>
+                        <m:e>
+                          <m:d>
+                            <m:dPr>
+                              <m:begChr m:val="["/>
+                              <m:endChr m:val="]"/>
+                              <m:ctrlPr>
+                                <a:rPr lang="en-US" i="1">
+                                  <a:latin typeface="Cambria Math" panose="02040503050406030204" pitchFamily="18" charset="0"/>
+                                </a:rPr>
+                              </m:ctrlPr>
+                            </m:dPr>
+                            <m:e>
+                              <m:r>
+                                <a:rPr lang="en-US" i="0">
+                                  <a:latin typeface="Cambria Math" panose="02040503050406030204" pitchFamily="18" charset="0"/>
+                                </a:rPr>
+                                <m:t> </m:t>
+                              </m:r>
+                              <m:acc>
+                                <m:accPr>
+                                  <m:chr m:val="̅"/>
+                                  <m:ctrlPr>
+                                    <a:rPr lang="en-US" i="1">
+                                      <a:latin typeface="Cambria Math" panose="02040503050406030204" pitchFamily="18" charset="0"/>
+                                    </a:rPr>
+                                  </m:ctrlPr>
+                                </m:accPr>
+                                <m:e>
+                                  <m:sSub>
+                                    <m:sSubPr>
+                                      <m:ctrlPr>
+                                        <a:rPr lang="en-US" i="1">
+                                          <a:latin typeface="Cambria Math" panose="02040503050406030204" pitchFamily="18" charset="0"/>
+                                        </a:rPr>
+                                      </m:ctrlPr>
+                                    </m:sSubPr>
+                                    <m:e>
+                                      <m:r>
+                                        <a:rPr lang="en-US" i="1">
+                                          <a:latin typeface="Cambria Math" panose="02040503050406030204" pitchFamily="18" charset="0"/>
+                                        </a:rPr>
+                                        <m:t>𝑢</m:t>
+                                      </m:r>
+                                    </m:e>
+                                    <m:sub>
+                                      <m:r>
+                                        <a:rPr lang="en-US" i="1">
+                                          <a:latin typeface="Cambria Math" panose="02040503050406030204" pitchFamily="18" charset="0"/>
+                                        </a:rPr>
+                                        <m:t>𝑖</m:t>
+                                      </m:r>
+                                    </m:sub>
+                                  </m:sSub>
+                                </m:e>
+                              </m:acc>
+                              <m:r>
+                                <a:rPr lang="en-US" i="0">
+                                  <a:latin typeface="Cambria Math" panose="02040503050406030204" pitchFamily="18" charset="0"/>
+                                </a:rPr>
+                                <m:t> , </m:t>
+                              </m:r>
+                              <m:acc>
+                                <m:accPr>
+                                  <m:chr m:val="̅"/>
+                                  <m:ctrlPr>
+                                    <a:rPr lang="en-US" i="1">
+                                      <a:latin typeface="Cambria Math" panose="02040503050406030204" pitchFamily="18" charset="0"/>
+                                    </a:rPr>
+                                  </m:ctrlPr>
+                                </m:accPr>
+                                <m:e>
+                                  <m:sSub>
+                                    <m:sSubPr>
+                                      <m:ctrlPr>
+                                        <a:rPr lang="en-US" i="1">
+                                          <a:latin typeface="Cambria Math" panose="02040503050406030204" pitchFamily="18" charset="0"/>
+                                        </a:rPr>
+                                      </m:ctrlPr>
+                                    </m:sSubPr>
+                                    <m:e>
+                                      <m:r>
+                                        <a:rPr lang="en-US" i="1">
+                                          <a:latin typeface="Cambria Math" panose="02040503050406030204" pitchFamily="18" charset="0"/>
+                                        </a:rPr>
+                                        <m:t>𝑣</m:t>
+                                      </m:r>
+                                    </m:e>
+                                    <m:sub>
+                                      <m:r>
+                                        <a:rPr lang="en-US" i="1">
+                                          <a:latin typeface="Cambria Math" panose="02040503050406030204" pitchFamily="18" charset="0"/>
+                                        </a:rPr>
+                                        <m:t>𝑖</m:t>
+                                      </m:r>
+                                    </m:sub>
+                                  </m:sSub>
+                                </m:e>
+                              </m:acc>
+                            </m:e>
+                          </m:d>
+                        </m:e>
+                        <m:sup>
+                          <m:r>
+                            <a:rPr lang="en-US" i="1">
+                              <a:latin typeface="Cambria Math" panose="02040503050406030204" pitchFamily="18" charset="0"/>
+                            </a:rPr>
+                            <m:t>𝑇</m:t>
+                          </m:r>
+                        </m:sup>
+                      </m:sSup>
+                      <m:r>
+                        <a:rPr lang="en-US" i="0">
+                          <a:latin typeface="Cambria Math" panose="02040503050406030204" pitchFamily="18" charset="0"/>
+                        </a:rPr>
+                        <m:t>=</m:t>
+                      </m:r>
+                      <m:sSubSup>
+                        <m:sSubSupPr>
+                          <m:ctrlPr>
+                            <a:rPr lang="en-US" i="1">
+                              <a:latin typeface="Cambria Math" panose="02040503050406030204" pitchFamily="18" charset="0"/>
+                            </a:rPr>
+                          </m:ctrlPr>
+                        </m:sSubSupPr>
+                        <m:e>
+                          <m:r>
+                            <m:rPr>
+                              <m:sty m:val="p"/>
+                            </m:rPr>
+                            <a:rPr lang="en-US" i="0">
+                              <a:latin typeface="Cambria Math" panose="02040503050406030204" pitchFamily="18" charset="0"/>
+                            </a:rPr>
+                            <m:t>Σ</m:t>
+                          </m:r>
+                        </m:e>
+                        <m:sub>
+                          <m:r>
+                            <a:rPr lang="en-US" i="1">
+                              <a:latin typeface="Cambria Math" panose="02040503050406030204" pitchFamily="18" charset="0"/>
+                            </a:rPr>
+                            <m:t>𝑢</m:t>
+                          </m:r>
+                          <m:r>
+                            <a:rPr lang="en-US" i="0">
+                              <a:latin typeface="Cambria Math" panose="02040503050406030204" pitchFamily="18" charset="0"/>
+                            </a:rPr>
+                            <m:t>,</m:t>
+                          </m:r>
+                          <m:r>
+                            <a:rPr lang="en-US" i="1">
+                              <a:latin typeface="Cambria Math" panose="02040503050406030204" pitchFamily="18" charset="0"/>
+                            </a:rPr>
+                            <m:t>𝑣</m:t>
+                          </m:r>
+                          <m:r>
+                            <a:rPr lang="en-US" i="0">
+                              <a:latin typeface="Cambria Math" panose="02040503050406030204" pitchFamily="18" charset="0"/>
+                            </a:rPr>
+                            <m:t> </m:t>
+                          </m:r>
+                        </m:sub>
+                        <m:sup>
+                          <m:r>
+                            <a:rPr lang="en-US" i="1">
+                              <a:latin typeface="Cambria Math" panose="02040503050406030204" pitchFamily="18" charset="0"/>
+                            </a:rPr>
+                            <m:t>𝑇</m:t>
+                          </m:r>
+                        </m:sup>
+                      </m:sSubSup>
+                      <m:sSup>
+                        <m:sSupPr>
+                          <m:ctrlPr>
+                            <a:rPr lang="en-US" i="1">
+                              <a:latin typeface="Cambria Math" panose="02040503050406030204" pitchFamily="18" charset="0"/>
+                            </a:rPr>
+                          </m:ctrlPr>
+                        </m:sSupPr>
+                        <m:e>
+                          <m:d>
+                            <m:dPr>
+                              <m:begChr m:val="["/>
+                              <m:endChr m:val="]"/>
+                              <m:ctrlPr>
+                                <a:rPr lang="en-US" i="1">
+                                  <a:latin typeface="Cambria Math" panose="02040503050406030204" pitchFamily="18" charset="0"/>
+                                </a:rPr>
+                              </m:ctrlPr>
+                            </m:dPr>
+                            <m:e>
+                              <m:r>
+                                <a:rPr lang="en-US" i="1">
+                                  <a:latin typeface="Cambria Math" panose="02040503050406030204" pitchFamily="18" charset="0"/>
+                                </a:rPr>
+                                <m:t>𝑊</m:t>
+                              </m:r>
+                              <m:r>
+                                <a:rPr lang="en-US" i="0">
+                                  <a:latin typeface="Cambria Math" panose="02040503050406030204" pitchFamily="18" charset="0"/>
+                                </a:rPr>
+                                <m:t>⊙</m:t>
+                              </m:r>
+                              <m:sSub>
+                                <m:sSubPr>
+                                  <m:ctrlPr>
+                                    <a:rPr lang="en-US" i="1">
+                                      <a:latin typeface="Cambria Math" panose="02040503050406030204" pitchFamily="18" charset="0"/>
+                                    </a:rPr>
+                                  </m:ctrlPr>
+                                </m:sSubPr>
+                                <m:e>
+                                  <m:r>
+                                    <a:rPr lang="en-US" i="1">
+                                      <a:latin typeface="Cambria Math" panose="02040503050406030204" pitchFamily="18" charset="0"/>
+                                    </a:rPr>
+                                    <m:t>𝑚</m:t>
+                                  </m:r>
+                                </m:e>
+                                <m:sub>
+                                  <m:r>
+                                    <a:rPr lang="en-US" i="1">
+                                      <a:latin typeface="Cambria Math" panose="02040503050406030204" pitchFamily="18" charset="0"/>
+                                    </a:rPr>
+                                    <m:t>𝑖</m:t>
+                                  </m:r>
+                                </m:sub>
+                              </m:sSub>
+                              <m:r>
+                                <a:rPr lang="en-US" i="0">
+                                  <a:latin typeface="Cambria Math" panose="02040503050406030204" pitchFamily="18" charset="0"/>
+                                </a:rPr>
+                                <m:t>, </m:t>
+                              </m:r>
+                              <m:sSup>
+                                <m:sSupPr>
+                                  <m:ctrlPr>
+                                    <a:rPr lang="en-US" i="1">
+                                      <a:latin typeface="Cambria Math" panose="02040503050406030204" pitchFamily="18" charset="0"/>
+                                    </a:rPr>
+                                  </m:ctrlPr>
+                                </m:sSupPr>
+                                <m:e>
+                                  <m:r>
+                                    <a:rPr lang="en-US" i="1">
+                                      <a:latin typeface="Cambria Math" panose="02040503050406030204" pitchFamily="18" charset="0"/>
+                                    </a:rPr>
+                                    <m:t>𝑊</m:t>
+                                  </m:r>
+                                </m:e>
+                                <m:sup>
+                                  <m:r>
+                                    <a:rPr lang="en-US" i="1">
+                                      <a:latin typeface="Cambria Math" panose="02040503050406030204" pitchFamily="18" charset="0"/>
+                                    </a:rPr>
+                                    <m:t>𝑇</m:t>
+                                  </m:r>
+                                </m:sup>
+                              </m:sSup>
+                              <m:r>
+                                <a:rPr lang="en-US" i="0">
+                                  <a:latin typeface="Cambria Math" panose="02040503050406030204" pitchFamily="18" charset="0"/>
+                                </a:rPr>
+                                <m:t>⊙</m:t>
+                              </m:r>
+                              <m:sSub>
+                                <m:sSubPr>
+                                  <m:ctrlPr>
+                                    <a:rPr lang="en-US" i="1">
+                                      <a:latin typeface="Cambria Math" panose="02040503050406030204" pitchFamily="18" charset="0"/>
+                                    </a:rPr>
+                                  </m:ctrlPr>
+                                </m:sSubPr>
+                                <m:e>
+                                  <m:r>
+                                    <a:rPr lang="en-US" i="1">
+                                      <a:latin typeface="Cambria Math" panose="02040503050406030204" pitchFamily="18" charset="0"/>
+                                    </a:rPr>
+                                    <m:t>𝑚</m:t>
+                                  </m:r>
+                                </m:e>
+                                <m:sub>
+                                  <m:r>
+                                    <a:rPr lang="en-US" i="1">
+                                      <a:latin typeface="Cambria Math" panose="02040503050406030204" pitchFamily="18" charset="0"/>
+                                    </a:rPr>
+                                    <m:t>𝑖</m:t>
+                                  </m:r>
+                                </m:sub>
+                              </m:sSub>
+                            </m:e>
+                          </m:d>
+                        </m:e>
+                        <m:sup>
+                          <m:r>
+                            <a:rPr lang="en-US" i="1">
+                              <a:latin typeface="Cambria Math" panose="02040503050406030204" pitchFamily="18" charset="0"/>
+                            </a:rPr>
+                            <m:t>𝑇</m:t>
+                          </m:r>
+                        </m:sup>
+                      </m:sSup>
+                      <m:r>
+                        <a:rPr lang="en-US" i="0">
+                          <a:latin typeface="Cambria Math" panose="02040503050406030204" pitchFamily="18" charset="0"/>
+                        </a:rPr>
+                        <m:t>+</m:t>
+                      </m:r>
+                      <m:sSub>
+                        <m:sSubPr>
+                          <m:ctrlPr>
+                            <a:rPr lang="en-US" i="1">
+                              <a:latin typeface="Cambria Math" panose="02040503050406030204" pitchFamily="18" charset="0"/>
+                            </a:rPr>
+                          </m:ctrlPr>
+                        </m:sSubPr>
+                        <m:e>
+                          <m:r>
+                            <a:rPr lang="en-US" i="1">
+                              <a:latin typeface="Cambria Math" panose="02040503050406030204" pitchFamily="18" charset="0"/>
+                            </a:rPr>
+                            <m:t>𝑐</m:t>
+                          </m:r>
+                        </m:e>
+                        <m:sub>
+                          <m:r>
+                            <a:rPr lang="en-US" i="1">
+                              <a:latin typeface="Cambria Math" panose="02040503050406030204" pitchFamily="18" charset="0"/>
+                            </a:rPr>
+                            <m:t>𝑤</m:t>
+                          </m:r>
+                        </m:sub>
+                      </m:sSub>
+                    </m:oMath>
+                  </m:oMathPara>
+                </a14:m>
+                <a:endParaRPr lang="en-US" dirty="0"/>
+              </a:p>
+            </p:txBody>
+          </p:sp>
+        </mc:Choice>
+        <mc:Fallback>
+          <p:sp>
+            <p:nvSpPr>
+              <p:cNvPr id="5" name="Rectangle 4"/>
+              <p:cNvSpPr>
+                <a:spLocks noRot="1" noChangeAspect="1" noMove="1" noResize="1" noEditPoints="1" noAdjustHandles="1" noChangeArrowheads="1" noChangeShapeType="1" noTextEdit="1"/>
+              </p:cNvSpPr>
+              <p:nvPr/>
+            </p:nvSpPr>
+            <p:spPr>
+              <a:xfrm>
+                <a:off x="3304787" y="3235422"/>
+                <a:ext cx="5582426" cy="387157"/>
+              </a:xfrm>
+              <a:prstGeom prst="rect">
+                <a:avLst/>
+              </a:prstGeom>
+              <a:blipFill>
+                <a:blip r:embed="rId3"/>
+                <a:stretch>
+                  <a:fillRect b="-4762"/>
+                </a:stretch>
+              </a:blipFill>
+            </p:spPr>
+            <p:txBody>
+              <a:bodyPr/>
+              <a:lstStyle/>
+              <a:p>
+                <a:r>
+                  <a:rPr lang="en-US">
+                    <a:noFill/>
+                  </a:rPr>
+                  <a:t> </a:t>
+                </a:r>
+              </a:p>
+            </p:txBody>
+          </p:sp>
+        </mc:Fallback>
+      </mc:AlternateContent>
     </p:spTree>
     <p:extLst>
       <p:ext uri="{BB962C8B-B14F-4D97-AF65-F5344CB8AC3E}">
-        <p14:creationId xmlns:p14="http://schemas.microsoft.com/office/powerpoint/2010/main" val="1169903759"/>
+        <p14:creationId xmlns:p14="http://schemas.microsoft.com/office/powerpoint/2010/main" val="1523001583"/>
       </p:ext>
     </p:extLst>
   </p:cSld>
@@ -10007,40 +12513,6 @@
       </p:grpSpPr>
       <p:sp>
         <p:nvSpPr>
-          <p:cNvPr id="3" name="Content Placeholder 2">
-            <a:extLst>
-              <a:ext uri="{FF2B5EF4-FFF2-40B4-BE49-F238E27FC236}">
-                <a16:creationId xmlns:a16="http://schemas.microsoft.com/office/drawing/2014/main" id="{6AB250FE-08C8-4530-B722-29C38A359D8B}"/>
-              </a:ext>
-            </a:extLst>
-          </p:cNvPr>
-          <p:cNvSpPr>
-            <a:spLocks noGrp="1"/>
-          </p:cNvSpPr>
-          <p:nvPr>
-            <p:ph sz="half" idx="2"/>
-          </p:nvPr>
-        </p:nvSpPr>
-        <p:spPr>
-          <a:xfrm>
-            <a:off x="1097280" y="1602378"/>
-            <a:ext cx="10058400" cy="4266718"/>
-          </a:xfrm>
-        </p:spPr>
-        <p:txBody>
-          <a:bodyPr/>
-          <a:lstStyle/>
-          <a:p>
-            <a:endParaRPr lang="en-US" dirty="0">
-              <a:solidFill>
-                <a:schemeClr val="tx1"/>
-              </a:solidFill>
-            </a:endParaRPr>
-          </a:p>
-        </p:txBody>
-      </p:sp>
-      <p:sp>
-        <p:nvSpPr>
           <p:cNvPr id="2" name="Title 1">
             <a:extLst>
               <a:ext uri="{FF2B5EF4-FFF2-40B4-BE49-F238E27FC236}">
@@ -10067,16 +12539,1002 @@
           <a:p>
             <a:r>
               <a:rPr lang="en-US" dirty="0"/>
-              <a:t>Preliminary Analysis</a:t>
-            </a:r>
-            <a:endParaRPr lang="en-US" dirty="0"/>
+              <a:t>Index Proposal Layer</a:t>
+            </a:r>
           </a:p>
         </p:txBody>
       </p:sp>
+      <mc:AlternateContent xmlns:mc="http://schemas.openxmlformats.org/markup-compatibility/2006">
+        <mc:Choice xmlns:a14="http://schemas.microsoft.com/office/drawing/2010/main" Requires="a14">
+          <p:sp>
+            <p:nvSpPr>
+              <p:cNvPr id="3" name="Rectangle 2"/>
+              <p:cNvSpPr/>
+              <p:nvPr/>
+            </p:nvSpPr>
+            <p:spPr>
+              <a:xfrm>
+                <a:off x="3274513" y="2199814"/>
+                <a:ext cx="5703933" cy="404983"/>
+              </a:xfrm>
+              <a:prstGeom prst="rect">
+                <a:avLst/>
+              </a:prstGeom>
+            </p:spPr>
+            <p:txBody>
+              <a:bodyPr wrap="none">
+                <a:spAutoFit/>
+              </a:bodyPr>
+              <a:lstStyle/>
+              <a:p>
+                <a14:m>
+                  <m:oMathPara xmlns:m="http://schemas.openxmlformats.org/officeDocument/2006/math">
+                    <m:oMathParaPr>
+                      <m:jc m:val="centerGroup"/>
+                    </m:oMathParaPr>
+                    <m:oMath xmlns:m="http://schemas.openxmlformats.org/officeDocument/2006/math">
+                      <m:sSub>
+                        <m:sSubPr>
+                          <m:ctrlPr>
+                            <a:rPr lang="en-US">
+                              <a:latin typeface="Cambria Math" panose="02040503050406030204" pitchFamily="18" charset="0"/>
+                            </a:rPr>
+                          </m:ctrlPr>
+                        </m:sSubPr>
+                        <m:e>
+                          <m:r>
+                            <a:rPr lang="en-US">
+                              <a:latin typeface="Cambria Math" panose="02040503050406030204" pitchFamily="18" charset="0"/>
+                            </a:rPr>
+                            <m:t>ℒ</m:t>
+                          </m:r>
+                        </m:e>
+                        <m:sub>
+                          <m:r>
+                            <a:rPr lang="en-US" i="1">
+                              <a:latin typeface="Cambria Math" panose="02040503050406030204" pitchFamily="18" charset="0"/>
+                            </a:rPr>
+                            <m:t>𝐼𝑃</m:t>
+                          </m:r>
+                        </m:sub>
+                      </m:sSub>
+                      <m:d>
+                        <m:dPr>
+                          <m:ctrlPr>
+                            <a:rPr lang="en-US" i="1">
+                              <a:latin typeface="Cambria Math" panose="02040503050406030204" pitchFamily="18" charset="0"/>
+                            </a:rPr>
+                          </m:ctrlPr>
+                        </m:dPr>
+                        <m:e>
+                          <m:sSub>
+                            <m:sSubPr>
+                              <m:ctrlPr>
+                                <a:rPr lang="en-US" i="1">
+                                  <a:latin typeface="Cambria Math" panose="02040503050406030204" pitchFamily="18" charset="0"/>
+                                </a:rPr>
+                              </m:ctrlPr>
+                            </m:sSubPr>
+                            <m:e>
+                              <m:r>
+                                <a:rPr lang="en-US" i="1">
+                                  <a:latin typeface="Cambria Math" panose="02040503050406030204" pitchFamily="18" charset="0"/>
+                                </a:rPr>
+                                <m:t>𝐼</m:t>
+                              </m:r>
+                            </m:e>
+                            <m:sub>
+                              <m:r>
+                                <a:rPr lang="en-US" i="1">
+                                  <a:latin typeface="Cambria Math" panose="02040503050406030204" pitchFamily="18" charset="0"/>
+                                </a:rPr>
+                                <m:t>𝑎</m:t>
+                              </m:r>
+                            </m:sub>
+                          </m:sSub>
+                          <m:r>
+                            <a:rPr lang="en-US" i="0">
+                              <a:latin typeface="Cambria Math" panose="02040503050406030204" pitchFamily="18" charset="0"/>
+                            </a:rPr>
+                            <m:t>,</m:t>
+                          </m:r>
+                          <m:sSub>
+                            <m:sSubPr>
+                              <m:ctrlPr>
+                                <a:rPr lang="en-US" i="1">
+                                  <a:latin typeface="Cambria Math" panose="02040503050406030204" pitchFamily="18" charset="0"/>
+                                </a:rPr>
+                              </m:ctrlPr>
+                            </m:sSubPr>
+                            <m:e>
+                              <m:r>
+                                <a:rPr lang="en-US" i="1">
+                                  <a:latin typeface="Cambria Math" panose="02040503050406030204" pitchFamily="18" charset="0"/>
+                                </a:rPr>
+                                <m:t>𝐼</m:t>
+                              </m:r>
+                            </m:e>
+                            <m:sub>
+                              <m:r>
+                                <a:rPr lang="en-US" i="1">
+                                  <a:latin typeface="Cambria Math" panose="02040503050406030204" pitchFamily="18" charset="0"/>
+                                </a:rPr>
+                                <m:t>𝑏</m:t>
+                              </m:r>
+                            </m:sub>
+                          </m:sSub>
+                          <m:r>
+                            <a:rPr lang="en-US" i="0">
+                              <a:latin typeface="Cambria Math" panose="02040503050406030204" pitchFamily="18" charset="0"/>
+                            </a:rPr>
+                            <m:t>, </m:t>
+                          </m:r>
+                          <m:sSub>
+                            <m:sSubPr>
+                              <m:ctrlPr>
+                                <a:rPr lang="en-US" i="1">
+                                  <a:latin typeface="Cambria Math" panose="02040503050406030204" pitchFamily="18" charset="0"/>
+                                </a:rPr>
+                              </m:ctrlPr>
+                            </m:sSubPr>
+                            <m:e>
+                              <m:r>
+                                <a:rPr lang="en-US" i="1">
+                                  <a:latin typeface="Cambria Math" panose="02040503050406030204" pitchFamily="18" charset="0"/>
+                                </a:rPr>
+                                <m:t>𝐻</m:t>
+                              </m:r>
+                            </m:e>
+                            <m:sub>
+                              <m:r>
+                                <a:rPr lang="en-US" i="1">
+                                  <a:latin typeface="Cambria Math" panose="02040503050406030204" pitchFamily="18" charset="0"/>
+                                </a:rPr>
+                                <m:t>𝑎</m:t>
+                              </m:r>
+                              <m:r>
+                                <a:rPr lang="en-US" i="0">
+                                  <a:latin typeface="Cambria Math" panose="02040503050406030204" pitchFamily="18" charset="0"/>
+                                </a:rPr>
+                                <m:t>,</m:t>
+                              </m:r>
+                              <m:r>
+                                <a:rPr lang="en-US" i="1">
+                                  <a:latin typeface="Cambria Math" panose="02040503050406030204" pitchFamily="18" charset="0"/>
+                                </a:rPr>
+                                <m:t>𝑏</m:t>
+                              </m:r>
+                            </m:sub>
+                          </m:sSub>
+                          <m:r>
+                            <a:rPr lang="en-US" i="0">
+                              <a:latin typeface="Cambria Math" panose="02040503050406030204" pitchFamily="18" charset="0"/>
+                            </a:rPr>
+                            <m:t>, </m:t>
+                          </m:r>
+                          <m:r>
+                            <a:rPr lang="en-US" i="1">
+                              <a:latin typeface="Cambria Math" panose="02040503050406030204" pitchFamily="18" charset="0"/>
+                            </a:rPr>
+                            <m:t>𝑁</m:t>
+                          </m:r>
+                        </m:e>
+                      </m:d>
+                      <m:r>
+                        <a:rPr lang="en-US" i="0">
+                          <a:latin typeface="Cambria Math" panose="02040503050406030204" pitchFamily="18" charset="0"/>
+                        </a:rPr>
+                        <m:t>=</m:t>
+                      </m:r>
+                      <m:sSub>
+                        <m:sSubPr>
+                          <m:ctrlPr>
+                            <a:rPr lang="en-US" i="1">
+                              <a:latin typeface="Cambria Math" panose="02040503050406030204" pitchFamily="18" charset="0"/>
+                            </a:rPr>
+                          </m:ctrlPr>
+                        </m:sSubPr>
+                        <m:e>
+                          <m:r>
+                            <m:rPr>
+                              <m:sty m:val="p"/>
+                            </m:rPr>
+                            <a:rPr lang="en-US" i="0">
+                              <a:latin typeface="Cambria Math" panose="02040503050406030204" pitchFamily="18" charset="0"/>
+                            </a:rPr>
+                            <m:t>Σ</m:t>
+                          </m:r>
+                        </m:e>
+                        <m:sub>
+                          <m:r>
+                            <a:rPr lang="en-US" i="1">
+                              <a:latin typeface="Cambria Math" panose="02040503050406030204" pitchFamily="18" charset="0"/>
+                            </a:rPr>
+                            <m:t>𝑖</m:t>
+                          </m:r>
+                        </m:sub>
+                      </m:sSub>
+                      <m:sSub>
+                        <m:sSubPr>
+                          <m:ctrlPr>
+                            <a:rPr lang="en-US" i="1">
+                              <a:latin typeface="Cambria Math" panose="02040503050406030204" pitchFamily="18" charset="0"/>
+                            </a:rPr>
+                          </m:ctrlPr>
+                        </m:sSubPr>
+                        <m:e>
+                          <m:r>
+                            <a:rPr lang="en-US" i="1">
+                              <a:latin typeface="Cambria Math" panose="02040503050406030204" pitchFamily="18" charset="0"/>
+                            </a:rPr>
+                            <m:t>𝛼</m:t>
+                          </m:r>
+                        </m:e>
+                        <m:sub>
+                          <m:r>
+                            <a:rPr lang="en-US" i="1">
+                              <a:latin typeface="Cambria Math" panose="02040503050406030204" pitchFamily="18" charset="0"/>
+                            </a:rPr>
+                            <m:t>𝑖</m:t>
+                          </m:r>
+                        </m:sub>
+                      </m:sSub>
+                      <m:r>
+                        <a:rPr lang="en-US" i="0">
+                          <a:latin typeface="Cambria Math" panose="02040503050406030204" pitchFamily="18" charset="0"/>
+                        </a:rPr>
+                        <m:t> </m:t>
+                      </m:r>
+                      <m:d>
+                        <m:dPr>
+                          <m:begChr m:val="|"/>
+                          <m:endChr m:val="|"/>
+                          <m:ctrlPr>
+                            <a:rPr lang="en-US" i="1">
+                              <a:latin typeface="Cambria Math" panose="02040503050406030204" pitchFamily="18" charset="0"/>
+                            </a:rPr>
+                          </m:ctrlPr>
+                        </m:dPr>
+                        <m:e>
+                          <m:r>
+                            <a:rPr lang="en-US" i="0">
+                              <a:latin typeface="Cambria Math" panose="02040503050406030204" pitchFamily="18" charset="0"/>
+                            </a:rPr>
+                            <m:t> </m:t>
+                          </m:r>
+                        </m:e>
+                      </m:d>
+                      <m:r>
+                        <a:rPr lang="en-US" i="0">
+                          <a:latin typeface="Cambria Math" panose="02040503050406030204" pitchFamily="18" charset="0"/>
+                        </a:rPr>
+                        <m:t> </m:t>
+                      </m:r>
+                      <m:sSubSup>
+                        <m:sSubSupPr>
+                          <m:ctrlPr>
+                            <a:rPr lang="en-US" i="1">
+                              <a:latin typeface="Cambria Math" panose="02040503050406030204" pitchFamily="18" charset="0"/>
+                            </a:rPr>
+                          </m:ctrlPr>
+                        </m:sSubSupPr>
+                        <m:e>
+                          <m:d>
+                            <m:dPr>
+                              <m:begChr m:val="["/>
+                              <m:endChr m:val="]"/>
+                              <m:ctrlPr>
+                                <a:rPr lang="en-US" i="1">
+                                  <a:latin typeface="Cambria Math" panose="02040503050406030204" pitchFamily="18" charset="0"/>
+                                </a:rPr>
+                              </m:ctrlPr>
+                            </m:dPr>
+                            <m:e>
+                              <m:r>
+                                <a:rPr lang="en-US" i="0">
+                                  <a:latin typeface="Cambria Math" panose="02040503050406030204" pitchFamily="18" charset="0"/>
+                                </a:rPr>
+                                <m:t> </m:t>
+                              </m:r>
+                              <m:sSub>
+                                <m:sSubPr>
+                                  <m:ctrlPr>
+                                    <a:rPr lang="en-US" i="1">
+                                      <a:latin typeface="Cambria Math" panose="02040503050406030204" pitchFamily="18" charset="0"/>
+                                    </a:rPr>
+                                  </m:ctrlPr>
+                                </m:sSubPr>
+                                <m:e>
+                                  <m:r>
+                                    <a:rPr lang="en-US" i="1">
+                                      <a:latin typeface="Cambria Math" panose="02040503050406030204" pitchFamily="18" charset="0"/>
+                                    </a:rPr>
+                                    <m:t>𝑥</m:t>
+                                  </m:r>
+                                </m:e>
+                                <m:sub>
+                                  <m:r>
+                                    <a:rPr lang="en-US" i="1">
+                                      <a:latin typeface="Cambria Math" panose="02040503050406030204" pitchFamily="18" charset="0"/>
+                                    </a:rPr>
+                                    <m:t>𝑖</m:t>
+                                  </m:r>
+                                </m:sub>
+                              </m:sSub>
+                              <m:r>
+                                <a:rPr lang="en-US" i="0">
+                                  <a:latin typeface="Cambria Math" panose="02040503050406030204" pitchFamily="18" charset="0"/>
+                                </a:rPr>
+                                <m:t>, </m:t>
+                              </m:r>
+                              <m:sSub>
+                                <m:sSubPr>
+                                  <m:ctrlPr>
+                                    <a:rPr lang="en-US" i="1">
+                                      <a:latin typeface="Cambria Math" panose="02040503050406030204" pitchFamily="18" charset="0"/>
+                                    </a:rPr>
+                                  </m:ctrlPr>
+                                </m:sSubPr>
+                                <m:e>
+                                  <m:r>
+                                    <a:rPr lang="en-US" i="1">
+                                      <a:latin typeface="Cambria Math" panose="02040503050406030204" pitchFamily="18" charset="0"/>
+                                    </a:rPr>
+                                    <m:t>𝑦</m:t>
+                                  </m:r>
+                                </m:e>
+                                <m:sub>
+                                  <m:r>
+                                    <a:rPr lang="en-US" i="1">
+                                      <a:latin typeface="Cambria Math" panose="02040503050406030204" pitchFamily="18" charset="0"/>
+                                    </a:rPr>
+                                    <m:t>𝑖</m:t>
+                                  </m:r>
+                                </m:sub>
+                              </m:sSub>
+                              <m:r>
+                                <a:rPr lang="en-US" i="0">
+                                  <a:latin typeface="Cambria Math" panose="02040503050406030204" pitchFamily="18" charset="0"/>
+                                </a:rPr>
+                                <m:t> </m:t>
+                              </m:r>
+                            </m:e>
+                          </m:d>
+                        </m:e>
+                        <m:sub>
+                          <m:r>
+                            <a:rPr lang="en-US" i="1">
+                              <a:latin typeface="Cambria Math" panose="02040503050406030204" pitchFamily="18" charset="0"/>
+                            </a:rPr>
+                            <m:t>𝑎</m:t>
+                          </m:r>
+                        </m:sub>
+                        <m:sup>
+                          <m:r>
+                            <a:rPr lang="en-US" i="1">
+                              <a:latin typeface="Cambria Math" panose="02040503050406030204" pitchFamily="18" charset="0"/>
+                            </a:rPr>
+                            <m:t>𝑇</m:t>
+                          </m:r>
+                        </m:sup>
+                      </m:sSubSup>
+                      <m:r>
+                        <a:rPr lang="en-US" i="0">
+                          <a:latin typeface="Cambria Math" panose="02040503050406030204" pitchFamily="18" charset="0"/>
+                        </a:rPr>
+                        <m:t>−</m:t>
+                      </m:r>
+                      <m:sSub>
+                        <m:sSubPr>
+                          <m:ctrlPr>
+                            <a:rPr lang="en-US" i="1">
+                              <a:latin typeface="Cambria Math" panose="02040503050406030204" pitchFamily="18" charset="0"/>
+                            </a:rPr>
+                          </m:ctrlPr>
+                        </m:sSubPr>
+                        <m:e>
+                          <m:r>
+                            <a:rPr lang="en-US" i="1">
+                              <a:latin typeface="Cambria Math" panose="02040503050406030204" pitchFamily="18" charset="0"/>
+                            </a:rPr>
+                            <m:t>𝐻</m:t>
+                          </m:r>
+                        </m:e>
+                        <m:sub>
+                          <m:r>
+                            <a:rPr lang="en-US" i="1">
+                              <a:latin typeface="Cambria Math" panose="02040503050406030204" pitchFamily="18" charset="0"/>
+                            </a:rPr>
+                            <m:t>𝑏</m:t>
+                          </m:r>
+                          <m:r>
+                            <a:rPr lang="en-US" i="0">
+                              <a:latin typeface="Cambria Math" panose="02040503050406030204" pitchFamily="18" charset="0"/>
+                            </a:rPr>
+                            <m:t>, </m:t>
+                          </m:r>
+                          <m:r>
+                            <a:rPr lang="en-US" i="1">
+                              <a:latin typeface="Cambria Math" panose="02040503050406030204" pitchFamily="18" charset="0"/>
+                            </a:rPr>
+                            <m:t>𝑎</m:t>
+                          </m:r>
+                        </m:sub>
+                      </m:sSub>
+                      <m:sSubSup>
+                        <m:sSubSupPr>
+                          <m:ctrlPr>
+                            <a:rPr lang="en-US" i="1">
+                              <a:latin typeface="Cambria Math" panose="02040503050406030204" pitchFamily="18" charset="0"/>
+                            </a:rPr>
+                          </m:ctrlPr>
+                        </m:sSubSupPr>
+                        <m:e>
+                          <m:d>
+                            <m:dPr>
+                              <m:begChr m:val="["/>
+                              <m:endChr m:val="]"/>
+                              <m:ctrlPr>
+                                <a:rPr lang="en-US" i="1">
+                                  <a:latin typeface="Cambria Math" panose="02040503050406030204" pitchFamily="18" charset="0"/>
+                                </a:rPr>
+                              </m:ctrlPr>
+                            </m:dPr>
+                            <m:e>
+                              <m:acc>
+                                <m:accPr>
+                                  <m:chr m:val="̂"/>
+                                  <m:ctrlPr>
+                                    <a:rPr lang="en-US" i="1">
+                                      <a:latin typeface="Cambria Math" panose="02040503050406030204" pitchFamily="18" charset="0"/>
+                                    </a:rPr>
+                                  </m:ctrlPr>
+                                </m:accPr>
+                                <m:e>
+                                  <m:sSub>
+                                    <m:sSubPr>
+                                      <m:ctrlPr>
+                                        <a:rPr lang="en-US" i="1">
+                                          <a:latin typeface="Cambria Math" panose="02040503050406030204" pitchFamily="18" charset="0"/>
+                                        </a:rPr>
+                                      </m:ctrlPr>
+                                    </m:sSubPr>
+                                    <m:e>
+                                      <m:r>
+                                        <a:rPr lang="en-US" i="1">
+                                          <a:latin typeface="Cambria Math" panose="02040503050406030204" pitchFamily="18" charset="0"/>
+                                        </a:rPr>
+                                        <m:t>𝑥</m:t>
+                                      </m:r>
+                                    </m:e>
+                                    <m:sub>
+                                      <m:r>
+                                        <a:rPr lang="en-US" i="1">
+                                          <a:latin typeface="Cambria Math" panose="02040503050406030204" pitchFamily="18" charset="0"/>
+                                        </a:rPr>
+                                        <m:t>𝑖</m:t>
+                                      </m:r>
+                                    </m:sub>
+                                  </m:sSub>
+                                </m:e>
+                              </m:acc>
+                              <m:r>
+                                <a:rPr lang="en-US" i="0">
+                                  <a:latin typeface="Cambria Math" panose="02040503050406030204" pitchFamily="18" charset="0"/>
+                                </a:rPr>
+                                <m:t>,</m:t>
+                              </m:r>
+                              <m:acc>
+                                <m:accPr>
+                                  <m:chr m:val="̂"/>
+                                  <m:ctrlPr>
+                                    <a:rPr lang="en-US" i="1">
+                                      <a:latin typeface="Cambria Math" panose="02040503050406030204" pitchFamily="18" charset="0"/>
+                                    </a:rPr>
+                                  </m:ctrlPr>
+                                </m:accPr>
+                                <m:e>
+                                  <m:sSub>
+                                    <m:sSubPr>
+                                      <m:ctrlPr>
+                                        <a:rPr lang="en-US" i="1">
+                                          <a:latin typeface="Cambria Math" panose="02040503050406030204" pitchFamily="18" charset="0"/>
+                                        </a:rPr>
+                                      </m:ctrlPr>
+                                    </m:sSubPr>
+                                    <m:e>
+                                      <m:r>
+                                        <a:rPr lang="en-US" i="1">
+                                          <a:latin typeface="Cambria Math" panose="02040503050406030204" pitchFamily="18" charset="0"/>
+                                        </a:rPr>
+                                        <m:t>𝑦</m:t>
+                                      </m:r>
+                                    </m:e>
+                                    <m:sub>
+                                      <m:r>
+                                        <a:rPr lang="en-US" i="1">
+                                          <a:latin typeface="Cambria Math" panose="02040503050406030204" pitchFamily="18" charset="0"/>
+                                        </a:rPr>
+                                        <m:t>𝑖</m:t>
+                                      </m:r>
+                                    </m:sub>
+                                  </m:sSub>
+                                </m:e>
+                              </m:acc>
+                            </m:e>
+                          </m:d>
+                        </m:e>
+                        <m:sub>
+                          <m:r>
+                            <a:rPr lang="en-US" i="1">
+                              <a:latin typeface="Cambria Math" panose="02040503050406030204" pitchFamily="18" charset="0"/>
+                            </a:rPr>
+                            <m:t>𝑏</m:t>
+                          </m:r>
+                        </m:sub>
+                        <m:sup>
+                          <m:r>
+                            <a:rPr lang="en-US" i="1">
+                              <a:latin typeface="Cambria Math" panose="02040503050406030204" pitchFamily="18" charset="0"/>
+                            </a:rPr>
+                            <m:t>𝑇</m:t>
+                          </m:r>
+                        </m:sup>
+                      </m:sSubSup>
+                      <m:r>
+                        <a:rPr lang="en-US" i="0">
+                          <a:latin typeface="Cambria Math" panose="02040503050406030204" pitchFamily="18" charset="0"/>
+                        </a:rPr>
+                        <m:t> </m:t>
+                      </m:r>
+                      <m:sSup>
+                        <m:sSupPr>
+                          <m:ctrlPr>
+                            <a:rPr lang="en-US" i="1">
+                              <a:latin typeface="Cambria Math" panose="02040503050406030204" pitchFamily="18" charset="0"/>
+                            </a:rPr>
+                          </m:ctrlPr>
+                        </m:sSupPr>
+                        <m:e>
+                          <m:d>
+                            <m:dPr>
+                              <m:begChr m:val="|"/>
+                              <m:endChr m:val="|"/>
+                              <m:ctrlPr>
+                                <a:rPr lang="en-US" i="1">
+                                  <a:latin typeface="Cambria Math" panose="02040503050406030204" pitchFamily="18" charset="0"/>
+                                </a:rPr>
+                              </m:ctrlPr>
+                            </m:dPr>
+                            <m:e>
+                              <m:r>
+                                <a:rPr lang="en-US" i="0">
+                                  <a:latin typeface="Cambria Math" panose="02040503050406030204" pitchFamily="18" charset="0"/>
+                                </a:rPr>
+                                <m:t> </m:t>
+                              </m:r>
+                            </m:e>
+                          </m:d>
+                        </m:e>
+                        <m:sup>
+                          <m:r>
+                            <a:rPr lang="en-US" i="0">
+                              <a:latin typeface="Cambria Math" panose="02040503050406030204" pitchFamily="18" charset="0"/>
+                            </a:rPr>
+                            <m:t>2</m:t>
+                          </m:r>
+                        </m:sup>
+                      </m:sSup>
+                    </m:oMath>
+                  </m:oMathPara>
+                </a14:m>
+                <a:endParaRPr lang="en-US" dirty="0"/>
+              </a:p>
+            </p:txBody>
+          </p:sp>
+        </mc:Choice>
+        <mc:Fallback>
+          <p:sp>
+            <p:nvSpPr>
+              <p:cNvPr id="3" name="Rectangle 2"/>
+              <p:cNvSpPr>
+                <a:spLocks noRot="1" noChangeAspect="1" noMove="1" noResize="1" noEditPoints="1" noAdjustHandles="1" noChangeArrowheads="1" noChangeShapeType="1" noTextEdit="1"/>
+              </p:cNvSpPr>
+              <p:nvPr/>
+            </p:nvSpPr>
+            <p:spPr>
+              <a:xfrm>
+                <a:off x="3274513" y="2199814"/>
+                <a:ext cx="5703933" cy="404983"/>
+              </a:xfrm>
+              <a:prstGeom prst="rect">
+                <a:avLst/>
+              </a:prstGeom>
+              <a:blipFill>
+                <a:blip r:embed="rId2"/>
+                <a:stretch>
+                  <a:fillRect b="-3030"/>
+                </a:stretch>
+              </a:blipFill>
+            </p:spPr>
+            <p:txBody>
+              <a:bodyPr/>
+              <a:lstStyle/>
+              <a:p>
+                <a:r>
+                  <a:rPr lang="en-US">
+                    <a:noFill/>
+                  </a:rPr>
+                  <a:t> </a:t>
+                </a:r>
+              </a:p>
+            </p:txBody>
+          </p:sp>
+        </mc:Fallback>
+      </mc:AlternateContent>
+      <mc:AlternateContent xmlns:mc="http://schemas.openxmlformats.org/markup-compatibility/2006">
+        <mc:Choice xmlns:a14="http://schemas.microsoft.com/office/drawing/2010/main" Requires="a14">
+          <p:sp>
+            <p:nvSpPr>
+              <p:cNvPr id="6" name="Rectangle 5"/>
+              <p:cNvSpPr/>
+              <p:nvPr/>
+            </p:nvSpPr>
+            <p:spPr>
+              <a:xfrm>
+                <a:off x="4527365" y="3244334"/>
+                <a:ext cx="3137269" cy="369332"/>
+              </a:xfrm>
+              <a:prstGeom prst="rect">
+                <a:avLst/>
+              </a:prstGeom>
+            </p:spPr>
+            <p:txBody>
+              <a:bodyPr wrap="none">
+                <a:spAutoFit/>
+              </a:bodyPr>
+              <a:lstStyle/>
+              <a:p>
+                <a14:m>
+                  <m:oMathPara xmlns:m="http://schemas.openxmlformats.org/officeDocument/2006/math">
+                    <m:oMathParaPr>
+                      <m:jc m:val="centerGroup"/>
+                    </m:oMathParaPr>
+                    <m:oMath xmlns:m="http://schemas.openxmlformats.org/officeDocument/2006/math">
+                      <m:sSub>
+                        <m:sSubPr>
+                          <m:ctrlPr>
+                            <a:rPr lang="en-US">
+                              <a:latin typeface="Cambria Math" panose="02040503050406030204" pitchFamily="18" charset="0"/>
+                            </a:rPr>
+                          </m:ctrlPr>
+                        </m:sSubPr>
+                        <m:e>
+                          <m:r>
+                            <a:rPr lang="en-US" i="1">
+                              <a:latin typeface="Cambria Math" panose="02040503050406030204" pitchFamily="18" charset="0"/>
+                            </a:rPr>
+                            <m:t>𝛼</m:t>
+                          </m:r>
+                        </m:e>
+                        <m:sub>
+                          <m:r>
+                            <a:rPr lang="en-US" i="1">
+                              <a:latin typeface="Cambria Math" panose="02040503050406030204" pitchFamily="18" charset="0"/>
+                            </a:rPr>
+                            <m:t>𝑖</m:t>
+                          </m:r>
+                        </m:sub>
+                      </m:sSub>
+                      <m:r>
+                        <a:rPr lang="en-US" i="0">
+                          <a:latin typeface="Cambria Math" panose="02040503050406030204" pitchFamily="18" charset="0"/>
+                        </a:rPr>
+                        <m:t>=</m:t>
+                      </m:r>
+                      <m:sSub>
+                        <m:sSubPr>
+                          <m:ctrlPr>
+                            <a:rPr lang="en-US" i="1">
+                              <a:latin typeface="Cambria Math" panose="02040503050406030204" pitchFamily="18" charset="0"/>
+                            </a:rPr>
+                          </m:ctrlPr>
+                        </m:sSubPr>
+                        <m:e>
+                          <m:r>
+                            <a:rPr lang="en-US" i="1">
+                              <a:latin typeface="Cambria Math" panose="02040503050406030204" pitchFamily="18" charset="0"/>
+                            </a:rPr>
+                            <m:t>𝑅</m:t>
+                          </m:r>
+                        </m:e>
+                        <m:sub>
+                          <m:r>
+                            <a:rPr lang="en-US" i="1">
+                              <a:latin typeface="Cambria Math" panose="02040503050406030204" pitchFamily="18" charset="0"/>
+                            </a:rPr>
+                            <m:t>𝑎</m:t>
+                          </m:r>
+                        </m:sub>
+                      </m:sSub>
+                      <m:sSub>
+                        <m:sSubPr>
+                          <m:ctrlPr>
+                            <a:rPr lang="en-US" i="1">
+                              <a:latin typeface="Cambria Math" panose="02040503050406030204" pitchFamily="18" charset="0"/>
+                            </a:rPr>
+                          </m:ctrlPr>
+                        </m:sSubPr>
+                        <m:e>
+                          <m:d>
+                            <m:dPr>
+                              <m:ctrlPr>
+                                <a:rPr lang="en-US" i="1">
+                                  <a:latin typeface="Cambria Math" panose="02040503050406030204" pitchFamily="18" charset="0"/>
+                                </a:rPr>
+                              </m:ctrlPr>
+                            </m:dPr>
+                            <m:e>
+                              <m:sSub>
+                                <m:sSubPr>
+                                  <m:ctrlPr>
+                                    <a:rPr lang="en-US" i="1">
+                                      <a:latin typeface="Cambria Math" panose="02040503050406030204" pitchFamily="18" charset="0"/>
+                                    </a:rPr>
+                                  </m:ctrlPr>
+                                </m:sSubPr>
+                                <m:e>
+                                  <m:r>
+                                    <a:rPr lang="en-US" i="1">
+                                      <a:latin typeface="Cambria Math" panose="02040503050406030204" pitchFamily="18" charset="0"/>
+                                    </a:rPr>
+                                    <m:t>𝑥</m:t>
+                                  </m:r>
+                                </m:e>
+                                <m:sub>
+                                  <m:r>
+                                    <a:rPr lang="en-US" i="1">
+                                      <a:latin typeface="Cambria Math" panose="02040503050406030204" pitchFamily="18" charset="0"/>
+                                    </a:rPr>
+                                    <m:t>𝑖</m:t>
+                                  </m:r>
+                                </m:sub>
+                              </m:sSub>
+                              <m:r>
+                                <a:rPr lang="en-US" i="0">
+                                  <a:latin typeface="Cambria Math" panose="02040503050406030204" pitchFamily="18" charset="0"/>
+                                </a:rPr>
+                                <m:t>, </m:t>
+                              </m:r>
+                              <m:sSub>
+                                <m:sSubPr>
+                                  <m:ctrlPr>
+                                    <a:rPr lang="en-US" i="1">
+                                      <a:latin typeface="Cambria Math" panose="02040503050406030204" pitchFamily="18" charset="0"/>
+                                    </a:rPr>
+                                  </m:ctrlPr>
+                                </m:sSubPr>
+                                <m:e>
+                                  <m:r>
+                                    <a:rPr lang="en-US" i="1">
+                                      <a:latin typeface="Cambria Math" panose="02040503050406030204" pitchFamily="18" charset="0"/>
+                                    </a:rPr>
+                                    <m:t>𝑦</m:t>
+                                  </m:r>
+                                </m:e>
+                                <m:sub>
+                                  <m:r>
+                                    <a:rPr lang="en-US" i="1">
+                                      <a:latin typeface="Cambria Math" panose="02040503050406030204" pitchFamily="18" charset="0"/>
+                                    </a:rPr>
+                                    <m:t>𝑖</m:t>
+                                  </m:r>
+                                </m:sub>
+                              </m:sSub>
+                            </m:e>
+                          </m:d>
+                        </m:e>
+                        <m:sub>
+                          <m:r>
+                            <a:rPr lang="en-US" i="1">
+                              <a:latin typeface="Cambria Math" panose="02040503050406030204" pitchFamily="18" charset="0"/>
+                            </a:rPr>
+                            <m:t>𝑎</m:t>
+                          </m:r>
+                        </m:sub>
+                      </m:sSub>
+                      <m:r>
+                        <a:rPr lang="en-US" i="0">
+                          <a:latin typeface="Cambria Math" panose="02040503050406030204" pitchFamily="18" charset="0"/>
+                        </a:rPr>
+                        <m:t>+</m:t>
+                      </m:r>
+                      <m:sSub>
+                        <m:sSubPr>
+                          <m:ctrlPr>
+                            <a:rPr lang="en-US" i="1">
+                              <a:latin typeface="Cambria Math" panose="02040503050406030204" pitchFamily="18" charset="0"/>
+                            </a:rPr>
+                          </m:ctrlPr>
+                        </m:sSubPr>
+                        <m:e>
+                          <m:r>
+                            <a:rPr lang="en-US" i="1">
+                              <a:latin typeface="Cambria Math" panose="02040503050406030204" pitchFamily="18" charset="0"/>
+                            </a:rPr>
+                            <m:t>𝑅</m:t>
+                          </m:r>
+                        </m:e>
+                        <m:sub>
+                          <m:r>
+                            <a:rPr lang="en-US" i="1">
+                              <a:latin typeface="Cambria Math" panose="02040503050406030204" pitchFamily="18" charset="0"/>
+                            </a:rPr>
+                            <m:t>𝑏</m:t>
+                          </m:r>
+                        </m:sub>
+                      </m:sSub>
+                      <m:sSub>
+                        <m:sSubPr>
+                          <m:ctrlPr>
+                            <a:rPr lang="en-US" i="1">
+                              <a:latin typeface="Cambria Math" panose="02040503050406030204" pitchFamily="18" charset="0"/>
+                            </a:rPr>
+                          </m:ctrlPr>
+                        </m:sSubPr>
+                        <m:e>
+                          <m:d>
+                            <m:dPr>
+                              <m:ctrlPr>
+                                <a:rPr lang="en-US" i="1">
+                                  <a:latin typeface="Cambria Math" panose="02040503050406030204" pitchFamily="18" charset="0"/>
+                                </a:rPr>
+                              </m:ctrlPr>
+                            </m:dPr>
+                            <m:e>
+                              <m:acc>
+                                <m:accPr>
+                                  <m:chr m:val="̂"/>
+                                  <m:ctrlPr>
+                                    <a:rPr lang="en-US" i="1">
+                                      <a:latin typeface="Cambria Math" panose="02040503050406030204" pitchFamily="18" charset="0"/>
+                                    </a:rPr>
+                                  </m:ctrlPr>
+                                </m:accPr>
+                                <m:e>
+                                  <m:sSub>
+                                    <m:sSubPr>
+                                      <m:ctrlPr>
+                                        <a:rPr lang="en-US" i="1">
+                                          <a:latin typeface="Cambria Math" panose="02040503050406030204" pitchFamily="18" charset="0"/>
+                                        </a:rPr>
+                                      </m:ctrlPr>
+                                    </m:sSubPr>
+                                    <m:e>
+                                      <m:r>
+                                        <a:rPr lang="en-US" i="1">
+                                          <a:latin typeface="Cambria Math" panose="02040503050406030204" pitchFamily="18" charset="0"/>
+                                        </a:rPr>
+                                        <m:t>𝑥</m:t>
+                                      </m:r>
+                                    </m:e>
+                                    <m:sub>
+                                      <m:r>
+                                        <a:rPr lang="en-US" i="1">
+                                          <a:latin typeface="Cambria Math" panose="02040503050406030204" pitchFamily="18" charset="0"/>
+                                        </a:rPr>
+                                        <m:t>𝑖</m:t>
+                                      </m:r>
+                                    </m:sub>
+                                  </m:sSub>
+                                </m:e>
+                              </m:acc>
+                              <m:r>
+                                <a:rPr lang="en-US" i="0">
+                                  <a:latin typeface="Cambria Math" panose="02040503050406030204" pitchFamily="18" charset="0"/>
+                                </a:rPr>
+                                <m:t>, </m:t>
+                              </m:r>
+                              <m:acc>
+                                <m:accPr>
+                                  <m:chr m:val="̂"/>
+                                  <m:ctrlPr>
+                                    <a:rPr lang="en-US" i="1">
+                                      <a:latin typeface="Cambria Math" panose="02040503050406030204" pitchFamily="18" charset="0"/>
+                                    </a:rPr>
+                                  </m:ctrlPr>
+                                </m:accPr>
+                                <m:e>
+                                  <m:sSub>
+                                    <m:sSubPr>
+                                      <m:ctrlPr>
+                                        <a:rPr lang="en-US" i="1">
+                                          <a:latin typeface="Cambria Math" panose="02040503050406030204" pitchFamily="18" charset="0"/>
+                                        </a:rPr>
+                                      </m:ctrlPr>
+                                    </m:sSubPr>
+                                    <m:e>
+                                      <m:r>
+                                        <a:rPr lang="en-US" i="1">
+                                          <a:latin typeface="Cambria Math" panose="02040503050406030204" pitchFamily="18" charset="0"/>
+                                        </a:rPr>
+                                        <m:t>𝑦</m:t>
+                                      </m:r>
+                                    </m:e>
+                                    <m:sub>
+                                      <m:r>
+                                        <a:rPr lang="en-US" i="1">
+                                          <a:latin typeface="Cambria Math" panose="02040503050406030204" pitchFamily="18" charset="0"/>
+                                        </a:rPr>
+                                        <m:t>𝑖</m:t>
+                                      </m:r>
+                                    </m:sub>
+                                  </m:sSub>
+                                </m:e>
+                              </m:acc>
+                            </m:e>
+                          </m:d>
+                        </m:e>
+                        <m:sub>
+                          <m:r>
+                            <a:rPr lang="en-US" i="1">
+                              <a:latin typeface="Cambria Math" panose="02040503050406030204" pitchFamily="18" charset="0"/>
+                            </a:rPr>
+                            <m:t>𝑏</m:t>
+                          </m:r>
+                        </m:sub>
+                      </m:sSub>
+                    </m:oMath>
+                  </m:oMathPara>
+                </a14:m>
+                <a:endParaRPr lang="en-US" dirty="0"/>
+              </a:p>
+            </p:txBody>
+          </p:sp>
+        </mc:Choice>
+        <mc:Fallback>
+          <p:sp>
+            <p:nvSpPr>
+              <p:cNvPr id="6" name="Rectangle 5"/>
+              <p:cNvSpPr>
+                <a:spLocks noRot="1" noChangeAspect="1" noMove="1" noResize="1" noEditPoints="1" noAdjustHandles="1" noChangeArrowheads="1" noChangeShapeType="1" noTextEdit="1"/>
+              </p:cNvSpPr>
+              <p:nvPr/>
+            </p:nvSpPr>
+            <p:spPr>
+              <a:xfrm>
+                <a:off x="4527365" y="3244334"/>
+                <a:ext cx="3137269" cy="369332"/>
+              </a:xfrm>
+              <a:prstGeom prst="rect">
+                <a:avLst/>
+              </a:prstGeom>
+              <a:blipFill>
+                <a:blip r:embed="rId3"/>
+                <a:stretch>
+                  <a:fillRect t="-3279" r="-3696" b="-9836"/>
+                </a:stretch>
+              </a:blipFill>
+            </p:spPr>
+            <p:txBody>
+              <a:bodyPr/>
+              <a:lstStyle/>
+              <a:p>
+                <a:r>
+                  <a:rPr lang="en-US">
+                    <a:noFill/>
+                  </a:rPr>
+                  <a:t> </a:t>
+                </a:r>
+              </a:p>
+            </p:txBody>
+          </p:sp>
+        </mc:Fallback>
+      </mc:AlternateContent>
     </p:spTree>
     <p:extLst>
       <p:ext uri="{BB962C8B-B14F-4D97-AF65-F5344CB8AC3E}">
-        <p14:creationId xmlns:p14="http://schemas.microsoft.com/office/powerpoint/2010/main" val="2322299530"/>
+        <p14:creationId xmlns:p14="http://schemas.microsoft.com/office/powerpoint/2010/main" val="1387845204"/>
       </p:ext>
     </p:extLst>
   </p:cSld>
@@ -10105,40 +13563,6 @@
       </p:grpSpPr>
       <p:sp>
         <p:nvSpPr>
-          <p:cNvPr id="3" name="Content Placeholder 2">
-            <a:extLst>
-              <a:ext uri="{FF2B5EF4-FFF2-40B4-BE49-F238E27FC236}">
-                <a16:creationId xmlns:a16="http://schemas.microsoft.com/office/drawing/2014/main" id="{6AB250FE-08C8-4530-B722-29C38A359D8B}"/>
-              </a:ext>
-            </a:extLst>
-          </p:cNvPr>
-          <p:cNvSpPr>
-            <a:spLocks noGrp="1"/>
-          </p:cNvSpPr>
-          <p:nvPr>
-            <p:ph sz="half" idx="2"/>
-          </p:nvPr>
-        </p:nvSpPr>
-        <p:spPr>
-          <a:xfrm>
-            <a:off x="1097280" y="1602378"/>
-            <a:ext cx="10058400" cy="4266718"/>
-          </a:xfrm>
-        </p:spPr>
-        <p:txBody>
-          <a:bodyPr/>
-          <a:lstStyle/>
-          <a:p>
-            <a:endParaRPr lang="en-US" dirty="0">
-              <a:solidFill>
-                <a:schemeClr val="tx1"/>
-              </a:solidFill>
-            </a:endParaRPr>
-          </a:p>
-        </p:txBody>
-      </p:sp>
-      <p:sp>
-        <p:nvSpPr>
           <p:cNvPr id="2" name="Title 1">
             <a:extLst>
               <a:ext uri="{FF2B5EF4-FFF2-40B4-BE49-F238E27FC236}">
@@ -10164,21 +13588,127 @@
           <a:lstStyle/>
           <a:p>
             <a:r>
-              <a:rPr lang="en-US" dirty="0" err="1"/>
-              <a:t>Keypoint</a:t>
-            </a:r>
-            <a:r>
-              <a:rPr lang="en-US" dirty="0"/>
-              <a:t> Detection</a:t>
-            </a:r>
-            <a:endParaRPr lang="en-US" dirty="0"/>
+              <a:rPr lang="en-US" dirty="0"/>
+              <a:t>Index Proposal Layer</a:t>
+            </a:r>
+          </a:p>
+        </p:txBody>
+      </p:sp>
+      <p:pic>
+        <p:nvPicPr>
+          <p:cNvPr id="4" name="Picture 3"/>
+          <p:cNvPicPr>
+            <a:picLocks noChangeAspect="1"/>
+          </p:cNvPicPr>
+          <p:nvPr/>
+        </p:nvPicPr>
+        <p:blipFill>
+          <a:blip r:embed="rId2">
+            <a:extLst>
+              <a:ext uri="{28A0092B-C50C-407E-A947-70E740481C1C}">
+                <a14:useLocalDpi xmlns:a14="http://schemas.microsoft.com/office/drawing/2010/main" val="0"/>
+              </a:ext>
+            </a:extLst>
+          </a:blip>
+          <a:stretch>
+            <a:fillRect/>
+          </a:stretch>
+        </p:blipFill>
+        <p:spPr>
+          <a:xfrm>
+            <a:off x="4674532" y="2059935"/>
+            <a:ext cx="2903896" cy="2583781"/>
+          </a:xfrm>
+          <a:prstGeom prst="rect">
+            <a:avLst/>
+          </a:prstGeom>
+        </p:spPr>
+      </p:pic>
+      <p:sp>
+        <p:nvSpPr>
+          <p:cNvPr id="5" name="Rectangle 4"/>
+          <p:cNvSpPr/>
+          <p:nvPr/>
+        </p:nvSpPr>
+        <p:spPr>
+          <a:xfrm>
+            <a:off x="940525" y="4862612"/>
+            <a:ext cx="10371909" cy="882742"/>
+          </a:xfrm>
+          <a:prstGeom prst="rect">
+            <a:avLst/>
+          </a:prstGeom>
+        </p:spPr>
+        <p:txBody>
+          <a:bodyPr wrap="square">
+            <a:spAutoFit/>
+          </a:bodyPr>
+          <a:lstStyle/>
+          <a:p>
+            <a:pPr marL="228600" marR="0" algn="ctr" rtl="1">
+              <a:lnSpc>
+                <a:spcPct val="107000"/>
+              </a:lnSpc>
+              <a:spcBef>
+                <a:spcPts val="0"/>
+              </a:spcBef>
+              <a:spcAft>
+                <a:spcPts val="800"/>
+              </a:spcAft>
+            </a:pPr>
+            <a:r>
+              <a:rPr lang="fa-IR" sz="1600" i="1" dirty="0">
+                <a:latin typeface="Calibri" panose="020F0502020204030204" pitchFamily="34" charset="0"/>
+                <a:ea typeface="Calibri" panose="020F0502020204030204" pitchFamily="34" charset="0"/>
+                <a:cs typeface="B Nazanin" panose="00000400000000000000" pitchFamily="2" charset="-78"/>
+              </a:rPr>
+              <a:t>تصویر 3 : نکات کلیدی پس از افزودن پنجره های بزرگتر به اپراتور </a:t>
+            </a:r>
+            <a:r>
+              <a:rPr lang="en-US" sz="1600" i="1" dirty="0">
+                <a:latin typeface="Calibri" panose="020F0502020204030204" pitchFamily="34" charset="0"/>
+                <a:ea typeface="Calibri" panose="020F0502020204030204" pitchFamily="34" charset="0"/>
+                <a:cs typeface="B Nazanin" panose="00000400000000000000" pitchFamily="2" charset="-78"/>
+              </a:rPr>
+              <a:t>M-SIP</a:t>
+            </a:r>
+            <a:r>
+              <a:rPr lang="fa-IR" sz="1600" i="1" dirty="0">
+                <a:latin typeface="Calibri" panose="020F0502020204030204" pitchFamily="34" charset="0"/>
+                <a:ea typeface="Calibri" panose="020F0502020204030204" pitchFamily="34" charset="0"/>
+                <a:cs typeface="B Nazanin" panose="00000400000000000000" pitchFamily="2" charset="-78"/>
+              </a:rPr>
+              <a:t> بدست می آیند. نقاطی که پایدارتر هستند همچنان که اپراتور </a:t>
+            </a:r>
+            <a:r>
+              <a:rPr lang="en-US" sz="1600" i="1" dirty="0">
+                <a:latin typeface="Calibri" panose="020F0502020204030204" pitchFamily="34" charset="0"/>
+                <a:ea typeface="Calibri" panose="020F0502020204030204" pitchFamily="34" charset="0"/>
+                <a:cs typeface="B Nazanin" panose="00000400000000000000" pitchFamily="2" charset="-78"/>
+              </a:rPr>
+              <a:t>M-SIP</a:t>
+            </a:r>
+            <a:r>
+              <a:rPr lang="fa-IR" sz="1600" i="1" dirty="0">
+                <a:latin typeface="Calibri" panose="020F0502020204030204" pitchFamily="34" charset="0"/>
+                <a:ea typeface="Calibri" panose="020F0502020204030204" pitchFamily="34" charset="0"/>
+                <a:cs typeface="B Nazanin" panose="00000400000000000000" pitchFamily="2" charset="-78"/>
+              </a:rPr>
+              <a:t> اندازه پنجره خود را افزایش می دهد ، باقی می مانند. نقشه های مشخصه در ردیف میانی حاوی نقاطی در اطراف لبه ها یا مناطق غیرمتمایز است ، در حالی که ردیف پایین تشخیص هایی را نشان می دهد که در زیر تبدیلات هندسی قوی تر هستند.</a:t>
+            </a:r>
+            <a:endParaRPr lang="en-US" sz="2400" dirty="0">
+              <a:effectLst/>
+              <a:latin typeface="Calibri" panose="020F0502020204030204" pitchFamily="34" charset="0"/>
+              <a:ea typeface="Calibri" panose="020F0502020204030204" pitchFamily="34" charset="0"/>
+              <a:cs typeface="Arial" panose="020B0604020202020204" pitchFamily="34" charset="0"/>
+            </a:endParaRPr>
           </a:p>
         </p:txBody>
       </p:sp>
     </p:spTree>
     <p:extLst>
       <p:ext uri="{BB962C8B-B14F-4D97-AF65-F5344CB8AC3E}">
-        <p14:creationId xmlns:p14="http://schemas.microsoft.com/office/powerpoint/2010/main" val="1883572251"/>
+        <p14:creationId xmlns:p14="http://schemas.microsoft.com/office/powerpoint/2010/main" val="1411535681"/>
       </p:ext>
     </p:extLst>
   </p:cSld>
@@ -10260,215 +13790,150 @@
         <p:spPr/>
         <p:txBody>
           <a:bodyPr>
-            <a:normAutofit fontScale="77500" lnSpcReduction="20000"/>
+            <a:noAutofit/>
           </a:bodyPr>
           <a:lstStyle/>
           <a:p>
             <a:r>
-              <a:rPr lang="en-US" dirty="0" smtClean="0"/>
+              <a:rPr lang="en-US" sz="1800" dirty="0" smtClean="0"/>
               <a:t>Abstract</a:t>
             </a:r>
           </a:p>
           <a:p>
             <a:r>
-              <a:rPr lang="en-US" dirty="0" smtClean="0"/>
+              <a:rPr lang="en-US" sz="1800" dirty="0" smtClean="0"/>
               <a:t>Introduction</a:t>
             </a:r>
           </a:p>
           <a:p>
             <a:r>
-              <a:rPr lang="en-US" dirty="0" smtClean="0"/>
+              <a:rPr lang="en-US" sz="1800" dirty="0" smtClean="0"/>
               <a:t>Related Work</a:t>
             </a:r>
           </a:p>
           <a:p>
             <a:pPr lvl="1"/>
             <a:r>
-              <a:rPr lang="en-US" dirty="0"/>
+              <a:rPr lang="en-US" sz="1800" dirty="0"/>
               <a:t>Handcrafted </a:t>
             </a:r>
             <a:r>
-              <a:rPr lang="en-US" dirty="0" smtClean="0"/>
+              <a:rPr lang="en-US" sz="1800" dirty="0" smtClean="0"/>
               <a:t>Detectors</a:t>
             </a:r>
           </a:p>
           <a:p>
             <a:pPr lvl="1"/>
             <a:r>
-              <a:rPr lang="en-US" dirty="0"/>
+              <a:rPr lang="en-US" sz="1800" dirty="0"/>
               <a:t>Learned </a:t>
             </a:r>
             <a:r>
-              <a:rPr lang="en-US" dirty="0" smtClean="0"/>
+              <a:rPr lang="en-US" sz="1800" dirty="0" smtClean="0"/>
               <a:t>Detectors</a:t>
             </a:r>
           </a:p>
           <a:p>
             <a:r>
-              <a:rPr lang="en-US" dirty="0" err="1"/>
+              <a:rPr lang="en-US" sz="1800" dirty="0" err="1"/>
               <a:t>Key.Net</a:t>
             </a:r>
             <a:r>
-              <a:rPr lang="en-US" dirty="0"/>
+              <a:rPr lang="en-US" sz="1800" dirty="0"/>
               <a:t> </a:t>
             </a:r>
             <a:r>
-              <a:rPr lang="en-US" dirty="0" smtClean="0"/>
+              <a:rPr lang="en-US" sz="1800" dirty="0" smtClean="0"/>
               <a:t>Architecture</a:t>
             </a:r>
           </a:p>
           <a:p>
             <a:pPr lvl="1"/>
             <a:r>
-              <a:rPr lang="en-US" dirty="0"/>
+              <a:rPr lang="en-US" sz="1800" dirty="0"/>
               <a:t>Handcrafted and Learned </a:t>
             </a:r>
             <a:r>
-              <a:rPr lang="en-US" dirty="0" smtClean="0"/>
+              <a:rPr lang="en-US" sz="1800" dirty="0" smtClean="0"/>
               <a:t>Filters</a:t>
             </a:r>
           </a:p>
           <a:p>
             <a:pPr lvl="1"/>
             <a:r>
-              <a:rPr lang="en-US" dirty="0"/>
+              <a:rPr lang="en-US" sz="1800" dirty="0"/>
               <a:t>Multi-scale </a:t>
             </a:r>
             <a:r>
-              <a:rPr lang="en-US" dirty="0" smtClean="0"/>
+              <a:rPr lang="en-US" sz="1800" dirty="0" smtClean="0"/>
               <a:t>Pyramid</a:t>
             </a:r>
           </a:p>
           <a:p>
             <a:r>
-              <a:rPr lang="en-US" dirty="0"/>
+              <a:rPr lang="en-US" sz="1800" dirty="0"/>
               <a:t>Loss </a:t>
             </a:r>
             <a:r>
-              <a:rPr lang="en-US" dirty="0" smtClean="0"/>
+              <a:rPr lang="en-US" sz="1800" dirty="0" smtClean="0"/>
               <a:t>Functions</a:t>
             </a:r>
           </a:p>
           <a:p>
             <a:pPr lvl="1"/>
             <a:r>
-              <a:rPr lang="en-US" dirty="0"/>
+              <a:rPr lang="en-US" sz="1800" dirty="0"/>
               <a:t>Index Proposal </a:t>
             </a:r>
             <a:r>
-              <a:rPr lang="en-US" dirty="0" smtClean="0"/>
+              <a:rPr lang="en-US" sz="1800" dirty="0" smtClean="0"/>
               <a:t>Layer</a:t>
             </a:r>
-            <a:endParaRPr lang="en-US" dirty="0"/>
-          </a:p>
-          <a:p>
-            <a:r>
-              <a:rPr lang="en-US" dirty="0"/>
+            <a:endParaRPr lang="en-US" sz="1800" dirty="0"/>
+          </a:p>
+          <a:p>
+            <a:r>
+              <a:rPr lang="en-US" sz="1800" dirty="0"/>
               <a:t>Experimental </a:t>
             </a:r>
             <a:r>
-              <a:rPr lang="en-US" dirty="0" smtClean="0"/>
+              <a:rPr lang="en-US" sz="1800" dirty="0" smtClean="0"/>
               <a:t>Settings</a:t>
             </a:r>
           </a:p>
           <a:p>
             <a:pPr lvl="1"/>
             <a:r>
-              <a:rPr lang="en-US" dirty="0"/>
+              <a:rPr lang="en-US" sz="1800" dirty="0"/>
               <a:t>Training </a:t>
             </a:r>
             <a:r>
-              <a:rPr lang="en-US" dirty="0" smtClean="0"/>
+              <a:rPr lang="en-US" sz="1800" dirty="0" smtClean="0"/>
               <a:t>Data</a:t>
             </a:r>
           </a:p>
           <a:p>
             <a:pPr lvl="1"/>
             <a:r>
-              <a:rPr lang="en-US" dirty="0"/>
+              <a:rPr lang="en-US" sz="1800" dirty="0"/>
               <a:t>Evaluation </a:t>
             </a:r>
             <a:r>
-              <a:rPr lang="en-US" dirty="0" smtClean="0"/>
+              <a:rPr lang="en-US" sz="1800" dirty="0" smtClean="0"/>
               <a:t>Metrics</a:t>
             </a:r>
           </a:p>
           <a:p>
             <a:pPr lvl="1"/>
             <a:r>
-              <a:rPr lang="en-US" dirty="0"/>
+              <a:rPr lang="en-US" sz="1800" dirty="0"/>
               <a:t>Implementation </a:t>
             </a:r>
             <a:r>
-              <a:rPr lang="en-US" dirty="0" smtClean="0"/>
+              <a:rPr lang="en-US" sz="1800" dirty="0" smtClean="0"/>
               <a:t>Notes</a:t>
             </a:r>
-          </a:p>
-          <a:p>
-            <a:r>
-              <a:rPr lang="en-US" dirty="0" smtClean="0"/>
-              <a:t>Results</a:t>
-            </a:r>
-          </a:p>
-          <a:p>
-            <a:pPr lvl="1"/>
-            <a:r>
-              <a:rPr lang="en-US" dirty="0"/>
-              <a:t>Preliminary </a:t>
-            </a:r>
-            <a:r>
-              <a:rPr lang="en-US" dirty="0" smtClean="0"/>
-              <a:t>Analysis</a:t>
-            </a:r>
-          </a:p>
-          <a:p>
-            <a:pPr lvl="1"/>
-            <a:r>
-              <a:rPr lang="en-US" dirty="0" err="1"/>
-              <a:t>Keypoint</a:t>
-            </a:r>
-            <a:r>
-              <a:rPr lang="en-US" dirty="0"/>
-              <a:t> </a:t>
-            </a:r>
-            <a:r>
-              <a:rPr lang="en-US" dirty="0" smtClean="0"/>
-              <a:t>Detection</a:t>
-            </a:r>
-          </a:p>
-          <a:p>
-            <a:pPr lvl="1"/>
-            <a:r>
-              <a:rPr lang="en-US" dirty="0" err="1"/>
-              <a:t>Keypoint</a:t>
-            </a:r>
-            <a:r>
-              <a:rPr lang="en-US" dirty="0"/>
-              <a:t> </a:t>
-            </a:r>
-            <a:r>
-              <a:rPr lang="en-US" dirty="0" smtClean="0"/>
-              <a:t>Matching</a:t>
-            </a:r>
-          </a:p>
-          <a:p>
-            <a:pPr lvl="1"/>
-            <a:r>
-              <a:rPr lang="en-US" dirty="0" smtClean="0"/>
-              <a:t>Efficiency</a:t>
-            </a:r>
-          </a:p>
-          <a:p>
-            <a:r>
-              <a:rPr lang="en-US" dirty="0" smtClean="0"/>
-              <a:t>Conclusions</a:t>
-            </a:r>
-          </a:p>
-          <a:p>
-            <a:r>
-              <a:rPr lang="en-US" dirty="0"/>
-              <a:t>References</a:t>
-            </a:r>
+            <a:endParaRPr lang="en-US" sz="1800" dirty="0" smtClean="0"/>
           </a:p>
         </p:txBody>
       </p:sp>
@@ -10504,40 +13969,6 @@
       </p:grpSpPr>
       <p:sp>
         <p:nvSpPr>
-          <p:cNvPr id="3" name="Content Placeholder 2">
-            <a:extLst>
-              <a:ext uri="{FF2B5EF4-FFF2-40B4-BE49-F238E27FC236}">
-                <a16:creationId xmlns:a16="http://schemas.microsoft.com/office/drawing/2014/main" id="{6AB250FE-08C8-4530-B722-29C38A359D8B}"/>
-              </a:ext>
-            </a:extLst>
-          </p:cNvPr>
-          <p:cNvSpPr>
-            <a:spLocks noGrp="1"/>
-          </p:cNvSpPr>
-          <p:nvPr>
-            <p:ph sz="half" idx="2"/>
-          </p:nvPr>
-        </p:nvSpPr>
-        <p:spPr>
-          <a:xfrm>
-            <a:off x="1097280" y="1602378"/>
-            <a:ext cx="10058400" cy="4266718"/>
-          </a:xfrm>
-        </p:spPr>
-        <p:txBody>
-          <a:bodyPr/>
-          <a:lstStyle/>
-          <a:p>
-            <a:endParaRPr lang="en-US" dirty="0">
-              <a:solidFill>
-                <a:schemeClr val="tx1"/>
-              </a:solidFill>
-            </a:endParaRPr>
-          </a:p>
-        </p:txBody>
-      </p:sp>
-      <p:sp>
-        <p:nvSpPr>
           <p:cNvPr id="2" name="Title 1">
             <a:extLst>
               <a:ext uri="{FF2B5EF4-FFF2-40B4-BE49-F238E27FC236}">
@@ -10563,21 +13994,460 @@
           <a:lstStyle/>
           <a:p>
             <a:r>
-              <a:rPr lang="en-US" dirty="0" err="1"/>
-              <a:t>Keypoint</a:t>
-            </a:r>
-            <a:r>
-              <a:rPr lang="en-US" dirty="0"/>
-              <a:t> Matching</a:t>
+              <a:rPr lang="en-US" dirty="0"/>
+              <a:t>Multi-scale Index Proposal Layer</a:t>
             </a:r>
             <a:endParaRPr lang="en-US" dirty="0"/>
           </a:p>
         </p:txBody>
       </p:sp>
+      <mc:AlternateContent xmlns:mc="http://schemas.openxmlformats.org/markup-compatibility/2006">
+        <mc:Choice xmlns:a14="http://schemas.microsoft.com/office/drawing/2010/main" Requires="a14">
+          <p:sp>
+            <p:nvSpPr>
+              <p:cNvPr id="4" name="Rectangle 3"/>
+              <p:cNvSpPr/>
+              <p:nvPr/>
+            </p:nvSpPr>
+            <p:spPr>
+              <a:xfrm>
+                <a:off x="3842425" y="3290678"/>
+                <a:ext cx="4568110" cy="404983"/>
+              </a:xfrm>
+              <a:prstGeom prst="rect">
+                <a:avLst/>
+              </a:prstGeom>
+            </p:spPr>
+            <p:txBody>
+              <a:bodyPr wrap="none">
+                <a:spAutoFit/>
+              </a:bodyPr>
+              <a:lstStyle/>
+              <a:p>
+                <a14:m>
+                  <m:oMathPara xmlns:m="http://schemas.openxmlformats.org/officeDocument/2006/math">
+                    <m:oMathParaPr>
+                      <m:jc m:val="centerGroup"/>
+                    </m:oMathParaPr>
+                    <m:oMath xmlns:m="http://schemas.openxmlformats.org/officeDocument/2006/math">
+                      <m:d>
+                        <m:dPr>
+                          <m:begChr m:val=""/>
+                          <m:ctrlPr>
+                            <a:rPr lang="en-US">
+                              <a:latin typeface="Cambria Math" panose="02040503050406030204" pitchFamily="18" charset="0"/>
+                            </a:rPr>
+                          </m:ctrlPr>
+                        </m:dPr>
+                        <m:e>
+                          <m:sSub>
+                            <m:sSubPr>
+                              <m:ctrlPr>
+                                <a:rPr lang="en-US">
+                                  <a:latin typeface="Cambria Math" panose="02040503050406030204" pitchFamily="18" charset="0"/>
+                                </a:rPr>
+                              </m:ctrlPr>
+                            </m:sSubPr>
+                            <m:e>
+                              <m:r>
+                                <a:rPr lang="en-US">
+                                  <a:latin typeface="Cambria Math" panose="02040503050406030204" pitchFamily="18" charset="0"/>
+                                </a:rPr>
+                                <m:t>ℒ</m:t>
+                              </m:r>
+                            </m:e>
+                            <m:sub>
+                              <m:r>
+                                <a:rPr lang="en-US" i="1">
+                                  <a:latin typeface="Cambria Math" panose="02040503050406030204" pitchFamily="18" charset="0"/>
+                                </a:rPr>
+                                <m:t>𝑀𝑆𝐼𝑃</m:t>
+                              </m:r>
+                            </m:sub>
+                          </m:sSub>
+                          <m:d>
+                            <m:dPr>
+                              <m:ctrlPr>
+                                <a:rPr lang="en-US" i="1">
+                                  <a:latin typeface="Cambria Math" panose="02040503050406030204" pitchFamily="18" charset="0"/>
+                                </a:rPr>
+                              </m:ctrlPr>
+                            </m:dPr>
+                            <m:e>
+                              <m:sSub>
+                                <m:sSubPr>
+                                  <m:ctrlPr>
+                                    <a:rPr lang="en-US" i="1">
+                                      <a:latin typeface="Cambria Math" panose="02040503050406030204" pitchFamily="18" charset="0"/>
+                                    </a:rPr>
+                                  </m:ctrlPr>
+                                </m:sSubPr>
+                                <m:e>
+                                  <m:r>
+                                    <a:rPr lang="en-US" i="1">
+                                      <a:latin typeface="Cambria Math" panose="02040503050406030204" pitchFamily="18" charset="0"/>
+                                    </a:rPr>
+                                    <m:t>𝐼</m:t>
+                                  </m:r>
+                                </m:e>
+                                <m:sub>
+                                  <m:r>
+                                    <a:rPr lang="en-US" i="1">
+                                      <a:latin typeface="Cambria Math" panose="02040503050406030204" pitchFamily="18" charset="0"/>
+                                    </a:rPr>
+                                    <m:t>𝑎</m:t>
+                                  </m:r>
+                                </m:sub>
+                              </m:sSub>
+                              <m:r>
+                                <a:rPr lang="en-US" i="0">
+                                  <a:latin typeface="Cambria Math" panose="02040503050406030204" pitchFamily="18" charset="0"/>
+                                </a:rPr>
+                                <m:t>, </m:t>
+                              </m:r>
+                              <m:sSub>
+                                <m:sSubPr>
+                                  <m:ctrlPr>
+                                    <a:rPr lang="en-US" i="1">
+                                      <a:latin typeface="Cambria Math" panose="02040503050406030204" pitchFamily="18" charset="0"/>
+                                    </a:rPr>
+                                  </m:ctrlPr>
+                                </m:sSubPr>
+                                <m:e>
+                                  <m:r>
+                                    <a:rPr lang="en-US" i="1">
+                                      <a:latin typeface="Cambria Math" panose="02040503050406030204" pitchFamily="18" charset="0"/>
+                                    </a:rPr>
+                                    <m:t>𝐼</m:t>
+                                  </m:r>
+                                </m:e>
+                                <m:sub>
+                                  <m:r>
+                                    <a:rPr lang="en-US" i="1">
+                                      <a:latin typeface="Cambria Math" panose="02040503050406030204" pitchFamily="18" charset="0"/>
+                                    </a:rPr>
+                                    <m:t>𝑏</m:t>
+                                  </m:r>
+                                </m:sub>
+                              </m:sSub>
+                              <m:r>
+                                <a:rPr lang="en-US" i="0">
+                                  <a:latin typeface="Cambria Math" panose="02040503050406030204" pitchFamily="18" charset="0"/>
+                                </a:rPr>
+                                <m:t>, </m:t>
+                              </m:r>
+                              <m:sSub>
+                                <m:sSubPr>
+                                  <m:ctrlPr>
+                                    <a:rPr lang="en-US" i="1">
+                                      <a:latin typeface="Cambria Math" panose="02040503050406030204" pitchFamily="18" charset="0"/>
+                                    </a:rPr>
+                                  </m:ctrlPr>
+                                </m:sSubPr>
+                                <m:e>
+                                  <m:r>
+                                    <a:rPr lang="en-US" i="1">
+                                      <a:latin typeface="Cambria Math" panose="02040503050406030204" pitchFamily="18" charset="0"/>
+                                    </a:rPr>
+                                    <m:t>𝐻</m:t>
+                                  </m:r>
+                                </m:e>
+                                <m:sub>
+                                  <m:r>
+                                    <a:rPr lang="en-US" i="1">
+                                      <a:latin typeface="Cambria Math" panose="02040503050406030204" pitchFamily="18" charset="0"/>
+                                    </a:rPr>
+                                    <m:t>𝑎</m:t>
+                                  </m:r>
+                                  <m:r>
+                                    <a:rPr lang="en-US" i="0">
+                                      <a:latin typeface="Cambria Math" panose="02040503050406030204" pitchFamily="18" charset="0"/>
+                                    </a:rPr>
+                                    <m:t>, </m:t>
+                                  </m:r>
+                                  <m:r>
+                                    <a:rPr lang="en-US" i="1">
+                                      <a:latin typeface="Cambria Math" panose="02040503050406030204" pitchFamily="18" charset="0"/>
+                                    </a:rPr>
+                                    <m:t>𝑏</m:t>
+                                  </m:r>
+                                </m:sub>
+                              </m:sSub>
+                            </m:e>
+                          </m:d>
+                          <m:r>
+                            <a:rPr lang="en-US" i="0">
+                              <a:latin typeface="Cambria Math" panose="02040503050406030204" pitchFamily="18" charset="0"/>
+                            </a:rPr>
+                            <m:t>=</m:t>
+                          </m:r>
+                          <m:sSub>
+                            <m:sSubPr>
+                              <m:ctrlPr>
+                                <a:rPr lang="en-US" i="1">
+                                  <a:latin typeface="Cambria Math" panose="02040503050406030204" pitchFamily="18" charset="0"/>
+                                </a:rPr>
+                              </m:ctrlPr>
+                            </m:sSubPr>
+                            <m:e>
+                              <m:r>
+                                <m:rPr>
+                                  <m:sty m:val="p"/>
+                                </m:rPr>
+                                <a:rPr lang="en-US" i="0">
+                                  <a:latin typeface="Cambria Math" panose="02040503050406030204" pitchFamily="18" charset="0"/>
+                                </a:rPr>
+                                <m:t>Σ</m:t>
+                              </m:r>
+                            </m:e>
+                            <m:sub>
+                              <m:r>
+                                <a:rPr lang="en-US" i="1">
+                                  <a:latin typeface="Cambria Math" panose="02040503050406030204" pitchFamily="18" charset="0"/>
+                                </a:rPr>
+                                <m:t>𝑠</m:t>
+                              </m:r>
+                            </m:sub>
+                          </m:sSub>
+                          <m:sSub>
+                            <m:sSubPr>
+                              <m:ctrlPr>
+                                <a:rPr lang="en-US" i="1">
+                                  <a:latin typeface="Cambria Math" panose="02040503050406030204" pitchFamily="18" charset="0"/>
+                                </a:rPr>
+                              </m:ctrlPr>
+                            </m:sSubPr>
+                            <m:e>
+                              <m:r>
+                                <a:rPr lang="en-US" i="1">
+                                  <a:latin typeface="Cambria Math" panose="02040503050406030204" pitchFamily="18" charset="0"/>
+                                </a:rPr>
+                                <m:t>𝜆</m:t>
+                              </m:r>
+                            </m:e>
+                            <m:sub>
+                              <m:r>
+                                <a:rPr lang="en-US" i="1">
+                                  <a:latin typeface="Cambria Math" panose="02040503050406030204" pitchFamily="18" charset="0"/>
+                                </a:rPr>
+                                <m:t>𝑠</m:t>
+                              </m:r>
+                            </m:sub>
+                          </m:sSub>
+                          <m:sSub>
+                            <m:sSubPr>
+                              <m:ctrlPr>
+                                <a:rPr lang="en-US" i="1">
+                                  <a:latin typeface="Cambria Math" panose="02040503050406030204" pitchFamily="18" charset="0"/>
+                                </a:rPr>
+                              </m:ctrlPr>
+                            </m:sSubPr>
+                            <m:e>
+                              <m:r>
+                                <a:rPr lang="en-US" i="0">
+                                  <a:latin typeface="Cambria Math" panose="02040503050406030204" pitchFamily="18" charset="0"/>
+                                </a:rPr>
+                                <m:t>ℒ</m:t>
+                              </m:r>
+                            </m:e>
+                            <m:sub>
+                              <m:r>
+                                <a:rPr lang="en-US" i="1">
+                                  <a:latin typeface="Cambria Math" panose="02040503050406030204" pitchFamily="18" charset="0"/>
+                                </a:rPr>
+                                <m:t>𝐼𝑃</m:t>
+                              </m:r>
+                            </m:sub>
+                          </m:sSub>
+                          <m:r>
+                            <a:rPr lang="en-US" i="0">
+                              <a:latin typeface="Cambria Math" panose="02040503050406030204" pitchFamily="18" charset="0"/>
+                            </a:rPr>
+                            <m:t>(</m:t>
+                          </m:r>
+                          <m:sSub>
+                            <m:sSubPr>
+                              <m:ctrlPr>
+                                <a:rPr lang="en-US" i="1">
+                                  <a:latin typeface="Cambria Math" panose="02040503050406030204" pitchFamily="18" charset="0"/>
+                                </a:rPr>
+                              </m:ctrlPr>
+                            </m:sSubPr>
+                            <m:e>
+                              <m:r>
+                                <a:rPr lang="en-US" i="1">
+                                  <a:latin typeface="Cambria Math" panose="02040503050406030204" pitchFamily="18" charset="0"/>
+                                </a:rPr>
+                                <m:t>𝐼</m:t>
+                              </m:r>
+                            </m:e>
+                            <m:sub>
+                              <m:r>
+                                <a:rPr lang="en-US" i="1">
+                                  <a:latin typeface="Cambria Math" panose="02040503050406030204" pitchFamily="18" charset="0"/>
+                                </a:rPr>
+                                <m:t>𝑎</m:t>
+                              </m:r>
+                            </m:sub>
+                          </m:sSub>
+                          <m:r>
+                            <a:rPr lang="en-US" i="0">
+                              <a:latin typeface="Cambria Math" panose="02040503050406030204" pitchFamily="18" charset="0"/>
+                            </a:rPr>
+                            <m:t>, </m:t>
+                          </m:r>
+                          <m:sSub>
+                            <m:sSubPr>
+                              <m:ctrlPr>
+                                <a:rPr lang="en-US" i="1">
+                                  <a:latin typeface="Cambria Math" panose="02040503050406030204" pitchFamily="18" charset="0"/>
+                                </a:rPr>
+                              </m:ctrlPr>
+                            </m:sSubPr>
+                            <m:e>
+                              <m:r>
+                                <a:rPr lang="en-US" i="1">
+                                  <a:latin typeface="Cambria Math" panose="02040503050406030204" pitchFamily="18" charset="0"/>
+                                </a:rPr>
+                                <m:t>𝐼</m:t>
+                              </m:r>
+                            </m:e>
+                            <m:sub>
+                              <m:r>
+                                <a:rPr lang="en-US" i="1">
+                                  <a:latin typeface="Cambria Math" panose="02040503050406030204" pitchFamily="18" charset="0"/>
+                                </a:rPr>
+                                <m:t>𝑏</m:t>
+                              </m:r>
+                            </m:sub>
+                          </m:sSub>
+                          <m:r>
+                            <a:rPr lang="en-US" i="0">
+                              <a:latin typeface="Cambria Math" panose="02040503050406030204" pitchFamily="18" charset="0"/>
+                            </a:rPr>
+                            <m:t>, </m:t>
+                          </m:r>
+                          <m:sSub>
+                            <m:sSubPr>
+                              <m:ctrlPr>
+                                <a:rPr lang="en-US" i="1">
+                                  <a:latin typeface="Cambria Math" panose="02040503050406030204" pitchFamily="18" charset="0"/>
+                                </a:rPr>
+                              </m:ctrlPr>
+                            </m:sSubPr>
+                            <m:e>
+                              <m:r>
+                                <a:rPr lang="en-US" i="1">
+                                  <a:latin typeface="Cambria Math" panose="02040503050406030204" pitchFamily="18" charset="0"/>
+                                </a:rPr>
+                                <m:t>𝐻</m:t>
+                              </m:r>
+                            </m:e>
+                            <m:sub>
+                              <m:r>
+                                <a:rPr lang="en-US" i="1">
+                                  <a:latin typeface="Cambria Math" panose="02040503050406030204" pitchFamily="18" charset="0"/>
+                                </a:rPr>
+                                <m:t>𝑎</m:t>
+                              </m:r>
+                              <m:r>
+                                <a:rPr lang="en-US" i="0">
+                                  <a:latin typeface="Cambria Math" panose="02040503050406030204" pitchFamily="18" charset="0"/>
+                                </a:rPr>
+                                <m:t>, </m:t>
+                              </m:r>
+                              <m:r>
+                                <a:rPr lang="en-US" i="1">
+                                  <a:latin typeface="Cambria Math" panose="02040503050406030204" pitchFamily="18" charset="0"/>
+                                </a:rPr>
+                                <m:t>𝑏</m:t>
+                              </m:r>
+                            </m:sub>
+                          </m:sSub>
+                          <m:r>
+                            <a:rPr lang="en-US" i="0">
+                              <a:latin typeface="Cambria Math" panose="02040503050406030204" pitchFamily="18" charset="0"/>
+                            </a:rPr>
+                            <m:t>, </m:t>
+                          </m:r>
+                          <m:sSub>
+                            <m:sSubPr>
+                              <m:ctrlPr>
+                                <a:rPr lang="en-US" i="1">
+                                  <a:latin typeface="Cambria Math" panose="02040503050406030204" pitchFamily="18" charset="0"/>
+                                </a:rPr>
+                              </m:ctrlPr>
+                            </m:sSubPr>
+                            <m:e>
+                              <m:r>
+                                <a:rPr lang="en-US" i="1">
+                                  <a:latin typeface="Cambria Math" panose="02040503050406030204" pitchFamily="18" charset="0"/>
+                                </a:rPr>
+                                <m:t>𝑁</m:t>
+                              </m:r>
+                            </m:e>
+                            <m:sub>
+                              <m:r>
+                                <a:rPr lang="en-US" i="1">
+                                  <a:latin typeface="Cambria Math" panose="02040503050406030204" pitchFamily="18" charset="0"/>
+                                </a:rPr>
+                                <m:t>𝑠</m:t>
+                              </m:r>
+                            </m:sub>
+                          </m:sSub>
+                        </m:e>
+                      </m:d>
+                    </m:oMath>
+                  </m:oMathPara>
+                </a14:m>
+                <a:endParaRPr lang="en-US" dirty="0"/>
+              </a:p>
+            </p:txBody>
+          </p:sp>
+        </mc:Choice>
+        <mc:Fallback>
+          <p:sp>
+            <p:nvSpPr>
+              <p:cNvPr id="4" name="Rectangle 3"/>
+              <p:cNvSpPr>
+                <a:spLocks noRot="1" noChangeAspect="1" noMove="1" noResize="1" noEditPoints="1" noAdjustHandles="1" noChangeArrowheads="1" noChangeShapeType="1" noTextEdit="1"/>
+              </p:cNvSpPr>
+              <p:nvPr/>
+            </p:nvSpPr>
+            <p:spPr>
+              <a:xfrm>
+                <a:off x="3842425" y="3290678"/>
+                <a:ext cx="4568110" cy="404983"/>
+              </a:xfrm>
+              <a:prstGeom prst="rect">
+                <a:avLst/>
+              </a:prstGeom>
+              <a:blipFill>
+                <a:blip r:embed="rId2"/>
+                <a:stretch>
+                  <a:fillRect t="-156061" r="-13467" b="-233333"/>
+                </a:stretch>
+              </a:blipFill>
+            </p:spPr>
+            <p:txBody>
+              <a:bodyPr/>
+              <a:lstStyle/>
+              <a:p>
+                <a:r>
+                  <a:rPr lang="en-US">
+                    <a:noFill/>
+                  </a:rPr>
+                  <a:t> </a:t>
+                </a:r>
+              </a:p>
+            </p:txBody>
+          </p:sp>
+        </mc:Fallback>
+      </mc:AlternateContent>
     </p:spTree>
     <p:extLst>
       <p:ext uri="{BB962C8B-B14F-4D97-AF65-F5344CB8AC3E}">
-        <p14:creationId xmlns:p14="http://schemas.microsoft.com/office/powerpoint/2010/main" val="955590581"/>
+        <p14:creationId xmlns:p14="http://schemas.microsoft.com/office/powerpoint/2010/main" val="1910690375"/>
       </p:ext>
     </p:extLst>
   </p:cSld>
@@ -10630,6 +14500,26 @@
           <a:bodyPr/>
           <a:lstStyle/>
           <a:p>
+            <a:r>
+              <a:rPr lang="en-US" dirty="0"/>
+              <a:t>In this section, we present implementation details, metrics and the dataset used for evaluating </a:t>
+            </a:r>
+            <a:r>
+              <a:rPr lang="en-US" dirty="0" smtClean="0"/>
+              <a:t>the</a:t>
+            </a:r>
+            <a:r>
+              <a:rPr lang="fa-IR" dirty="0" smtClean="0"/>
+              <a:t> </a:t>
+            </a:r>
+            <a:r>
+              <a:rPr lang="en-US" dirty="0" smtClean="0"/>
+              <a:t>method</a:t>
+            </a:r>
+            <a:r>
+              <a:rPr lang="en-US" dirty="0"/>
+              <a:t>.</a:t>
+            </a:r>
             <a:endParaRPr lang="en-US" dirty="0">
               <a:solidFill>
                 <a:schemeClr val="tx1"/>
@@ -10666,16 +14556,15 @@
           <a:p>
             <a:r>
               <a:rPr lang="en-US" dirty="0"/>
-              <a:t>Efficiency</a:t>
-            </a:r>
-            <a:endParaRPr lang="en-US" dirty="0"/>
+              <a:t>Experimental Settings</a:t>
+            </a:r>
           </a:p>
         </p:txBody>
       </p:sp>
     </p:spTree>
     <p:extLst>
       <p:ext uri="{BB962C8B-B14F-4D97-AF65-F5344CB8AC3E}">
-        <p14:creationId xmlns:p14="http://schemas.microsoft.com/office/powerpoint/2010/main" val="622831513"/>
+        <p14:creationId xmlns:p14="http://schemas.microsoft.com/office/powerpoint/2010/main" val="1325906720"/>
       </p:ext>
     </p:extLst>
   </p:cSld>
@@ -10728,6 +14617,19 @@
           <a:bodyPr/>
           <a:lstStyle/>
           <a:p>
+            <a:r>
+              <a:rPr lang="en-US" dirty="0"/>
+              <a:t>ImageNet ILSVRC 2012 dataset</a:t>
+            </a:r>
+            <a:endParaRPr lang="fa-IR" dirty="0"/>
+          </a:p>
+          <a:p>
+            <a:r>
+              <a:rPr lang="en-US" dirty="0"/>
+              <a:t>There are 12,000 image pairs of size 192 × 192. We use 9,000 of them as the training data and 3,000 as validation set.</a:t>
+            </a:r>
+          </a:p>
+          <a:p>
             <a:endParaRPr lang="en-US" dirty="0">
               <a:solidFill>
                 <a:schemeClr val="tx1"/>
@@ -10764,9 +14666,2055 @@
           <a:p>
             <a:r>
               <a:rPr lang="en-US" dirty="0"/>
+              <a:t>Training Data</a:t>
+            </a:r>
+          </a:p>
+        </p:txBody>
+      </p:sp>
+    </p:spTree>
+    <p:extLst>
+      <p:ext uri="{BB962C8B-B14F-4D97-AF65-F5344CB8AC3E}">
+        <p14:creationId xmlns:p14="http://schemas.microsoft.com/office/powerpoint/2010/main" val="2277005259"/>
+      </p:ext>
+    </p:extLst>
+  </p:cSld>
+  <p:clrMapOvr>
+    <a:masterClrMapping/>
+  </p:clrMapOvr>
+</p:sld>
+</file>
+
+<file path=ppt/slides/slide23.xml><?xml version="1.0" encoding="utf-8"?>
+<p:sld xmlns:a="http://schemas.openxmlformats.org/drawingml/2006/main" xmlns:r="http://schemas.openxmlformats.org/officeDocument/2006/relationships" xmlns:p="http://schemas.openxmlformats.org/presentationml/2006/main">
+  <p:cSld>
+    <p:spTree>
+      <p:nvGrpSpPr>
+        <p:cNvPr id="1" name=""/>
+        <p:cNvGrpSpPr/>
+        <p:nvPr/>
+      </p:nvGrpSpPr>
+      <p:grpSpPr>
+        <a:xfrm>
+          <a:off x="0" y="0"/>
+          <a:ext cx="0" cy="0"/>
+          <a:chOff x="0" y="0"/>
+          <a:chExt cx="0" cy="0"/>
+        </a:xfrm>
+      </p:grpSpPr>
+      <p:sp>
+        <p:nvSpPr>
+          <p:cNvPr id="2" name="Title 1">
+            <a:extLst>
+              <a:ext uri="{FF2B5EF4-FFF2-40B4-BE49-F238E27FC236}">
+                <a16:creationId xmlns:a16="http://schemas.microsoft.com/office/drawing/2014/main" id="{CDC62B56-74BF-47D4-B1CD-AF93A810B3B7}"/>
+              </a:ext>
+            </a:extLst>
+          </p:cNvPr>
+          <p:cNvSpPr>
+            <a:spLocks noGrp="1"/>
+          </p:cNvSpPr>
+          <p:nvPr>
+            <p:ph type="title"/>
+          </p:nvPr>
+        </p:nvSpPr>
+        <p:spPr>
+          <a:xfrm>
+            <a:off x="1097280" y="942871"/>
+            <a:ext cx="10058400" cy="587584"/>
+          </a:xfrm>
+        </p:spPr>
+        <p:txBody>
+          <a:bodyPr/>
+          <a:lstStyle/>
+          <a:p>
+            <a:r>
+              <a:rPr lang="en-US" dirty="0"/>
+              <a:t>Evaluation Metrics</a:t>
+            </a:r>
+          </a:p>
+        </p:txBody>
+      </p:sp>
+      <p:pic>
+        <p:nvPicPr>
+          <p:cNvPr id="4" name="Picture 3"/>
+          <p:cNvPicPr>
+            <a:picLocks noChangeAspect="1"/>
+          </p:cNvPicPr>
+          <p:nvPr/>
+        </p:nvPicPr>
+        <p:blipFill>
+          <a:blip r:embed="rId2">
+            <a:extLst>
+              <a:ext uri="{28A0092B-C50C-407E-A947-70E740481C1C}">
+                <a14:useLocalDpi xmlns:a14="http://schemas.microsoft.com/office/drawing/2010/main" val="0"/>
+              </a:ext>
+            </a:extLst>
+          </a:blip>
+          <a:stretch>
+            <a:fillRect/>
+          </a:stretch>
+        </p:blipFill>
+        <p:spPr>
+          <a:xfrm>
+            <a:off x="3752644" y="2104135"/>
+            <a:ext cx="4747671" cy="1691787"/>
+          </a:xfrm>
+          <a:prstGeom prst="rect">
+            <a:avLst/>
+          </a:prstGeom>
+        </p:spPr>
+      </p:pic>
+      <p:sp>
+        <p:nvSpPr>
+          <p:cNvPr id="5" name="Rectangle 4"/>
+          <p:cNvSpPr/>
+          <p:nvPr/>
+        </p:nvSpPr>
+        <p:spPr>
+          <a:xfrm>
+            <a:off x="918753" y="4793216"/>
+            <a:ext cx="10415451" cy="619272"/>
+          </a:xfrm>
+          <a:prstGeom prst="rect">
+            <a:avLst/>
+          </a:prstGeom>
+        </p:spPr>
+        <p:txBody>
+          <a:bodyPr wrap="square">
+            <a:spAutoFit/>
+          </a:bodyPr>
+          <a:lstStyle/>
+          <a:p>
+            <a:pPr marL="228600" marR="0" algn="ctr" rtl="1">
+              <a:lnSpc>
+                <a:spcPct val="107000"/>
+              </a:lnSpc>
+              <a:spcBef>
+                <a:spcPts val="0"/>
+              </a:spcBef>
+              <a:spcAft>
+                <a:spcPts val="800"/>
+              </a:spcAft>
+            </a:pPr>
+            <a:r>
+              <a:rPr lang="fa-IR" sz="1600" i="1" dirty="0">
+                <a:latin typeface="Calibri" panose="020F0502020204030204" pitchFamily="34" charset="0"/>
+                <a:ea typeface="Calibri" panose="020F0502020204030204" pitchFamily="34" charset="0"/>
+                <a:cs typeface="B Nazanin" panose="00000400000000000000" pitchFamily="2" charset="-78"/>
+              </a:rPr>
+              <a:t>تصویر 4 : ما تحولات هندسی و فوتومتریک تصادفی را به تصاویر اعمال می کنیم و به عنوان مجموعه آموزش ، جفت مناطق متناظر را استخراج می کنیم. منطقه قرمز با بررسی پاسخ فیلترهای دست ساز کنار گذاشته می شود.</a:t>
+            </a:r>
+            <a:endParaRPr lang="en-US" sz="2400" dirty="0">
+              <a:effectLst/>
+              <a:latin typeface="Calibri" panose="020F0502020204030204" pitchFamily="34" charset="0"/>
+              <a:ea typeface="Calibri" panose="020F0502020204030204" pitchFamily="34" charset="0"/>
+              <a:cs typeface="Arial" panose="020B0604020202020204" pitchFamily="34" charset="0"/>
+            </a:endParaRPr>
+          </a:p>
+        </p:txBody>
+      </p:sp>
+    </p:spTree>
+    <p:extLst>
+      <p:ext uri="{BB962C8B-B14F-4D97-AF65-F5344CB8AC3E}">
+        <p14:creationId xmlns:p14="http://schemas.microsoft.com/office/powerpoint/2010/main" val="2386685252"/>
+      </p:ext>
+    </p:extLst>
+  </p:cSld>
+  <p:clrMapOvr>
+    <a:masterClrMapping/>
+  </p:clrMapOvr>
+</p:sld>
+</file>
+
+<file path=ppt/slides/slide24.xml><?xml version="1.0" encoding="utf-8"?>
+<p:sld xmlns:a="http://schemas.openxmlformats.org/drawingml/2006/main" xmlns:r="http://schemas.openxmlformats.org/officeDocument/2006/relationships" xmlns:p="http://schemas.openxmlformats.org/presentationml/2006/main">
+  <p:cSld>
+    <p:spTree>
+      <p:nvGrpSpPr>
+        <p:cNvPr id="1" name=""/>
+        <p:cNvGrpSpPr/>
+        <p:nvPr/>
+      </p:nvGrpSpPr>
+      <p:grpSpPr>
+        <a:xfrm>
+          <a:off x="0" y="0"/>
+          <a:ext cx="0" cy="0"/>
+          <a:chOff x="0" y="0"/>
+          <a:chExt cx="0" cy="0"/>
+        </a:xfrm>
+      </p:grpSpPr>
+      <p:sp>
+        <p:nvSpPr>
+          <p:cNvPr id="2" name="Title 1">
+            <a:extLst>
+              <a:ext uri="{FF2B5EF4-FFF2-40B4-BE49-F238E27FC236}">
+                <a16:creationId xmlns:a16="http://schemas.microsoft.com/office/drawing/2014/main" id="{CDC62B56-74BF-47D4-B1CD-AF93A810B3B7}"/>
+              </a:ext>
+            </a:extLst>
+          </p:cNvPr>
+          <p:cNvSpPr>
+            <a:spLocks noGrp="1"/>
+          </p:cNvSpPr>
+          <p:nvPr>
+            <p:ph type="title"/>
+          </p:nvPr>
+        </p:nvSpPr>
+        <p:spPr>
+          <a:xfrm>
+            <a:off x="1097280" y="942871"/>
+            <a:ext cx="10058400" cy="587584"/>
+          </a:xfrm>
+        </p:spPr>
+        <p:txBody>
+          <a:bodyPr/>
+          <a:lstStyle/>
+          <a:p>
+            <a:r>
+              <a:rPr lang="en-US" dirty="0"/>
+              <a:t>Implementation Notes</a:t>
+            </a:r>
+          </a:p>
+        </p:txBody>
+      </p:sp>
+      <p:pic>
+        <p:nvPicPr>
+          <p:cNvPr id="4" name="Picture 3"/>
+          <p:cNvPicPr>
+            <a:picLocks noChangeAspect="1"/>
+          </p:cNvPicPr>
+          <p:nvPr/>
+        </p:nvPicPr>
+        <p:blipFill>
+          <a:blip r:embed="rId2">
+            <a:extLst>
+              <a:ext uri="{28A0092B-C50C-407E-A947-70E740481C1C}">
+                <a14:useLocalDpi xmlns:a14="http://schemas.microsoft.com/office/drawing/2010/main" val="0"/>
+              </a:ext>
+            </a:extLst>
+          </a:blip>
+          <a:stretch>
+            <a:fillRect/>
+          </a:stretch>
+        </p:blipFill>
+        <p:spPr>
+          <a:xfrm>
+            <a:off x="1657383" y="1819952"/>
+            <a:ext cx="8938193" cy="2601553"/>
+          </a:xfrm>
+          <a:prstGeom prst="rect">
+            <a:avLst/>
+          </a:prstGeom>
+        </p:spPr>
+      </p:pic>
+      <p:sp>
+        <p:nvSpPr>
+          <p:cNvPr id="5" name="Rectangle 4"/>
+          <p:cNvSpPr/>
+          <p:nvPr/>
+        </p:nvSpPr>
+        <p:spPr>
+          <a:xfrm>
+            <a:off x="1097279" y="4711002"/>
+            <a:ext cx="10058399" cy="1200329"/>
+          </a:xfrm>
+          <a:prstGeom prst="rect">
+            <a:avLst/>
+          </a:prstGeom>
+        </p:spPr>
+        <p:txBody>
+          <a:bodyPr wrap="square">
+            <a:spAutoFit/>
+          </a:bodyPr>
+          <a:lstStyle/>
+          <a:p>
+            <a:pPr algn="ctr" rtl="1"/>
+            <a:r>
+              <a:rPr lang="fa-IR" sz="1600" i="1" dirty="0">
+                <a:latin typeface="Calibri" panose="020F0502020204030204" pitchFamily="34" charset="0"/>
+                <a:ea typeface="Calibri" panose="020F0502020204030204" pitchFamily="34" charset="0"/>
+                <a:cs typeface="B Nazanin" panose="00000400000000000000" pitchFamily="2" charset="-78"/>
+              </a:rPr>
+              <a:t>تصویر 5 : چپ: مقایسه نتایج تکرارپذیری برای چندین سطح در عملگر </a:t>
+            </a:r>
+            <a:r>
+              <a:rPr lang="en-US" sz="1600" i="1" dirty="0">
+                <a:latin typeface="Calibri" panose="020F0502020204030204" pitchFamily="34" charset="0"/>
+                <a:ea typeface="Calibri" panose="020F0502020204030204" pitchFamily="34" charset="0"/>
+                <a:cs typeface="B Nazanin" panose="00000400000000000000" pitchFamily="2" charset="-78"/>
+              </a:rPr>
+              <a:t>M-SIP</a:t>
+            </a:r>
+            <a:r>
+              <a:rPr lang="fa-IR" sz="1600" i="1" dirty="0">
+                <a:latin typeface="Calibri" panose="020F0502020204030204" pitchFamily="34" charset="0"/>
+                <a:ea typeface="Calibri" panose="020F0502020204030204" pitchFamily="34" charset="0"/>
+                <a:cs typeface="B Nazanin" panose="00000400000000000000" pitchFamily="2" charset="-78"/>
+              </a:rPr>
+              <a:t>. ما ترکیبات مختلفی از ضررهای زمینه را به عنوان ضرر نهایی ، از مناطق کوچکتر به بزرگتر نشان می دهیم. بهترین نتیجه هنگام استفاده از پنج اندازه پنجره از 8 × 8 تا 40 40 40 است. درست: نتایج تکرار برای ترکیبات مختلف فیلترهای </a:t>
+            </a:r>
+            <a:r>
+              <a:rPr lang="en-US" sz="1600" i="1" dirty="0">
+                <a:latin typeface="Calibri" panose="020F0502020204030204" pitchFamily="34" charset="0"/>
+                <a:ea typeface="Calibri" panose="020F0502020204030204" pitchFamily="34" charset="0"/>
+                <a:cs typeface="Arial" panose="020B0604020202020204" pitchFamily="34" charset="0"/>
+              </a:rPr>
+              <a:t>handcrafted</a:t>
+            </a:r>
+            <a:r>
+              <a:rPr lang="en-US" sz="2400" dirty="0">
+                <a:latin typeface="Arial" panose="020B0604020202020204" pitchFamily="34" charset="0"/>
+                <a:ea typeface="Calibri" panose="020F0502020204030204" pitchFamily="34" charset="0"/>
+              </a:rPr>
+              <a:t> </a:t>
+            </a:r>
+            <a:r>
+              <a:rPr lang="fa-IR" sz="1600" i="1" dirty="0">
+                <a:latin typeface="Calibri" panose="020F0502020204030204" pitchFamily="34" charset="0"/>
+                <a:ea typeface="Calibri" panose="020F0502020204030204" pitchFamily="34" charset="0"/>
+                <a:cs typeface="B Nazanin" panose="00000400000000000000" pitchFamily="2" charset="-78"/>
+              </a:rPr>
+              <a:t>و تعدادی لایه قابل یادگیری (هر کدام 8 فیلتر </a:t>
+            </a:r>
+            <a:r>
+              <a:rPr lang="en-US" sz="1600" i="1" dirty="0">
+                <a:latin typeface="Calibri" panose="020F0502020204030204" pitchFamily="34" charset="0"/>
+                <a:ea typeface="Calibri" panose="020F0502020204030204" pitchFamily="34" charset="0"/>
+                <a:cs typeface="B Nazanin" panose="00000400000000000000" pitchFamily="2" charset="-78"/>
+              </a:rPr>
+              <a:t>M</a:t>
+            </a:r>
+            <a:r>
+              <a:rPr lang="fa-IR" sz="1600" i="1" dirty="0">
+                <a:latin typeface="Calibri" panose="020F0502020204030204" pitchFamily="34" charset="0"/>
+                <a:ea typeface="Calibri" panose="020F0502020204030204" pitchFamily="34" charset="0"/>
+                <a:cs typeface="B Nazanin" panose="00000400000000000000" pitchFamily="2" charset="-78"/>
+              </a:rPr>
+              <a:t> =). تعداد بیشتری از لایه ها منجر به نتایج بهتر می شوند. تمام نمرات تکرارپذیری براساس اعتبارسنجی مصنوعی تنظیم شده از </a:t>
+            </a:r>
+            <a:r>
+              <a:rPr lang="en-US" sz="1600" i="1" dirty="0">
+                <a:latin typeface="Calibri" panose="020F0502020204030204" pitchFamily="34" charset="0"/>
+                <a:ea typeface="Calibri" panose="020F0502020204030204" pitchFamily="34" charset="0"/>
+                <a:cs typeface="B Nazanin" panose="00000400000000000000" pitchFamily="2" charset="-78"/>
+              </a:rPr>
+              <a:t>ImageNet</a:t>
+            </a:r>
+            <a:r>
+              <a:rPr lang="fa-IR" sz="1600" i="1" dirty="0">
+                <a:latin typeface="Calibri" panose="020F0502020204030204" pitchFamily="34" charset="0"/>
+                <a:ea typeface="Calibri" panose="020F0502020204030204" pitchFamily="34" charset="0"/>
+                <a:cs typeface="B Nazanin" panose="00000400000000000000" pitchFamily="2" charset="-78"/>
+              </a:rPr>
+              <a:t> محاسبه می شوند.</a:t>
+            </a:r>
+            <a:endParaRPr lang="en-US" sz="1600" dirty="0"/>
+          </a:p>
+        </p:txBody>
+      </p:sp>
+    </p:spTree>
+    <p:extLst>
+      <p:ext uri="{BB962C8B-B14F-4D97-AF65-F5344CB8AC3E}">
+        <p14:creationId xmlns:p14="http://schemas.microsoft.com/office/powerpoint/2010/main" val="338996607"/>
+      </p:ext>
+    </p:extLst>
+  </p:cSld>
+  <p:clrMapOvr>
+    <a:masterClrMapping/>
+  </p:clrMapOvr>
+</p:sld>
+</file>
+
+<file path=ppt/slides/slide25.xml><?xml version="1.0" encoding="utf-8"?>
+<p:sld xmlns:a="http://schemas.openxmlformats.org/drawingml/2006/main" xmlns:r="http://schemas.openxmlformats.org/officeDocument/2006/relationships" xmlns:p="http://schemas.openxmlformats.org/presentationml/2006/main">
+  <p:cSld>
+    <p:spTree>
+      <p:nvGrpSpPr>
+        <p:cNvPr id="1" name=""/>
+        <p:cNvGrpSpPr/>
+        <p:nvPr/>
+      </p:nvGrpSpPr>
+      <p:grpSpPr>
+        <a:xfrm>
+          <a:off x="0" y="0"/>
+          <a:ext cx="0" cy="0"/>
+          <a:chOff x="0" y="0"/>
+          <a:chExt cx="0" cy="0"/>
+        </a:xfrm>
+      </p:grpSpPr>
+      <p:sp>
+        <p:nvSpPr>
+          <p:cNvPr id="2" name="Title 1">
+            <a:extLst>
+              <a:ext uri="{FF2B5EF4-FFF2-40B4-BE49-F238E27FC236}">
+                <a16:creationId xmlns:a16="http://schemas.microsoft.com/office/drawing/2014/main" id="{CDC62B56-74BF-47D4-B1CD-AF93A810B3B7}"/>
+              </a:ext>
+            </a:extLst>
+          </p:cNvPr>
+          <p:cNvSpPr>
+            <a:spLocks noGrp="1"/>
+          </p:cNvSpPr>
+          <p:nvPr>
+            <p:ph type="title"/>
+          </p:nvPr>
+        </p:nvSpPr>
+        <p:spPr>
+          <a:xfrm>
+            <a:off x="1097280" y="942871"/>
+            <a:ext cx="10058400" cy="587584"/>
+          </a:xfrm>
+        </p:spPr>
+        <p:txBody>
+          <a:bodyPr/>
+          <a:lstStyle/>
+          <a:p>
+            <a:r>
+              <a:rPr lang="en-US" dirty="0"/>
+              <a:t>Implementation Notes</a:t>
+            </a:r>
+          </a:p>
+        </p:txBody>
+      </p:sp>
+      <p:pic>
+        <p:nvPicPr>
+          <p:cNvPr id="3" name="Picture 2"/>
+          <p:cNvPicPr>
+            <a:picLocks noChangeAspect="1"/>
+          </p:cNvPicPr>
+          <p:nvPr/>
+        </p:nvPicPr>
+        <p:blipFill>
+          <a:blip r:embed="rId2">
+            <a:extLst>
+              <a:ext uri="{28A0092B-C50C-407E-A947-70E740481C1C}">
+                <a14:useLocalDpi xmlns:a14="http://schemas.microsoft.com/office/drawing/2010/main" val="0"/>
+              </a:ext>
+            </a:extLst>
+          </a:blip>
+          <a:stretch>
+            <a:fillRect/>
+          </a:stretch>
+        </p:blipFill>
+        <p:spPr>
+          <a:xfrm>
+            <a:off x="3428769" y="1981074"/>
+            <a:ext cx="5334462" cy="2895851"/>
+          </a:xfrm>
+          <a:prstGeom prst="rect">
+            <a:avLst/>
+          </a:prstGeom>
+        </p:spPr>
+      </p:pic>
+      <p:sp>
+        <p:nvSpPr>
+          <p:cNvPr id="6" name="Rectangle 5"/>
+          <p:cNvSpPr/>
+          <p:nvPr/>
+        </p:nvSpPr>
+        <p:spPr>
+          <a:xfrm>
+            <a:off x="1249680" y="5327544"/>
+            <a:ext cx="9753600" cy="369332"/>
+          </a:xfrm>
+          <a:prstGeom prst="rect">
+            <a:avLst/>
+          </a:prstGeom>
+        </p:spPr>
+        <p:txBody>
+          <a:bodyPr wrap="square">
+            <a:spAutoFit/>
+          </a:bodyPr>
+          <a:lstStyle/>
+          <a:p>
+            <a:pPr algn="ctr" rtl="1"/>
+            <a:r>
+              <a:rPr lang="fa-IR" dirty="0">
+                <a:latin typeface="Calibri" panose="020F0502020204030204" pitchFamily="34" charset="0"/>
+                <a:ea typeface="Calibri" panose="020F0502020204030204" pitchFamily="34" charset="0"/>
+                <a:cs typeface="B Nazanin" panose="00000400000000000000" pitchFamily="2" charset="-78"/>
+              </a:rPr>
+              <a:t>جدول 1 : نتایج تکرار برای گزینه های مختلف طراحی در مجموعه اعتبار سنجی تنظیم شده از </a:t>
+            </a:r>
+            <a:r>
+              <a:rPr lang="en-US" dirty="0">
+                <a:latin typeface="Calibri" panose="020F0502020204030204" pitchFamily="34" charset="0"/>
+                <a:ea typeface="Calibri" panose="020F0502020204030204" pitchFamily="34" charset="0"/>
+                <a:cs typeface="B Nazanin" panose="00000400000000000000" pitchFamily="2" charset="-78"/>
+              </a:rPr>
+              <a:t>ImageNet</a:t>
+            </a:r>
+            <a:r>
+              <a:rPr lang="fa-IR" dirty="0">
+                <a:latin typeface="Calibri" panose="020F0502020204030204" pitchFamily="34" charset="0"/>
+                <a:ea typeface="Calibri" panose="020F0502020204030204" pitchFamily="34" charset="0"/>
+                <a:cs typeface="B Nazanin" panose="00000400000000000000" pitchFamily="2" charset="-78"/>
+              </a:rPr>
+              <a:t>.</a:t>
+            </a:r>
+            <a:endParaRPr lang="en-US" dirty="0"/>
+          </a:p>
+        </p:txBody>
+      </p:sp>
+    </p:spTree>
+    <p:extLst>
+      <p:ext uri="{BB962C8B-B14F-4D97-AF65-F5344CB8AC3E}">
+        <p14:creationId xmlns:p14="http://schemas.microsoft.com/office/powerpoint/2010/main" val="1584950037"/>
+      </p:ext>
+    </p:extLst>
+  </p:cSld>
+  <p:clrMapOvr>
+    <a:masterClrMapping/>
+  </p:clrMapOvr>
+</p:sld>
+</file>
+
+<file path=ppt/slides/slide26.xml><?xml version="1.0" encoding="utf-8"?>
+<p:sld xmlns:a="http://schemas.openxmlformats.org/drawingml/2006/main" xmlns:r="http://schemas.openxmlformats.org/officeDocument/2006/relationships" xmlns:p="http://schemas.openxmlformats.org/presentationml/2006/main">
+  <p:cSld>
+    <p:spTree>
+      <p:nvGrpSpPr>
+        <p:cNvPr id="1" name=""/>
+        <p:cNvGrpSpPr/>
+        <p:nvPr/>
+      </p:nvGrpSpPr>
+      <p:grpSpPr>
+        <a:xfrm>
+          <a:off x="0" y="0"/>
+          <a:ext cx="0" cy="0"/>
+          <a:chOff x="0" y="0"/>
+          <a:chExt cx="0" cy="0"/>
+        </a:xfrm>
+      </p:grpSpPr>
+      <p:sp>
+        <p:nvSpPr>
+          <p:cNvPr id="3" name="Content Placeholder 2">
+            <a:extLst>
+              <a:ext uri="{FF2B5EF4-FFF2-40B4-BE49-F238E27FC236}">
+                <a16:creationId xmlns:a16="http://schemas.microsoft.com/office/drawing/2014/main" id="{6AB250FE-08C8-4530-B722-29C38A359D8B}"/>
+              </a:ext>
+            </a:extLst>
+          </p:cNvPr>
+          <p:cNvSpPr>
+            <a:spLocks noGrp="1"/>
+          </p:cNvSpPr>
+          <p:nvPr>
+            <p:ph sz="half" idx="2"/>
+          </p:nvPr>
+        </p:nvSpPr>
+        <p:spPr>
+          <a:xfrm>
+            <a:off x="1097280" y="1602378"/>
+            <a:ext cx="10058400" cy="4266718"/>
+          </a:xfrm>
+        </p:spPr>
+        <p:txBody>
+          <a:bodyPr>
+            <a:normAutofit/>
+          </a:bodyPr>
+          <a:lstStyle/>
+          <a:p>
+            <a:r>
+              <a:rPr lang="en-US" sz="1800" dirty="0"/>
+              <a:t>In this section, we present the experiments and discuss the results. We first show results on validation data for several variants of the proposed architecture. Next, </a:t>
+            </a:r>
+            <a:r>
+              <a:rPr lang="en-US" sz="1800" dirty="0" err="1"/>
+              <a:t>Key.Net</a:t>
+            </a:r>
+            <a:r>
+              <a:rPr lang="en-US" sz="1800" dirty="0"/>
+              <a:t> repeatability scores in single-scale and multi-scale are presented along with the state-of-the art detectors on </a:t>
+            </a:r>
+            <a:r>
+              <a:rPr lang="en-US" sz="1800" dirty="0" err="1"/>
+              <a:t>HPatches</a:t>
+            </a:r>
+            <a:r>
+              <a:rPr lang="en-US" sz="1800" dirty="0"/>
+              <a:t>. Moreover, we evaluate the matching performance, the number of learnable parameters and inference time of our proposed detector and compare to other techniques.</a:t>
+            </a:r>
+            <a:endParaRPr lang="en-US" sz="1800" dirty="0">
+              <a:solidFill>
+                <a:schemeClr val="tx1"/>
+              </a:solidFill>
+            </a:endParaRPr>
+          </a:p>
+        </p:txBody>
+      </p:sp>
+      <p:sp>
+        <p:nvSpPr>
+          <p:cNvPr id="2" name="Title 1">
+            <a:extLst>
+              <a:ext uri="{FF2B5EF4-FFF2-40B4-BE49-F238E27FC236}">
+                <a16:creationId xmlns:a16="http://schemas.microsoft.com/office/drawing/2014/main" id="{CDC62B56-74BF-47D4-B1CD-AF93A810B3B7}"/>
+              </a:ext>
+            </a:extLst>
+          </p:cNvPr>
+          <p:cNvSpPr>
+            <a:spLocks noGrp="1"/>
+          </p:cNvSpPr>
+          <p:nvPr>
+            <p:ph type="title"/>
+          </p:nvPr>
+        </p:nvSpPr>
+        <p:spPr>
+          <a:xfrm>
+            <a:off x="1097280" y="942871"/>
+            <a:ext cx="10058400" cy="587584"/>
+          </a:xfrm>
+        </p:spPr>
+        <p:txBody>
+          <a:bodyPr/>
+          <a:lstStyle/>
+          <a:p>
+            <a:r>
+              <a:rPr lang="en-US" dirty="0"/>
+              <a:t>Results</a:t>
+            </a:r>
+          </a:p>
+        </p:txBody>
+      </p:sp>
+    </p:spTree>
+    <p:extLst>
+      <p:ext uri="{BB962C8B-B14F-4D97-AF65-F5344CB8AC3E}">
+        <p14:creationId xmlns:p14="http://schemas.microsoft.com/office/powerpoint/2010/main" val="1169903759"/>
+      </p:ext>
+    </p:extLst>
+  </p:cSld>
+  <p:clrMapOvr>
+    <a:masterClrMapping/>
+  </p:clrMapOvr>
+</p:sld>
+</file>
+
+<file path=ppt/slides/slide27.xml><?xml version="1.0" encoding="utf-8"?>
+<p:sld xmlns:a="http://schemas.openxmlformats.org/drawingml/2006/main" xmlns:r="http://schemas.openxmlformats.org/officeDocument/2006/relationships" xmlns:p="http://schemas.openxmlformats.org/presentationml/2006/main">
+  <p:cSld>
+    <p:spTree>
+      <p:nvGrpSpPr>
+        <p:cNvPr id="1" name=""/>
+        <p:cNvGrpSpPr/>
+        <p:nvPr/>
+      </p:nvGrpSpPr>
+      <p:grpSpPr>
+        <a:xfrm>
+          <a:off x="0" y="0"/>
+          <a:ext cx="0" cy="0"/>
+          <a:chOff x="0" y="0"/>
+          <a:chExt cx="0" cy="0"/>
+        </a:xfrm>
+      </p:grpSpPr>
+      <p:sp>
+        <p:nvSpPr>
+          <p:cNvPr id="3" name="Content Placeholder 2">
+            <a:extLst>
+              <a:ext uri="{FF2B5EF4-FFF2-40B4-BE49-F238E27FC236}">
+                <a16:creationId xmlns:a16="http://schemas.microsoft.com/office/drawing/2014/main" id="{6AB250FE-08C8-4530-B722-29C38A359D8B}"/>
+              </a:ext>
+            </a:extLst>
+          </p:cNvPr>
+          <p:cNvSpPr>
+            <a:spLocks noGrp="1"/>
+          </p:cNvSpPr>
+          <p:nvPr>
+            <p:ph sz="half" idx="2"/>
+          </p:nvPr>
+        </p:nvSpPr>
+        <p:spPr>
+          <a:xfrm>
+            <a:off x="1097280" y="1602378"/>
+            <a:ext cx="10058400" cy="4266718"/>
+          </a:xfrm>
+        </p:spPr>
+        <p:txBody>
+          <a:bodyPr>
+            <a:normAutofit/>
+          </a:bodyPr>
+          <a:lstStyle/>
+          <a:p>
+            <a:r>
+              <a:rPr lang="en-US" sz="1800" dirty="0"/>
+              <a:t>M-SIP Levels</a:t>
+            </a:r>
+          </a:p>
+          <a:p>
+            <a:r>
+              <a:rPr lang="en-US" sz="1800" dirty="0"/>
+              <a:t>Filter Combinations</a:t>
+            </a:r>
+          </a:p>
+          <a:p>
+            <a:r>
+              <a:rPr lang="en-US" sz="1800" dirty="0"/>
+              <a:t>Multiple Pyramid Levels</a:t>
+            </a:r>
+          </a:p>
+          <a:p>
+            <a:r>
+              <a:rPr lang="en-US" sz="1800" dirty="0"/>
+              <a:t>Spatial </a:t>
+            </a:r>
+            <a:r>
+              <a:rPr lang="en-US" sz="1800" dirty="0" err="1"/>
+              <a:t>Softmax</a:t>
+            </a:r>
+            <a:r>
+              <a:rPr lang="en-US" sz="1800" dirty="0"/>
+              <a:t> Base</a:t>
+            </a:r>
+            <a:endParaRPr lang="en-US" sz="1800" dirty="0">
+              <a:solidFill>
+                <a:schemeClr val="tx1"/>
+              </a:solidFill>
+            </a:endParaRPr>
+          </a:p>
+        </p:txBody>
+      </p:sp>
+      <p:sp>
+        <p:nvSpPr>
+          <p:cNvPr id="2" name="Title 1">
+            <a:extLst>
+              <a:ext uri="{FF2B5EF4-FFF2-40B4-BE49-F238E27FC236}">
+                <a16:creationId xmlns:a16="http://schemas.microsoft.com/office/drawing/2014/main" id="{CDC62B56-74BF-47D4-B1CD-AF93A810B3B7}"/>
+              </a:ext>
+            </a:extLst>
+          </p:cNvPr>
+          <p:cNvSpPr>
+            <a:spLocks noGrp="1"/>
+          </p:cNvSpPr>
+          <p:nvPr>
+            <p:ph type="title"/>
+          </p:nvPr>
+        </p:nvSpPr>
+        <p:spPr>
+          <a:xfrm>
+            <a:off x="1097280" y="942871"/>
+            <a:ext cx="10058400" cy="587584"/>
+          </a:xfrm>
+        </p:spPr>
+        <p:txBody>
+          <a:bodyPr/>
+          <a:lstStyle/>
+          <a:p>
+            <a:r>
+              <a:rPr lang="en-US" dirty="0"/>
+              <a:t>Preliminary Analysis</a:t>
+            </a:r>
+          </a:p>
+        </p:txBody>
+      </p:sp>
+    </p:spTree>
+    <p:extLst>
+      <p:ext uri="{BB962C8B-B14F-4D97-AF65-F5344CB8AC3E}">
+        <p14:creationId xmlns:p14="http://schemas.microsoft.com/office/powerpoint/2010/main" val="2322299530"/>
+      </p:ext>
+    </p:extLst>
+  </p:cSld>
+  <p:clrMapOvr>
+    <a:masterClrMapping/>
+  </p:clrMapOvr>
+</p:sld>
+</file>
+
+<file path=ppt/slides/slide28.xml><?xml version="1.0" encoding="utf-8"?>
+<p:sld xmlns:a="http://schemas.openxmlformats.org/drawingml/2006/main" xmlns:r="http://schemas.openxmlformats.org/officeDocument/2006/relationships" xmlns:p="http://schemas.openxmlformats.org/presentationml/2006/main">
+  <p:cSld>
+    <p:spTree>
+      <p:nvGrpSpPr>
+        <p:cNvPr id="1" name=""/>
+        <p:cNvGrpSpPr/>
+        <p:nvPr/>
+      </p:nvGrpSpPr>
+      <p:grpSpPr>
+        <a:xfrm>
+          <a:off x="0" y="0"/>
+          <a:ext cx="0" cy="0"/>
+          <a:chOff x="0" y="0"/>
+          <a:chExt cx="0" cy="0"/>
+        </a:xfrm>
+      </p:grpSpPr>
+      <p:sp>
+        <p:nvSpPr>
+          <p:cNvPr id="2" name="Title 1">
+            <a:extLst>
+              <a:ext uri="{FF2B5EF4-FFF2-40B4-BE49-F238E27FC236}">
+                <a16:creationId xmlns:a16="http://schemas.microsoft.com/office/drawing/2014/main" id="{CDC62B56-74BF-47D4-B1CD-AF93A810B3B7}"/>
+              </a:ext>
+            </a:extLst>
+          </p:cNvPr>
+          <p:cNvSpPr>
+            <a:spLocks noGrp="1"/>
+          </p:cNvSpPr>
+          <p:nvPr>
+            <p:ph type="title"/>
+          </p:nvPr>
+        </p:nvSpPr>
+        <p:spPr>
+          <a:xfrm>
+            <a:off x="1097280" y="942871"/>
+            <a:ext cx="10058400" cy="587584"/>
+          </a:xfrm>
+        </p:spPr>
+        <p:txBody>
+          <a:bodyPr/>
+          <a:lstStyle/>
+          <a:p>
+            <a:r>
+              <a:rPr lang="en-US" dirty="0"/>
+              <a:t>Preliminary Analysis</a:t>
+            </a:r>
+          </a:p>
+        </p:txBody>
+      </p:sp>
+      <p:pic>
+        <p:nvPicPr>
+          <p:cNvPr id="4" name="Picture 3"/>
+          <p:cNvPicPr>
+            <a:picLocks noChangeAspect="1"/>
+          </p:cNvPicPr>
+          <p:nvPr/>
+        </p:nvPicPr>
+        <p:blipFill>
+          <a:blip r:embed="rId2">
+            <a:extLst>
+              <a:ext uri="{28A0092B-C50C-407E-A947-70E740481C1C}">
+                <a14:useLocalDpi xmlns:a14="http://schemas.microsoft.com/office/drawing/2010/main" val="0"/>
+              </a:ext>
+            </a:extLst>
+          </a:blip>
+          <a:stretch>
+            <a:fillRect/>
+          </a:stretch>
+        </p:blipFill>
+        <p:spPr>
+          <a:xfrm>
+            <a:off x="2645622" y="1530455"/>
+            <a:ext cx="6961715" cy="3585454"/>
+          </a:xfrm>
+          <a:prstGeom prst="rect">
+            <a:avLst/>
+          </a:prstGeom>
+        </p:spPr>
+      </p:pic>
+      <p:sp>
+        <p:nvSpPr>
+          <p:cNvPr id="5" name="Rectangle 4"/>
+          <p:cNvSpPr/>
+          <p:nvPr/>
+        </p:nvSpPr>
+        <p:spPr>
+          <a:xfrm>
+            <a:off x="783772" y="5161467"/>
+            <a:ext cx="10920547" cy="1014380"/>
+          </a:xfrm>
+          <a:prstGeom prst="rect">
+            <a:avLst/>
+          </a:prstGeom>
+        </p:spPr>
+        <p:txBody>
+          <a:bodyPr wrap="square">
+            <a:spAutoFit/>
+          </a:bodyPr>
+          <a:lstStyle/>
+          <a:p>
+            <a:pPr marL="228600" marR="0" algn="ctr" rtl="1">
+              <a:lnSpc>
+                <a:spcPct val="107000"/>
+              </a:lnSpc>
+              <a:spcBef>
+                <a:spcPts val="0"/>
+              </a:spcBef>
+              <a:spcAft>
+                <a:spcPts val="800"/>
+              </a:spcAft>
+            </a:pPr>
+            <a:r>
+              <a:rPr lang="fa-IR" sz="1400" i="1" dirty="0">
+                <a:latin typeface="Calibri" panose="020F0502020204030204" pitchFamily="34" charset="0"/>
+                <a:ea typeface="Calibri" panose="020F0502020204030204" pitchFamily="34" charset="0"/>
+                <a:cs typeface="B Nazanin" panose="00000400000000000000" pitchFamily="2" charset="-78"/>
+              </a:rPr>
+              <a:t>جدول 2 : نتایج تکرارپذیری (</a:t>
+            </a:r>
+            <a:r>
+              <a:rPr lang="fa-IR" sz="1400" i="1" dirty="0">
+                <a:latin typeface="Calibri" panose="020F0502020204030204" pitchFamily="34" charset="0"/>
+                <a:ea typeface="Calibri" panose="020F0502020204030204" pitchFamily="34" charset="0"/>
+                <a:cs typeface="Times New Roman" panose="02020603050405020304" pitchFamily="18" charset="0"/>
+              </a:rPr>
+              <a:t>٪</a:t>
+            </a:r>
+            <a:r>
+              <a:rPr lang="fa-IR" sz="1400" i="1" dirty="0">
+                <a:latin typeface="Calibri" panose="020F0502020204030204" pitchFamily="34" charset="0"/>
+                <a:ea typeface="Calibri" panose="020F0502020204030204" pitchFamily="34" charset="0"/>
+                <a:cs typeface="B Nazanin" panose="00000400000000000000" pitchFamily="2" charset="-78"/>
+              </a:rPr>
+              <a:t>) برای ترجمه (</a:t>
+            </a:r>
+            <a:r>
+              <a:rPr lang="en-US" sz="1400" i="1" dirty="0">
+                <a:latin typeface="Calibri" panose="020F0502020204030204" pitchFamily="34" charset="0"/>
+                <a:ea typeface="Calibri" panose="020F0502020204030204" pitchFamily="34" charset="0"/>
+                <a:cs typeface="B Nazanin" panose="00000400000000000000" pitchFamily="2" charset="-78"/>
+              </a:rPr>
+              <a:t>TI</a:t>
+            </a:r>
+            <a:r>
+              <a:rPr lang="fa-IR" sz="1400" i="1" dirty="0">
+                <a:latin typeface="Calibri" panose="020F0502020204030204" pitchFamily="34" charset="0"/>
+                <a:ea typeface="Calibri" panose="020F0502020204030204" pitchFamily="34" charset="0"/>
+                <a:cs typeface="B Nazanin" panose="00000400000000000000" pitchFamily="2" charset="-78"/>
+              </a:rPr>
+              <a:t>) و مقیاس (</a:t>
+            </a:r>
+            <a:r>
+              <a:rPr lang="en-US" sz="1400" i="1" dirty="0">
+                <a:latin typeface="Calibri" panose="020F0502020204030204" pitchFamily="34" charset="0"/>
+                <a:ea typeface="Calibri" panose="020F0502020204030204" pitchFamily="34" charset="0"/>
+                <a:cs typeface="B Nazanin" panose="00000400000000000000" pitchFamily="2" charset="-78"/>
+              </a:rPr>
+              <a:t>SI</a:t>
+            </a:r>
+            <a:r>
+              <a:rPr lang="fa-IR" sz="1400" i="1" dirty="0">
+                <a:latin typeface="Calibri" panose="020F0502020204030204" pitchFamily="34" charset="0"/>
+                <a:ea typeface="Calibri" panose="020F0502020204030204" pitchFamily="34" charset="0"/>
+                <a:cs typeface="B Nazanin" panose="00000400000000000000" pitchFamily="2" charset="-78"/>
+              </a:rPr>
+              <a:t>) آشکارسازهای ثابت در </a:t>
+            </a:r>
+            <a:r>
+              <a:rPr lang="en-US" sz="1400" i="1" dirty="0" err="1">
+                <a:latin typeface="Calibri" panose="020F0502020204030204" pitchFamily="34" charset="0"/>
+                <a:ea typeface="Calibri" panose="020F0502020204030204" pitchFamily="34" charset="0"/>
+                <a:cs typeface="B Nazanin" panose="00000400000000000000" pitchFamily="2" charset="-78"/>
+              </a:rPr>
+              <a:t>HPatches</a:t>
+            </a:r>
+            <a:r>
+              <a:rPr lang="fa-IR" sz="1400" i="1" dirty="0">
+                <a:latin typeface="Calibri" panose="020F0502020204030204" pitchFamily="34" charset="0"/>
+                <a:ea typeface="Calibri" panose="020F0502020204030204" pitchFamily="34" charset="0"/>
+                <a:cs typeface="B Nazanin" panose="00000400000000000000" pitchFamily="2" charset="-78"/>
+              </a:rPr>
+              <a:t>. ما همچنین خطای متوسط همپوشانی </a:t>
+            </a:r>
+            <a:r>
+              <a:rPr lang="fa-IR" sz="1400" i="1" dirty="0">
+                <a:latin typeface="Calibri" panose="020F0502020204030204" pitchFamily="34" charset="0"/>
+                <a:ea typeface="Calibri" panose="020F0502020204030204" pitchFamily="34" charset="0"/>
+                <a:cs typeface="Cambria" panose="02040503050406030204" pitchFamily="18" charset="0"/>
+              </a:rPr>
+              <a:t>¯</a:t>
+            </a:r>
+            <a:r>
+              <a:rPr lang="en-US" sz="1400" i="1" dirty="0" err="1">
+                <a:latin typeface="Calibri" panose="020F0502020204030204" pitchFamily="34" charset="0"/>
+                <a:ea typeface="Calibri" panose="020F0502020204030204" pitchFamily="34" charset="0"/>
+                <a:cs typeface="B Nazanin" panose="00000400000000000000" pitchFamily="2" charset="-78"/>
+              </a:rPr>
+              <a:t>IoU</a:t>
+            </a:r>
+            <a:r>
+              <a:rPr lang="fa-IR" sz="1400" i="1" dirty="0">
+                <a:latin typeface="Calibri" panose="020F0502020204030204" pitchFamily="34" charset="0"/>
+                <a:ea typeface="Calibri" panose="020F0502020204030204" pitchFamily="34" charset="0"/>
+                <a:cs typeface="B Nazanin" panose="00000400000000000000" pitchFamily="2" charset="-78"/>
+              </a:rPr>
+              <a:t> و نسبت حداکثر به حداقل مقیاس استخراج شده </a:t>
+            </a:r>
+            <a:r>
+              <a:rPr lang="en-US" sz="1400" i="1" dirty="0" err="1">
+                <a:latin typeface="Calibri" panose="020F0502020204030204" pitchFamily="34" charset="0"/>
+                <a:ea typeface="Calibri" panose="020F0502020204030204" pitchFamily="34" charset="0"/>
+                <a:cs typeface="B Nazanin" panose="00000400000000000000" pitchFamily="2" charset="-78"/>
+              </a:rPr>
+              <a:t>SRange</a:t>
+            </a:r>
+            <a:r>
+              <a:rPr lang="fa-IR" sz="1400" i="1" dirty="0">
+                <a:latin typeface="Calibri" panose="020F0502020204030204" pitchFamily="34" charset="0"/>
+                <a:ea typeface="Calibri" panose="020F0502020204030204" pitchFamily="34" charset="0"/>
+                <a:cs typeface="B Nazanin" panose="00000400000000000000" pitchFamily="2" charset="-78"/>
+              </a:rPr>
+              <a:t> را گزارش می دهیم. در </a:t>
+            </a:r>
+            <a:r>
+              <a:rPr lang="en-US" sz="1400" i="1" dirty="0">
+                <a:latin typeface="Calibri" panose="020F0502020204030204" pitchFamily="34" charset="0"/>
+                <a:ea typeface="Calibri" panose="020F0502020204030204" pitchFamily="34" charset="0"/>
+                <a:cs typeface="B Nazanin" panose="00000400000000000000" pitchFamily="2" charset="-78"/>
+              </a:rPr>
+              <a:t>SL</a:t>
+            </a:r>
+            <a:r>
+              <a:rPr lang="fa-IR" sz="1400" i="1" dirty="0">
+                <a:latin typeface="Calibri" panose="020F0502020204030204" pitchFamily="34" charset="0"/>
+                <a:ea typeface="Calibri" panose="020F0502020204030204" pitchFamily="34" charset="0"/>
+                <a:cs typeface="B Nazanin" panose="00000400000000000000" pitchFamily="2" charset="-78"/>
+              </a:rPr>
+              <a:t> ، مقیاس ها و مکان ها برای محاسبه خطای همپوشانی استفاده می شود ، در عین حال ، در </a:t>
+            </a:r>
+            <a:r>
+              <a:rPr lang="en-US" sz="1400" i="1" dirty="0">
+                <a:latin typeface="Calibri" panose="020F0502020204030204" pitchFamily="34" charset="0"/>
+                <a:ea typeface="Calibri" panose="020F0502020204030204" pitchFamily="34" charset="0"/>
+                <a:cs typeface="B Nazanin" panose="00000400000000000000" pitchFamily="2" charset="-78"/>
+              </a:rPr>
+              <a:t>L</a:t>
+            </a:r>
+            <a:r>
+              <a:rPr lang="fa-IR" sz="1400" i="1" dirty="0">
+                <a:latin typeface="Calibri" panose="020F0502020204030204" pitchFamily="34" charset="0"/>
+                <a:ea typeface="Calibri" panose="020F0502020204030204" pitchFamily="34" charset="0"/>
+                <a:cs typeface="B Nazanin" panose="00000400000000000000" pitchFamily="2" charset="-78"/>
+              </a:rPr>
+              <a:t> ، فقط مکان ها استفاده می شوند و مقیاس ها به درستی تخمین زده می شوند. </a:t>
+            </a:r>
+            <a:r>
+              <a:rPr lang="en-US" sz="1400" i="1" dirty="0" err="1">
+                <a:latin typeface="Calibri" panose="020F0502020204030204" pitchFamily="34" charset="0"/>
+                <a:ea typeface="Calibri" panose="020F0502020204030204" pitchFamily="34" charset="0"/>
+                <a:cs typeface="B Nazanin" panose="00000400000000000000" pitchFamily="2" charset="-78"/>
+              </a:rPr>
+              <a:t>Key.Net</a:t>
+            </a:r>
+            <a:r>
+              <a:rPr lang="fa-IR" sz="1400" i="1" dirty="0">
+                <a:latin typeface="Calibri" panose="020F0502020204030204" pitchFamily="34" charset="0"/>
+                <a:ea typeface="Calibri" panose="020F0502020204030204" pitchFamily="34" charset="0"/>
+                <a:cs typeface="B Nazanin" panose="00000400000000000000" pitchFamily="2" charset="-78"/>
+              </a:rPr>
+              <a:t> و </a:t>
+            </a:r>
+            <a:r>
+              <a:rPr lang="en-US" sz="1400" i="1" dirty="0" err="1">
+                <a:latin typeface="Calibri" panose="020F0502020204030204" pitchFamily="34" charset="0"/>
+                <a:ea typeface="Calibri" panose="020F0502020204030204" pitchFamily="34" charset="0"/>
+                <a:cs typeface="B Nazanin" panose="00000400000000000000" pitchFamily="2" charset="-78"/>
+              </a:rPr>
+              <a:t>TinyKey.Net</a:t>
+            </a:r>
+            <a:r>
+              <a:rPr lang="fa-IR" sz="1400" i="1" dirty="0">
+                <a:latin typeface="Calibri" panose="020F0502020204030204" pitchFamily="34" charset="0"/>
+                <a:ea typeface="Calibri" panose="020F0502020204030204" pitchFamily="34" charset="0"/>
+                <a:cs typeface="B Nazanin" panose="00000400000000000000" pitchFamily="2" charset="-78"/>
+              </a:rPr>
+              <a:t> برای </a:t>
+            </a:r>
+            <a:r>
+              <a:rPr lang="en-US" sz="1400" i="1" dirty="0">
+                <a:latin typeface="Calibri" panose="020F0502020204030204" pitchFamily="34" charset="0"/>
+                <a:ea typeface="Calibri" panose="020F0502020204030204" pitchFamily="34" charset="0"/>
+                <a:cs typeface="B Nazanin" panose="00000400000000000000" pitchFamily="2" charset="-78"/>
+              </a:rPr>
+              <a:t>L</a:t>
+            </a:r>
+            <a:r>
+              <a:rPr lang="fa-IR" sz="1400" i="1" dirty="0">
+                <a:latin typeface="Calibri" panose="020F0502020204030204" pitchFamily="34" charset="0"/>
+                <a:ea typeface="Calibri" panose="020F0502020204030204" pitchFamily="34" charset="0"/>
+                <a:cs typeface="B Nazanin" panose="00000400000000000000" pitchFamily="2" charset="-78"/>
+              </a:rPr>
+              <a:t> و </a:t>
+            </a:r>
+            <a:r>
+              <a:rPr lang="en-US" sz="1400" i="1" dirty="0">
+                <a:latin typeface="Calibri" panose="020F0502020204030204" pitchFamily="34" charset="0"/>
+                <a:ea typeface="Calibri" panose="020F0502020204030204" pitchFamily="34" charset="0"/>
+                <a:cs typeface="B Nazanin" panose="00000400000000000000" pitchFamily="2" charset="-78"/>
+              </a:rPr>
+              <a:t>SL</a:t>
+            </a:r>
+            <a:r>
+              <a:rPr lang="fa-IR" sz="1400" i="1" dirty="0">
+                <a:latin typeface="Calibri" panose="020F0502020204030204" pitchFamily="34" charset="0"/>
+                <a:ea typeface="Calibri" panose="020F0502020204030204" pitchFamily="34" charset="0"/>
+                <a:cs typeface="B Nazanin" panose="00000400000000000000" pitchFamily="2" charset="-78"/>
+              </a:rPr>
+              <a:t> بهترین الگوریتم های دیدگاه هستند. در توالی های روشنایی ، </a:t>
+            </a:r>
+            <a:r>
+              <a:rPr lang="en-US" sz="1400" i="1" dirty="0" err="1">
+                <a:latin typeface="Calibri" panose="020F0502020204030204" pitchFamily="34" charset="0"/>
+                <a:ea typeface="Calibri" panose="020F0502020204030204" pitchFamily="34" charset="0"/>
+                <a:cs typeface="B Nazanin" panose="00000400000000000000" pitchFamily="2" charset="-78"/>
+              </a:rPr>
+              <a:t>Key.Net</a:t>
+            </a:r>
+            <a:r>
+              <a:rPr lang="en-US" sz="1400" i="1" dirty="0">
+                <a:latin typeface="Calibri" panose="020F0502020204030204" pitchFamily="34" charset="0"/>
+                <a:ea typeface="Calibri" panose="020F0502020204030204" pitchFamily="34" charset="0"/>
+                <a:cs typeface="B Nazanin" panose="00000400000000000000" pitchFamily="2" charset="-78"/>
+              </a:rPr>
+              <a:t>-TI</a:t>
+            </a:r>
+            <a:r>
+              <a:rPr lang="fa-IR" sz="1400" i="1" dirty="0">
+                <a:latin typeface="Calibri" panose="020F0502020204030204" pitchFamily="34" charset="0"/>
+                <a:ea typeface="Calibri" panose="020F0502020204030204" pitchFamily="34" charset="0"/>
+                <a:cs typeface="B Nazanin" panose="00000400000000000000" pitchFamily="2" charset="-78"/>
+              </a:rPr>
+              <a:t> بی تغییر ترجمه بهترین دقت را به دست می آورد. در میان آشکارسازهای ثابت </a:t>
+            </a:r>
+            <a:r>
+              <a:rPr lang="en-US" sz="1400" i="1" dirty="0">
+                <a:latin typeface="Calibri" panose="020F0502020204030204" pitchFamily="34" charset="0"/>
+                <a:ea typeface="Calibri" panose="020F0502020204030204" pitchFamily="34" charset="0"/>
+                <a:cs typeface="B Nazanin" panose="00000400000000000000" pitchFamily="2" charset="-78"/>
+              </a:rPr>
+              <a:t>SI</a:t>
+            </a:r>
+            <a:r>
+              <a:rPr lang="fa-IR" sz="1400" i="1" dirty="0">
+                <a:latin typeface="Calibri" panose="020F0502020204030204" pitchFamily="34" charset="0"/>
+                <a:ea typeface="Calibri" panose="020F0502020204030204" pitchFamily="34" charset="0"/>
+                <a:cs typeface="B Nazanin" panose="00000400000000000000" pitchFamily="2" charset="-78"/>
+              </a:rPr>
+              <a:t> ثابت ، </a:t>
+            </a:r>
+            <a:r>
+              <a:rPr lang="en-US" sz="1400" i="1" dirty="0">
+                <a:latin typeface="Calibri" panose="020F0502020204030204" pitchFamily="34" charset="0"/>
+                <a:ea typeface="Calibri" panose="020F0502020204030204" pitchFamily="34" charset="0"/>
+                <a:cs typeface="B Nazanin" panose="00000400000000000000" pitchFamily="2" charset="-78"/>
+              </a:rPr>
+              <a:t>TCDET</a:t>
+            </a:r>
+            <a:r>
+              <a:rPr lang="fa-IR" sz="1400" i="1" dirty="0">
+                <a:latin typeface="Calibri" panose="020F0502020204030204" pitchFamily="34" charset="0"/>
+                <a:ea typeface="Calibri" panose="020F0502020204030204" pitchFamily="34" charset="0"/>
+                <a:cs typeface="B Nazanin" panose="00000400000000000000" pitchFamily="2" charset="-78"/>
+              </a:rPr>
+              <a:t> بهترین در </a:t>
+            </a:r>
+            <a:r>
+              <a:rPr lang="en-US" sz="1400" i="1" dirty="0">
+                <a:latin typeface="Calibri" panose="020F0502020204030204" pitchFamily="34" charset="0"/>
+                <a:ea typeface="Calibri" panose="020F0502020204030204" pitchFamily="34" charset="0"/>
+                <a:cs typeface="B Nazanin" panose="00000400000000000000" pitchFamily="2" charset="-78"/>
+              </a:rPr>
+              <a:t>L</a:t>
+            </a:r>
+            <a:r>
+              <a:rPr lang="fa-IR" sz="1400" i="1" dirty="0">
+                <a:latin typeface="Calibri" panose="020F0502020204030204" pitchFamily="34" charset="0"/>
+                <a:ea typeface="Calibri" panose="020F0502020204030204" pitchFamily="34" charset="0"/>
+                <a:cs typeface="B Nazanin" panose="00000400000000000000" pitchFamily="2" charset="-78"/>
+              </a:rPr>
+              <a:t> و </a:t>
+            </a:r>
+            <a:r>
+              <a:rPr lang="en-US" sz="1400" i="1" dirty="0">
+                <a:latin typeface="Calibri" panose="020F0502020204030204" pitchFamily="34" charset="0"/>
+                <a:ea typeface="Calibri" panose="020F0502020204030204" pitchFamily="34" charset="0"/>
+                <a:cs typeface="B Nazanin" panose="00000400000000000000" pitchFamily="2" charset="-78"/>
+              </a:rPr>
+              <a:t>LF-Net</a:t>
+            </a:r>
+            <a:r>
+              <a:rPr lang="fa-IR" sz="1400" i="1" dirty="0">
+                <a:latin typeface="Calibri" panose="020F0502020204030204" pitchFamily="34" charset="0"/>
+                <a:ea typeface="Calibri" panose="020F0502020204030204" pitchFamily="34" charset="0"/>
+                <a:cs typeface="B Nazanin" panose="00000400000000000000" pitchFamily="2" charset="-78"/>
+              </a:rPr>
+              <a:t> در </a:t>
+            </a:r>
+            <a:r>
+              <a:rPr lang="en-US" sz="1400" i="1" dirty="0">
+                <a:latin typeface="Calibri" panose="020F0502020204030204" pitchFamily="34" charset="0"/>
+                <a:ea typeface="Calibri" panose="020F0502020204030204" pitchFamily="34" charset="0"/>
+                <a:cs typeface="B Nazanin" panose="00000400000000000000" pitchFamily="2" charset="-78"/>
+              </a:rPr>
+              <a:t>SL</a:t>
+            </a:r>
+            <a:r>
+              <a:rPr lang="fa-IR" sz="1400" i="1" dirty="0">
+                <a:latin typeface="Calibri" panose="020F0502020204030204" pitchFamily="34" charset="0"/>
+                <a:ea typeface="Calibri" panose="020F0502020204030204" pitchFamily="34" charset="0"/>
+                <a:cs typeface="B Nazanin" panose="00000400000000000000" pitchFamily="2" charset="-78"/>
+              </a:rPr>
+              <a:t> است.</a:t>
+            </a:r>
+            <a:endParaRPr lang="en-US" sz="2000" dirty="0">
+              <a:effectLst/>
+              <a:latin typeface="Calibri" panose="020F0502020204030204" pitchFamily="34" charset="0"/>
+              <a:ea typeface="Calibri" panose="020F0502020204030204" pitchFamily="34" charset="0"/>
+              <a:cs typeface="Arial" panose="020B0604020202020204" pitchFamily="34" charset="0"/>
+            </a:endParaRPr>
+          </a:p>
+        </p:txBody>
+      </p:sp>
+    </p:spTree>
+    <p:extLst>
+      <p:ext uri="{BB962C8B-B14F-4D97-AF65-F5344CB8AC3E}">
+        <p14:creationId xmlns:p14="http://schemas.microsoft.com/office/powerpoint/2010/main" val="3832904243"/>
+      </p:ext>
+    </p:extLst>
+  </p:cSld>
+  <p:clrMapOvr>
+    <a:masterClrMapping/>
+  </p:clrMapOvr>
+</p:sld>
+</file>
+
+<file path=ppt/slides/slide29.xml><?xml version="1.0" encoding="utf-8"?>
+<p:sld xmlns:a="http://schemas.openxmlformats.org/drawingml/2006/main" xmlns:r="http://schemas.openxmlformats.org/officeDocument/2006/relationships" xmlns:p="http://schemas.openxmlformats.org/presentationml/2006/main">
+  <p:cSld>
+    <p:spTree>
+      <p:nvGrpSpPr>
+        <p:cNvPr id="1" name=""/>
+        <p:cNvGrpSpPr/>
+        <p:nvPr/>
+      </p:nvGrpSpPr>
+      <p:grpSpPr>
+        <a:xfrm>
+          <a:off x="0" y="0"/>
+          <a:ext cx="0" cy="0"/>
+          <a:chOff x="0" y="0"/>
+          <a:chExt cx="0" cy="0"/>
+        </a:xfrm>
+      </p:grpSpPr>
+      <p:sp>
+        <p:nvSpPr>
+          <p:cNvPr id="2" name="Title 1">
+            <a:extLst>
+              <a:ext uri="{FF2B5EF4-FFF2-40B4-BE49-F238E27FC236}">
+                <a16:creationId xmlns:a16="http://schemas.microsoft.com/office/drawing/2014/main" id="{CDC62B56-74BF-47D4-B1CD-AF93A810B3B7}"/>
+              </a:ext>
+            </a:extLst>
+          </p:cNvPr>
+          <p:cNvSpPr>
+            <a:spLocks noGrp="1"/>
+          </p:cNvSpPr>
+          <p:nvPr>
+            <p:ph type="title"/>
+          </p:nvPr>
+        </p:nvSpPr>
+        <p:spPr>
+          <a:xfrm>
+            <a:off x="1097280" y="942871"/>
+            <a:ext cx="10058400" cy="587584"/>
+          </a:xfrm>
+        </p:spPr>
+        <p:txBody>
+          <a:bodyPr/>
+          <a:lstStyle/>
+          <a:p>
+            <a:r>
+              <a:rPr lang="en-US" dirty="0" err="1"/>
+              <a:t>Keypoint</a:t>
+            </a:r>
+            <a:r>
+              <a:rPr lang="en-US" dirty="0"/>
+              <a:t> Detection</a:t>
+            </a:r>
+          </a:p>
+        </p:txBody>
+      </p:sp>
+      <p:pic>
+        <p:nvPicPr>
+          <p:cNvPr id="4" name="Picture 3"/>
+          <p:cNvPicPr>
+            <a:picLocks noChangeAspect="1"/>
+          </p:cNvPicPr>
+          <p:nvPr/>
+        </p:nvPicPr>
+        <p:blipFill>
+          <a:blip r:embed="rId2">
+            <a:extLst>
+              <a:ext uri="{28A0092B-C50C-407E-A947-70E740481C1C}">
+                <a14:useLocalDpi xmlns:a14="http://schemas.microsoft.com/office/drawing/2010/main" val="0"/>
+              </a:ext>
+            </a:extLst>
+          </a:blip>
+          <a:stretch>
+            <a:fillRect/>
+          </a:stretch>
+        </p:blipFill>
+        <p:spPr>
+          <a:xfrm>
+            <a:off x="4442434" y="1530455"/>
+            <a:ext cx="3368092" cy="3328928"/>
+          </a:xfrm>
+          <a:prstGeom prst="rect">
+            <a:avLst/>
+          </a:prstGeom>
+        </p:spPr>
+      </p:pic>
+      <p:sp>
+        <p:nvSpPr>
+          <p:cNvPr id="5" name="Rectangle 4"/>
+          <p:cNvSpPr/>
+          <p:nvPr/>
+        </p:nvSpPr>
+        <p:spPr>
+          <a:xfrm>
+            <a:off x="1097280" y="5005596"/>
+            <a:ext cx="10058400" cy="882742"/>
+          </a:xfrm>
+          <a:prstGeom prst="rect">
+            <a:avLst/>
+          </a:prstGeom>
+        </p:spPr>
+        <p:txBody>
+          <a:bodyPr wrap="square">
+            <a:spAutoFit/>
+          </a:bodyPr>
+          <a:lstStyle/>
+          <a:p>
+            <a:pPr algn="ctr" rtl="1">
+              <a:lnSpc>
+                <a:spcPct val="107000"/>
+              </a:lnSpc>
+              <a:spcAft>
+                <a:spcPts val="800"/>
+              </a:spcAft>
+            </a:pPr>
+            <a:r>
+              <a:rPr lang="fa-IR" sz="1600" i="1" dirty="0">
+                <a:latin typeface="Calibri" panose="020F0502020204030204" pitchFamily="34" charset="0"/>
+                <a:ea typeface="Calibri" panose="020F0502020204030204" pitchFamily="34" charset="0"/>
+                <a:cs typeface="B Nazanin" panose="00000400000000000000" pitchFamily="2" charset="-78"/>
+              </a:rPr>
+              <a:t>جدول 3 : نمره تطبیق (</a:t>
+            </a:r>
+            <a:r>
+              <a:rPr lang="fa-IR" sz="1600" i="1" dirty="0">
+                <a:latin typeface="Calibri" panose="020F0502020204030204" pitchFamily="34" charset="0"/>
+                <a:ea typeface="Calibri" panose="020F0502020204030204" pitchFamily="34" charset="0"/>
+                <a:cs typeface="Times New Roman" panose="02020603050405020304" pitchFamily="18" charset="0"/>
+              </a:rPr>
+              <a:t>٪</a:t>
+            </a:r>
+            <a:r>
+              <a:rPr lang="fa-IR" sz="1600" i="1" dirty="0">
+                <a:latin typeface="Calibri" panose="020F0502020204030204" pitchFamily="34" charset="0"/>
+                <a:ea typeface="Calibri" panose="020F0502020204030204" pitchFamily="34" charset="0"/>
+                <a:cs typeface="B Nazanin" panose="00000400000000000000" pitchFamily="2" charset="-78"/>
+              </a:rPr>
+              <a:t>) بهترین آشکارسازها با </a:t>
+            </a:r>
+            <a:r>
+              <a:rPr lang="en-US" sz="1600" i="1" dirty="0" err="1">
+                <a:latin typeface="Calibri" panose="020F0502020204030204" pitchFamily="34" charset="0"/>
+                <a:ea typeface="Calibri" panose="020F0502020204030204" pitchFamily="34" charset="0"/>
+                <a:cs typeface="B Nazanin" panose="00000400000000000000" pitchFamily="2" charset="-78"/>
+              </a:rPr>
+              <a:t>HardNet</a:t>
+            </a:r>
+            <a:r>
+              <a:rPr lang="fa-IR" sz="1600" i="1" dirty="0">
+                <a:latin typeface="Calibri" panose="020F0502020204030204" pitchFamily="34" charset="0"/>
+                <a:ea typeface="Calibri" panose="020F0502020204030204" pitchFamily="34" charset="0"/>
+                <a:cs typeface="B Nazanin" panose="00000400000000000000" pitchFamily="2" charset="-78"/>
+              </a:rPr>
+              <a:t> و پیشرفته ترین ردیاب ها / توصیف کننده ها. نتایج در توالی </a:t>
+            </a:r>
+            <a:r>
+              <a:rPr lang="en-US" sz="1600" i="1" dirty="0" err="1">
+                <a:latin typeface="Calibri" panose="020F0502020204030204" pitchFamily="34" charset="0"/>
+                <a:ea typeface="Calibri" panose="020F0502020204030204" pitchFamily="34" charset="0"/>
+                <a:cs typeface="B Nazanin" panose="00000400000000000000" pitchFamily="2" charset="-78"/>
+              </a:rPr>
+              <a:t>HPatches</a:t>
+            </a:r>
+            <a:r>
+              <a:rPr lang="fa-IR" sz="1600" i="1" dirty="0">
+                <a:latin typeface="Calibri" panose="020F0502020204030204" pitchFamily="34" charset="0"/>
+                <a:ea typeface="Calibri" panose="020F0502020204030204" pitchFamily="34" charset="0"/>
+                <a:cs typeface="B Nazanin" panose="00000400000000000000" pitchFamily="2" charset="-78"/>
+              </a:rPr>
+              <a:t> ، هم از نظر دید و هم از نظر میزان روشنایی. معماری </a:t>
+            </a:r>
+            <a:r>
+              <a:rPr lang="en-US" sz="1600" i="1" dirty="0" err="1">
+                <a:latin typeface="Calibri" panose="020F0502020204030204" pitchFamily="34" charset="0"/>
+                <a:ea typeface="Calibri" panose="020F0502020204030204" pitchFamily="34" charset="0"/>
+                <a:cs typeface="B Nazanin" panose="00000400000000000000" pitchFamily="2" charset="-78"/>
+              </a:rPr>
+              <a:t>Key.Net</a:t>
+            </a:r>
+            <a:r>
+              <a:rPr lang="fa-IR" sz="1600" i="1" dirty="0">
+                <a:latin typeface="Calibri" panose="020F0502020204030204" pitchFamily="34" charset="0"/>
+                <a:ea typeface="Calibri" panose="020F0502020204030204" pitchFamily="34" charset="0"/>
+                <a:cs typeface="B Nazanin" panose="00000400000000000000" pitchFamily="2" charset="-78"/>
+              </a:rPr>
+              <a:t> بهترین نمره تطبیق را برای </a:t>
+            </a:r>
+            <a:r>
+              <a:rPr lang="en-US" sz="1600" i="1" dirty="0">
+                <a:latin typeface="Calibri" panose="020F0502020204030204" pitchFamily="34" charset="0"/>
+                <a:ea typeface="Calibri" panose="020F0502020204030204" pitchFamily="34" charset="0"/>
+                <a:cs typeface="B Nazanin" panose="00000400000000000000" pitchFamily="2" charset="-78"/>
+              </a:rPr>
+              <a:t>viewpoint</a:t>
+            </a:r>
+            <a:r>
+              <a:rPr lang="fa-IR" sz="1600" i="1" dirty="0">
+                <a:latin typeface="Calibri" panose="020F0502020204030204" pitchFamily="34" charset="0"/>
+                <a:ea typeface="Calibri" panose="020F0502020204030204" pitchFamily="34" charset="0"/>
+                <a:cs typeface="B Nazanin" panose="00000400000000000000" pitchFamily="2" charset="-78"/>
+              </a:rPr>
+              <a:t> کسب می کند ، در حالی که </a:t>
+            </a:r>
+            <a:r>
+              <a:rPr lang="en-US" sz="1600" i="1" dirty="0">
+                <a:latin typeface="Calibri" panose="020F0502020204030204" pitchFamily="34" charset="0"/>
+                <a:ea typeface="Calibri" panose="020F0502020204030204" pitchFamily="34" charset="0"/>
+                <a:cs typeface="B Nazanin" panose="00000400000000000000" pitchFamily="2" charset="-78"/>
+              </a:rPr>
+              <a:t>LF-Net + </a:t>
+            </a:r>
+            <a:r>
+              <a:rPr lang="en-US" sz="1600" i="1" dirty="0" err="1">
+                <a:latin typeface="Calibri" panose="020F0502020204030204" pitchFamily="34" charset="0"/>
+                <a:ea typeface="Calibri" panose="020F0502020204030204" pitchFamily="34" charset="0"/>
+                <a:cs typeface="B Nazanin" panose="00000400000000000000" pitchFamily="2" charset="-78"/>
+              </a:rPr>
+              <a:t>HardNet</a:t>
+            </a:r>
+            <a:r>
+              <a:rPr lang="fa-IR" sz="1600" i="1" dirty="0">
+                <a:latin typeface="Calibri" panose="020F0502020204030204" pitchFamily="34" charset="0"/>
+                <a:ea typeface="Calibri" panose="020F0502020204030204" pitchFamily="34" charset="0"/>
+                <a:cs typeface="B Nazanin" panose="00000400000000000000" pitchFamily="2" charset="-78"/>
+              </a:rPr>
+              <a:t> برای توالی های روشنایی است.</a:t>
+            </a:r>
+            <a:endParaRPr lang="en-US" sz="2400" dirty="0">
+              <a:effectLst/>
+              <a:latin typeface="Calibri" panose="020F0502020204030204" pitchFamily="34" charset="0"/>
+              <a:ea typeface="Calibri" panose="020F0502020204030204" pitchFamily="34" charset="0"/>
+              <a:cs typeface="Arial" panose="020B0604020202020204" pitchFamily="34" charset="0"/>
+            </a:endParaRPr>
+          </a:p>
+        </p:txBody>
+      </p:sp>
+    </p:spTree>
+    <p:extLst>
+      <p:ext uri="{BB962C8B-B14F-4D97-AF65-F5344CB8AC3E}">
+        <p14:creationId xmlns:p14="http://schemas.microsoft.com/office/powerpoint/2010/main" val="2022033756"/>
+      </p:ext>
+    </p:extLst>
+  </p:cSld>
+  <p:clrMapOvr>
+    <a:masterClrMapping/>
+  </p:clrMapOvr>
+</p:sld>
+</file>
+
+<file path=ppt/slides/slide3.xml><?xml version="1.0" encoding="utf-8"?>
+<p:sld xmlns:a="http://schemas.openxmlformats.org/drawingml/2006/main" xmlns:r="http://schemas.openxmlformats.org/officeDocument/2006/relationships" xmlns:p="http://schemas.openxmlformats.org/presentationml/2006/main">
+  <p:cSld>
+    <p:bg>
+      <p:bgPr>
+        <a:solidFill>
+          <a:srgbClr val="EDEFF7"/>
+        </a:solidFill>
+        <a:effectLst/>
+      </p:bgPr>
+    </p:bg>
+    <p:spTree>
+      <p:nvGrpSpPr>
+        <p:cNvPr id="1" name=""/>
+        <p:cNvGrpSpPr/>
+        <p:nvPr/>
+      </p:nvGrpSpPr>
+      <p:grpSpPr>
+        <a:xfrm>
+          <a:off x="0" y="0"/>
+          <a:ext cx="0" cy="0"/>
+          <a:chOff x="0" y="0"/>
+          <a:chExt cx="0" cy="0"/>
+        </a:xfrm>
+      </p:grpSpPr>
+      <p:sp>
+        <p:nvSpPr>
+          <p:cNvPr id="19" name="Title 18">
+            <a:extLst>
+              <a:ext uri="{FF2B5EF4-FFF2-40B4-BE49-F238E27FC236}">
+                <a16:creationId xmlns:a16="http://schemas.microsoft.com/office/drawing/2014/main" id="{55BA9AC8-EA60-644D-9DDA-B76203EA1E87}"/>
+              </a:ext>
+            </a:extLst>
+          </p:cNvPr>
+          <p:cNvSpPr>
+            <a:spLocks noGrp="1"/>
+          </p:cNvSpPr>
+          <p:nvPr>
+            <p:ph type="title"/>
+          </p:nvPr>
+        </p:nvSpPr>
+        <p:spPr/>
+        <p:txBody>
+          <a:bodyPr/>
+          <a:lstStyle/>
+          <a:p>
+            <a:r>
+              <a:rPr lang="en-US" b="1" dirty="0"/>
+              <a:t>Table of Contents</a:t>
+            </a:r>
+          </a:p>
+        </p:txBody>
+      </p:sp>
+      <p:sp>
+        <p:nvSpPr>
+          <p:cNvPr id="17" name="Content Placeholder 16">
+            <a:extLst>
+              <a:ext uri="{FF2B5EF4-FFF2-40B4-BE49-F238E27FC236}">
+                <a16:creationId xmlns:a16="http://schemas.microsoft.com/office/drawing/2014/main" id="{8E7591AD-81F4-2E45-AE36-F4DA40C19031}"/>
+              </a:ext>
+            </a:extLst>
+          </p:cNvPr>
+          <p:cNvSpPr>
+            <a:spLocks noGrp="1"/>
+          </p:cNvSpPr>
+          <p:nvPr>
+            <p:ph sz="half" idx="2"/>
+          </p:nvPr>
+        </p:nvSpPr>
+        <p:spPr/>
+        <p:txBody>
+          <a:bodyPr>
+            <a:normAutofit/>
+          </a:bodyPr>
+          <a:lstStyle/>
+          <a:p>
+            <a:pPr>
+              <a:buFont typeface="+mj-lt"/>
+              <a:buAutoNum type="arabicPeriod" startAt="7"/>
+            </a:pPr>
+            <a:r>
+              <a:rPr lang="en-US" sz="1800" dirty="0" smtClean="0"/>
+              <a:t>Results</a:t>
+            </a:r>
+            <a:endParaRPr lang="en-US" sz="1800" dirty="0" smtClean="0"/>
+          </a:p>
+          <a:p>
+            <a:pPr lvl="1"/>
+            <a:r>
+              <a:rPr lang="en-US" sz="1800" dirty="0"/>
+              <a:t>Preliminary </a:t>
+            </a:r>
+            <a:r>
+              <a:rPr lang="en-US" sz="1800" dirty="0" smtClean="0"/>
+              <a:t>Analysis</a:t>
+            </a:r>
+          </a:p>
+          <a:p>
+            <a:pPr lvl="1"/>
+            <a:r>
+              <a:rPr lang="en-US" sz="1800" dirty="0" err="1"/>
+              <a:t>Keypoint</a:t>
+            </a:r>
+            <a:r>
+              <a:rPr lang="en-US" sz="1800" dirty="0"/>
+              <a:t> </a:t>
+            </a:r>
+            <a:r>
+              <a:rPr lang="en-US" sz="1800" dirty="0" smtClean="0"/>
+              <a:t>Detection</a:t>
+            </a:r>
+          </a:p>
+          <a:p>
+            <a:pPr lvl="1"/>
+            <a:r>
+              <a:rPr lang="en-US" sz="1800" dirty="0" err="1"/>
+              <a:t>Keypoint</a:t>
+            </a:r>
+            <a:r>
+              <a:rPr lang="en-US" sz="1800" dirty="0"/>
+              <a:t> </a:t>
+            </a:r>
+            <a:r>
+              <a:rPr lang="en-US" sz="1800" dirty="0" smtClean="0"/>
+              <a:t>Matching</a:t>
+            </a:r>
+          </a:p>
+          <a:p>
+            <a:pPr lvl="1"/>
+            <a:r>
+              <a:rPr lang="en-US" sz="1800" dirty="0" smtClean="0"/>
+              <a:t>Efficiency</a:t>
+            </a:r>
+          </a:p>
+          <a:p>
+            <a:pPr>
+              <a:buAutoNum type="arabicPeriod" startAt="7"/>
+            </a:pPr>
+            <a:r>
+              <a:rPr lang="en-US" sz="1800" dirty="0" smtClean="0"/>
               <a:t>Conclusions</a:t>
             </a:r>
-            <a:endParaRPr lang="en-US" dirty="0"/>
+          </a:p>
+          <a:p>
+            <a:pPr>
+              <a:buAutoNum type="arabicPeriod" startAt="7"/>
+            </a:pPr>
+            <a:r>
+              <a:rPr lang="en-US" sz="1800" dirty="0"/>
+              <a:t>References</a:t>
+            </a:r>
+          </a:p>
+        </p:txBody>
+      </p:sp>
+    </p:spTree>
+    <p:extLst>
+      <p:ext uri="{BB962C8B-B14F-4D97-AF65-F5344CB8AC3E}">
+        <p14:creationId xmlns:p14="http://schemas.microsoft.com/office/powerpoint/2010/main" val="1638963298"/>
+      </p:ext>
+    </p:extLst>
+  </p:cSld>
+  <p:clrMapOvr>
+    <a:masterClrMapping/>
+  </p:clrMapOvr>
+</p:sld>
+</file>
+
+<file path=ppt/slides/slide30.xml><?xml version="1.0" encoding="utf-8"?>
+<p:sld xmlns:a="http://schemas.openxmlformats.org/drawingml/2006/main" xmlns:r="http://schemas.openxmlformats.org/officeDocument/2006/relationships" xmlns:p="http://schemas.openxmlformats.org/presentationml/2006/main">
+  <p:cSld>
+    <p:spTree>
+      <p:nvGrpSpPr>
+        <p:cNvPr id="1" name=""/>
+        <p:cNvGrpSpPr/>
+        <p:nvPr/>
+      </p:nvGrpSpPr>
+      <p:grpSpPr>
+        <a:xfrm>
+          <a:off x="0" y="0"/>
+          <a:ext cx="0" cy="0"/>
+          <a:chOff x="0" y="0"/>
+          <a:chExt cx="0" cy="0"/>
+        </a:xfrm>
+      </p:grpSpPr>
+      <p:sp>
+        <p:nvSpPr>
+          <p:cNvPr id="2" name="Title 1">
+            <a:extLst>
+              <a:ext uri="{FF2B5EF4-FFF2-40B4-BE49-F238E27FC236}">
+                <a16:creationId xmlns:a16="http://schemas.microsoft.com/office/drawing/2014/main" id="{CDC62B56-74BF-47D4-B1CD-AF93A810B3B7}"/>
+              </a:ext>
+            </a:extLst>
+          </p:cNvPr>
+          <p:cNvSpPr>
+            <a:spLocks noGrp="1"/>
+          </p:cNvSpPr>
+          <p:nvPr>
+            <p:ph type="title"/>
+          </p:nvPr>
+        </p:nvSpPr>
+        <p:spPr>
+          <a:xfrm>
+            <a:off x="1097280" y="942871"/>
+            <a:ext cx="10058400" cy="587584"/>
+          </a:xfrm>
+        </p:spPr>
+        <p:txBody>
+          <a:bodyPr/>
+          <a:lstStyle/>
+          <a:p>
+            <a:r>
+              <a:rPr lang="en-US" dirty="0" err="1"/>
+              <a:t>Keypoint</a:t>
+            </a:r>
+            <a:r>
+              <a:rPr lang="en-US" dirty="0"/>
+              <a:t> Matching</a:t>
+            </a:r>
+          </a:p>
+        </p:txBody>
+      </p:sp>
+      <p:pic>
+        <p:nvPicPr>
+          <p:cNvPr id="4" name="Picture 3"/>
+          <p:cNvPicPr>
+            <a:picLocks noChangeAspect="1"/>
+          </p:cNvPicPr>
+          <p:nvPr/>
+        </p:nvPicPr>
+        <p:blipFill>
+          <a:blip r:embed="rId2">
+            <a:extLst>
+              <a:ext uri="{28A0092B-C50C-407E-A947-70E740481C1C}">
+                <a14:useLocalDpi xmlns:a14="http://schemas.microsoft.com/office/drawing/2010/main" val="0"/>
+              </a:ext>
+            </a:extLst>
+          </a:blip>
+          <a:stretch>
+            <a:fillRect/>
+          </a:stretch>
+        </p:blipFill>
+        <p:spPr>
+          <a:xfrm>
+            <a:off x="3409714" y="1977879"/>
+            <a:ext cx="5433531" cy="1265030"/>
+          </a:xfrm>
+          <a:prstGeom prst="rect">
+            <a:avLst/>
+          </a:prstGeom>
+        </p:spPr>
+      </p:pic>
+      <p:sp>
+        <p:nvSpPr>
+          <p:cNvPr id="5" name="Rectangle 4"/>
+          <p:cNvSpPr/>
+          <p:nvPr/>
+        </p:nvSpPr>
+        <p:spPr>
+          <a:xfrm>
+            <a:off x="923110" y="4035705"/>
+            <a:ext cx="10232570" cy="355803"/>
+          </a:xfrm>
+          <a:prstGeom prst="rect">
+            <a:avLst/>
+          </a:prstGeom>
+        </p:spPr>
+        <p:txBody>
+          <a:bodyPr wrap="square">
+            <a:spAutoFit/>
+          </a:bodyPr>
+          <a:lstStyle/>
+          <a:p>
+            <a:pPr marL="228600" marR="0" algn="ctr" rtl="1">
+              <a:lnSpc>
+                <a:spcPct val="107000"/>
+              </a:lnSpc>
+              <a:spcBef>
+                <a:spcPts val="0"/>
+              </a:spcBef>
+              <a:spcAft>
+                <a:spcPts val="800"/>
+              </a:spcAft>
+            </a:pPr>
+            <a:r>
+              <a:rPr lang="fa-IR" sz="1600" i="1" dirty="0">
+                <a:latin typeface="Calibri" panose="020F0502020204030204" pitchFamily="34" charset="0"/>
+                <a:ea typeface="Calibri" panose="020F0502020204030204" pitchFamily="34" charset="0"/>
+                <a:cs typeface="B Nazanin" panose="00000400000000000000" pitchFamily="2" charset="-78"/>
+              </a:rPr>
+              <a:t>جدول  4 : مقایسه تعداد پارامترهای قابل یادگیری برای معماری های پیشرفته. </a:t>
+            </a:r>
+            <a:r>
+              <a:rPr lang="en-US" sz="1600" i="1" dirty="0">
+                <a:latin typeface="Calibri" panose="020F0502020204030204" pitchFamily="34" charset="0"/>
+                <a:ea typeface="Calibri" panose="020F0502020204030204" pitchFamily="34" charset="0"/>
+                <a:cs typeface="B Nazanin" panose="00000400000000000000" pitchFamily="2" charset="-78"/>
+              </a:rPr>
+              <a:t>Tiny-</a:t>
+            </a:r>
+            <a:r>
+              <a:rPr lang="en-US" sz="1600" i="1" dirty="0" err="1">
+                <a:latin typeface="Calibri" panose="020F0502020204030204" pitchFamily="34" charset="0"/>
+                <a:ea typeface="Calibri" panose="020F0502020204030204" pitchFamily="34" charset="0"/>
+                <a:cs typeface="B Nazanin" panose="00000400000000000000" pitchFamily="2" charset="-78"/>
+              </a:rPr>
+              <a:t>Key.Net</a:t>
+            </a:r>
+            <a:r>
+              <a:rPr lang="fa-IR" sz="1600" i="1" dirty="0">
+                <a:latin typeface="Calibri" panose="020F0502020204030204" pitchFamily="34" charset="0"/>
+                <a:ea typeface="Calibri" panose="020F0502020204030204" pitchFamily="34" charset="0"/>
+                <a:cs typeface="B Nazanin" panose="00000400000000000000" pitchFamily="2" charset="-78"/>
+              </a:rPr>
+              <a:t> فقط یک بلوک قابل یادگیری با یک فیلتر دارد.</a:t>
+            </a:r>
+            <a:endParaRPr lang="en-US" sz="2400" dirty="0">
+              <a:effectLst/>
+              <a:latin typeface="Calibri" panose="020F0502020204030204" pitchFamily="34" charset="0"/>
+              <a:ea typeface="Calibri" panose="020F0502020204030204" pitchFamily="34" charset="0"/>
+              <a:cs typeface="Arial" panose="020B0604020202020204" pitchFamily="34" charset="0"/>
+            </a:endParaRPr>
+          </a:p>
+        </p:txBody>
+      </p:sp>
+    </p:spTree>
+    <p:extLst>
+      <p:ext uri="{BB962C8B-B14F-4D97-AF65-F5344CB8AC3E}">
+        <p14:creationId xmlns:p14="http://schemas.microsoft.com/office/powerpoint/2010/main" val="324668459"/>
+      </p:ext>
+    </p:extLst>
+  </p:cSld>
+  <p:clrMapOvr>
+    <a:masterClrMapping/>
+  </p:clrMapOvr>
+</p:sld>
+</file>
+
+<file path=ppt/slides/slide31.xml><?xml version="1.0" encoding="utf-8"?>
+<p:sld xmlns:a="http://schemas.openxmlformats.org/drawingml/2006/main" xmlns:r="http://schemas.openxmlformats.org/officeDocument/2006/relationships" xmlns:p="http://schemas.openxmlformats.org/presentationml/2006/main">
+  <p:cSld>
+    <p:spTree>
+      <p:nvGrpSpPr>
+        <p:cNvPr id="1" name=""/>
+        <p:cNvGrpSpPr/>
+        <p:nvPr/>
+      </p:nvGrpSpPr>
+      <p:grpSpPr>
+        <a:xfrm>
+          <a:off x="0" y="0"/>
+          <a:ext cx="0" cy="0"/>
+          <a:chOff x="0" y="0"/>
+          <a:chExt cx="0" cy="0"/>
+        </a:xfrm>
+      </p:grpSpPr>
+      <p:sp>
+        <p:nvSpPr>
+          <p:cNvPr id="3" name="Content Placeholder 2">
+            <a:extLst>
+              <a:ext uri="{FF2B5EF4-FFF2-40B4-BE49-F238E27FC236}">
+                <a16:creationId xmlns:a16="http://schemas.microsoft.com/office/drawing/2014/main" id="{6AB250FE-08C8-4530-B722-29C38A359D8B}"/>
+              </a:ext>
+            </a:extLst>
+          </p:cNvPr>
+          <p:cNvSpPr>
+            <a:spLocks noGrp="1"/>
+          </p:cNvSpPr>
+          <p:nvPr>
+            <p:ph sz="half" idx="2"/>
+          </p:nvPr>
+        </p:nvSpPr>
+        <p:spPr>
+          <a:xfrm>
+            <a:off x="1097280" y="1602378"/>
+            <a:ext cx="10058400" cy="4266718"/>
+          </a:xfrm>
+        </p:spPr>
+        <p:txBody>
+          <a:bodyPr>
+            <a:normAutofit/>
+          </a:bodyPr>
+          <a:lstStyle/>
+          <a:p>
+            <a:r>
+              <a:rPr lang="en-US" sz="1800" dirty="0"/>
+              <a:t>We also compare the number of learnable parameters, indicating then the complexity of the predictor, which leads to an increasing risk of overfitting and need for a large amount of training data. Table 4 shows the approximate number of parameters for different architectures. Learnable parameters that are not used during inference in the detector part are not counted for </a:t>
+            </a:r>
+            <a:r>
+              <a:rPr lang="en-US" sz="1800" dirty="0" err="1"/>
+              <a:t>SuperPoint</a:t>
+            </a:r>
+            <a:r>
+              <a:rPr lang="en-US" sz="1800" dirty="0"/>
+              <a:t> and LF-Net detectors. The highest complexity is from </a:t>
+            </a:r>
+            <a:r>
+              <a:rPr lang="en-US" sz="1800" dirty="0" err="1"/>
+              <a:t>SuperPoint</a:t>
+            </a:r>
+            <a:r>
+              <a:rPr lang="en-US" sz="1800" dirty="0"/>
+              <a:t> with 940k learnable parameters. </a:t>
+            </a:r>
+            <a:r>
+              <a:rPr lang="en-US" sz="1800" dirty="0" err="1"/>
+              <a:t>Key.Net</a:t>
+            </a:r>
+            <a:r>
+              <a:rPr lang="en-US" sz="1800" dirty="0"/>
+              <a:t> has nearly 160 times fewer parameters and Tiny-</a:t>
+            </a:r>
+            <a:r>
+              <a:rPr lang="en-US" sz="1800" dirty="0" err="1"/>
+              <a:t>Key.Net</a:t>
+            </a:r>
+            <a:r>
+              <a:rPr lang="en-US" sz="1800" dirty="0"/>
+              <a:t> has 3,100 times fewer parameters than </a:t>
+            </a:r>
+            <a:r>
+              <a:rPr lang="en-US" sz="1800" dirty="0" err="1"/>
+              <a:t>SuperPoint</a:t>
+            </a:r>
+            <a:r>
+              <a:rPr lang="en-US" sz="1800" dirty="0"/>
+              <a:t> with better repeatability for viewpoint scenes. The inference time of an image of 600 × 600 is 5.7ms (175 FPS) and 31ms (32.25 FPS) for Tiny-</a:t>
+            </a:r>
+            <a:r>
+              <a:rPr lang="en-US" sz="1800" dirty="0" err="1"/>
+              <a:t>Key.Net</a:t>
+            </a:r>
+            <a:r>
+              <a:rPr lang="en-US" sz="1800" dirty="0"/>
+              <a:t> and </a:t>
+            </a:r>
+            <a:r>
+              <a:rPr lang="en-US" sz="1800" dirty="0" err="1"/>
+              <a:t>Key.Net</a:t>
+            </a:r>
+            <a:r>
+              <a:rPr lang="en-US" sz="1800" dirty="0"/>
+              <a:t>, respectively.</a:t>
+            </a:r>
+            <a:endParaRPr lang="en-US" sz="1800" dirty="0">
+              <a:solidFill>
+                <a:schemeClr val="tx1"/>
+              </a:solidFill>
+            </a:endParaRPr>
+          </a:p>
+        </p:txBody>
+      </p:sp>
+      <p:sp>
+        <p:nvSpPr>
+          <p:cNvPr id="2" name="Title 1">
+            <a:extLst>
+              <a:ext uri="{FF2B5EF4-FFF2-40B4-BE49-F238E27FC236}">
+                <a16:creationId xmlns:a16="http://schemas.microsoft.com/office/drawing/2014/main" id="{CDC62B56-74BF-47D4-B1CD-AF93A810B3B7}"/>
+              </a:ext>
+            </a:extLst>
+          </p:cNvPr>
+          <p:cNvSpPr>
+            <a:spLocks noGrp="1"/>
+          </p:cNvSpPr>
+          <p:nvPr>
+            <p:ph type="title"/>
+          </p:nvPr>
+        </p:nvSpPr>
+        <p:spPr>
+          <a:xfrm>
+            <a:off x="1097280" y="942871"/>
+            <a:ext cx="10058400" cy="587584"/>
+          </a:xfrm>
+        </p:spPr>
+        <p:txBody>
+          <a:bodyPr/>
+          <a:lstStyle/>
+          <a:p>
+            <a:r>
+              <a:rPr lang="en-US" dirty="0"/>
+              <a:t>Efficiency</a:t>
+            </a:r>
+          </a:p>
+        </p:txBody>
+      </p:sp>
+    </p:spTree>
+    <p:extLst>
+      <p:ext uri="{BB962C8B-B14F-4D97-AF65-F5344CB8AC3E}">
+        <p14:creationId xmlns:p14="http://schemas.microsoft.com/office/powerpoint/2010/main" val="622831513"/>
+      </p:ext>
+    </p:extLst>
+  </p:cSld>
+  <p:clrMapOvr>
+    <a:masterClrMapping/>
+  </p:clrMapOvr>
+</p:sld>
+</file>
+
+<file path=ppt/slides/slide32.xml><?xml version="1.0" encoding="utf-8"?>
+<p:sld xmlns:a="http://schemas.openxmlformats.org/drawingml/2006/main" xmlns:r="http://schemas.openxmlformats.org/officeDocument/2006/relationships" xmlns:p="http://schemas.openxmlformats.org/presentationml/2006/main">
+  <p:cSld>
+    <p:spTree>
+      <p:nvGrpSpPr>
+        <p:cNvPr id="1" name=""/>
+        <p:cNvGrpSpPr/>
+        <p:nvPr/>
+      </p:nvGrpSpPr>
+      <p:grpSpPr>
+        <a:xfrm>
+          <a:off x="0" y="0"/>
+          <a:ext cx="0" cy="0"/>
+          <a:chOff x="0" y="0"/>
+          <a:chExt cx="0" cy="0"/>
+        </a:xfrm>
+      </p:grpSpPr>
+      <p:sp>
+        <p:nvSpPr>
+          <p:cNvPr id="3" name="Content Placeholder 2">
+            <a:extLst>
+              <a:ext uri="{FF2B5EF4-FFF2-40B4-BE49-F238E27FC236}">
+                <a16:creationId xmlns:a16="http://schemas.microsoft.com/office/drawing/2014/main" id="{6AB250FE-08C8-4530-B722-29C38A359D8B}"/>
+              </a:ext>
+            </a:extLst>
+          </p:cNvPr>
+          <p:cNvSpPr>
+            <a:spLocks noGrp="1"/>
+          </p:cNvSpPr>
+          <p:nvPr>
+            <p:ph sz="half" idx="2"/>
+          </p:nvPr>
+        </p:nvSpPr>
+        <p:spPr>
+          <a:xfrm>
+            <a:off x="1097280" y="1602378"/>
+            <a:ext cx="10058400" cy="4266718"/>
+          </a:xfrm>
+        </p:spPr>
+        <p:txBody>
+          <a:bodyPr>
+            <a:noAutofit/>
+          </a:bodyPr>
+          <a:lstStyle/>
+          <a:p>
+            <a:r>
+              <a:rPr lang="en-US" sz="1800" dirty="0"/>
+              <a:t>We have introduced a novel approach to detect local features that combines handcrafted and learned CNN filters. We have proposed a multi-scale index proposal layer that finds </a:t>
+            </a:r>
+            <a:r>
+              <a:rPr lang="en-US" sz="1800" dirty="0" err="1"/>
+              <a:t>keypoints</a:t>
+            </a:r>
+            <a:r>
+              <a:rPr lang="en-US" sz="1800" dirty="0"/>
+              <a:t> across a range of scales, with a loss function that optimizes the robustness and discriminating properties of the detections. We demonstrated how to compute and combine differentiable </a:t>
+            </a:r>
+            <a:r>
+              <a:rPr lang="en-US" sz="1800" dirty="0" err="1"/>
+              <a:t>keypoint</a:t>
+            </a:r>
+            <a:r>
+              <a:rPr lang="en-US" sz="1800" dirty="0"/>
+              <a:t> detection loss for multiscale representation. Evaluation results on large benchmark show that combining handcrafted and learned features as well as multi-scale analysis at different stages of the network improves the repeatability scores compared to other state-of-the-art </a:t>
+            </a:r>
+            <a:r>
+              <a:rPr lang="en-US" sz="1800" dirty="0" err="1"/>
+              <a:t>keypoint</a:t>
+            </a:r>
+            <a:r>
+              <a:rPr lang="en-US" sz="1800" dirty="0"/>
+              <a:t> detection methods</a:t>
+            </a:r>
+            <a:r>
+              <a:rPr lang="en-US" sz="1800" dirty="0" smtClean="0"/>
+              <a:t>.</a:t>
+            </a:r>
+            <a:endParaRPr lang="en-US" sz="1800" dirty="0"/>
+          </a:p>
+        </p:txBody>
+      </p:sp>
+      <p:sp>
+        <p:nvSpPr>
+          <p:cNvPr id="2" name="Title 1">
+            <a:extLst>
+              <a:ext uri="{FF2B5EF4-FFF2-40B4-BE49-F238E27FC236}">
+                <a16:creationId xmlns:a16="http://schemas.microsoft.com/office/drawing/2014/main" id="{CDC62B56-74BF-47D4-B1CD-AF93A810B3B7}"/>
+              </a:ext>
+            </a:extLst>
+          </p:cNvPr>
+          <p:cNvSpPr>
+            <a:spLocks noGrp="1"/>
+          </p:cNvSpPr>
+          <p:nvPr>
+            <p:ph type="title"/>
+          </p:nvPr>
+        </p:nvSpPr>
+        <p:spPr>
+          <a:xfrm>
+            <a:off x="1097280" y="942871"/>
+            <a:ext cx="10058400" cy="587584"/>
+          </a:xfrm>
+        </p:spPr>
+        <p:txBody>
+          <a:bodyPr/>
+          <a:lstStyle/>
+          <a:p>
+            <a:r>
+              <a:rPr lang="en-US" dirty="0"/>
+              <a:t>Conclusions</a:t>
+            </a:r>
           </a:p>
         </p:txBody>
       </p:sp>
@@ -10783,7 +16731,110 @@
 </p:sld>
 </file>
 
-<file path=ppt/slides/slide23.xml><?xml version="1.0" encoding="utf-8"?>
+<file path=ppt/slides/slide33.xml><?xml version="1.0" encoding="utf-8"?>
+<p:sld xmlns:a="http://schemas.openxmlformats.org/drawingml/2006/main" xmlns:r="http://schemas.openxmlformats.org/officeDocument/2006/relationships" xmlns:p="http://schemas.openxmlformats.org/presentationml/2006/main">
+  <p:cSld>
+    <p:spTree>
+      <p:nvGrpSpPr>
+        <p:cNvPr id="1" name=""/>
+        <p:cNvGrpSpPr/>
+        <p:nvPr/>
+      </p:nvGrpSpPr>
+      <p:grpSpPr>
+        <a:xfrm>
+          <a:off x="0" y="0"/>
+          <a:ext cx="0" cy="0"/>
+          <a:chOff x="0" y="0"/>
+          <a:chExt cx="0" cy="0"/>
+        </a:xfrm>
+      </p:grpSpPr>
+      <p:sp>
+        <p:nvSpPr>
+          <p:cNvPr id="3" name="Content Placeholder 2">
+            <a:extLst>
+              <a:ext uri="{FF2B5EF4-FFF2-40B4-BE49-F238E27FC236}">
+                <a16:creationId xmlns:a16="http://schemas.microsoft.com/office/drawing/2014/main" id="{6AB250FE-08C8-4530-B722-29C38A359D8B}"/>
+              </a:ext>
+            </a:extLst>
+          </p:cNvPr>
+          <p:cNvSpPr>
+            <a:spLocks noGrp="1"/>
+          </p:cNvSpPr>
+          <p:nvPr>
+            <p:ph sz="half" idx="2"/>
+          </p:nvPr>
+        </p:nvSpPr>
+        <p:spPr>
+          <a:xfrm>
+            <a:off x="1097280" y="1602378"/>
+            <a:ext cx="10058400" cy="4266718"/>
+          </a:xfrm>
+        </p:spPr>
+        <p:txBody>
+          <a:bodyPr>
+            <a:noAutofit/>
+          </a:bodyPr>
+          <a:lstStyle/>
+          <a:p>
+            <a:r>
+              <a:rPr lang="en-US" sz="1800" dirty="0" smtClean="0"/>
+              <a:t>We </a:t>
+            </a:r>
+            <a:r>
+              <a:rPr lang="en-US" sz="1800" dirty="0"/>
+              <a:t>further show that excessively increasing network’s complexity does not lead to improved results. In contrast, using handcrafted filters allows to significantly reduce the complexity of the architecture leading to a detector with 280 learnable parameters and inference of 175 frames per second. Proposed detectors lead to state of the-art matching performance when used with a descriptor on viewpoint.</a:t>
+            </a:r>
+            <a:endParaRPr lang="en-US" sz="1800" dirty="0"/>
+          </a:p>
+        </p:txBody>
+      </p:sp>
+      <p:sp>
+        <p:nvSpPr>
+          <p:cNvPr id="2" name="Title 1">
+            <a:extLst>
+              <a:ext uri="{FF2B5EF4-FFF2-40B4-BE49-F238E27FC236}">
+                <a16:creationId xmlns:a16="http://schemas.microsoft.com/office/drawing/2014/main" id="{CDC62B56-74BF-47D4-B1CD-AF93A810B3B7}"/>
+              </a:ext>
+            </a:extLst>
+          </p:cNvPr>
+          <p:cNvSpPr>
+            <a:spLocks noGrp="1"/>
+          </p:cNvSpPr>
+          <p:nvPr>
+            <p:ph type="title"/>
+          </p:nvPr>
+        </p:nvSpPr>
+        <p:spPr>
+          <a:xfrm>
+            <a:off x="1097280" y="942871"/>
+            <a:ext cx="10058400" cy="587584"/>
+          </a:xfrm>
+        </p:spPr>
+        <p:txBody>
+          <a:bodyPr/>
+          <a:lstStyle/>
+          <a:p>
+            <a:r>
+              <a:rPr lang="en-US" dirty="0"/>
+              <a:t>Conclusions</a:t>
+            </a:r>
+          </a:p>
+        </p:txBody>
+      </p:sp>
+    </p:spTree>
+    <p:extLst>
+      <p:ext uri="{BB962C8B-B14F-4D97-AF65-F5344CB8AC3E}">
+        <p14:creationId xmlns:p14="http://schemas.microsoft.com/office/powerpoint/2010/main" val="4287027704"/>
+      </p:ext>
+    </p:extLst>
+  </p:cSld>
+  <p:clrMapOvr>
+    <a:masterClrMapping/>
+  </p:clrMapOvr>
+</p:sld>
+</file>
+
+<file path=ppt/slides/slide34.xml><?xml version="1.0" encoding="utf-8"?>
 <p:sld xmlns:a="http://schemas.openxmlformats.org/drawingml/2006/main" xmlns:r="http://schemas.openxmlformats.org/officeDocument/2006/relationships" xmlns:p="http://schemas.openxmlformats.org/presentationml/2006/main">
   <p:cSld>
     <p:spTree>
@@ -11277,7 +17328,6 @@
               <a:rPr lang="en-US" dirty="0"/>
               <a:t>References</a:t>
             </a:r>
-            <a:endParaRPr lang="en-US" dirty="0"/>
           </a:p>
         </p:txBody>
       </p:sp>
@@ -11294,7 +17344,7 @@
 </p:sld>
 </file>
 
-<file path=ppt/slides/slide24.xml><?xml version="1.0" encoding="utf-8"?>
+<file path=ppt/slides/slide35.xml><?xml version="1.0" encoding="utf-8"?>
 <p:sld xmlns:a="http://schemas.openxmlformats.org/drawingml/2006/main" xmlns:r="http://schemas.openxmlformats.org/officeDocument/2006/relationships" xmlns:p="http://schemas.openxmlformats.org/presentationml/2006/main">
   <p:cSld>
     <p:spTree>
@@ -11770,7 +17820,6 @@
               <a:rPr lang="en-US" dirty="0"/>
               <a:t>References</a:t>
             </a:r>
-            <a:endParaRPr lang="en-US" dirty="0"/>
           </a:p>
         </p:txBody>
       </p:sp>
@@ -11787,7 +17836,7 @@
 </p:sld>
 </file>
 
-<file path=ppt/slides/slide25.xml><?xml version="1.0" encoding="utf-8"?>
+<file path=ppt/slides/slide36.xml><?xml version="1.0" encoding="utf-8"?>
 <p:sld xmlns:a="http://schemas.openxmlformats.org/drawingml/2006/main" xmlns:r="http://schemas.openxmlformats.org/officeDocument/2006/relationships" xmlns:p="http://schemas.openxmlformats.org/presentationml/2006/main">
   <p:cSld>
     <p:spTree>
@@ -12411,7 +18460,6 @@
               <a:rPr lang="en-US" dirty="0"/>
               <a:t>References</a:t>
             </a:r>
-            <a:endParaRPr lang="en-US" dirty="0"/>
           </a:p>
         </p:txBody>
       </p:sp>
@@ -12428,7 +18476,7 @@
 </p:sld>
 </file>
 
-<file path=ppt/slides/slide26.xml><?xml version="1.0" encoding="utf-8"?>
+<file path=ppt/slides/slide37.xml><?xml version="1.0" encoding="utf-8"?>
 <p:sld xmlns:a="http://schemas.openxmlformats.org/drawingml/2006/main" xmlns:r="http://schemas.openxmlformats.org/officeDocument/2006/relationships" xmlns:p="http://schemas.openxmlformats.org/presentationml/2006/main">
   <p:cSld>
     <p:spTree>
@@ -12511,104 +18559,6 @@
     <p:extLst>
       <p:ext uri="{BB962C8B-B14F-4D97-AF65-F5344CB8AC3E}">
         <p14:creationId xmlns:p14="http://schemas.microsoft.com/office/powerpoint/2010/main" val="341007370"/>
-      </p:ext>
-    </p:extLst>
-  </p:cSld>
-  <p:clrMapOvr>
-    <a:masterClrMapping/>
-  </p:clrMapOvr>
-</p:sld>
-</file>
-
-<file path=ppt/slides/slide3.xml><?xml version="1.0" encoding="utf-8"?>
-<p:sld xmlns:a="http://schemas.openxmlformats.org/drawingml/2006/main" xmlns:r="http://schemas.openxmlformats.org/officeDocument/2006/relationships" xmlns:p="http://schemas.openxmlformats.org/presentationml/2006/main">
-  <p:cSld>
-    <p:spTree>
-      <p:nvGrpSpPr>
-        <p:cNvPr id="1" name=""/>
-        <p:cNvGrpSpPr/>
-        <p:nvPr/>
-      </p:nvGrpSpPr>
-      <p:grpSpPr>
-        <a:xfrm>
-          <a:off x="0" y="0"/>
-          <a:ext cx="0" cy="0"/>
-          <a:chOff x="0" y="0"/>
-          <a:chExt cx="0" cy="0"/>
-        </a:xfrm>
-      </p:grpSpPr>
-      <p:sp>
-        <p:nvSpPr>
-          <p:cNvPr id="3" name="Content Placeholder 2">
-            <a:extLst>
-              <a:ext uri="{FF2B5EF4-FFF2-40B4-BE49-F238E27FC236}">
-                <a16:creationId xmlns:a16="http://schemas.microsoft.com/office/drawing/2014/main" id="{6AB250FE-08C8-4530-B722-29C38A359D8B}"/>
-              </a:ext>
-            </a:extLst>
-          </p:cNvPr>
-          <p:cNvSpPr>
-            <a:spLocks noGrp="1"/>
-          </p:cNvSpPr>
-          <p:nvPr>
-            <p:ph sz="half" idx="2"/>
-          </p:nvPr>
-        </p:nvSpPr>
-        <p:spPr>
-          <a:xfrm>
-            <a:off x="1097280" y="1602378"/>
-            <a:ext cx="10058400" cy="4266718"/>
-          </a:xfrm>
-        </p:spPr>
-        <p:txBody>
-          <a:bodyPr/>
-          <a:lstStyle/>
-          <a:p>
-            <a:endParaRPr lang="en-US" dirty="0">
-              <a:solidFill>
-                <a:schemeClr val="tx1"/>
-              </a:solidFill>
-            </a:endParaRPr>
-          </a:p>
-        </p:txBody>
-      </p:sp>
-      <p:sp>
-        <p:nvSpPr>
-          <p:cNvPr id="2" name="Title 1">
-            <a:extLst>
-              <a:ext uri="{FF2B5EF4-FFF2-40B4-BE49-F238E27FC236}">
-                <a16:creationId xmlns:a16="http://schemas.microsoft.com/office/drawing/2014/main" id="{CDC62B56-74BF-47D4-B1CD-AF93A810B3B7}"/>
-              </a:ext>
-            </a:extLst>
-          </p:cNvPr>
-          <p:cNvSpPr>
-            <a:spLocks noGrp="1"/>
-          </p:cNvSpPr>
-          <p:nvPr>
-            <p:ph type="title"/>
-          </p:nvPr>
-        </p:nvSpPr>
-        <p:spPr>
-          <a:xfrm>
-            <a:off x="1097280" y="942871"/>
-            <a:ext cx="10058400" cy="587584"/>
-          </a:xfrm>
-        </p:spPr>
-        <p:txBody>
-          <a:bodyPr/>
-          <a:lstStyle/>
-          <a:p>
-            <a:r>
-              <a:rPr lang="en-US" dirty="0"/>
-              <a:t>Abstract</a:t>
-            </a:r>
-            <a:endParaRPr lang="en-US" dirty="0"/>
-          </a:p>
-        </p:txBody>
-      </p:sp>
-    </p:spTree>
-    <p:extLst>
-      <p:ext uri="{BB962C8B-B14F-4D97-AF65-F5344CB8AC3E}">
-        <p14:creationId xmlns:p14="http://schemas.microsoft.com/office/powerpoint/2010/main" val="2682059810"/>
       </p:ext>
     </p:extLst>
   </p:cSld>
@@ -12658,14 +18608,154 @@
           </a:xfrm>
         </p:spPr>
         <p:txBody>
-          <a:bodyPr/>
+          <a:bodyPr>
+            <a:normAutofit/>
+          </a:bodyPr>
           <a:lstStyle/>
           <a:p>
-            <a:endParaRPr lang="en-US" dirty="0">
-              <a:solidFill>
+            <a:pPr lvl="1">
+              <a:buClr>
                 <a:schemeClr val="tx1"/>
-              </a:solidFill>
-            </a:endParaRPr>
+              </a:buClr>
+              <a:buFont typeface="Arial" panose="020B0604020202020204" pitchFamily="34" charset="0"/>
+              <a:buChar char="•"/>
+            </a:pPr>
+            <a:r>
+              <a:rPr lang="en-US" sz="1800" dirty="0" err="1" smtClean="0"/>
+              <a:t>keypoint</a:t>
+            </a:r>
+            <a:r>
+              <a:rPr lang="en-US" sz="1800" dirty="0" smtClean="0"/>
+              <a:t> detection</a:t>
+            </a:r>
+            <a:endParaRPr lang="fa-IR" sz="1800" dirty="0" smtClean="0"/>
+          </a:p>
+          <a:p>
+            <a:pPr lvl="1">
+              <a:buClr>
+                <a:schemeClr val="tx1"/>
+              </a:buClr>
+              <a:buFont typeface="Arial" panose="020B0604020202020204" pitchFamily="34" charset="0"/>
+              <a:buChar char="•"/>
+            </a:pPr>
+            <a:r>
+              <a:rPr lang="en-US" sz="1800" dirty="0"/>
+              <a:t>handcrafted and learned CNN </a:t>
+            </a:r>
+            <a:r>
+              <a:rPr lang="en-US" sz="1800" dirty="0" smtClean="0"/>
+              <a:t>filters</a:t>
+            </a:r>
+            <a:endParaRPr lang="fa-IR" sz="1800" dirty="0" smtClean="0"/>
+          </a:p>
+          <a:p>
+            <a:pPr lvl="1">
+              <a:buClr>
+                <a:schemeClr val="tx1"/>
+              </a:buClr>
+              <a:buFont typeface="Arial" panose="020B0604020202020204" pitchFamily="34" charset="0"/>
+              <a:buChar char="•"/>
+            </a:pPr>
+            <a:r>
+              <a:rPr lang="en-US" sz="1800" dirty="0"/>
+              <a:t>multi-scale </a:t>
+            </a:r>
+            <a:r>
+              <a:rPr lang="en-US" sz="1800" dirty="0" smtClean="0"/>
+              <a:t>architecture</a:t>
+            </a:r>
+            <a:endParaRPr lang="fa-IR" sz="1800" dirty="0" smtClean="0"/>
+          </a:p>
+          <a:p>
+            <a:pPr lvl="1">
+              <a:buClr>
+                <a:schemeClr val="tx1"/>
+              </a:buClr>
+              <a:buFont typeface="Arial" panose="020B0604020202020204" pitchFamily="34" charset="0"/>
+              <a:buChar char="•"/>
+            </a:pPr>
+            <a:r>
+              <a:rPr lang="en-US" sz="1800" dirty="0"/>
+              <a:t>Handcrafted filters provide anchor structures for learned filters, which localize, score and rank repeatable features</a:t>
+            </a:r>
+            <a:r>
+              <a:rPr lang="en-US" sz="1800" dirty="0" smtClean="0"/>
+              <a:t>.</a:t>
+            </a:r>
+            <a:endParaRPr lang="fa-IR" sz="1800" dirty="0"/>
+          </a:p>
+          <a:p>
+            <a:pPr lvl="1">
+              <a:buClr>
+                <a:schemeClr val="tx1"/>
+              </a:buClr>
+              <a:buFont typeface="Arial" panose="020B0604020202020204" pitchFamily="34" charset="0"/>
+              <a:buChar char="•"/>
+            </a:pPr>
+            <a:r>
+              <a:rPr lang="en-US" sz="1800" dirty="0"/>
+              <a:t>loss </a:t>
+            </a:r>
+            <a:r>
+              <a:rPr lang="en-US" sz="1800" dirty="0" smtClean="0"/>
+              <a:t>function</a:t>
+            </a:r>
+            <a:endParaRPr lang="fa-IR" sz="1800" dirty="0" smtClean="0"/>
+          </a:p>
+          <a:p>
+            <a:pPr lvl="1">
+              <a:buClr>
+                <a:schemeClr val="tx1"/>
+              </a:buClr>
+              <a:buFont typeface="Arial" panose="020B0604020202020204" pitchFamily="34" charset="0"/>
+              <a:buChar char="•"/>
+            </a:pPr>
+            <a:r>
+              <a:rPr lang="en-US" sz="1800" dirty="0" smtClean="0"/>
+              <a:t>Data :</a:t>
+            </a:r>
+          </a:p>
+          <a:p>
+            <a:pPr lvl="2">
+              <a:buClr>
+                <a:schemeClr val="tx1"/>
+              </a:buClr>
+              <a:buFont typeface="Arial" panose="020B0604020202020204" pitchFamily="34" charset="0"/>
+              <a:buChar char="•"/>
+            </a:pPr>
+            <a:r>
+              <a:rPr lang="en-US" sz="1800" dirty="0" smtClean="0"/>
+              <a:t>ImageNet </a:t>
+            </a:r>
+            <a:r>
+              <a:rPr lang="en-US" sz="1800" dirty="0"/>
+              <a:t>and evaluated on </a:t>
+            </a:r>
+            <a:r>
+              <a:rPr lang="en-US" sz="1800" dirty="0" err="1"/>
+              <a:t>HPatches</a:t>
+            </a:r>
+            <a:r>
+              <a:rPr lang="en-US" sz="1800" dirty="0"/>
+              <a:t> </a:t>
+            </a:r>
+            <a:r>
+              <a:rPr lang="en-US" sz="1800" dirty="0" smtClean="0"/>
+              <a:t>benchmark.</a:t>
+            </a:r>
+          </a:p>
+          <a:p>
+            <a:pPr lvl="1">
+              <a:buClr>
+                <a:schemeClr val="tx1"/>
+              </a:buClr>
+              <a:buFont typeface="Arial" panose="020B0604020202020204" pitchFamily="34" charset="0"/>
+              <a:buChar char="•"/>
+            </a:pPr>
+            <a:r>
+              <a:rPr lang="en-US" sz="1800" dirty="0"/>
+              <a:t>outperforms state-of-the-art detectors in terms of repeatability, matching performance and complexity. </a:t>
+            </a:r>
           </a:p>
         </p:txBody>
       </p:sp>
@@ -12697,16 +18787,15 @@
           <a:p>
             <a:r>
               <a:rPr lang="en-US" dirty="0"/>
-              <a:t>Introduction</a:t>
-            </a:r>
-            <a:endParaRPr lang="en-US" dirty="0"/>
+              <a:t>Abstract</a:t>
+            </a:r>
           </a:p>
         </p:txBody>
       </p:sp>
     </p:spTree>
     <p:extLst>
       <p:ext uri="{BB962C8B-B14F-4D97-AF65-F5344CB8AC3E}">
-        <p14:creationId xmlns:p14="http://schemas.microsoft.com/office/powerpoint/2010/main" val="403096264"/>
+        <p14:creationId xmlns:p14="http://schemas.microsoft.com/office/powerpoint/2010/main" val="2682059810"/>
       </p:ext>
     </p:extLst>
   </p:cSld>
@@ -12756,10 +18845,91 @@
           </a:xfrm>
         </p:spPr>
         <p:txBody>
-          <a:bodyPr/>
+          <a:bodyPr>
+            <a:normAutofit/>
+          </a:bodyPr>
           <a:lstStyle/>
           <a:p>
-            <a:endParaRPr lang="en-US" dirty="0">
+            <a:pPr lvl="1"/>
+            <a:r>
+              <a:rPr lang="en-US" sz="1800" dirty="0"/>
+              <a:t>self-guided navigation or 3D </a:t>
+            </a:r>
+            <a:r>
+              <a:rPr lang="en-US" sz="1800" dirty="0" smtClean="0"/>
+              <a:t>reconstruction</a:t>
+            </a:r>
+          </a:p>
+          <a:p>
+            <a:pPr lvl="1"/>
+            <a:r>
+              <a:rPr lang="en-US" sz="1800" dirty="0"/>
+              <a:t>advantage of learning methods over handcrafted ones has not been clearly demonstrated in </a:t>
+            </a:r>
+            <a:r>
+              <a:rPr lang="en-US" sz="1800" dirty="0" err="1"/>
+              <a:t>keypoint</a:t>
+            </a:r>
+            <a:r>
+              <a:rPr lang="en-US" sz="1800" dirty="0"/>
+              <a:t> </a:t>
+            </a:r>
+            <a:r>
+              <a:rPr lang="en-US" sz="1800" dirty="0" smtClean="0"/>
+              <a:t>detection.</a:t>
+            </a:r>
+          </a:p>
+          <a:p>
+            <a:pPr lvl="1"/>
+            <a:r>
+              <a:rPr lang="en-US" sz="1800" dirty="0" smtClean="0"/>
+              <a:t>Convolutional </a:t>
+            </a:r>
+            <a:r>
+              <a:rPr lang="en-US" sz="1800" dirty="0"/>
+              <a:t>Neural Networks (</a:t>
+            </a:r>
+            <a:r>
+              <a:rPr lang="en-US" sz="1800" dirty="0" smtClean="0"/>
+              <a:t>CNNs)</a:t>
+            </a:r>
+            <a:endParaRPr lang="fa-IR" sz="1800" dirty="0" smtClean="0"/>
+          </a:p>
+          <a:p>
+            <a:pPr lvl="1"/>
+            <a:r>
+              <a:rPr lang="en-US" sz="1800" dirty="0" smtClean="0"/>
+              <a:t>local </a:t>
+            </a:r>
+            <a:r>
+              <a:rPr lang="en-US" sz="1800" dirty="0"/>
+              <a:t>feature detectors were based on engineered filters. For instance, approaches such as </a:t>
+            </a:r>
+            <a:r>
+              <a:rPr lang="en-US" sz="1800" dirty="0" smtClean="0"/>
+              <a:t>Difference</a:t>
+            </a:r>
+            <a:r>
+              <a:rPr lang="fa-IR" sz="1800" dirty="0" smtClean="0"/>
+              <a:t> </a:t>
+            </a:r>
+            <a:r>
+              <a:rPr lang="en-US" sz="1800" dirty="0" smtClean="0"/>
+              <a:t>of Gaussians, </a:t>
+            </a:r>
+            <a:r>
+              <a:rPr lang="en-US" sz="1800" dirty="0"/>
+              <a:t>Harris-Laplace or Hessian-Affine </a:t>
+            </a:r>
+            <a:r>
+              <a:rPr lang="en-US" sz="1800" dirty="0" smtClean="0"/>
+              <a:t>use </a:t>
+            </a:r>
+            <a:r>
+              <a:rPr lang="en-US" sz="1800" dirty="0"/>
+              <a:t>combinations of image derivatives to compute feature maps, which is remarkably similar to the operations in trained CNN’s layers. </a:t>
+            </a:r>
+            <a:endParaRPr lang="en-US" sz="1800" dirty="0">
               <a:solidFill>
                 <a:schemeClr val="tx1"/>
               </a:solidFill>
@@ -12795,16 +18965,15 @@
           <a:p>
             <a:r>
               <a:rPr lang="en-US" dirty="0"/>
-              <a:t>Related Work</a:t>
-            </a:r>
-            <a:endParaRPr lang="en-US" dirty="0"/>
+              <a:t>Introduction</a:t>
+            </a:r>
           </a:p>
         </p:txBody>
       </p:sp>
     </p:spTree>
     <p:extLst>
       <p:ext uri="{BB962C8B-B14F-4D97-AF65-F5344CB8AC3E}">
-        <p14:creationId xmlns:p14="http://schemas.microsoft.com/office/powerpoint/2010/main" val="3276548967"/>
+        <p14:creationId xmlns:p14="http://schemas.microsoft.com/office/powerpoint/2010/main" val="403096264"/>
       </p:ext>
     </p:extLst>
   </p:cSld>
@@ -12854,10 +19023,78 @@
           </a:xfrm>
         </p:spPr>
         <p:txBody>
-          <a:bodyPr/>
+          <a:bodyPr>
+            <a:normAutofit/>
+          </a:bodyPr>
           <a:lstStyle/>
           <a:p>
-            <a:endParaRPr lang="en-US" dirty="0">
+            <a:pPr lvl="1"/>
+            <a:r>
+              <a:rPr lang="en-US" sz="2000" dirty="0"/>
+              <a:t>In summary, our contributions are the following</a:t>
+            </a:r>
+            <a:r>
+              <a:rPr lang="en-US" sz="2000" dirty="0" smtClean="0"/>
+              <a:t>:</a:t>
+            </a:r>
+          </a:p>
+          <a:p>
+            <a:pPr lvl="2"/>
+            <a:r>
+              <a:rPr lang="en-US" sz="2000" dirty="0" smtClean="0"/>
+              <a:t>a</a:t>
+            </a:r>
+            <a:r>
+              <a:rPr lang="en-US" sz="2000" dirty="0"/>
+              <a:t>) a </a:t>
+            </a:r>
+            <a:r>
+              <a:rPr lang="en-US" sz="2000" dirty="0" err="1"/>
+              <a:t>keypoint</a:t>
+            </a:r>
+            <a:r>
+              <a:rPr lang="en-US" sz="2000" dirty="0"/>
+              <a:t> detector that combines handcrafted and learned CNN </a:t>
+            </a:r>
+            <a:r>
+              <a:rPr lang="en-US" sz="2000" dirty="0" smtClean="0"/>
+              <a:t>features</a:t>
+            </a:r>
+          </a:p>
+          <a:p>
+            <a:pPr lvl="2"/>
+            <a:r>
+              <a:rPr lang="en-US" sz="2000" dirty="0" smtClean="0"/>
+              <a:t>b</a:t>
+            </a:r>
+            <a:r>
+              <a:rPr lang="en-US" sz="2000" dirty="0"/>
+              <a:t>) a novel multi-scale loss and operator for detecting and ranking stable </a:t>
+            </a:r>
+            <a:r>
+              <a:rPr lang="en-US" sz="2000" dirty="0" err="1"/>
+              <a:t>keypoints</a:t>
+            </a:r>
+            <a:r>
+              <a:rPr lang="en-US" sz="2000" dirty="0"/>
+              <a:t> across scales</a:t>
+            </a:r>
+            <a:r>
+              <a:rPr lang="en-US" sz="2000" dirty="0" smtClean="0"/>
+              <a:t>,</a:t>
+            </a:r>
+          </a:p>
+          <a:p>
+            <a:pPr lvl="2"/>
+            <a:r>
+              <a:rPr lang="en-US" sz="2000" dirty="0" smtClean="0"/>
+              <a:t>c) </a:t>
+            </a:r>
+            <a:r>
+              <a:rPr lang="en-US" sz="2000" dirty="0"/>
+              <a:t>a multi-scale feature detection with shallow architecture. </a:t>
+            </a:r>
+            <a:endParaRPr lang="en-US" sz="2000" dirty="0">
               <a:solidFill>
                 <a:schemeClr val="tx1"/>
               </a:solidFill>
@@ -12893,16 +19130,15 @@
           <a:p>
             <a:r>
               <a:rPr lang="en-US" dirty="0"/>
-              <a:t>Handcrafted Detectors</a:t>
-            </a:r>
-            <a:endParaRPr lang="en-US" dirty="0"/>
+              <a:t>Introduction</a:t>
+            </a:r>
           </a:p>
         </p:txBody>
       </p:sp>
     </p:spTree>
     <p:extLst>
       <p:ext uri="{BB962C8B-B14F-4D97-AF65-F5344CB8AC3E}">
-        <p14:creationId xmlns:p14="http://schemas.microsoft.com/office/powerpoint/2010/main" val="2895162980"/>
+        <p14:creationId xmlns:p14="http://schemas.microsoft.com/office/powerpoint/2010/main" val="2973492517"/>
       </p:ext>
     </p:extLst>
   </p:cSld>
@@ -12929,40 +19165,35 @@
           <a:chExt cx="0" cy="0"/>
         </a:xfrm>
       </p:grpSpPr>
-      <p:sp>
-        <p:nvSpPr>
-          <p:cNvPr id="3" name="Content Placeholder 2">
-            <a:extLst>
-              <a:ext uri="{FF2B5EF4-FFF2-40B4-BE49-F238E27FC236}">
-                <a16:creationId xmlns:a16="http://schemas.microsoft.com/office/drawing/2014/main" id="{6AB250FE-08C8-4530-B722-29C38A359D8B}"/>
-              </a:ext>
-            </a:extLst>
-          </p:cNvPr>
-          <p:cNvSpPr>
-            <a:spLocks noGrp="1"/>
-          </p:cNvSpPr>
+      <p:pic>
+        <p:nvPicPr>
+          <p:cNvPr id="4" name="Content Placeholder 3"/>
+          <p:cNvPicPr>
+            <a:picLocks noGrp="1" noChangeAspect="1"/>
+          </p:cNvPicPr>
           <p:nvPr>
             <p:ph sz="half" idx="2"/>
           </p:nvPr>
-        </p:nvSpPr>
+        </p:nvPicPr>
+        <p:blipFill>
+          <a:blip r:embed="rId2">
+            <a:extLst>
+              <a:ext uri="{28A0092B-C50C-407E-A947-70E740481C1C}">
+                <a14:useLocalDpi xmlns:a14="http://schemas.microsoft.com/office/drawing/2010/main" val="0"/>
+              </a:ext>
+            </a:extLst>
+          </a:blip>
+          <a:stretch>
+            <a:fillRect/>
+          </a:stretch>
+        </p:blipFill>
         <p:spPr>
           <a:xfrm>
-            <a:off x="1097280" y="1602378"/>
-            <a:ext cx="10058400" cy="4266718"/>
+            <a:off x="3120694" y="1713758"/>
+            <a:ext cx="5532599" cy="3520745"/>
           </a:xfrm>
         </p:spPr>
-        <p:txBody>
-          <a:bodyPr/>
-          <a:lstStyle/>
-          <a:p>
-            <a:endParaRPr lang="en-US" dirty="0">
-              <a:solidFill>
-                <a:schemeClr val="tx1"/>
-              </a:solidFill>
-            </a:endParaRPr>
-          </a:p>
-        </p:txBody>
-      </p:sp>
+      </p:pic>
       <p:sp>
         <p:nvSpPr>
           <p:cNvPr id="2" name="Title 1">
@@ -12991,16 +19222,93 @@
           <a:p>
             <a:r>
               <a:rPr lang="en-US" dirty="0"/>
-              <a:t>Learned Detectors</a:t>
-            </a:r>
-            <a:endParaRPr lang="en-US" dirty="0"/>
+              <a:t>Introduction</a:t>
+            </a:r>
+          </a:p>
+        </p:txBody>
+      </p:sp>
+      <p:sp>
+        <p:nvSpPr>
+          <p:cNvPr id="5" name="Rectangle 4"/>
+          <p:cNvSpPr/>
+          <p:nvPr/>
+        </p:nvSpPr>
+        <p:spPr>
+          <a:xfrm>
+            <a:off x="979714" y="5417806"/>
+            <a:ext cx="10293531" cy="619272"/>
+          </a:xfrm>
+          <a:prstGeom prst="rect">
+            <a:avLst/>
+          </a:prstGeom>
+        </p:spPr>
+        <p:txBody>
+          <a:bodyPr wrap="square">
+            <a:spAutoFit/>
+          </a:bodyPr>
+          <a:lstStyle/>
+          <a:p>
+            <a:pPr algn="ctr" rtl="1">
+              <a:lnSpc>
+                <a:spcPct val="107000"/>
+              </a:lnSpc>
+              <a:spcAft>
+                <a:spcPts val="800"/>
+              </a:spcAft>
+            </a:pPr>
+            <a:r>
+              <a:rPr lang="fa-IR" sz="1600" i="1" dirty="0">
+                <a:latin typeface="Calibri" panose="020F0502020204030204" pitchFamily="34" charset="0"/>
+                <a:ea typeface="Calibri" panose="020F0502020204030204" pitchFamily="34" charset="0"/>
+                <a:cs typeface="B Nazanin" panose="00000400000000000000" pitchFamily="2" charset="-78"/>
+              </a:rPr>
+              <a:t>تصویر 1 : معماری پیشنهادی </a:t>
+            </a:r>
+            <a:r>
+              <a:rPr lang="en-US" sz="1600" i="1" dirty="0" err="1">
+                <a:latin typeface="Calibri" panose="020F0502020204030204" pitchFamily="34" charset="0"/>
+                <a:ea typeface="Calibri" panose="020F0502020204030204" pitchFamily="34" charset="0"/>
+                <a:cs typeface="B Nazanin" panose="00000400000000000000" pitchFamily="2" charset="-78"/>
+              </a:rPr>
+              <a:t>Key.Net</a:t>
+            </a:r>
+            <a:r>
+              <a:rPr lang="fa-IR" sz="1600" i="1" dirty="0">
+                <a:latin typeface="Calibri" panose="020F0502020204030204" pitchFamily="34" charset="0"/>
+                <a:ea typeface="Calibri" panose="020F0502020204030204" pitchFamily="34" charset="0"/>
+                <a:cs typeface="B Nazanin" panose="00000400000000000000" pitchFamily="2" charset="-78"/>
+              </a:rPr>
+              <a:t> ترکیبی از فیلترهای ساخته شده و آموخته شده برای استخراج ویژگی ها در مقیاس های مختلف است. نقشه های ویژگی نمونه برداری و منشور می شوند. فیلتر آخرین آموخته شده برای به دست آوردن </a:t>
+            </a:r>
+            <a:r>
+              <a:rPr lang="en-US" sz="1600" i="1" dirty="0">
+                <a:latin typeface="Calibri" panose="020F0502020204030204" pitchFamily="34" charset="0"/>
+                <a:ea typeface="Calibri" panose="020F0502020204030204" pitchFamily="34" charset="0"/>
+                <a:cs typeface="B Nazanin" panose="00000400000000000000" pitchFamily="2" charset="-78"/>
+              </a:rPr>
+              <a:t>final response map</a:t>
+            </a:r>
+            <a:r>
+              <a:rPr lang="fa-IR" sz="1600" i="1" dirty="0">
+                <a:latin typeface="Calibri" panose="020F0502020204030204" pitchFamily="34" charset="0"/>
+                <a:ea typeface="Calibri" panose="020F0502020204030204" pitchFamily="34" charset="0"/>
+                <a:cs typeface="B Nazanin" panose="00000400000000000000" pitchFamily="2" charset="-78"/>
+              </a:rPr>
+              <a:t> ، میزان فضای مقیاس را ترکیب می کند.</a:t>
+            </a:r>
+            <a:endParaRPr lang="en-US" sz="2400" dirty="0">
+              <a:effectLst/>
+              <a:latin typeface="Calibri" panose="020F0502020204030204" pitchFamily="34" charset="0"/>
+              <a:ea typeface="Calibri" panose="020F0502020204030204" pitchFamily="34" charset="0"/>
+              <a:cs typeface="Arial" panose="020B0604020202020204" pitchFamily="34" charset="0"/>
+            </a:endParaRPr>
           </a:p>
         </p:txBody>
       </p:sp>
     </p:spTree>
     <p:extLst>
       <p:ext uri="{BB962C8B-B14F-4D97-AF65-F5344CB8AC3E}">
-        <p14:creationId xmlns:p14="http://schemas.microsoft.com/office/powerpoint/2010/main" val="424912960"/>
+        <p14:creationId xmlns:p14="http://schemas.microsoft.com/office/powerpoint/2010/main" val="3161895524"/>
       </p:ext>
     </p:extLst>
   </p:cSld>
@@ -13050,10 +19358,35 @@
           </a:xfrm>
         </p:spPr>
         <p:txBody>
-          <a:bodyPr/>
+          <a:bodyPr>
+            <a:normAutofit/>
+          </a:bodyPr>
           <a:lstStyle/>
           <a:p>
-            <a:endParaRPr lang="en-US" dirty="0">
+            <a:r>
+              <a:rPr lang="en-US" sz="1800" dirty="0"/>
+              <a:t>We present related works in two main categories</a:t>
+            </a:r>
+            <a:r>
+              <a:rPr lang="en-US" sz="1800" dirty="0" smtClean="0"/>
+              <a:t>:</a:t>
+            </a:r>
+          </a:p>
+          <a:p>
+            <a:pPr lvl="1"/>
+            <a:r>
+              <a:rPr lang="en-US" sz="1800" dirty="0" smtClean="0"/>
+              <a:t>Handcrafted</a:t>
+            </a:r>
+            <a:endParaRPr lang="en-US" sz="1800" dirty="0"/>
+          </a:p>
+          <a:p>
+            <a:pPr lvl="1"/>
+            <a:r>
+              <a:rPr lang="en-US" sz="1800" dirty="0" smtClean="0"/>
+              <a:t>learned based</a:t>
+            </a:r>
+            <a:endParaRPr lang="en-US" sz="1800" dirty="0">
               <a:solidFill>
                 <a:schemeClr val="tx1"/>
               </a:solidFill>
@@ -13088,21 +19421,16 @@
           <a:lstStyle/>
           <a:p>
             <a:r>
-              <a:rPr lang="en-US" dirty="0" err="1"/>
-              <a:t>Key.Net</a:t>
-            </a:r>
-            <a:r>
-              <a:rPr lang="en-US" dirty="0"/>
-              <a:t> Architecture</a:t>
-            </a:r>
-            <a:endParaRPr lang="en-US" dirty="0"/>
+              <a:rPr lang="en-US" dirty="0"/>
+              <a:t>Related Work</a:t>
+            </a:r>
           </a:p>
         </p:txBody>
       </p:sp>
     </p:spTree>
     <p:extLst>
       <p:ext uri="{BB962C8B-B14F-4D97-AF65-F5344CB8AC3E}">
-        <p14:creationId xmlns:p14="http://schemas.microsoft.com/office/powerpoint/2010/main" val="2458426814"/>
+        <p14:creationId xmlns:p14="http://schemas.microsoft.com/office/powerpoint/2010/main" val="3276548967"/>
       </p:ext>
     </p:extLst>
   </p:cSld>
@@ -13152,10 +19480,144 @@
           </a:xfrm>
         </p:spPr>
         <p:txBody>
-          <a:bodyPr/>
+          <a:bodyPr>
+            <a:normAutofit/>
+          </a:bodyPr>
           <a:lstStyle/>
           <a:p>
-            <a:endParaRPr lang="en-US" dirty="0">
+            <a:r>
+              <a:rPr lang="en-US" sz="1800" dirty="0"/>
+              <a:t>Traditional feature detectors localize geometric structures through engineered algorithms, which are often referred to as handcrafted. </a:t>
+            </a:r>
+            <a:r>
+              <a:rPr lang="en-US" sz="1800" dirty="0" smtClean="0"/>
+              <a:t>Harris </a:t>
+            </a:r>
+            <a:r>
+              <a:rPr lang="en-US" sz="1800" dirty="0"/>
+              <a:t>and Hessian </a:t>
+            </a:r>
+            <a:r>
+              <a:rPr lang="en-US" sz="1800" dirty="0" smtClean="0"/>
+              <a:t>detectors </a:t>
+            </a:r>
+            <a:r>
+              <a:rPr lang="en-US" sz="1800" dirty="0"/>
+              <a:t>used first and second order image derivatives to </a:t>
+            </a:r>
+            <a:r>
+              <a:rPr lang="en-US" sz="1800" dirty="0" smtClean="0"/>
+              <a:t>find</a:t>
+            </a:r>
+            <a:r>
+              <a:rPr lang="fa-IR" sz="1800" dirty="0" smtClean="0"/>
+              <a:t> </a:t>
+            </a:r>
+            <a:r>
+              <a:rPr lang="en-US" sz="1800" dirty="0" smtClean="0"/>
+              <a:t>corners </a:t>
+            </a:r>
+            <a:r>
+              <a:rPr lang="en-US" sz="1800" dirty="0"/>
+              <a:t>or blobs in images</a:t>
+            </a:r>
+            <a:r>
+              <a:rPr lang="en-US" sz="1800" dirty="0" smtClean="0"/>
+              <a:t>.</a:t>
+            </a:r>
+          </a:p>
+          <a:p>
+            <a:r>
+              <a:rPr lang="en-US" sz="1800" dirty="0"/>
+              <a:t>Multi-scale improvements were proposed </a:t>
+            </a:r>
+            <a:r>
+              <a:rPr lang="en-US" sz="1800" dirty="0" smtClean="0"/>
+              <a:t>in KAZE and </a:t>
+            </a:r>
+            <a:r>
+              <a:rPr lang="en-US" sz="1800" dirty="0"/>
+              <a:t>its extension, </a:t>
+            </a:r>
+            <a:r>
+              <a:rPr lang="en-US" sz="1800" dirty="0" smtClean="0"/>
+              <a:t>A-KAZE, </a:t>
+            </a:r>
+            <a:r>
+              <a:rPr lang="en-US" sz="1800" dirty="0"/>
+              <a:t>where </a:t>
+            </a:r>
+            <a:r>
+              <a:rPr lang="en-US" sz="1800" dirty="0" smtClean="0"/>
+              <a:t>Hessian detector </a:t>
+            </a:r>
+            <a:r>
+              <a:rPr lang="en-US" sz="1800" dirty="0"/>
+              <a:t>was applied to a non-linear diffusion scale space </a:t>
+            </a:r>
+            <a:r>
+              <a:rPr lang="en-US" sz="1800" dirty="0" smtClean="0"/>
+              <a:t>in contrast </a:t>
+            </a:r>
+            <a:r>
+              <a:rPr lang="en-US" sz="1800" dirty="0"/>
+              <a:t>to widely used Gaussian pyramid</a:t>
+            </a:r>
+            <a:r>
+              <a:rPr lang="en-US" sz="1800" dirty="0" smtClean="0"/>
+              <a:t>.</a:t>
+            </a:r>
+          </a:p>
+          <a:p>
+            <a:r>
+              <a:rPr lang="en-US" sz="1800" dirty="0" smtClean="0"/>
+              <a:t>Although corner detectors </a:t>
+            </a:r>
+            <a:r>
+              <a:rPr lang="en-US" sz="1800" dirty="0"/>
+              <a:t>proved to be robust and efficient, other </a:t>
+            </a:r>
+            <a:r>
+              <a:rPr lang="en-US" sz="1800" dirty="0" smtClean="0"/>
+              <a:t>methods seek  </a:t>
+            </a:r>
+            <a:r>
+              <a:rPr lang="en-US" sz="1800" dirty="0" err="1" smtClean="0"/>
+              <a:t>lternative</a:t>
+            </a:r>
+            <a:r>
+              <a:rPr lang="en-US" sz="1800" dirty="0" smtClean="0"/>
+              <a:t> </a:t>
+            </a:r>
+            <a:r>
+              <a:rPr lang="en-US" sz="1800" dirty="0"/>
+              <a:t>structures within images. </a:t>
+            </a:r>
+            <a:r>
+              <a:rPr lang="en-US" sz="1800" dirty="0" smtClean="0"/>
+              <a:t>SIFT looked for </a:t>
+            </a:r>
+            <a:r>
+              <a:rPr lang="en-US" sz="1800" dirty="0"/>
+              <a:t>blobs over multiple scale levels, and </a:t>
+            </a:r>
+            <a:r>
+              <a:rPr lang="en-US" sz="1800" dirty="0" smtClean="0"/>
+              <a:t>MSER </a:t>
+            </a:r>
+            <a:r>
+              <a:rPr lang="en-US" sz="1800" dirty="0"/>
+              <a:t>segmented and selected stable regions as </a:t>
+            </a:r>
+            <a:r>
+              <a:rPr lang="en-US" sz="1800" dirty="0" err="1"/>
+              <a:t>keypoints</a:t>
+            </a:r>
+            <a:r>
+              <a:rPr lang="en-US" sz="1800" dirty="0"/>
+              <a:t>.</a:t>
+            </a:r>
+            <a:endParaRPr lang="en-US" sz="1800" dirty="0">
               <a:solidFill>
                 <a:schemeClr val="tx1"/>
               </a:solidFill>
@@ -13191,16 +19653,15 @@
           <a:p>
             <a:r>
               <a:rPr lang="en-US" dirty="0"/>
-              <a:t>Handcrafted and Learned Filters</a:t>
-            </a:r>
-            <a:endParaRPr lang="en-US" dirty="0"/>
+              <a:t>Handcrafted Detectors</a:t>
+            </a:r>
           </a:p>
         </p:txBody>
       </p:sp>
     </p:spTree>
     <p:extLst>
       <p:ext uri="{BB962C8B-B14F-4D97-AF65-F5344CB8AC3E}">
-        <p14:creationId xmlns:p14="http://schemas.microsoft.com/office/powerpoint/2010/main" val="144864381"/>
+        <p14:creationId xmlns:p14="http://schemas.microsoft.com/office/powerpoint/2010/main" val="2895162980"/>
       </p:ext>
     </p:extLst>
   </p:cSld>
@@ -13503,15 +19964,6 @@
 </file>
 
 <file path=customXml/item2.xml><?xml version="1.0" encoding="utf-8"?>
-<?mso-contentType ?>
-<FormTemplates xmlns="http://schemas.microsoft.com/sharepoint/v3/contenttype/forms">
-  <Display>DocumentLibraryForm</Display>
-  <Edit>DocumentLibraryForm</Edit>
-  <New>DocumentLibraryForm</New>
-</FormTemplates>
-</file>
-
-<file path=customXml/item3.xml><?xml version="1.0" encoding="utf-8"?>
 <ct:contentTypeSchema xmlns:ct="http://schemas.microsoft.com/office/2006/metadata/contentType" xmlns:ma="http://schemas.microsoft.com/office/2006/metadata/properties/metaAttributes" ct:_="" ma:_="" ma:contentTypeName="Document" ma:contentTypeID="0x01010079F111ED35F8CC479449609E8A0923A6" ma:contentTypeVersion="12" ma:contentTypeDescription="Create a new document." ma:contentTypeScope="" ma:versionID="fa6e671f1cd7e4d96ff9652be322dd5e">
   <xsd:schema xmlns:xsd="http://www.w3.org/2001/XMLSchema" xmlns:xs="http://www.w3.org/2001/XMLSchema" xmlns:p="http://schemas.microsoft.com/office/2006/metadata/properties" xmlns:ns2="71af3243-3dd4-4a8d-8c0d-dd76da1f02a5" xmlns:ns3="16c05727-aa75-4e4a-9b5f-8a80a1165891" targetNamespace="http://schemas.microsoft.com/office/2006/metadata/properties" ma:root="true" ma:fieldsID="4e2496f70b101db0b8013f30a071bbf7" ns2:_="" ns3:_="">
     <xsd:import namespace="71af3243-3dd4-4a8d-8c0d-dd76da1f02a5"/>
@@ -13732,25 +20184,33 @@
 </ct:contentTypeSchema>
 </file>
 
+<file path=customXml/item3.xml><?xml version="1.0" encoding="utf-8"?>
+<?mso-contentType ?>
+<FormTemplates xmlns="http://schemas.microsoft.com/sharepoint/v3/contenttype/forms">
+  <Display>DocumentLibraryForm</Display>
+  <Edit>DocumentLibraryForm</Edit>
+  <New>DocumentLibraryForm</New>
+</FormTemplates>
+</file>
+
 <file path=customXml/itemProps1.xml><?xml version="1.0" encoding="utf-8"?>
 <ds:datastoreItem xmlns:ds="http://schemas.openxmlformats.org/officeDocument/2006/customXml" ds:itemID="{44FAF7B5-E40C-46BE-9C83-DA251FCAE61E}">
   <ds:schemaRefs>
-    <ds:schemaRef ds:uri="http://schemas.microsoft.com/office/2006/metadata/properties"/>
+    <ds:schemaRef ds:uri="http://schemas.openxmlformats.org/package/2006/metadata/core-properties"/>
+    <ds:schemaRef ds:uri="http://schemas.microsoft.com/office/2006/documentManagement/types"/>
+    <ds:schemaRef ds:uri="http://purl.org/dc/elements/1.1/"/>
+    <ds:schemaRef ds:uri="http://purl.org/dc/terms/"/>
     <ds:schemaRef ds:uri="http://schemas.microsoft.com/office/infopath/2007/PartnerControls"/>
     <ds:schemaRef ds:uri="71af3243-3dd4-4a8d-8c0d-dd76da1f02a5"/>
+    <ds:schemaRef ds:uri="http://purl.org/dc/dcmitype/"/>
+    <ds:schemaRef ds:uri="16c05727-aa75-4e4a-9b5f-8a80a1165891"/>
+    <ds:schemaRef ds:uri="http://schemas.microsoft.com/office/2006/metadata/properties"/>
+    <ds:schemaRef ds:uri="http://www.w3.org/XML/1998/namespace"/>
   </ds:schemaRefs>
 </ds:datastoreItem>
 </file>
 
 <file path=customXml/itemProps2.xml><?xml version="1.0" encoding="utf-8"?>
-<ds:datastoreItem xmlns:ds="http://schemas.openxmlformats.org/officeDocument/2006/customXml" ds:itemID="{5029FA76-0C86-4BF1-99F1-A3115FBFFAB0}">
-  <ds:schemaRefs>
-    <ds:schemaRef ds:uri="http://schemas.microsoft.com/sharepoint/v3/contenttype/forms"/>
-  </ds:schemaRefs>
-</ds:datastoreItem>
-</file>
-
-<file path=customXml/itemProps3.xml><?xml version="1.0" encoding="utf-8"?>
 <ds:datastoreItem xmlns:ds="http://schemas.openxmlformats.org/officeDocument/2006/customXml" ds:itemID="{E0A43D08-F4F9-4D95-9CB2-7DE374416074}">
   <ds:schemaRefs>
     <ds:schemaRef ds:uri="http://schemas.microsoft.com/office/2006/metadata/contentType"/>
@@ -13767,4 +20227,12 @@
     <ds:schemaRef ds:uri="http://schemas.microsoft.com/internal/obd"/>
   </ds:schemaRefs>
 </ds:datastoreItem>
+</file>
+
+<file path=customXml/itemProps3.xml><?xml version="1.0" encoding="utf-8"?>
+<ds:datastoreItem xmlns:ds="http://schemas.openxmlformats.org/officeDocument/2006/customXml" ds:itemID="{5029FA76-0C86-4BF1-99F1-A3115FBFFAB0}">
+  <ds:schemaRefs>
+    <ds:schemaRef ds:uri="http://schemas.microsoft.com/sharepoint/v3/contenttype/forms"/>
+  </ds:schemaRefs>
+</ds:datastoreItem>
 </file>
--- a/slides.pptx
+++ b/slides.pptx
@@ -6,42 +6,43 @@
   </p:sldMasterIdLst>
   <p:sldIdLst>
     <p:sldId id="343" r:id="rId5"/>
-    <p:sldId id="257" r:id="rId6"/>
-    <p:sldId id="382" r:id="rId7"/>
-    <p:sldId id="259" r:id="rId8"/>
-    <p:sldId id="350" r:id="rId9"/>
-    <p:sldId id="381" r:id="rId10"/>
-    <p:sldId id="372" r:id="rId11"/>
-    <p:sldId id="351" r:id="rId12"/>
-    <p:sldId id="352" r:id="rId13"/>
-    <p:sldId id="353" r:id="rId14"/>
-    <p:sldId id="383" r:id="rId15"/>
-    <p:sldId id="354" r:id="rId16"/>
-    <p:sldId id="355" r:id="rId17"/>
-    <p:sldId id="373" r:id="rId18"/>
-    <p:sldId id="356" r:id="rId19"/>
-    <p:sldId id="357" r:id="rId20"/>
-    <p:sldId id="358" r:id="rId21"/>
-    <p:sldId id="384" r:id="rId22"/>
-    <p:sldId id="374" r:id="rId23"/>
-    <p:sldId id="359" r:id="rId24"/>
-    <p:sldId id="385" r:id="rId25"/>
-    <p:sldId id="360" r:id="rId26"/>
-    <p:sldId id="375" r:id="rId27"/>
-    <p:sldId id="376" r:id="rId28"/>
-    <p:sldId id="377" r:id="rId29"/>
+    <p:sldId id="387" r:id="rId6"/>
+    <p:sldId id="257" r:id="rId7"/>
+    <p:sldId id="382" r:id="rId8"/>
+    <p:sldId id="259" r:id="rId9"/>
+    <p:sldId id="350" r:id="rId10"/>
+    <p:sldId id="381" r:id="rId11"/>
+    <p:sldId id="372" r:id="rId12"/>
+    <p:sldId id="351" r:id="rId13"/>
+    <p:sldId id="352" r:id="rId14"/>
+    <p:sldId id="353" r:id="rId15"/>
+    <p:sldId id="383" r:id="rId16"/>
+    <p:sldId id="354" r:id="rId17"/>
+    <p:sldId id="355" r:id="rId18"/>
+    <p:sldId id="373" r:id="rId19"/>
+    <p:sldId id="356" r:id="rId20"/>
+    <p:sldId id="357" r:id="rId21"/>
+    <p:sldId id="358" r:id="rId22"/>
+    <p:sldId id="384" r:id="rId23"/>
+    <p:sldId id="374" r:id="rId24"/>
+    <p:sldId id="359" r:id="rId25"/>
+    <p:sldId id="385" r:id="rId26"/>
+    <p:sldId id="360" r:id="rId27"/>
+    <p:sldId id="375" r:id="rId28"/>
+    <p:sldId id="376" r:id="rId29"/>
     <p:sldId id="363" r:id="rId30"/>
-    <p:sldId id="364" r:id="rId31"/>
-    <p:sldId id="378" r:id="rId32"/>
-    <p:sldId id="379" r:id="rId33"/>
-    <p:sldId id="380" r:id="rId34"/>
-    <p:sldId id="367" r:id="rId35"/>
-    <p:sldId id="368" r:id="rId36"/>
-    <p:sldId id="386" r:id="rId37"/>
-    <p:sldId id="369" r:id="rId38"/>
-    <p:sldId id="370" r:id="rId39"/>
-    <p:sldId id="371" r:id="rId40"/>
-    <p:sldId id="349" r:id="rId41"/>
+    <p:sldId id="377" r:id="rId31"/>
+    <p:sldId id="364" r:id="rId32"/>
+    <p:sldId id="378" r:id="rId33"/>
+    <p:sldId id="379" r:id="rId34"/>
+    <p:sldId id="380" r:id="rId35"/>
+    <p:sldId id="367" r:id="rId36"/>
+    <p:sldId id="368" r:id="rId37"/>
+    <p:sldId id="386" r:id="rId38"/>
+    <p:sldId id="369" r:id="rId39"/>
+    <p:sldId id="370" r:id="rId40"/>
+    <p:sldId id="371" r:id="rId41"/>
+    <p:sldId id="349" r:id="rId42"/>
   </p:sldIdLst>
   <p:sldSz cx="12192000" cy="6858000"/>
   <p:notesSz cx="6858000" cy="9144000"/>
@@ -1461,7 +1462,7 @@
                 <a14:useLocalDpi xmlns:a14="http://schemas.microsoft.com/office/drawing/2010/main"/>
               </a:ext>
               <a:ext uri="{96DAC541-7B7A-43D3-8B79-37D633B846F1}">
-                <asvg:svgBlip xmlns="" xmlns:asvg="http://schemas.microsoft.com/office/drawing/2016/SVG/main" r:embed="rId5"/>
+                <asvg:svgBlip xmlns:asvg="http://schemas.microsoft.com/office/drawing/2016/SVG/main" xmlns="" r:embed="rId5"/>
               </a:ext>
             </a:extLst>
           </a:blip>
@@ -1534,7 +1535,7 @@
                 <a14:useLocalDpi xmlns:a14="http://schemas.microsoft.com/office/drawing/2010/main"/>
               </a:ext>
               <a:ext uri="{96DAC541-7B7A-43D3-8B79-37D633B846F1}">
-                <asvg:svgBlip xmlns="" xmlns:asvg="http://schemas.microsoft.com/office/drawing/2016/SVG/main" r:embed="rId7"/>
+                <asvg:svgBlip xmlns:asvg="http://schemas.microsoft.com/office/drawing/2016/SVG/main" xmlns="" r:embed="rId7"/>
               </a:ext>
             </a:extLst>
           </a:blip>
@@ -1607,7 +1608,7 @@
                 <a14:useLocalDpi xmlns:a14="http://schemas.microsoft.com/office/drawing/2010/main"/>
               </a:ext>
               <a:ext uri="{96DAC541-7B7A-43D3-8B79-37D633B846F1}">
-                <asvg:svgBlip xmlns="" xmlns:asvg="http://schemas.microsoft.com/office/drawing/2016/SVG/main" r:embed="rId9"/>
+                <asvg:svgBlip xmlns:asvg="http://schemas.microsoft.com/office/drawing/2016/SVG/main" xmlns="" r:embed="rId9"/>
               </a:ext>
             </a:extLst>
           </a:blip>
@@ -1753,7 +1754,7 @@
                 <a14:useLocalDpi xmlns:a14="http://schemas.microsoft.com/office/drawing/2010/main"/>
               </a:ext>
               <a:ext uri="{96DAC541-7B7A-43D3-8B79-37D633B846F1}">
-                <asvg:svgBlip xmlns="" xmlns:asvg="http://schemas.microsoft.com/office/drawing/2016/SVG/main" r:embed="rId5"/>
+                <asvg:svgBlip xmlns:asvg="http://schemas.microsoft.com/office/drawing/2016/SVG/main" xmlns="" r:embed="rId5"/>
               </a:ext>
             </a:extLst>
           </a:blip>
@@ -1958,7 +1959,7 @@
                 <a14:useLocalDpi xmlns:a14="http://schemas.microsoft.com/office/drawing/2010/main"/>
               </a:ext>
               <a:ext uri="{96DAC541-7B7A-43D3-8B79-37D633B846F1}">
-                <asvg:svgBlip xmlns="" xmlns:asvg="http://schemas.microsoft.com/office/drawing/2016/SVG/main" r:embed="rId7"/>
+                <asvg:svgBlip xmlns:asvg="http://schemas.microsoft.com/office/drawing/2016/SVG/main" xmlns="" r:embed="rId7"/>
               </a:ext>
             </a:extLst>
           </a:blip>
@@ -2178,7 +2179,7 @@
                 <a14:useLocalDpi xmlns:a14="http://schemas.microsoft.com/office/drawing/2010/main"/>
               </a:ext>
               <a:ext uri="{96DAC541-7B7A-43D3-8B79-37D633B846F1}">
-                <asvg:svgBlip xmlns="" xmlns:asvg="http://schemas.microsoft.com/office/drawing/2016/SVG/main" r:embed="rId9"/>
+                <asvg:svgBlip xmlns:asvg="http://schemas.microsoft.com/office/drawing/2016/SVG/main" xmlns="" r:embed="rId9"/>
               </a:ext>
             </a:extLst>
           </a:blip>
@@ -2543,7 +2544,7 @@
   </dgm:layoutNode>
   <dgm:extLst>
     <a:ext uri="{68A01E43-0DF5-4B5B-8FA6-DAF915123BFB}">
-      <dgm1612:lstStyle xmlns="" xmlns:dgm1612="http://schemas.microsoft.com/office/drawing/2016/12/diagram">
+      <dgm1612:lstStyle xmlns:dgm1612="http://schemas.microsoft.com/office/drawing/2016/12/diagram" xmlns="">
         <a:lvl1pPr>
           <a:lnSpc>
             <a:spcPct val="100000"/>
@@ -3857,7 +3858,7 @@
           <a:p>
             <a:fld id="{9184DA70-C731-4C70-880D-CCD4705E623C}" type="datetime1">
               <a:rPr lang="en-US" noProof="0" smtClean="0"/>
-              <a:t>1/20/2021</a:t>
+              <a:t>1/21/2021</a:t>
             </a:fld>
             <a:endParaRPr lang="en-US" noProof="0" dirty="0"/>
           </a:p>
@@ -3978,7 +3979,7 @@
           <a:p>
             <a:fld id="{39667345-2558-425A-8533-9BFDBCE15005}" type="datetime1">
               <a:rPr lang="en-US" noProof="0" smtClean="0"/>
-              <a:t>1/20/2021</a:t>
+              <a:t>1/21/2021</a:t>
             </a:fld>
             <a:endParaRPr lang="en-US" noProof="0" dirty="0"/>
           </a:p>
@@ -4367,7 +4368,7 @@
           <a:p>
             <a:fld id="{39667345-2558-425A-8533-9BFDBCE15005}" type="datetime1">
               <a:rPr lang="en-US" noProof="0" smtClean="0"/>
-              <a:t>1/20/2021</a:t>
+              <a:t>1/21/2021</a:t>
             </a:fld>
             <a:endParaRPr lang="en-US" noProof="0" dirty="0"/>
           </a:p>
@@ -5205,7 +5206,7 @@
           <a:p>
             <a:fld id="{4907D986-8816-4272-A432-0437A28A9828}" type="datetime1">
               <a:rPr lang="en-US" noProof="0" smtClean="0"/>
-              <a:t>1/20/2021</a:t>
+              <a:t>1/21/2021</a:t>
             </a:fld>
             <a:endParaRPr lang="en-US" noProof="0" dirty="0"/>
           </a:p>
@@ -5539,7 +5540,7 @@
           <a:p>
             <a:fld id="{9184DA70-C731-4C70-880D-CCD4705E623C}" type="datetime1">
               <a:rPr lang="en-US" noProof="0" smtClean="0"/>
-              <a:t>1/20/2021</a:t>
+              <a:t>1/21/2021</a:t>
             </a:fld>
             <a:endParaRPr lang="en-US" noProof="0" dirty="0"/>
           </a:p>
@@ -5848,7 +5849,7 @@
           <a:p>
             <a:fld id="{4BE1D723-8F53-4F53-90B0-1982A396982E}" type="datetime1">
               <a:rPr lang="en-US" noProof="0" smtClean="0"/>
-              <a:t>1/20/2021</a:t>
+              <a:t>1/21/2021</a:t>
             </a:fld>
             <a:endParaRPr lang="en-US" noProof="0" dirty="0"/>
           </a:p>
@@ -6443,7 +6444,7 @@
           <a:p>
             <a:fld id="{D9DF0F1C-5577-4ACB-BB62-DF8F3C494C7E}" type="datetime1">
               <a:rPr lang="en-US" noProof="0" smtClean="0"/>
-              <a:t>1/20/2021</a:t>
+              <a:t>1/21/2021</a:t>
             </a:fld>
             <a:endParaRPr lang="en-US" noProof="0" dirty="0"/>
           </a:p>
@@ -6706,7 +6707,7 @@
           <a:p>
             <a:fld id="{1775B394-D9F9-4F0C-B15D-605F45CB9E9F}" type="datetime1">
               <a:rPr lang="en-US" noProof="0" smtClean="0"/>
-              <a:t>1/20/2021</a:t>
+              <a:t>1/21/2021</a:t>
             </a:fld>
             <a:endParaRPr lang="en-US" noProof="0" dirty="0"/>
           </a:p>
@@ -6969,7 +6970,7 @@
           <a:p>
             <a:fld id="{1775B394-D9F9-4F0C-B15D-605F45CB9E9F}" type="datetime1">
               <a:rPr lang="en-US" noProof="0" smtClean="0"/>
-              <a:t>1/20/2021</a:t>
+              <a:t>1/21/2021</a:t>
             </a:fld>
             <a:endParaRPr lang="en-US" noProof="0" dirty="0"/>
           </a:p>
@@ -7486,7 +7487,7 @@
           <a:p>
             <a:fld id="{39667345-2558-425A-8533-9BFDBCE15005}" type="datetime1">
               <a:rPr lang="en-US" noProof="0" smtClean="0"/>
-              <a:t>1/20/2021</a:t>
+              <a:t>1/21/2021</a:t>
             </a:fld>
             <a:endParaRPr lang="en-US" noProof="0" dirty="0"/>
           </a:p>
@@ -7607,7 +7608,7 @@
           <a:p>
             <a:fld id="{39667345-2558-425A-8533-9BFDBCE15005}" type="datetime1">
               <a:rPr lang="en-US" noProof="0" smtClean="0"/>
-              <a:t>1/20/2021</a:t>
+              <a:t>1/21/2021</a:t>
             </a:fld>
             <a:endParaRPr lang="en-US" noProof="0" dirty="0"/>
           </a:p>
@@ -8040,7 +8041,7 @@
           <a:p>
             <a:fld id="{39667345-2558-425A-8533-9BFDBCE15005}" type="datetime1">
               <a:rPr lang="en-US" noProof="0" smtClean="0"/>
-              <a:t>1/20/2021</a:t>
+              <a:t>1/21/2021</a:t>
             </a:fld>
             <a:endParaRPr lang="en-US" noProof="0" dirty="0"/>
           </a:p>
@@ -8584,7 +8585,7 @@
           <a:p>
             <a:fld id="{62D6E202-B606-4609-B914-27C9371A1F6D}" type="datetime1">
               <a:rPr lang="en-US" noProof="0" smtClean="0"/>
-              <a:t>1/20/2021</a:t>
+              <a:t>1/21/2021</a:t>
             </a:fld>
             <a:endParaRPr lang="en-US" noProof="0" dirty="0"/>
           </a:p>
@@ -9261,11 +9262,27 @@
           <a:p>
             <a:r>
               <a:rPr lang="en-US" sz="1800" dirty="0"/>
-              <a:t>Latest advances in CNNs also made an impact on </a:t>
+              <a:t>Traditional feature detectors localize geometric structures through engineered algorithms, which are often referred to as handcrafted. </a:t>
             </a:r>
             <a:r>
               <a:rPr lang="en-US" sz="1800" dirty="0" smtClean="0"/>
-              <a:t>feature</a:t>
+              <a:t>Harris </a:t>
+            </a:r>
+            <a:r>
+              <a:rPr lang="en-US" sz="1800" dirty="0"/>
+              <a:t>and Hessian </a:t>
+            </a:r>
+            <a:r>
+              <a:rPr lang="en-US" sz="1800" dirty="0" smtClean="0"/>
+              <a:t>detectors </a:t>
+            </a:r>
+            <a:r>
+              <a:rPr lang="en-US" sz="1800" dirty="0"/>
+              <a:t>used first and second order image derivatives to </a:t>
+            </a:r>
+            <a:r>
+              <a:rPr lang="en-US" sz="1800" dirty="0" smtClean="0"/>
+              <a:t>find</a:t>
             </a:r>
             <a:r>
               <a:rPr lang="fa-IR" sz="1800" dirty="0" smtClean="0"/>
@@ -9273,83 +9290,75 @@
             </a:r>
             <a:r>
               <a:rPr lang="en-US" sz="1800" dirty="0" smtClean="0"/>
-              <a:t>detection</a:t>
+              <a:t>corners </a:t>
             </a:r>
             <a:r>
               <a:rPr lang="en-US" sz="1800" dirty="0"/>
-              <a:t>. TILDE </a:t>
+              <a:t>or blobs in images</a:t>
             </a:r>
             <a:r>
               <a:rPr lang="en-US" sz="1800" dirty="0" smtClean="0"/>
-              <a:t>trained </a:t>
-            </a:r>
+              <a:t>.</a:t>
+            </a:r>
+          </a:p>
+          <a:p>
             <a:r>
               <a:rPr lang="en-US" sz="1800" dirty="0"/>
-              <a:t>multiple piece-wise </a:t>
+              <a:t>Multi-scale improvements were proposed </a:t>
             </a:r>
             <a:r>
               <a:rPr lang="en-US" sz="1800" dirty="0" smtClean="0"/>
-              <a:t>linear</a:t>
-            </a:r>
-            <a:r>
-              <a:rPr lang="fa-IR" sz="1800" dirty="0" smtClean="0"/>
-              <a:t> </a:t>
+              <a:t>in KAZE and </a:t>
+            </a:r>
+            <a:r>
+              <a:rPr lang="en-US" sz="1800" dirty="0"/>
+              <a:t>its extension, </a:t>
             </a:r>
             <a:r>
               <a:rPr lang="en-US" sz="1800" dirty="0" smtClean="0"/>
-              <a:t>regression </a:t>
+              <a:t>A-KAZE, </a:t>
             </a:r>
             <a:r>
               <a:rPr lang="en-US" sz="1800" dirty="0"/>
-              <a:t>models to identify interest points that are </a:t>
+              <a:t>where </a:t>
             </a:r>
             <a:r>
               <a:rPr lang="en-US" sz="1800" dirty="0" smtClean="0"/>
-              <a:t>robust</a:t>
-            </a:r>
-            <a:r>
-              <a:rPr lang="fa-IR" sz="1800" dirty="0" smtClean="0"/>
-              <a:t> </a:t>
+              <a:t>Hessian detector </a:t>
+            </a:r>
+            <a:r>
+              <a:rPr lang="en-US" sz="1800" dirty="0"/>
+              <a:t>was applied to a non-linear diffusion scale space </a:t>
             </a:r>
             <a:r>
               <a:rPr lang="en-US" sz="1800" dirty="0" smtClean="0"/>
-              <a:t>under </a:t>
+              <a:t>in contrast </a:t>
             </a:r>
             <a:r>
               <a:rPr lang="en-US" sz="1800" dirty="0"/>
-              <a:t>severe weather and illumination changes. </a:t>
+              <a:t>to widely used Gaussian pyramid</a:t>
             </a:r>
             <a:r>
               <a:rPr lang="en-US" sz="1800" dirty="0" smtClean="0"/>
-              <a:t>introduced </a:t>
+              <a:t>.</a:t>
+            </a:r>
+          </a:p>
+          <a:p>
+            <a:r>
+              <a:rPr lang="en-US" sz="1800" dirty="0" smtClean="0"/>
+              <a:t>Although corner detectors </a:t>
             </a:r>
             <a:r>
               <a:rPr lang="en-US" sz="1800" dirty="0"/>
-              <a:t>a new formulation to train a CNN based on </a:t>
+              <a:t>proved to be robust and efficient, other </a:t>
             </a:r>
             <a:r>
               <a:rPr lang="en-US" sz="1800" dirty="0" smtClean="0"/>
-              <a:t>feature</a:t>
-            </a:r>
-            <a:r>
-              <a:rPr lang="fa-IR" sz="1800" dirty="0" smtClean="0"/>
-              <a:t> </a:t>
-            </a:r>
-            <a:r>
-              <a:rPr lang="en-US" sz="1800" dirty="0" smtClean="0"/>
-              <a:t>covariant </a:t>
-            </a:r>
-            <a:r>
-              <a:rPr lang="en-US" sz="1800" dirty="0"/>
-              <a:t>constraints. Previous detector was extended </a:t>
-            </a:r>
-            <a:r>
-              <a:rPr lang="en-US" sz="1800" dirty="0" smtClean="0"/>
-              <a:t>in</a:t>
-            </a:r>
-            <a:r>
-              <a:rPr lang="fa-IR" sz="1800" dirty="0" smtClean="0"/>
-              <a:t> </a:t>
+              <a:t>methods seek  </a:t>
+            </a:r>
+            <a:r>
+              <a:rPr lang="en-US" sz="1800" dirty="0" err="1" smtClean="0"/>
+              <a:t>lternative</a:t>
             </a:r>
             <a:r>
               <a:rPr lang="en-US" sz="1800" dirty="0" smtClean="0"/>
@@ -9357,32 +9366,31 @@
             </a:r>
             <a:r>
               <a:rPr lang="en-US" sz="1800" dirty="0"/>
-              <a:t>by adding predefined detector anchors, showing improved stability in training</a:t>
+              <a:t>structures within images. </a:t>
             </a:r>
             <a:r>
               <a:rPr lang="en-US" sz="1800" dirty="0" smtClean="0"/>
+              <a:t>SIFT looked for </a:t>
+            </a:r>
+            <a:r>
+              <a:rPr lang="en-US" sz="1800" dirty="0"/>
+              <a:t>blobs over multiple scale levels, and </a:t>
+            </a:r>
+            <a:r>
+              <a:rPr lang="en-US" sz="1800" dirty="0" smtClean="0"/>
+              <a:t>MSER </a:t>
+            </a:r>
+            <a:r>
+              <a:rPr lang="en-US" sz="1800" dirty="0"/>
+              <a:t>segmented and selected stable regions as </a:t>
+            </a:r>
+            <a:r>
+              <a:rPr lang="en-US" sz="1800" dirty="0" err="1"/>
+              <a:t>keypoints</a:t>
+            </a:r>
+            <a:r>
+              <a:rPr lang="en-US" sz="1800" dirty="0"/>
               <a:t>.</a:t>
-            </a:r>
-            <a:endParaRPr lang="fa-IR" sz="1800" dirty="0" smtClean="0"/>
-          </a:p>
-          <a:p>
-            <a:r>
-              <a:rPr lang="en-US" sz="1800" dirty="0"/>
-              <a:t>Latest advances in CNNs also made an impact on feature detection. TILDE trained multiple piece-wise linear regression models to identify interest points that are robust under severe weather and illumination changes</a:t>
-            </a:r>
-            <a:r>
-              <a:rPr lang="en-US" sz="1800" dirty="0" smtClean="0"/>
-              <a:t>.</a:t>
-            </a:r>
-          </a:p>
-          <a:p>
-            <a:r>
-              <a:rPr lang="en-US" sz="1800" dirty="0"/>
-              <a:t>introduced a new formulation to train a CNN based on feature covariant constraints. Previous detector was extended in by adding predefined detector anchors, showing improved stability in </a:t>
-            </a:r>
-            <a:r>
-              <a:rPr lang="en-US" sz="1800" dirty="0" smtClean="0"/>
-              <a:t>training.</a:t>
             </a:r>
             <a:endParaRPr lang="en-US" sz="1800" dirty="0">
               <a:solidFill>
@@ -9420,7 +9428,7 @@
           <a:p>
             <a:r>
               <a:rPr lang="en-US" dirty="0"/>
-              <a:t>Learned Detectors</a:t>
+              <a:t>Handcrafted Detectors</a:t>
             </a:r>
           </a:p>
         </p:txBody>
@@ -9428,7 +9436,7 @@
     </p:spTree>
     <p:extLst>
       <p:ext uri="{BB962C8B-B14F-4D97-AF65-F5344CB8AC3E}">
-        <p14:creationId xmlns:p14="http://schemas.microsoft.com/office/powerpoint/2010/main" val="424912960"/>
+        <p14:creationId xmlns:p14="http://schemas.microsoft.com/office/powerpoint/2010/main" val="2895162980"/>
       </p:ext>
     </p:extLst>
   </p:cSld>
@@ -9485,7 +9493,128 @@
           <a:p>
             <a:r>
               <a:rPr lang="en-US" sz="1800" dirty="0"/>
-              <a:t>Quadruple image patches and a ranking scheme of point responses as cost function were used in to train a neural network. In, authors proposed a pipeline to automatically sample positive and negative pairs of patches from a region proposal network to optimize jointly point detections and their representations. Recently, LF-Net estimated position, scale and orientation of features by optimizing jointly the detector and descriptor.</a:t>
+              <a:t>Latest advances in CNNs also made an impact on </a:t>
+            </a:r>
+            <a:r>
+              <a:rPr lang="en-US" sz="1800" dirty="0" smtClean="0"/>
+              <a:t>feature</a:t>
+            </a:r>
+            <a:r>
+              <a:rPr lang="fa-IR" sz="1800" dirty="0" smtClean="0"/>
+              <a:t> </a:t>
+            </a:r>
+            <a:r>
+              <a:rPr lang="en-US" sz="1800" dirty="0" smtClean="0"/>
+              <a:t>detection</a:t>
+            </a:r>
+            <a:r>
+              <a:rPr lang="en-US" sz="1800" dirty="0"/>
+              <a:t>. TILDE </a:t>
+            </a:r>
+            <a:r>
+              <a:rPr lang="en-US" sz="1800" dirty="0" smtClean="0"/>
+              <a:t>trained </a:t>
+            </a:r>
+            <a:r>
+              <a:rPr lang="en-US" sz="1800" dirty="0"/>
+              <a:t>multiple piece-wise </a:t>
+            </a:r>
+            <a:r>
+              <a:rPr lang="en-US" sz="1800" dirty="0" smtClean="0"/>
+              <a:t>linear</a:t>
+            </a:r>
+            <a:r>
+              <a:rPr lang="fa-IR" sz="1800" dirty="0" smtClean="0"/>
+              <a:t> </a:t>
+            </a:r>
+            <a:r>
+              <a:rPr lang="en-US" sz="1800" dirty="0" smtClean="0"/>
+              <a:t>regression </a:t>
+            </a:r>
+            <a:r>
+              <a:rPr lang="en-US" sz="1800" dirty="0"/>
+              <a:t>models to identify interest points that are </a:t>
+            </a:r>
+            <a:r>
+              <a:rPr lang="en-US" sz="1800" dirty="0" smtClean="0"/>
+              <a:t>robust</a:t>
+            </a:r>
+            <a:r>
+              <a:rPr lang="fa-IR" sz="1800" dirty="0" smtClean="0"/>
+              <a:t> </a:t>
+            </a:r>
+            <a:r>
+              <a:rPr lang="en-US" sz="1800" dirty="0" smtClean="0"/>
+              <a:t>under </a:t>
+            </a:r>
+            <a:r>
+              <a:rPr lang="en-US" sz="1800" dirty="0"/>
+              <a:t>severe weather and illumination changes. </a:t>
+            </a:r>
+            <a:r>
+              <a:rPr lang="en-US" sz="1800" dirty="0" smtClean="0"/>
+              <a:t>introduced </a:t>
+            </a:r>
+            <a:r>
+              <a:rPr lang="en-US" sz="1800" dirty="0"/>
+              <a:t>a new formulation to train a CNN based on </a:t>
+            </a:r>
+            <a:r>
+              <a:rPr lang="en-US" sz="1800" dirty="0" smtClean="0"/>
+              <a:t>feature</a:t>
+            </a:r>
+            <a:r>
+              <a:rPr lang="fa-IR" sz="1800" dirty="0" smtClean="0"/>
+              <a:t> </a:t>
+            </a:r>
+            <a:r>
+              <a:rPr lang="en-US" sz="1800" dirty="0" smtClean="0"/>
+              <a:t>covariant </a:t>
+            </a:r>
+            <a:r>
+              <a:rPr lang="en-US" sz="1800" dirty="0"/>
+              <a:t>constraints. Previous detector was extended </a:t>
+            </a:r>
+            <a:r>
+              <a:rPr lang="en-US" sz="1800" dirty="0" smtClean="0"/>
+              <a:t>in</a:t>
+            </a:r>
+            <a:r>
+              <a:rPr lang="fa-IR" sz="1800" dirty="0" smtClean="0"/>
+              <a:t> </a:t>
+            </a:r>
+            <a:r>
+              <a:rPr lang="en-US" sz="1800" dirty="0" smtClean="0"/>
+              <a:t> </a:t>
+            </a:r>
+            <a:r>
+              <a:rPr lang="en-US" sz="1800" dirty="0"/>
+              <a:t>by adding predefined detector anchors, showing improved stability in training</a:t>
+            </a:r>
+            <a:r>
+              <a:rPr lang="en-US" sz="1800" dirty="0" smtClean="0"/>
+              <a:t>.</a:t>
+            </a:r>
+            <a:endParaRPr lang="fa-IR" sz="1800" dirty="0" smtClean="0"/>
+          </a:p>
+          <a:p>
+            <a:r>
+              <a:rPr lang="en-US" sz="1800" dirty="0"/>
+              <a:t>Latest advances in CNNs also made an impact on feature detection. TILDE trained multiple piece-wise linear regression models to identify interest points that are robust under severe weather and illumination changes</a:t>
+            </a:r>
+            <a:r>
+              <a:rPr lang="en-US" sz="1800" dirty="0" smtClean="0"/>
+              <a:t>.</a:t>
+            </a:r>
+          </a:p>
+          <a:p>
+            <a:r>
+              <a:rPr lang="en-US" sz="1800" dirty="0"/>
+              <a:t>introduced a new formulation to train a CNN based on feature covariant constraints. Previous detector was extended in by adding predefined detector anchors, showing improved stability in </a:t>
+            </a:r>
+            <a:r>
+              <a:rPr lang="en-US" sz="1800" dirty="0" smtClean="0"/>
+              <a:t>training.</a:t>
             </a:r>
             <a:endParaRPr lang="en-US" sz="1800" dirty="0">
               <a:solidFill>
@@ -9531,7 +9660,7 @@
     </p:spTree>
     <p:extLst>
       <p:ext uri="{BB962C8B-B14F-4D97-AF65-F5344CB8AC3E}">
-        <p14:creationId xmlns:p14="http://schemas.microsoft.com/office/powerpoint/2010/main" val="3997169714"/>
+        <p14:creationId xmlns:p14="http://schemas.microsoft.com/office/powerpoint/2010/main" val="424912960"/>
       </p:ext>
     </p:extLst>
   </p:cSld>
@@ -9581,6 +9710,109 @@
           </a:xfrm>
         </p:spPr>
         <p:txBody>
+          <a:bodyPr>
+            <a:normAutofit/>
+          </a:bodyPr>
+          <a:lstStyle/>
+          <a:p>
+            <a:r>
+              <a:rPr lang="en-US" sz="1800" dirty="0"/>
+              <a:t>Quadruple image patches and a ranking scheme of point responses as cost function were used in to train a neural network. In, authors proposed a pipeline to automatically sample positive and negative pairs of patches from a region proposal network to optimize jointly point detections and their representations. Recently, LF-Net estimated position, scale and orientation of features by optimizing jointly the detector and descriptor.</a:t>
+            </a:r>
+            <a:endParaRPr lang="en-US" sz="1800" dirty="0">
+              <a:solidFill>
+                <a:schemeClr val="tx1"/>
+              </a:solidFill>
+            </a:endParaRPr>
+          </a:p>
+        </p:txBody>
+      </p:sp>
+      <p:sp>
+        <p:nvSpPr>
+          <p:cNvPr id="2" name="Title 1">
+            <a:extLst>
+              <a:ext uri="{FF2B5EF4-FFF2-40B4-BE49-F238E27FC236}">
+                <a16:creationId xmlns:a16="http://schemas.microsoft.com/office/drawing/2014/main" id="{CDC62B56-74BF-47D4-B1CD-AF93A810B3B7}"/>
+              </a:ext>
+            </a:extLst>
+          </p:cNvPr>
+          <p:cNvSpPr>
+            <a:spLocks noGrp="1"/>
+          </p:cNvSpPr>
+          <p:nvPr>
+            <p:ph type="title"/>
+          </p:nvPr>
+        </p:nvSpPr>
+        <p:spPr>
+          <a:xfrm>
+            <a:off x="1097280" y="942871"/>
+            <a:ext cx="10058400" cy="587584"/>
+          </a:xfrm>
+        </p:spPr>
+        <p:txBody>
+          <a:bodyPr/>
+          <a:lstStyle/>
+          <a:p>
+            <a:r>
+              <a:rPr lang="en-US" dirty="0"/>
+              <a:t>Learned Detectors</a:t>
+            </a:r>
+          </a:p>
+        </p:txBody>
+      </p:sp>
+    </p:spTree>
+    <p:extLst>
+      <p:ext uri="{BB962C8B-B14F-4D97-AF65-F5344CB8AC3E}">
+        <p14:creationId xmlns:p14="http://schemas.microsoft.com/office/powerpoint/2010/main" val="3997169714"/>
+      </p:ext>
+    </p:extLst>
+  </p:cSld>
+  <p:clrMapOvr>
+    <a:masterClrMapping/>
+  </p:clrMapOvr>
+</p:sld>
+</file>
+
+<file path=ppt/slides/slide13.xml><?xml version="1.0" encoding="utf-8"?>
+<p:sld xmlns:a="http://schemas.openxmlformats.org/drawingml/2006/main" xmlns:r="http://schemas.openxmlformats.org/officeDocument/2006/relationships" xmlns:p="http://schemas.openxmlformats.org/presentationml/2006/main">
+  <p:cSld>
+    <p:spTree>
+      <p:nvGrpSpPr>
+        <p:cNvPr id="1" name=""/>
+        <p:cNvGrpSpPr/>
+        <p:nvPr/>
+      </p:nvGrpSpPr>
+      <p:grpSpPr>
+        <a:xfrm>
+          <a:off x="0" y="0"/>
+          <a:ext cx="0" cy="0"/>
+          <a:chOff x="0" y="0"/>
+          <a:chExt cx="0" cy="0"/>
+        </a:xfrm>
+      </p:grpSpPr>
+      <p:sp>
+        <p:nvSpPr>
+          <p:cNvPr id="3" name="Content Placeholder 2">
+            <a:extLst>
+              <a:ext uri="{FF2B5EF4-FFF2-40B4-BE49-F238E27FC236}">
+                <a16:creationId xmlns:a16="http://schemas.microsoft.com/office/drawing/2014/main" id="{6AB250FE-08C8-4530-B722-29C38A359D8B}"/>
+              </a:ext>
+            </a:extLst>
+          </p:cNvPr>
+          <p:cNvSpPr>
+            <a:spLocks noGrp="1"/>
+          </p:cNvSpPr>
+          <p:nvPr>
+            <p:ph sz="half" idx="2"/>
+          </p:nvPr>
+        </p:nvSpPr>
+        <p:spPr>
+          <a:xfrm>
+            <a:off x="1097280" y="1602378"/>
+            <a:ext cx="10058400" cy="4266718"/>
+          </a:xfrm>
+        </p:spPr>
+        <p:txBody>
           <a:bodyPr/>
           <a:lstStyle/>
           <a:p>
@@ -9648,7 +9880,7 @@
 </p:sld>
 </file>
 
-<file path=ppt/slides/slide13.xml><?xml version="1.0" encoding="utf-8"?>
+<file path=ppt/slides/slide14.xml><?xml version="1.0" encoding="utf-8"?>
 <p:sld xmlns:a="http://schemas.openxmlformats.org/drawingml/2006/main" xmlns:r="http://schemas.openxmlformats.org/officeDocument/2006/relationships" xmlns:p="http://schemas.openxmlformats.org/presentationml/2006/main">
   <p:cSld>
     <p:spTree>
@@ -9698,8 +9930,8 @@
           </a:p>
         </p:txBody>
       </p:sp>
-      <mc:AlternateContent xmlns:mc="http://schemas.openxmlformats.org/markup-compatibility/2006">
-        <mc:Choice xmlns:a14="http://schemas.microsoft.com/office/drawing/2010/main" Requires="a14">
+      <mc:AlternateContent xmlns:mc="http://schemas.openxmlformats.org/markup-compatibility/2006" xmlns:a14="http://schemas.microsoft.com/office/drawing/2010/main">
+        <mc:Choice Requires="a14">
           <p:sp>
             <p:nvSpPr>
               <p:cNvPr id="4" name="Rectangle 3"/>
@@ -9721,6 +9953,7 @@
               </a:bodyPr>
               <a:lstStyle/>
               <a:p>
+                <a:pPr/>
                 <a14:m>
                   <m:oMathPara xmlns:m="http://schemas.openxmlformats.org/officeDocument/2006/math">
                     <m:oMathParaPr>
@@ -9731,7 +9964,7 @@
                         <m:dPr>
                           <m:begChr m:val=""/>
                           <m:ctrlPr>
-                            <a:rPr lang="en-US">
+                            <a:rPr lang="en-US" i="1">
                               <a:latin typeface="Cambria Math" panose="02040503050406030204" pitchFamily="18" charset="0"/>
                             </a:rPr>
                           </m:ctrlPr>
@@ -9740,7 +9973,7 @@
                           <m:sSub>
                             <m:sSubPr>
                               <m:ctrlPr>
-                                <a:rPr lang="en-US">
+                                <a:rPr lang="en-US" i="1">
                                   <a:latin typeface="Cambria Math" panose="02040503050406030204" pitchFamily="18" charset="0"/>
                                 </a:rPr>
                               </m:ctrlPr>
@@ -9871,7 +10104,7 @@
                                     <a:rPr lang="en-US" i="0">
                                       <a:latin typeface="Cambria Math" panose="02040503050406030204" pitchFamily="18" charset="0"/>
                                     </a:rPr>
-                                    <m:t>∂</m:t>
+                                    <m:t>𝜕</m:t>
                                   </m:r>
                                 </m:e>
                                 <m:sub>
@@ -9971,7 +10204,7 @@
             </p:txBody>
           </p:sp>
         </mc:Choice>
-        <mc:Fallback>
+        <mc:Fallback xmlns="">
           <p:sp>
             <p:nvSpPr>
               <p:cNvPr id="4" name="Rectangle 3"/>
@@ -10010,8 +10243,8 @@
           </p:sp>
         </mc:Fallback>
       </mc:AlternateContent>
-      <mc:AlternateContent xmlns:mc="http://schemas.openxmlformats.org/markup-compatibility/2006">
-        <mc:Choice xmlns:a14="http://schemas.microsoft.com/office/drawing/2010/main" Requires="a14">
+      <mc:AlternateContent xmlns:mc="http://schemas.openxmlformats.org/markup-compatibility/2006" xmlns:a14="http://schemas.microsoft.com/office/drawing/2010/main">
+        <mc:Choice Requires="a14">
           <p:sp>
             <p:nvSpPr>
               <p:cNvPr id="5" name="Rectangle 4"/>
@@ -10842,7 +11075,7 @@
             </p:txBody>
           </p:sp>
         </mc:Choice>
-        <mc:Fallback>
+        <mc:Fallback xmlns="">
           <p:sp>
             <p:nvSpPr>
               <p:cNvPr id="5" name="Rectangle 4"/>
@@ -10894,7 +11127,7 @@
 </p:sld>
 </file>
 
-<file path=ppt/slides/slide14.xml><?xml version="1.0" encoding="utf-8"?>
+<file path=ppt/slides/slide15.xml><?xml version="1.0" encoding="utf-8"?>
 <p:sld xmlns:a="http://schemas.openxmlformats.org/drawingml/2006/main" xmlns:r="http://schemas.openxmlformats.org/officeDocument/2006/relationships" xmlns:p="http://schemas.openxmlformats.org/presentationml/2006/main">
   <p:cSld>
     <p:spTree>
@@ -11211,147 +11444,6 @@
     <p:extLst>
       <p:ext uri="{BB962C8B-B14F-4D97-AF65-F5344CB8AC3E}">
         <p14:creationId xmlns:p14="http://schemas.microsoft.com/office/powerpoint/2010/main" val="2435365822"/>
-      </p:ext>
-    </p:extLst>
-  </p:cSld>
-  <p:clrMapOvr>
-    <a:masterClrMapping/>
-  </p:clrMapOvr>
-</p:sld>
-</file>
-
-<file path=ppt/slides/slide15.xml><?xml version="1.0" encoding="utf-8"?>
-<p:sld xmlns:a="http://schemas.openxmlformats.org/drawingml/2006/main" xmlns:r="http://schemas.openxmlformats.org/officeDocument/2006/relationships" xmlns:p="http://schemas.openxmlformats.org/presentationml/2006/main">
-  <p:cSld>
-    <p:spTree>
-      <p:nvGrpSpPr>
-        <p:cNvPr id="1" name=""/>
-        <p:cNvGrpSpPr/>
-        <p:nvPr/>
-      </p:nvGrpSpPr>
-      <p:grpSpPr>
-        <a:xfrm>
-          <a:off x="0" y="0"/>
-          <a:ext cx="0" cy="0"/>
-          <a:chOff x="0" y="0"/>
-          <a:chExt cx="0" cy="0"/>
-        </a:xfrm>
-      </p:grpSpPr>
-      <p:sp>
-        <p:nvSpPr>
-          <p:cNvPr id="3" name="Content Placeholder 2">
-            <a:extLst>
-              <a:ext uri="{FF2B5EF4-FFF2-40B4-BE49-F238E27FC236}">
-                <a16:creationId xmlns:a16="http://schemas.microsoft.com/office/drawing/2014/main" id="{6AB250FE-08C8-4530-B722-29C38A359D8B}"/>
-              </a:ext>
-            </a:extLst>
-          </p:cNvPr>
-          <p:cNvSpPr>
-            <a:spLocks noGrp="1"/>
-          </p:cNvSpPr>
-          <p:nvPr>
-            <p:ph sz="half" idx="2"/>
-          </p:nvPr>
-        </p:nvSpPr>
-        <p:spPr>
-          <a:xfrm>
-            <a:off x="1097280" y="1602378"/>
-            <a:ext cx="10058400" cy="4266718"/>
-          </a:xfrm>
-        </p:spPr>
-        <p:txBody>
-          <a:bodyPr>
-            <a:normAutofit/>
-          </a:bodyPr>
-          <a:lstStyle/>
-          <a:p>
-            <a:r>
-              <a:rPr lang="en-US" sz="1800" dirty="0"/>
-              <a:t>e robust to small scale changes without the need for computing several forward passes</a:t>
-            </a:r>
-            <a:r>
-              <a:rPr lang="en-US" sz="1800" dirty="0" smtClean="0"/>
-              <a:t>.</a:t>
-            </a:r>
-            <a:endParaRPr lang="fa-IR" sz="1800" dirty="0" smtClean="0"/>
-          </a:p>
-          <a:p>
-            <a:r>
-              <a:rPr lang="en-US" sz="1800" dirty="0"/>
-              <a:t>All the feature maps resulting from the handcrafted filters are concatenated to feed the stack of learned filters in each of the scale levels</a:t>
-            </a:r>
-            <a:r>
-              <a:rPr lang="en-US" sz="1800" dirty="0" smtClean="0"/>
-              <a:t>.</a:t>
-            </a:r>
-            <a:endParaRPr lang="fa-IR" sz="1800" dirty="0" smtClean="0"/>
-          </a:p>
-          <a:p>
-            <a:r>
-              <a:rPr lang="en-US" sz="1800" dirty="0"/>
-              <a:t>All three streams share the weights, such that the same type of anchors result from different levels and form the set of candidates for final </a:t>
-            </a:r>
-            <a:r>
-              <a:rPr lang="en-US" sz="1800" dirty="0" err="1"/>
-              <a:t>keypoints</a:t>
-            </a:r>
-            <a:r>
-              <a:rPr lang="en-US" sz="1800" dirty="0"/>
-              <a:t>. Feature maps from all scale levels are then </a:t>
-            </a:r>
-            <a:r>
-              <a:rPr lang="en-US" sz="1800" dirty="0" err="1"/>
-              <a:t>upsampled</a:t>
-            </a:r>
-            <a:r>
-              <a:rPr lang="en-US" sz="1800" dirty="0"/>
-              <a:t>, concatenated and fed to the last convolutional filter to obtain the final response map.</a:t>
-            </a:r>
-            <a:endParaRPr lang="en-US" sz="1800" dirty="0">
-              <a:solidFill>
-                <a:schemeClr val="tx1"/>
-              </a:solidFill>
-            </a:endParaRPr>
-          </a:p>
-        </p:txBody>
-      </p:sp>
-      <p:sp>
-        <p:nvSpPr>
-          <p:cNvPr id="2" name="Title 1">
-            <a:extLst>
-              <a:ext uri="{FF2B5EF4-FFF2-40B4-BE49-F238E27FC236}">
-                <a16:creationId xmlns:a16="http://schemas.microsoft.com/office/drawing/2014/main" id="{CDC62B56-74BF-47D4-B1CD-AF93A810B3B7}"/>
-              </a:ext>
-            </a:extLst>
-          </p:cNvPr>
-          <p:cNvSpPr>
-            <a:spLocks noGrp="1"/>
-          </p:cNvSpPr>
-          <p:nvPr>
-            <p:ph type="title"/>
-          </p:nvPr>
-        </p:nvSpPr>
-        <p:spPr>
-          <a:xfrm>
-            <a:off x="1097280" y="942871"/>
-            <a:ext cx="10058400" cy="587584"/>
-          </a:xfrm>
-        </p:spPr>
-        <p:txBody>
-          <a:bodyPr/>
-          <a:lstStyle/>
-          <a:p>
-            <a:r>
-              <a:rPr lang="en-US" dirty="0"/>
-              <a:t>Multi-scale Pyramid</a:t>
-            </a:r>
-          </a:p>
-        </p:txBody>
-      </p:sp>
-    </p:spTree>
-    <p:extLst>
-      <p:ext uri="{BB962C8B-B14F-4D97-AF65-F5344CB8AC3E}">
-        <p14:creationId xmlns:p14="http://schemas.microsoft.com/office/powerpoint/2010/main" val="4037790876"/>
       </p:ext>
     </p:extLst>
   </p:cSld>
@@ -11408,23 +11500,7 @@
           <a:p>
             <a:r>
               <a:rPr lang="en-US" sz="1800" dirty="0"/>
-              <a:t>In supervised training, the loss function relies on </a:t>
-            </a:r>
-            <a:r>
-              <a:rPr lang="en-US" sz="1800" dirty="0" smtClean="0"/>
-              <a:t>the</a:t>
-            </a:r>
-            <a:r>
-              <a:rPr lang="fa-IR" sz="1800" dirty="0" smtClean="0"/>
-              <a:t> </a:t>
-            </a:r>
-            <a:r>
-              <a:rPr lang="en-US" sz="1800" dirty="0" smtClean="0"/>
-              <a:t>ground </a:t>
-            </a:r>
-            <a:r>
-              <a:rPr lang="en-US" sz="1800" dirty="0"/>
-              <a:t>truth</a:t>
+              <a:t>e robust to small scale changes without the need for computing several forward passes</a:t>
             </a:r>
             <a:r>
               <a:rPr lang="en-US" sz="1800" dirty="0" smtClean="0"/>
@@ -11435,7 +11511,18 @@
           <a:p>
             <a:r>
               <a:rPr lang="en-US" sz="1800" dirty="0"/>
-              <a:t>In the case of </a:t>
+              <a:t>All the feature maps resulting from the handcrafted filters are concatenated to feed the stack of learned filters in each of the scale levels</a:t>
+            </a:r>
+            <a:r>
+              <a:rPr lang="en-US" sz="1800" dirty="0" smtClean="0"/>
+              <a:t>.</a:t>
+            </a:r>
+            <a:endParaRPr lang="fa-IR" sz="1800" dirty="0" smtClean="0"/>
+          </a:p>
+          <a:p>
+            <a:r>
+              <a:rPr lang="en-US" sz="1800" dirty="0"/>
+              <a:t>All three streams share the weights, such that the same type of anchors result from different levels and form the set of candidates for final </a:t>
             </a:r>
             <a:r>
               <a:rPr lang="en-US" sz="1800" dirty="0" err="1"/>
@@ -11443,73 +11530,15 @@
             </a:r>
             <a:r>
               <a:rPr lang="en-US" sz="1800" dirty="0"/>
-              <a:t>, ground truth is not well defined as </a:t>
+              <a:t>. Feature maps from all scale levels are then </a:t>
             </a:r>
             <a:r>
               <a:rPr lang="en-US" sz="1800" dirty="0" err="1"/>
-              <a:t>keypoint</a:t>
+              <a:t>upsampled</a:t>
             </a:r>
             <a:r>
               <a:rPr lang="en-US" sz="1800" dirty="0"/>
-              <a:t> locations are useful as long as they can be accurately detected </a:t>
-            </a:r>
-            <a:r>
-              <a:rPr lang="en-US" sz="1800" dirty="0" smtClean="0"/>
-              <a:t>regardless </a:t>
-            </a:r>
-            <a:r>
-              <a:rPr lang="en-US" sz="1800" dirty="0"/>
-              <a:t>of geometric or photometric image transformation</a:t>
-            </a:r>
-            <a:r>
-              <a:rPr lang="en-US" sz="1800" dirty="0" smtClean="0"/>
-              <a:t>.</a:t>
-            </a:r>
-            <a:endParaRPr lang="fa-IR" sz="1800" dirty="0" smtClean="0"/>
-          </a:p>
-          <a:p>
-            <a:r>
-              <a:rPr lang="en-US" sz="1800" dirty="0" err="1"/>
-              <a:t>chors</a:t>
-            </a:r>
-            <a:r>
-              <a:rPr lang="en-US" sz="1800" dirty="0"/>
-              <a:t> to guide their training. Although anchors make the training more stable and lead to better results, they prevent the network from proposing new </a:t>
-            </a:r>
-            <a:r>
-              <a:rPr lang="en-US" sz="1800" dirty="0" err="1"/>
-              <a:t>keypoints</a:t>
-            </a:r>
-            <a:r>
-              <a:rPr lang="en-US" sz="1800" dirty="0"/>
-              <a:t> in case there is no anchor in the proximity</a:t>
-            </a:r>
-            <a:r>
-              <a:rPr lang="en-US" sz="1800" dirty="0" smtClean="0"/>
-              <a:t>.</a:t>
-            </a:r>
-            <a:endParaRPr lang="en-US" sz="1800" dirty="0"/>
-          </a:p>
-          <a:p>
-            <a:r>
-              <a:rPr lang="en-US" sz="1800" dirty="0"/>
-              <a:t>In contrast, the handcrafted filters in </a:t>
-            </a:r>
-            <a:r>
-              <a:rPr lang="en-US" sz="1800" dirty="0" err="1"/>
-              <a:t>Key.Net</a:t>
-            </a:r>
-            <a:r>
-              <a:rPr lang="en-US" sz="1800" dirty="0"/>
-              <a:t> provide a weak constraint with the benefit of the anchor-based methods while allowing the detector to propose new stable </a:t>
-            </a:r>
-            <a:r>
-              <a:rPr lang="en-US" sz="1800" dirty="0" err="1"/>
-              <a:t>keypoints</a:t>
-            </a:r>
-            <a:r>
-              <a:rPr lang="en-US" sz="1800" dirty="0"/>
-              <a:t>. In our approach, only the geometric transformation between images is required to guide the loss.</a:t>
+              <a:t>, concatenated and fed to the last convolutional filter to obtain the final response map.</a:t>
             </a:r>
             <a:endParaRPr lang="en-US" sz="1800" dirty="0">
               <a:solidFill>
@@ -11547,6 +11576,210 @@
           <a:p>
             <a:r>
               <a:rPr lang="en-US" dirty="0"/>
+              <a:t>Multi-scale Pyramid</a:t>
+            </a:r>
+          </a:p>
+        </p:txBody>
+      </p:sp>
+    </p:spTree>
+    <p:extLst>
+      <p:ext uri="{BB962C8B-B14F-4D97-AF65-F5344CB8AC3E}">
+        <p14:creationId xmlns:p14="http://schemas.microsoft.com/office/powerpoint/2010/main" val="4037790876"/>
+      </p:ext>
+    </p:extLst>
+  </p:cSld>
+  <p:clrMapOvr>
+    <a:masterClrMapping/>
+  </p:clrMapOvr>
+</p:sld>
+</file>
+
+<file path=ppt/slides/slide17.xml><?xml version="1.0" encoding="utf-8"?>
+<p:sld xmlns:a="http://schemas.openxmlformats.org/drawingml/2006/main" xmlns:r="http://schemas.openxmlformats.org/officeDocument/2006/relationships" xmlns:p="http://schemas.openxmlformats.org/presentationml/2006/main">
+  <p:cSld>
+    <p:spTree>
+      <p:nvGrpSpPr>
+        <p:cNvPr id="1" name=""/>
+        <p:cNvGrpSpPr/>
+        <p:nvPr/>
+      </p:nvGrpSpPr>
+      <p:grpSpPr>
+        <a:xfrm>
+          <a:off x="0" y="0"/>
+          <a:ext cx="0" cy="0"/>
+          <a:chOff x="0" y="0"/>
+          <a:chExt cx="0" cy="0"/>
+        </a:xfrm>
+      </p:grpSpPr>
+      <p:sp>
+        <p:nvSpPr>
+          <p:cNvPr id="3" name="Content Placeholder 2">
+            <a:extLst>
+              <a:ext uri="{FF2B5EF4-FFF2-40B4-BE49-F238E27FC236}">
+                <a16:creationId xmlns:a16="http://schemas.microsoft.com/office/drawing/2014/main" id="{6AB250FE-08C8-4530-B722-29C38A359D8B}"/>
+              </a:ext>
+            </a:extLst>
+          </p:cNvPr>
+          <p:cNvSpPr>
+            <a:spLocks noGrp="1"/>
+          </p:cNvSpPr>
+          <p:nvPr>
+            <p:ph sz="half" idx="2"/>
+          </p:nvPr>
+        </p:nvSpPr>
+        <p:spPr>
+          <a:xfrm>
+            <a:off x="1097280" y="1602378"/>
+            <a:ext cx="10058400" cy="4266718"/>
+          </a:xfrm>
+        </p:spPr>
+        <p:txBody>
+          <a:bodyPr>
+            <a:normAutofit/>
+          </a:bodyPr>
+          <a:lstStyle/>
+          <a:p>
+            <a:r>
+              <a:rPr lang="en-US" sz="1800" dirty="0"/>
+              <a:t>In supervised training, the loss function relies on </a:t>
+            </a:r>
+            <a:r>
+              <a:rPr lang="en-US" sz="1800" dirty="0" smtClean="0"/>
+              <a:t>the</a:t>
+            </a:r>
+            <a:r>
+              <a:rPr lang="fa-IR" sz="1800" dirty="0" smtClean="0"/>
+              <a:t> </a:t>
+            </a:r>
+            <a:r>
+              <a:rPr lang="en-US" sz="1800" dirty="0" smtClean="0"/>
+              <a:t>ground </a:t>
+            </a:r>
+            <a:r>
+              <a:rPr lang="en-US" sz="1800" dirty="0"/>
+              <a:t>truth</a:t>
+            </a:r>
+            <a:r>
+              <a:rPr lang="en-US" sz="1800" dirty="0" smtClean="0"/>
+              <a:t>.</a:t>
+            </a:r>
+            <a:endParaRPr lang="fa-IR" sz="1800" dirty="0" smtClean="0"/>
+          </a:p>
+          <a:p>
+            <a:r>
+              <a:rPr lang="en-US" sz="1800" dirty="0"/>
+              <a:t>In the case of </a:t>
+            </a:r>
+            <a:r>
+              <a:rPr lang="en-US" sz="1800" dirty="0" err="1"/>
+              <a:t>keypoints</a:t>
+            </a:r>
+            <a:r>
+              <a:rPr lang="en-US" sz="1800" dirty="0"/>
+              <a:t>, ground truth is not well defined as </a:t>
+            </a:r>
+            <a:r>
+              <a:rPr lang="en-US" sz="1800" dirty="0" err="1"/>
+              <a:t>keypoint</a:t>
+            </a:r>
+            <a:r>
+              <a:rPr lang="en-US" sz="1800" dirty="0"/>
+              <a:t> locations are useful as long as they can be accurately detected </a:t>
+            </a:r>
+            <a:r>
+              <a:rPr lang="en-US" sz="1800" dirty="0" smtClean="0"/>
+              <a:t>regardless </a:t>
+            </a:r>
+            <a:r>
+              <a:rPr lang="en-US" sz="1800" dirty="0"/>
+              <a:t>of geometric or photometric image transformation</a:t>
+            </a:r>
+            <a:r>
+              <a:rPr lang="en-US" sz="1800" dirty="0" smtClean="0"/>
+              <a:t>.</a:t>
+            </a:r>
+            <a:endParaRPr lang="fa-IR" sz="1800" dirty="0" smtClean="0"/>
+          </a:p>
+          <a:p>
+            <a:r>
+              <a:rPr lang="en-US" sz="1800" dirty="0" err="1"/>
+              <a:t>chors</a:t>
+            </a:r>
+            <a:r>
+              <a:rPr lang="en-US" sz="1800" dirty="0"/>
+              <a:t> to guide their training. Although anchors make the training more stable and lead to better results, they prevent the network from proposing new </a:t>
+            </a:r>
+            <a:r>
+              <a:rPr lang="en-US" sz="1800" dirty="0" err="1"/>
+              <a:t>keypoints</a:t>
+            </a:r>
+            <a:r>
+              <a:rPr lang="en-US" sz="1800" dirty="0"/>
+              <a:t> in case there is no anchor in the proximity</a:t>
+            </a:r>
+            <a:r>
+              <a:rPr lang="en-US" sz="1800" dirty="0" smtClean="0"/>
+              <a:t>.</a:t>
+            </a:r>
+            <a:endParaRPr lang="en-US" sz="1800" dirty="0"/>
+          </a:p>
+          <a:p>
+            <a:r>
+              <a:rPr lang="en-US" sz="1800" dirty="0"/>
+              <a:t>In contrast, the handcrafted filters in </a:t>
+            </a:r>
+            <a:r>
+              <a:rPr lang="en-US" sz="1800" dirty="0" err="1"/>
+              <a:t>Key.Net</a:t>
+            </a:r>
+            <a:r>
+              <a:rPr lang="en-US" sz="1800" dirty="0"/>
+              <a:t> provide a weak constraint with the benefit of the anchor-based methods while allowing the detector to propose new stable </a:t>
+            </a:r>
+            <a:r>
+              <a:rPr lang="en-US" sz="1800" dirty="0" err="1"/>
+              <a:t>keypoints</a:t>
+            </a:r>
+            <a:r>
+              <a:rPr lang="en-US" sz="1800" dirty="0"/>
+              <a:t>. In our approach, only the geometric transformation between images is required to guide the loss.</a:t>
+            </a:r>
+            <a:endParaRPr lang="en-US" sz="1800" dirty="0">
+              <a:solidFill>
+                <a:schemeClr val="tx1"/>
+              </a:solidFill>
+            </a:endParaRPr>
+          </a:p>
+        </p:txBody>
+      </p:sp>
+      <p:sp>
+        <p:nvSpPr>
+          <p:cNvPr id="2" name="Title 1">
+            <a:extLst>
+              <a:ext uri="{FF2B5EF4-FFF2-40B4-BE49-F238E27FC236}">
+                <a16:creationId xmlns:a16="http://schemas.microsoft.com/office/drawing/2014/main" id="{CDC62B56-74BF-47D4-B1CD-AF93A810B3B7}"/>
+              </a:ext>
+            </a:extLst>
+          </p:cNvPr>
+          <p:cNvSpPr>
+            <a:spLocks noGrp="1"/>
+          </p:cNvSpPr>
+          <p:nvPr>
+            <p:ph type="title"/>
+          </p:nvPr>
+        </p:nvSpPr>
+        <p:spPr>
+          <a:xfrm>
+            <a:off x="1097280" y="942871"/>
+            <a:ext cx="10058400" cy="587584"/>
+          </a:xfrm>
+        </p:spPr>
+        <p:txBody>
+          <a:bodyPr/>
+          <a:lstStyle/>
+          <a:p>
+            <a:r>
+              <a:rPr lang="en-US" dirty="0"/>
               <a:t>Loss Functions</a:t>
             </a:r>
           </a:p>
@@ -11565,7 +11798,7 @@
 </p:sld>
 </file>
 
-<file path=ppt/slides/slide17.xml><?xml version="1.0" encoding="utf-8"?>
+<file path=ppt/slides/slide18.xml><?xml version="1.0" encoding="utf-8"?>
 <p:sld xmlns:a="http://schemas.openxmlformats.org/drawingml/2006/main" xmlns:r="http://schemas.openxmlformats.org/officeDocument/2006/relationships" xmlns:p="http://schemas.openxmlformats.org/presentationml/2006/main">
   <p:cSld>
     <p:spTree>
@@ -11615,8 +11848,8 @@
           </a:p>
         </p:txBody>
       </p:sp>
-      <mc:AlternateContent xmlns:mc="http://schemas.openxmlformats.org/markup-compatibility/2006">
-        <mc:Choice xmlns:a14="http://schemas.microsoft.com/office/drawing/2010/main" Requires="a14">
+      <mc:AlternateContent xmlns:mc="http://schemas.openxmlformats.org/markup-compatibility/2006" xmlns:a14="http://schemas.microsoft.com/office/drawing/2010/main">
+        <mc:Choice Requires="a14">
           <p:sp>
             <p:nvSpPr>
               <p:cNvPr id="4" name="Rectangle 3"/>
@@ -11638,6 +11871,7 @@
               </a:bodyPr>
               <a:lstStyle/>
               <a:p>
+                <a:pPr/>
                 <a14:m>
                   <m:oMathPara xmlns:m="http://schemas.openxmlformats.org/officeDocument/2006/math">
                     <m:oMathParaPr>
@@ -11932,7 +12166,7 @@
             </p:txBody>
           </p:sp>
         </mc:Choice>
-        <mc:Fallback>
+        <mc:Fallback xmlns="">
           <p:sp>
             <p:nvSpPr>
               <p:cNvPr id="4" name="Rectangle 3"/>
@@ -11971,8 +12205,8 @@
           </p:sp>
         </mc:Fallback>
       </mc:AlternateContent>
-      <mc:AlternateContent xmlns:mc="http://schemas.openxmlformats.org/markup-compatibility/2006">
-        <mc:Choice xmlns:a14="http://schemas.microsoft.com/office/drawing/2010/main" Requires="a14">
+      <mc:AlternateContent xmlns:mc="http://schemas.openxmlformats.org/markup-compatibility/2006" xmlns:a14="http://schemas.microsoft.com/office/drawing/2010/main">
+        <mc:Choice Requires="a14">
           <p:sp>
             <p:nvSpPr>
               <p:cNvPr id="5" name="Rectangle 4"/>
@@ -11994,6 +12228,7 @@
               </a:bodyPr>
               <a:lstStyle/>
               <a:p>
+                <a:pPr/>
                 <a14:m>
                   <m:oMathPara xmlns:m="http://schemas.openxmlformats.org/officeDocument/2006/math">
                     <m:oMathParaPr>
@@ -12003,7 +12238,7 @@
                       <m:sSup>
                         <m:sSupPr>
                           <m:ctrlPr>
-                            <a:rPr lang="en-US">
+                            <a:rPr lang="en-US" i="1">
                               <a:latin typeface="Cambria Math" panose="02040503050406030204" pitchFamily="18" charset="0"/>
                             </a:rPr>
                           </m:ctrlPr>
@@ -12014,7 +12249,7 @@
                               <m:begChr m:val="["/>
                               <m:endChr m:val="]"/>
                               <m:ctrlPr>
-                                <a:rPr lang="en-US">
+                                <a:rPr lang="en-US" i="1">
                                   <a:latin typeface="Cambria Math" panose="02040503050406030204" pitchFamily="18" charset="0"/>
                                 </a:rPr>
                               </m:ctrlPr>
@@ -12023,7 +12258,7 @@
                               <m:sSub>
                                 <m:sSubPr>
                                   <m:ctrlPr>
-                                    <a:rPr lang="en-US">
+                                    <a:rPr lang="en-US" i="1">
                                       <a:latin typeface="Cambria Math" panose="02040503050406030204" pitchFamily="18" charset="0"/>
                                     </a:rPr>
                                   </m:ctrlPr>
@@ -12442,7 +12677,7 @@
             </p:txBody>
           </p:sp>
         </mc:Choice>
-        <mc:Fallback>
+        <mc:Fallback xmlns="">
           <p:sp>
             <p:nvSpPr>
               <p:cNvPr id="5" name="Rectangle 4"/>
@@ -12494,7 +12729,7 @@
 </p:sld>
 </file>
 
-<file path=ppt/slides/slide18.xml><?xml version="1.0" encoding="utf-8"?>
+<file path=ppt/slides/slide19.xml><?xml version="1.0" encoding="utf-8"?>
 <p:sld xmlns:a="http://schemas.openxmlformats.org/drawingml/2006/main" xmlns:r="http://schemas.openxmlformats.org/officeDocument/2006/relationships" xmlns:p="http://schemas.openxmlformats.org/presentationml/2006/main">
   <p:cSld>
     <p:spTree>
@@ -12544,8 +12779,8 @@
           </a:p>
         </p:txBody>
       </p:sp>
-      <mc:AlternateContent xmlns:mc="http://schemas.openxmlformats.org/markup-compatibility/2006">
-        <mc:Choice xmlns:a14="http://schemas.microsoft.com/office/drawing/2010/main" Requires="a14">
+      <mc:AlternateContent xmlns:mc="http://schemas.openxmlformats.org/markup-compatibility/2006" xmlns:a14="http://schemas.microsoft.com/office/drawing/2010/main">
+        <mc:Choice Requires="a14">
           <p:sp>
             <p:nvSpPr>
               <p:cNvPr id="3" name="Rectangle 2"/>
@@ -12567,6 +12802,7 @@
               </a:bodyPr>
               <a:lstStyle/>
               <a:p>
+                <a:pPr/>
                 <a14:m>
                   <m:oMathPara xmlns:m="http://schemas.openxmlformats.org/officeDocument/2006/math">
                     <m:oMathParaPr>
@@ -12576,7 +12812,7 @@
                       <m:sSub>
                         <m:sSubPr>
                           <m:ctrlPr>
-                            <a:rPr lang="en-US">
+                            <a:rPr lang="en-US" i="1">
                               <a:latin typeface="Cambria Math" panose="02040503050406030204" pitchFamily="18" charset="0"/>
                             </a:rPr>
                           </m:ctrlPr>
@@ -13133,7 +13369,7 @@
             </p:txBody>
           </p:sp>
         </mc:Choice>
-        <mc:Fallback>
+        <mc:Fallback xmlns="">
           <p:sp>
             <p:nvSpPr>
               <p:cNvPr id="3" name="Rectangle 2"/>
@@ -13172,8 +13408,8 @@
           </p:sp>
         </mc:Fallback>
       </mc:AlternateContent>
-      <mc:AlternateContent xmlns:mc="http://schemas.openxmlformats.org/markup-compatibility/2006">
-        <mc:Choice xmlns:a14="http://schemas.microsoft.com/office/drawing/2010/main" Requires="a14">
+      <mc:AlternateContent xmlns:mc="http://schemas.openxmlformats.org/markup-compatibility/2006" xmlns:a14="http://schemas.microsoft.com/office/drawing/2010/main">
+        <mc:Choice Requires="a14">
           <p:sp>
             <p:nvSpPr>
               <p:cNvPr id="6" name="Rectangle 5"/>
@@ -13195,6 +13431,7 @@
               </a:bodyPr>
               <a:lstStyle/>
               <a:p>
+                <a:pPr/>
                 <a14:m>
                   <m:oMathPara xmlns:m="http://schemas.openxmlformats.org/officeDocument/2006/math">
                     <m:oMathParaPr>
@@ -13204,7 +13441,7 @@
                       <m:sSub>
                         <m:sSubPr>
                           <m:ctrlPr>
-                            <a:rPr lang="en-US">
+                            <a:rPr lang="en-US" i="1">
                               <a:latin typeface="Cambria Math" panose="02040503050406030204" pitchFamily="18" charset="0"/>
                             </a:rPr>
                           </m:ctrlPr>
@@ -13492,7 +13729,7 @@
             </p:txBody>
           </p:sp>
         </mc:Choice>
-        <mc:Fallback>
+        <mc:Fallback xmlns="">
           <p:sp>
             <p:nvSpPr>
               <p:cNvPr id="6" name="Rectangle 5"/>
@@ -13544,7 +13781,100 @@
 </p:sld>
 </file>
 
-<file path=ppt/slides/slide19.xml><?xml version="1.0" encoding="utf-8"?>
+<file path=ppt/slides/slide2.xml><?xml version="1.0" encoding="utf-8"?>
+<p:sld xmlns:a="http://schemas.openxmlformats.org/drawingml/2006/main" xmlns:r="http://schemas.openxmlformats.org/officeDocument/2006/relationships" xmlns:p="http://schemas.openxmlformats.org/presentationml/2006/main">
+  <p:cSld>
+    <p:spTree>
+      <p:nvGrpSpPr>
+        <p:cNvPr id="1" name=""/>
+        <p:cNvGrpSpPr/>
+        <p:nvPr/>
+      </p:nvGrpSpPr>
+      <p:grpSpPr>
+        <a:xfrm>
+          <a:off x="0" y="0"/>
+          <a:ext cx="0" cy="0"/>
+          <a:chOff x="0" y="0"/>
+          <a:chExt cx="0" cy="0"/>
+        </a:xfrm>
+      </p:grpSpPr>
+      <p:pic>
+        <p:nvPicPr>
+          <p:cNvPr id="3" name="Picture 2"/>
+          <p:cNvPicPr>
+            <a:picLocks noChangeAspect="1"/>
+          </p:cNvPicPr>
+          <p:nvPr/>
+        </p:nvPicPr>
+        <p:blipFill>
+          <a:blip r:embed="rId2">
+            <a:extLst>
+              <a:ext uri="{28A0092B-C50C-407E-A947-70E740481C1C}">
+                <a14:useLocalDpi xmlns:a14="http://schemas.microsoft.com/office/drawing/2010/main" val="0"/>
+              </a:ext>
+            </a:extLst>
+          </a:blip>
+          <a:stretch>
+            <a:fillRect/>
+          </a:stretch>
+        </p:blipFill>
+        <p:spPr>
+          <a:xfrm>
+            <a:off x="5577839" y="1572549"/>
+            <a:ext cx="1097282" cy="1399035"/>
+          </a:xfrm>
+          <a:prstGeom prst="rect">
+            <a:avLst/>
+          </a:prstGeom>
+        </p:spPr>
+      </p:pic>
+      <p:sp>
+        <p:nvSpPr>
+          <p:cNvPr id="7" name="Rectangle 6"/>
+          <p:cNvSpPr/>
+          <p:nvPr/>
+        </p:nvSpPr>
+        <p:spPr>
+          <a:xfrm>
+            <a:off x="4019973" y="3836517"/>
+            <a:ext cx="4213013" cy="584775"/>
+          </a:xfrm>
+          <a:prstGeom prst="rect">
+            <a:avLst/>
+          </a:prstGeom>
+        </p:spPr>
+        <p:txBody>
+          <a:bodyPr wrap="none">
+            <a:spAutoFit/>
+          </a:bodyPr>
+          <a:lstStyle/>
+          <a:p>
+            <a:r>
+              <a:rPr lang="fa-IR" sz="3200" dirty="0">
+                <a:cs typeface="B Nazanin" panose="00000400000000000000" pitchFamily="2" charset="-78"/>
+              </a:rPr>
+              <a:t>هر کس به زبانی تو را حمد گوید</a:t>
+            </a:r>
+            <a:endParaRPr lang="en-US" sz="3200" dirty="0">
+              <a:cs typeface="B Nazanin" panose="00000400000000000000" pitchFamily="2" charset="-78"/>
+            </a:endParaRPr>
+          </a:p>
+        </p:txBody>
+      </p:sp>
+    </p:spTree>
+    <p:extLst>
+      <p:ext uri="{BB962C8B-B14F-4D97-AF65-F5344CB8AC3E}">
+        <p14:creationId xmlns:p14="http://schemas.microsoft.com/office/powerpoint/2010/main" val="2140405727"/>
+      </p:ext>
+    </p:extLst>
+  </p:cSld>
+  <p:clrMapOvr>
+    <a:masterClrMapping/>
+  </p:clrMapOvr>
+</p:sld>
+</file>
+
+<file path=ppt/slides/slide20.xml><?xml version="1.0" encoding="utf-8"?>
 <p:sld xmlns:a="http://schemas.openxmlformats.org/drawingml/2006/main" xmlns:r="http://schemas.openxmlformats.org/officeDocument/2006/relationships" xmlns:p="http://schemas.openxmlformats.org/presentationml/2006/main">
   <p:cSld>
     <p:spTree>
@@ -13589,7 +13919,11 @@
           <a:p>
             <a:r>
               <a:rPr lang="en-US" dirty="0"/>
-              <a:t>Index Proposal Layer</a:t>
+              <a:t>Multi-scale </a:t>
+            </a:r>
+            <a:r>
+              <a:rPr lang="en-US" dirty="0"/>
+              <a:t>Proposal Layer</a:t>
             </a:r>
           </a:p>
         </p:txBody>
@@ -13718,239 +14052,7 @@
 </p:sld>
 </file>
 
-<file path=ppt/slides/slide2.xml><?xml version="1.0" encoding="utf-8"?>
-<p:sld xmlns:a="http://schemas.openxmlformats.org/drawingml/2006/main" xmlns:r="http://schemas.openxmlformats.org/officeDocument/2006/relationships" xmlns:p="http://schemas.openxmlformats.org/presentationml/2006/main">
-  <p:cSld>
-    <p:bg>
-      <p:bgPr>
-        <a:solidFill>
-          <a:srgbClr val="EDEFF7"/>
-        </a:solidFill>
-        <a:effectLst/>
-      </p:bgPr>
-    </p:bg>
-    <p:spTree>
-      <p:nvGrpSpPr>
-        <p:cNvPr id="1" name=""/>
-        <p:cNvGrpSpPr/>
-        <p:nvPr/>
-      </p:nvGrpSpPr>
-      <p:grpSpPr>
-        <a:xfrm>
-          <a:off x="0" y="0"/>
-          <a:ext cx="0" cy="0"/>
-          <a:chOff x="0" y="0"/>
-          <a:chExt cx="0" cy="0"/>
-        </a:xfrm>
-      </p:grpSpPr>
-      <p:sp>
-        <p:nvSpPr>
-          <p:cNvPr id="19" name="Title 18">
-            <a:extLst>
-              <a:ext uri="{FF2B5EF4-FFF2-40B4-BE49-F238E27FC236}">
-                <a16:creationId xmlns:a16="http://schemas.microsoft.com/office/drawing/2014/main" id="{55BA9AC8-EA60-644D-9DDA-B76203EA1E87}"/>
-              </a:ext>
-            </a:extLst>
-          </p:cNvPr>
-          <p:cNvSpPr>
-            <a:spLocks noGrp="1"/>
-          </p:cNvSpPr>
-          <p:nvPr>
-            <p:ph type="title"/>
-          </p:nvPr>
-        </p:nvSpPr>
-        <p:spPr/>
-        <p:txBody>
-          <a:bodyPr/>
-          <a:lstStyle/>
-          <a:p>
-            <a:r>
-              <a:rPr lang="en-US" b="1" dirty="0"/>
-              <a:t>Table of Contents</a:t>
-            </a:r>
-          </a:p>
-        </p:txBody>
-      </p:sp>
-      <p:sp>
-        <p:nvSpPr>
-          <p:cNvPr id="17" name="Content Placeholder 16">
-            <a:extLst>
-              <a:ext uri="{FF2B5EF4-FFF2-40B4-BE49-F238E27FC236}">
-                <a16:creationId xmlns:a16="http://schemas.microsoft.com/office/drawing/2014/main" id="{8E7591AD-81F4-2E45-AE36-F4DA40C19031}"/>
-              </a:ext>
-            </a:extLst>
-          </p:cNvPr>
-          <p:cNvSpPr>
-            <a:spLocks noGrp="1"/>
-          </p:cNvSpPr>
-          <p:nvPr>
-            <p:ph sz="half" idx="2"/>
-          </p:nvPr>
-        </p:nvSpPr>
-        <p:spPr/>
-        <p:txBody>
-          <a:bodyPr>
-            <a:noAutofit/>
-          </a:bodyPr>
-          <a:lstStyle/>
-          <a:p>
-            <a:r>
-              <a:rPr lang="en-US" sz="1800" dirty="0" smtClean="0"/>
-              <a:t>Abstract</a:t>
-            </a:r>
-          </a:p>
-          <a:p>
-            <a:r>
-              <a:rPr lang="en-US" sz="1800" dirty="0" smtClean="0"/>
-              <a:t>Introduction</a:t>
-            </a:r>
-          </a:p>
-          <a:p>
-            <a:r>
-              <a:rPr lang="en-US" sz="1800" dirty="0" smtClean="0"/>
-              <a:t>Related Work</a:t>
-            </a:r>
-          </a:p>
-          <a:p>
-            <a:pPr lvl="1"/>
-            <a:r>
-              <a:rPr lang="en-US" sz="1800" dirty="0"/>
-              <a:t>Handcrafted </a:t>
-            </a:r>
-            <a:r>
-              <a:rPr lang="en-US" sz="1800" dirty="0" smtClean="0"/>
-              <a:t>Detectors</a:t>
-            </a:r>
-          </a:p>
-          <a:p>
-            <a:pPr lvl="1"/>
-            <a:r>
-              <a:rPr lang="en-US" sz="1800" dirty="0"/>
-              <a:t>Learned </a:t>
-            </a:r>
-            <a:r>
-              <a:rPr lang="en-US" sz="1800" dirty="0" smtClean="0"/>
-              <a:t>Detectors</a:t>
-            </a:r>
-          </a:p>
-          <a:p>
-            <a:r>
-              <a:rPr lang="en-US" sz="1800" dirty="0" err="1"/>
-              <a:t>Key.Net</a:t>
-            </a:r>
-            <a:r>
-              <a:rPr lang="en-US" sz="1800" dirty="0"/>
-              <a:t> </a:t>
-            </a:r>
-            <a:r>
-              <a:rPr lang="en-US" sz="1800" dirty="0" smtClean="0"/>
-              <a:t>Architecture</a:t>
-            </a:r>
-          </a:p>
-          <a:p>
-            <a:pPr lvl="1"/>
-            <a:r>
-              <a:rPr lang="en-US" sz="1800" dirty="0"/>
-              <a:t>Handcrafted and Learned </a:t>
-            </a:r>
-            <a:r>
-              <a:rPr lang="en-US" sz="1800" dirty="0" smtClean="0"/>
-              <a:t>Filters</a:t>
-            </a:r>
-          </a:p>
-          <a:p>
-            <a:pPr lvl="1"/>
-            <a:r>
-              <a:rPr lang="en-US" sz="1800" dirty="0"/>
-              <a:t>Multi-scale </a:t>
-            </a:r>
-            <a:r>
-              <a:rPr lang="en-US" sz="1800" dirty="0" smtClean="0"/>
-              <a:t>Pyramid</a:t>
-            </a:r>
-          </a:p>
-          <a:p>
-            <a:r>
-              <a:rPr lang="en-US" sz="1800" dirty="0"/>
-              <a:t>Loss </a:t>
-            </a:r>
-            <a:r>
-              <a:rPr lang="en-US" sz="1800" dirty="0" smtClean="0"/>
-              <a:t>Functions</a:t>
-            </a:r>
-          </a:p>
-          <a:p>
-            <a:pPr lvl="1"/>
-            <a:r>
-              <a:rPr lang="en-US" sz="1800" dirty="0"/>
-              <a:t>Index Proposal </a:t>
-            </a:r>
-            <a:r>
-              <a:rPr lang="en-US" sz="1800" dirty="0" smtClean="0"/>
-              <a:t>Layer</a:t>
-            </a:r>
-            <a:endParaRPr lang="en-US" sz="1800" dirty="0"/>
-          </a:p>
-          <a:p>
-            <a:r>
-              <a:rPr lang="en-US" sz="1800" dirty="0"/>
-              <a:t>Experimental </a:t>
-            </a:r>
-            <a:r>
-              <a:rPr lang="en-US" sz="1800" dirty="0" smtClean="0"/>
-              <a:t>Settings</a:t>
-            </a:r>
-          </a:p>
-          <a:p>
-            <a:pPr lvl="1"/>
-            <a:r>
-              <a:rPr lang="en-US" sz="1800" dirty="0"/>
-              <a:t>Training </a:t>
-            </a:r>
-            <a:r>
-              <a:rPr lang="en-US" sz="1800" dirty="0" smtClean="0"/>
-              <a:t>Data</a:t>
-            </a:r>
-          </a:p>
-          <a:p>
-            <a:pPr lvl="1"/>
-            <a:r>
-              <a:rPr lang="en-US" sz="1800" dirty="0"/>
-              <a:t>Evaluation </a:t>
-            </a:r>
-            <a:r>
-              <a:rPr lang="en-US" sz="1800" dirty="0" smtClean="0"/>
-              <a:t>Metrics</a:t>
-            </a:r>
-          </a:p>
-          <a:p>
-            <a:pPr lvl="1"/>
-            <a:r>
-              <a:rPr lang="en-US" sz="1800" dirty="0"/>
-              <a:t>Implementation </a:t>
-            </a:r>
-            <a:r>
-              <a:rPr lang="en-US" sz="1800" dirty="0" smtClean="0"/>
-              <a:t>Notes</a:t>
-            </a:r>
-            <a:endParaRPr lang="en-US" sz="1800" dirty="0" smtClean="0"/>
-          </a:p>
-        </p:txBody>
-      </p:sp>
-    </p:spTree>
-    <p:extLst>
-      <p:ext uri="{BB962C8B-B14F-4D97-AF65-F5344CB8AC3E}">
-        <p14:creationId xmlns:p14="http://schemas.microsoft.com/office/powerpoint/2010/main" val="2276898735"/>
-      </p:ext>
-    </p:extLst>
-  </p:cSld>
-  <p:clrMapOvr>
-    <a:masterClrMapping/>
-  </p:clrMapOvr>
-</p:sld>
-</file>
-
-<file path=ppt/slides/slide20.xml><?xml version="1.0" encoding="utf-8"?>
+<file path=ppt/slides/slide21.xml><?xml version="1.0" encoding="utf-8"?>
 <p:sld xmlns:a="http://schemas.openxmlformats.org/drawingml/2006/main" xmlns:r="http://schemas.openxmlformats.org/officeDocument/2006/relationships" xmlns:p="http://schemas.openxmlformats.org/presentationml/2006/main">
   <p:cSld>
     <p:spTree>
@@ -13997,12 +14099,11 @@
               <a:rPr lang="en-US" dirty="0"/>
               <a:t>Multi-scale Index Proposal Layer</a:t>
             </a:r>
-            <a:endParaRPr lang="en-US" dirty="0"/>
           </a:p>
         </p:txBody>
       </p:sp>
-      <mc:AlternateContent xmlns:mc="http://schemas.openxmlformats.org/markup-compatibility/2006">
-        <mc:Choice xmlns:a14="http://schemas.microsoft.com/office/drawing/2010/main" Requires="a14">
+      <mc:AlternateContent xmlns:mc="http://schemas.openxmlformats.org/markup-compatibility/2006" xmlns:a14="http://schemas.microsoft.com/office/drawing/2010/main">
+        <mc:Choice Requires="a14">
           <p:sp>
             <p:nvSpPr>
               <p:cNvPr id="4" name="Rectangle 3"/>
@@ -14024,6 +14125,7 @@
               </a:bodyPr>
               <a:lstStyle/>
               <a:p>
+                <a:pPr/>
                 <a14:m>
                   <m:oMathPara xmlns:m="http://schemas.openxmlformats.org/officeDocument/2006/math">
                     <m:oMathParaPr>
@@ -14034,7 +14136,7 @@
                         <m:dPr>
                           <m:begChr m:val=""/>
                           <m:ctrlPr>
-                            <a:rPr lang="en-US">
+                            <a:rPr lang="en-US" i="1">
                               <a:latin typeface="Cambria Math" panose="02040503050406030204" pitchFamily="18" charset="0"/>
                             </a:rPr>
                           </m:ctrlPr>
@@ -14043,7 +14145,7 @@
                           <m:sSub>
                             <m:sSubPr>
                               <m:ctrlPr>
-                                <a:rPr lang="en-US">
+                                <a:rPr lang="en-US" i="1">
                                   <a:latin typeface="Cambria Math" panose="02040503050406030204" pitchFamily="18" charset="0"/>
                                 </a:rPr>
                               </m:ctrlPr>
@@ -14405,7 +14507,7 @@
             </p:txBody>
           </p:sp>
         </mc:Choice>
-        <mc:Fallback>
+        <mc:Fallback xmlns="">
           <p:sp>
             <p:nvSpPr>
               <p:cNvPr id="4" name="Rectangle 3"/>
@@ -14457,123 +14559,6 @@
 </p:sld>
 </file>
 
-<file path=ppt/slides/slide21.xml><?xml version="1.0" encoding="utf-8"?>
-<p:sld xmlns:a="http://schemas.openxmlformats.org/drawingml/2006/main" xmlns:r="http://schemas.openxmlformats.org/officeDocument/2006/relationships" xmlns:p="http://schemas.openxmlformats.org/presentationml/2006/main">
-  <p:cSld>
-    <p:spTree>
-      <p:nvGrpSpPr>
-        <p:cNvPr id="1" name=""/>
-        <p:cNvGrpSpPr/>
-        <p:nvPr/>
-      </p:nvGrpSpPr>
-      <p:grpSpPr>
-        <a:xfrm>
-          <a:off x="0" y="0"/>
-          <a:ext cx="0" cy="0"/>
-          <a:chOff x="0" y="0"/>
-          <a:chExt cx="0" cy="0"/>
-        </a:xfrm>
-      </p:grpSpPr>
-      <p:sp>
-        <p:nvSpPr>
-          <p:cNvPr id="3" name="Content Placeholder 2">
-            <a:extLst>
-              <a:ext uri="{FF2B5EF4-FFF2-40B4-BE49-F238E27FC236}">
-                <a16:creationId xmlns:a16="http://schemas.microsoft.com/office/drawing/2014/main" id="{6AB250FE-08C8-4530-B722-29C38A359D8B}"/>
-              </a:ext>
-            </a:extLst>
-          </p:cNvPr>
-          <p:cNvSpPr>
-            <a:spLocks noGrp="1"/>
-          </p:cNvSpPr>
-          <p:nvPr>
-            <p:ph sz="half" idx="2"/>
-          </p:nvPr>
-        </p:nvSpPr>
-        <p:spPr>
-          <a:xfrm>
-            <a:off x="1097280" y="1602378"/>
-            <a:ext cx="10058400" cy="4266718"/>
-          </a:xfrm>
-        </p:spPr>
-        <p:txBody>
-          <a:bodyPr/>
-          <a:lstStyle/>
-          <a:p>
-            <a:r>
-              <a:rPr lang="en-US" dirty="0"/>
-              <a:t>In this section, we present implementation details, metrics and the dataset used for evaluating </a:t>
-            </a:r>
-            <a:r>
-              <a:rPr lang="en-US" dirty="0" smtClean="0"/>
-              <a:t>the</a:t>
-            </a:r>
-            <a:r>
-              <a:rPr lang="fa-IR" dirty="0" smtClean="0"/>
-              <a:t> </a:t>
-            </a:r>
-            <a:r>
-              <a:rPr lang="en-US" dirty="0" smtClean="0"/>
-              <a:t>method</a:t>
-            </a:r>
-            <a:r>
-              <a:rPr lang="en-US" dirty="0"/>
-              <a:t>.</a:t>
-            </a:r>
-            <a:endParaRPr lang="en-US" dirty="0">
-              <a:solidFill>
-                <a:schemeClr val="tx1"/>
-              </a:solidFill>
-            </a:endParaRPr>
-          </a:p>
-        </p:txBody>
-      </p:sp>
-      <p:sp>
-        <p:nvSpPr>
-          <p:cNvPr id="2" name="Title 1">
-            <a:extLst>
-              <a:ext uri="{FF2B5EF4-FFF2-40B4-BE49-F238E27FC236}">
-                <a16:creationId xmlns:a16="http://schemas.microsoft.com/office/drawing/2014/main" id="{CDC62B56-74BF-47D4-B1CD-AF93A810B3B7}"/>
-              </a:ext>
-            </a:extLst>
-          </p:cNvPr>
-          <p:cNvSpPr>
-            <a:spLocks noGrp="1"/>
-          </p:cNvSpPr>
-          <p:nvPr>
-            <p:ph type="title"/>
-          </p:nvPr>
-        </p:nvSpPr>
-        <p:spPr>
-          <a:xfrm>
-            <a:off x="1097280" y="942871"/>
-            <a:ext cx="10058400" cy="587584"/>
-          </a:xfrm>
-        </p:spPr>
-        <p:txBody>
-          <a:bodyPr/>
-          <a:lstStyle/>
-          <a:p>
-            <a:r>
-              <a:rPr lang="en-US" dirty="0"/>
-              <a:t>Experimental Settings</a:t>
-            </a:r>
-          </a:p>
-        </p:txBody>
-      </p:sp>
-    </p:spTree>
-    <p:extLst>
-      <p:ext uri="{BB962C8B-B14F-4D97-AF65-F5344CB8AC3E}">
-        <p14:creationId xmlns:p14="http://schemas.microsoft.com/office/powerpoint/2010/main" val="1325906720"/>
-      </p:ext>
-    </p:extLst>
-  </p:cSld>
-  <p:clrMapOvr>
-    <a:masterClrMapping/>
-  </p:clrMapOvr>
-</p:sld>
-</file>
-
 <file path=ppt/slides/slide22.xml><?xml version="1.0" encoding="utf-8"?>
 <p:sld xmlns:a="http://schemas.openxmlformats.org/drawingml/2006/main" xmlns:r="http://schemas.openxmlformats.org/officeDocument/2006/relationships" xmlns:p="http://schemas.openxmlformats.org/presentationml/2006/main">
   <p:cSld>
@@ -14619,17 +14604,24 @@
           <a:p>
             <a:r>
               <a:rPr lang="en-US" dirty="0"/>
-              <a:t>ImageNet ILSVRC 2012 dataset</a:t>
-            </a:r>
-            <a:endParaRPr lang="fa-IR" dirty="0"/>
-          </a:p>
-          <a:p>
-            <a:r>
-              <a:rPr lang="en-US" dirty="0"/>
-              <a:t>There are 12,000 image pairs of size 192 × 192. We use 9,000 of them as the training data and 3,000 as validation set.</a:t>
-            </a:r>
-          </a:p>
-          <a:p>
+              <a:t>In this section, we present implementation details, metrics and the dataset used for evaluating </a:t>
+            </a:r>
+            <a:r>
+              <a:rPr lang="en-US" dirty="0" smtClean="0"/>
+              <a:t>the</a:t>
+            </a:r>
+            <a:r>
+              <a:rPr lang="fa-IR" dirty="0" smtClean="0"/>
+              <a:t> </a:t>
+            </a:r>
+            <a:r>
+              <a:rPr lang="en-US" dirty="0" smtClean="0"/>
+              <a:t>method</a:t>
+            </a:r>
+            <a:r>
+              <a:rPr lang="en-US" dirty="0"/>
+              <a:t>.</a:t>
+            </a:r>
             <a:endParaRPr lang="en-US" dirty="0">
               <a:solidFill>
                 <a:schemeClr val="tx1"/>
@@ -14666,6 +14658,116 @@
           <a:p>
             <a:r>
               <a:rPr lang="en-US" dirty="0"/>
+              <a:t>Experimental Settings</a:t>
+            </a:r>
+          </a:p>
+        </p:txBody>
+      </p:sp>
+    </p:spTree>
+    <p:extLst>
+      <p:ext uri="{BB962C8B-B14F-4D97-AF65-F5344CB8AC3E}">
+        <p14:creationId xmlns:p14="http://schemas.microsoft.com/office/powerpoint/2010/main" val="1325906720"/>
+      </p:ext>
+    </p:extLst>
+  </p:cSld>
+  <p:clrMapOvr>
+    <a:masterClrMapping/>
+  </p:clrMapOvr>
+</p:sld>
+</file>
+
+<file path=ppt/slides/slide23.xml><?xml version="1.0" encoding="utf-8"?>
+<p:sld xmlns:a="http://schemas.openxmlformats.org/drawingml/2006/main" xmlns:r="http://schemas.openxmlformats.org/officeDocument/2006/relationships" xmlns:p="http://schemas.openxmlformats.org/presentationml/2006/main">
+  <p:cSld>
+    <p:spTree>
+      <p:nvGrpSpPr>
+        <p:cNvPr id="1" name=""/>
+        <p:cNvGrpSpPr/>
+        <p:nvPr/>
+      </p:nvGrpSpPr>
+      <p:grpSpPr>
+        <a:xfrm>
+          <a:off x="0" y="0"/>
+          <a:ext cx="0" cy="0"/>
+          <a:chOff x="0" y="0"/>
+          <a:chExt cx="0" cy="0"/>
+        </a:xfrm>
+      </p:grpSpPr>
+      <p:sp>
+        <p:nvSpPr>
+          <p:cNvPr id="3" name="Content Placeholder 2">
+            <a:extLst>
+              <a:ext uri="{FF2B5EF4-FFF2-40B4-BE49-F238E27FC236}">
+                <a16:creationId xmlns:a16="http://schemas.microsoft.com/office/drawing/2014/main" id="{6AB250FE-08C8-4530-B722-29C38A359D8B}"/>
+              </a:ext>
+            </a:extLst>
+          </p:cNvPr>
+          <p:cNvSpPr>
+            <a:spLocks noGrp="1"/>
+          </p:cNvSpPr>
+          <p:nvPr>
+            <p:ph sz="half" idx="2"/>
+          </p:nvPr>
+        </p:nvSpPr>
+        <p:spPr>
+          <a:xfrm>
+            <a:off x="1097280" y="1602378"/>
+            <a:ext cx="10058400" cy="4266718"/>
+          </a:xfrm>
+        </p:spPr>
+        <p:txBody>
+          <a:bodyPr/>
+          <a:lstStyle/>
+          <a:p>
+            <a:r>
+              <a:rPr lang="en-US" dirty="0"/>
+              <a:t>ImageNet ILSVRC 2012 dataset</a:t>
+            </a:r>
+            <a:endParaRPr lang="fa-IR" dirty="0"/>
+          </a:p>
+          <a:p>
+            <a:r>
+              <a:rPr lang="en-US" dirty="0"/>
+              <a:t>There are 12,000 image pairs of size 192 × 192. We use 9,000 of them as the training data and 3,000 as validation set.</a:t>
+            </a:r>
+          </a:p>
+          <a:p>
+            <a:endParaRPr lang="en-US" dirty="0">
+              <a:solidFill>
+                <a:schemeClr val="tx1"/>
+              </a:solidFill>
+            </a:endParaRPr>
+          </a:p>
+        </p:txBody>
+      </p:sp>
+      <p:sp>
+        <p:nvSpPr>
+          <p:cNvPr id="2" name="Title 1">
+            <a:extLst>
+              <a:ext uri="{FF2B5EF4-FFF2-40B4-BE49-F238E27FC236}">
+                <a16:creationId xmlns:a16="http://schemas.microsoft.com/office/drawing/2014/main" id="{CDC62B56-74BF-47D4-B1CD-AF93A810B3B7}"/>
+              </a:ext>
+            </a:extLst>
+          </p:cNvPr>
+          <p:cNvSpPr>
+            <a:spLocks noGrp="1"/>
+          </p:cNvSpPr>
+          <p:nvPr>
+            <p:ph type="title"/>
+          </p:nvPr>
+        </p:nvSpPr>
+        <p:spPr>
+          <a:xfrm>
+            <a:off x="1097280" y="942871"/>
+            <a:ext cx="10058400" cy="587584"/>
+          </a:xfrm>
+        </p:spPr>
+        <p:txBody>
+          <a:bodyPr/>
+          <a:lstStyle/>
+          <a:p>
+            <a:r>
+              <a:rPr lang="en-US" dirty="0"/>
               <a:t>Training Data</a:t>
             </a:r>
           </a:p>
@@ -14684,7 +14786,7 @@
 </p:sld>
 </file>
 
-<file path=ppt/slides/slide23.xml><?xml version="1.0" encoding="utf-8"?>
+<file path=ppt/slides/slide24.xml><?xml version="1.0" encoding="utf-8"?>
 <p:sld xmlns:a="http://schemas.openxmlformats.org/drawingml/2006/main" xmlns:r="http://schemas.openxmlformats.org/officeDocument/2006/relationships" xmlns:p="http://schemas.openxmlformats.org/presentationml/2006/main">
   <p:cSld>
     <p:spTree>
@@ -14729,7 +14831,7 @@
           <a:p>
             <a:r>
               <a:rPr lang="en-US" dirty="0"/>
-              <a:t>Evaluation Metrics</a:t>
+              <a:t>Preliminary Analysis</a:t>
             </a:r>
           </a:p>
         </p:txBody>
@@ -14826,7 +14928,7 @@
 </p:sld>
 </file>
 
-<file path=ppt/slides/slide24.xml><?xml version="1.0" encoding="utf-8"?>
+<file path=ppt/slides/slide25.xml><?xml version="1.0" encoding="utf-8"?>
 <p:sld xmlns:a="http://schemas.openxmlformats.org/drawingml/2006/main" xmlns:r="http://schemas.openxmlformats.org/officeDocument/2006/relationships" xmlns:p="http://schemas.openxmlformats.org/presentationml/2006/main">
   <p:cSld>
     <p:spTree>
@@ -15015,149 +15117,6 @@
     <p:extLst>
       <p:ext uri="{BB962C8B-B14F-4D97-AF65-F5344CB8AC3E}">
         <p14:creationId xmlns:p14="http://schemas.microsoft.com/office/powerpoint/2010/main" val="338996607"/>
-      </p:ext>
-    </p:extLst>
-  </p:cSld>
-  <p:clrMapOvr>
-    <a:masterClrMapping/>
-  </p:clrMapOvr>
-</p:sld>
-</file>
-
-<file path=ppt/slides/slide25.xml><?xml version="1.0" encoding="utf-8"?>
-<p:sld xmlns:a="http://schemas.openxmlformats.org/drawingml/2006/main" xmlns:r="http://schemas.openxmlformats.org/officeDocument/2006/relationships" xmlns:p="http://schemas.openxmlformats.org/presentationml/2006/main">
-  <p:cSld>
-    <p:spTree>
-      <p:nvGrpSpPr>
-        <p:cNvPr id="1" name=""/>
-        <p:cNvGrpSpPr/>
-        <p:nvPr/>
-      </p:nvGrpSpPr>
-      <p:grpSpPr>
-        <a:xfrm>
-          <a:off x="0" y="0"/>
-          <a:ext cx="0" cy="0"/>
-          <a:chOff x="0" y="0"/>
-          <a:chExt cx="0" cy="0"/>
-        </a:xfrm>
-      </p:grpSpPr>
-      <p:sp>
-        <p:nvSpPr>
-          <p:cNvPr id="2" name="Title 1">
-            <a:extLst>
-              <a:ext uri="{FF2B5EF4-FFF2-40B4-BE49-F238E27FC236}">
-                <a16:creationId xmlns:a16="http://schemas.microsoft.com/office/drawing/2014/main" id="{CDC62B56-74BF-47D4-B1CD-AF93A810B3B7}"/>
-              </a:ext>
-            </a:extLst>
-          </p:cNvPr>
-          <p:cNvSpPr>
-            <a:spLocks noGrp="1"/>
-          </p:cNvSpPr>
-          <p:nvPr>
-            <p:ph type="title"/>
-          </p:nvPr>
-        </p:nvSpPr>
-        <p:spPr>
-          <a:xfrm>
-            <a:off x="1097280" y="942871"/>
-            <a:ext cx="10058400" cy="587584"/>
-          </a:xfrm>
-        </p:spPr>
-        <p:txBody>
-          <a:bodyPr/>
-          <a:lstStyle/>
-          <a:p>
-            <a:r>
-              <a:rPr lang="en-US" dirty="0"/>
-              <a:t>Implementation Notes</a:t>
-            </a:r>
-          </a:p>
-        </p:txBody>
-      </p:sp>
-      <p:pic>
-        <p:nvPicPr>
-          <p:cNvPr id="3" name="Picture 2"/>
-          <p:cNvPicPr>
-            <a:picLocks noChangeAspect="1"/>
-          </p:cNvPicPr>
-          <p:nvPr/>
-        </p:nvPicPr>
-        <p:blipFill>
-          <a:blip r:embed="rId2">
-            <a:extLst>
-              <a:ext uri="{28A0092B-C50C-407E-A947-70E740481C1C}">
-                <a14:useLocalDpi xmlns:a14="http://schemas.microsoft.com/office/drawing/2010/main" val="0"/>
-              </a:ext>
-            </a:extLst>
-          </a:blip>
-          <a:stretch>
-            <a:fillRect/>
-          </a:stretch>
-        </p:blipFill>
-        <p:spPr>
-          <a:xfrm>
-            <a:off x="3428769" y="1981074"/>
-            <a:ext cx="5334462" cy="2895851"/>
-          </a:xfrm>
-          <a:prstGeom prst="rect">
-            <a:avLst/>
-          </a:prstGeom>
-        </p:spPr>
-      </p:pic>
-      <p:sp>
-        <p:nvSpPr>
-          <p:cNvPr id="6" name="Rectangle 5"/>
-          <p:cNvSpPr/>
-          <p:nvPr/>
-        </p:nvSpPr>
-        <p:spPr>
-          <a:xfrm>
-            <a:off x="1249680" y="5327544"/>
-            <a:ext cx="9753600" cy="369332"/>
-          </a:xfrm>
-          <a:prstGeom prst="rect">
-            <a:avLst/>
-          </a:prstGeom>
-        </p:spPr>
-        <p:txBody>
-          <a:bodyPr wrap="square">
-            <a:spAutoFit/>
-          </a:bodyPr>
-          <a:lstStyle/>
-          <a:p>
-            <a:pPr algn="ctr" rtl="1"/>
-            <a:r>
-              <a:rPr lang="fa-IR" dirty="0">
-                <a:latin typeface="Calibri" panose="020F0502020204030204" pitchFamily="34" charset="0"/>
-                <a:ea typeface="Calibri" panose="020F0502020204030204" pitchFamily="34" charset="0"/>
-                <a:cs typeface="B Nazanin" panose="00000400000000000000" pitchFamily="2" charset="-78"/>
-              </a:rPr>
-              <a:t>جدول 1 : نتایج تکرار برای گزینه های مختلف طراحی در مجموعه اعتبار سنجی تنظیم شده از </a:t>
-            </a:r>
-            <a:r>
-              <a:rPr lang="en-US" dirty="0">
-                <a:latin typeface="Calibri" panose="020F0502020204030204" pitchFamily="34" charset="0"/>
-                <a:ea typeface="Calibri" panose="020F0502020204030204" pitchFamily="34" charset="0"/>
-                <a:cs typeface="B Nazanin" panose="00000400000000000000" pitchFamily="2" charset="-78"/>
-              </a:rPr>
-              <a:t>ImageNet</a:t>
-            </a:r>
-            <a:r>
-              <a:rPr lang="fa-IR" dirty="0">
-                <a:latin typeface="Calibri" panose="020F0502020204030204" pitchFamily="34" charset="0"/>
-                <a:ea typeface="Calibri" panose="020F0502020204030204" pitchFamily="34" charset="0"/>
-                <a:cs typeface="B Nazanin" panose="00000400000000000000" pitchFamily="2" charset="-78"/>
-              </a:rPr>
-              <a:t>.</a:t>
-            </a:r>
-            <a:endParaRPr lang="en-US" dirty="0"/>
-          </a:p>
-        </p:txBody>
-      </p:sp>
-    </p:spTree>
-    <p:extLst>
-      <p:ext uri="{BB962C8B-B14F-4D97-AF65-F5344CB8AC3E}">
-        <p14:creationId xmlns:p14="http://schemas.microsoft.com/office/powerpoint/2010/main" val="1584950037"/>
       </p:ext>
     </p:extLst>
   </p:cSld>
@@ -15305,6 +15264,150 @@
       </p:grpSpPr>
       <p:sp>
         <p:nvSpPr>
+          <p:cNvPr id="2" name="Title 1">
+            <a:extLst>
+              <a:ext uri="{FF2B5EF4-FFF2-40B4-BE49-F238E27FC236}">
+                <a16:creationId xmlns:a16="http://schemas.microsoft.com/office/drawing/2014/main" id="{CDC62B56-74BF-47D4-B1CD-AF93A810B3B7}"/>
+              </a:ext>
+            </a:extLst>
+          </p:cNvPr>
+          <p:cNvSpPr>
+            <a:spLocks noGrp="1"/>
+          </p:cNvSpPr>
+          <p:nvPr>
+            <p:ph type="title"/>
+          </p:nvPr>
+        </p:nvSpPr>
+        <p:spPr>
+          <a:xfrm>
+            <a:off x="1097280" y="942871"/>
+            <a:ext cx="10058400" cy="587584"/>
+          </a:xfrm>
+        </p:spPr>
+        <p:txBody>
+          <a:bodyPr/>
+          <a:lstStyle/>
+          <a:p>
+            <a:r>
+              <a:rPr lang="en-US" dirty="0"/>
+              <a:t>Preliminary Analysis</a:t>
+            </a:r>
+            <a:endParaRPr lang="en-US" dirty="0"/>
+          </a:p>
+        </p:txBody>
+      </p:sp>
+      <p:pic>
+        <p:nvPicPr>
+          <p:cNvPr id="3" name="Picture 2"/>
+          <p:cNvPicPr>
+            <a:picLocks noChangeAspect="1"/>
+          </p:cNvPicPr>
+          <p:nvPr/>
+        </p:nvPicPr>
+        <p:blipFill>
+          <a:blip r:embed="rId2">
+            <a:extLst>
+              <a:ext uri="{28A0092B-C50C-407E-A947-70E740481C1C}">
+                <a14:useLocalDpi xmlns:a14="http://schemas.microsoft.com/office/drawing/2010/main" val="0"/>
+              </a:ext>
+            </a:extLst>
+          </a:blip>
+          <a:stretch>
+            <a:fillRect/>
+          </a:stretch>
+        </p:blipFill>
+        <p:spPr>
+          <a:xfrm>
+            <a:off x="3428769" y="1981074"/>
+            <a:ext cx="5334462" cy="2895851"/>
+          </a:xfrm>
+          <a:prstGeom prst="rect">
+            <a:avLst/>
+          </a:prstGeom>
+        </p:spPr>
+      </p:pic>
+      <p:sp>
+        <p:nvSpPr>
+          <p:cNvPr id="6" name="Rectangle 5"/>
+          <p:cNvSpPr/>
+          <p:nvPr/>
+        </p:nvSpPr>
+        <p:spPr>
+          <a:xfrm>
+            <a:off x="1249680" y="5327544"/>
+            <a:ext cx="9753600" cy="369332"/>
+          </a:xfrm>
+          <a:prstGeom prst="rect">
+            <a:avLst/>
+          </a:prstGeom>
+        </p:spPr>
+        <p:txBody>
+          <a:bodyPr wrap="square">
+            <a:spAutoFit/>
+          </a:bodyPr>
+          <a:lstStyle/>
+          <a:p>
+            <a:pPr algn="ctr" rtl="1"/>
+            <a:r>
+              <a:rPr lang="fa-IR" dirty="0">
+                <a:latin typeface="Calibri" panose="020F0502020204030204" pitchFamily="34" charset="0"/>
+                <a:ea typeface="Calibri" panose="020F0502020204030204" pitchFamily="34" charset="0"/>
+                <a:cs typeface="B Nazanin" panose="00000400000000000000" pitchFamily="2" charset="-78"/>
+              </a:rPr>
+              <a:t>جدول 1 : نتایج تکرار برای گزینه های مختلف طراحی در مجموعه اعتبار سنجی تنظیم شده از </a:t>
+            </a:r>
+            <a:r>
+              <a:rPr lang="en-US" dirty="0">
+                <a:latin typeface="Calibri" panose="020F0502020204030204" pitchFamily="34" charset="0"/>
+                <a:ea typeface="Calibri" panose="020F0502020204030204" pitchFamily="34" charset="0"/>
+                <a:cs typeface="B Nazanin" panose="00000400000000000000" pitchFamily="2" charset="-78"/>
+              </a:rPr>
+              <a:t>ImageNet</a:t>
+            </a:r>
+            <a:r>
+              <a:rPr lang="fa-IR" dirty="0">
+                <a:latin typeface="Calibri" panose="020F0502020204030204" pitchFamily="34" charset="0"/>
+                <a:ea typeface="Calibri" panose="020F0502020204030204" pitchFamily="34" charset="0"/>
+                <a:cs typeface="B Nazanin" panose="00000400000000000000" pitchFamily="2" charset="-78"/>
+              </a:rPr>
+              <a:t>.</a:t>
+            </a:r>
+            <a:endParaRPr lang="en-US" dirty="0"/>
+          </a:p>
+        </p:txBody>
+      </p:sp>
+    </p:spTree>
+    <p:extLst>
+      <p:ext uri="{BB962C8B-B14F-4D97-AF65-F5344CB8AC3E}">
+        <p14:creationId xmlns:p14="http://schemas.microsoft.com/office/powerpoint/2010/main" val="1584950037"/>
+      </p:ext>
+    </p:extLst>
+  </p:cSld>
+  <p:clrMapOvr>
+    <a:masterClrMapping/>
+  </p:clrMapOvr>
+</p:sld>
+</file>
+
+<file path=ppt/slides/slide28.xml><?xml version="1.0" encoding="utf-8"?>
+<p:sld xmlns:a="http://schemas.openxmlformats.org/drawingml/2006/main" xmlns:r="http://schemas.openxmlformats.org/officeDocument/2006/relationships" xmlns:p="http://schemas.openxmlformats.org/presentationml/2006/main">
+  <p:cSld>
+    <p:spTree>
+      <p:nvGrpSpPr>
+        <p:cNvPr id="1" name=""/>
+        <p:cNvGrpSpPr/>
+        <p:nvPr/>
+      </p:nvGrpSpPr>
+      <p:grpSpPr>
+        <a:xfrm>
+          <a:off x="0" y="0"/>
+          <a:ext cx="0" cy="0"/>
+          <a:chOff x="0" y="0"/>
+          <a:chExt cx="0" cy="0"/>
+        </a:xfrm>
+      </p:grpSpPr>
+      <p:sp>
+        <p:nvSpPr>
           <p:cNvPr id="3" name="Content Placeholder 2">
             <a:extLst>
               <a:ext uri="{FF2B5EF4-FFF2-40B4-BE49-F238E27FC236}">
@@ -15415,7 +15518,7 @@
 </p:sld>
 </file>
 
-<file path=ppt/slides/slide28.xml><?xml version="1.0" encoding="utf-8"?>
+<file path=ppt/slides/slide29.xml><?xml version="1.0" encoding="utf-8"?>
 <p:sld xmlns:a="http://schemas.openxmlformats.org/drawingml/2006/main" xmlns:r="http://schemas.openxmlformats.org/officeDocument/2006/relationships" xmlns:p="http://schemas.openxmlformats.org/presentationml/2006/main">
   <p:cSld>
     <p:spTree>
@@ -15459,9 +15562,14 @@
           <a:lstStyle/>
           <a:p>
             <a:r>
-              <a:rPr lang="en-US" dirty="0"/>
-              <a:t>Preliminary Analysis</a:t>
-            </a:r>
+              <a:rPr lang="en-US" dirty="0" err="1"/>
+              <a:t>Keypoint</a:t>
+            </a:r>
+            <a:r>
+              <a:rPr lang="en-US" dirty="0"/>
+              <a:t> Detection</a:t>
+            </a:r>
+            <a:endParaRPr lang="en-US" dirty="0"/>
           </a:p>
         </p:txBody>
       </p:sp>
@@ -15852,253 +15960,6 @@
     <p:extLst>
       <p:ext uri="{BB962C8B-B14F-4D97-AF65-F5344CB8AC3E}">
         <p14:creationId xmlns:p14="http://schemas.microsoft.com/office/powerpoint/2010/main" val="3832904243"/>
-      </p:ext>
-    </p:extLst>
-  </p:cSld>
-  <p:clrMapOvr>
-    <a:masterClrMapping/>
-  </p:clrMapOvr>
-</p:sld>
-</file>
-
-<file path=ppt/slides/slide29.xml><?xml version="1.0" encoding="utf-8"?>
-<p:sld xmlns:a="http://schemas.openxmlformats.org/drawingml/2006/main" xmlns:r="http://schemas.openxmlformats.org/officeDocument/2006/relationships" xmlns:p="http://schemas.openxmlformats.org/presentationml/2006/main">
-  <p:cSld>
-    <p:spTree>
-      <p:nvGrpSpPr>
-        <p:cNvPr id="1" name=""/>
-        <p:cNvGrpSpPr/>
-        <p:nvPr/>
-      </p:nvGrpSpPr>
-      <p:grpSpPr>
-        <a:xfrm>
-          <a:off x="0" y="0"/>
-          <a:ext cx="0" cy="0"/>
-          <a:chOff x="0" y="0"/>
-          <a:chExt cx="0" cy="0"/>
-        </a:xfrm>
-      </p:grpSpPr>
-      <p:sp>
-        <p:nvSpPr>
-          <p:cNvPr id="2" name="Title 1">
-            <a:extLst>
-              <a:ext uri="{FF2B5EF4-FFF2-40B4-BE49-F238E27FC236}">
-                <a16:creationId xmlns:a16="http://schemas.microsoft.com/office/drawing/2014/main" id="{CDC62B56-74BF-47D4-B1CD-AF93A810B3B7}"/>
-              </a:ext>
-            </a:extLst>
-          </p:cNvPr>
-          <p:cNvSpPr>
-            <a:spLocks noGrp="1"/>
-          </p:cNvSpPr>
-          <p:nvPr>
-            <p:ph type="title"/>
-          </p:nvPr>
-        </p:nvSpPr>
-        <p:spPr>
-          <a:xfrm>
-            <a:off x="1097280" y="942871"/>
-            <a:ext cx="10058400" cy="587584"/>
-          </a:xfrm>
-        </p:spPr>
-        <p:txBody>
-          <a:bodyPr/>
-          <a:lstStyle/>
-          <a:p>
-            <a:r>
-              <a:rPr lang="en-US" dirty="0" err="1"/>
-              <a:t>Keypoint</a:t>
-            </a:r>
-            <a:r>
-              <a:rPr lang="en-US" dirty="0"/>
-              <a:t> Detection</a:t>
-            </a:r>
-          </a:p>
-        </p:txBody>
-      </p:sp>
-      <p:pic>
-        <p:nvPicPr>
-          <p:cNvPr id="4" name="Picture 3"/>
-          <p:cNvPicPr>
-            <a:picLocks noChangeAspect="1"/>
-          </p:cNvPicPr>
-          <p:nvPr/>
-        </p:nvPicPr>
-        <p:blipFill>
-          <a:blip r:embed="rId2">
-            <a:extLst>
-              <a:ext uri="{28A0092B-C50C-407E-A947-70E740481C1C}">
-                <a14:useLocalDpi xmlns:a14="http://schemas.microsoft.com/office/drawing/2010/main" val="0"/>
-              </a:ext>
-            </a:extLst>
-          </a:blip>
-          <a:stretch>
-            <a:fillRect/>
-          </a:stretch>
-        </p:blipFill>
-        <p:spPr>
-          <a:xfrm>
-            <a:off x="4442434" y="1530455"/>
-            <a:ext cx="3368092" cy="3328928"/>
-          </a:xfrm>
-          <a:prstGeom prst="rect">
-            <a:avLst/>
-          </a:prstGeom>
-        </p:spPr>
-      </p:pic>
-      <p:sp>
-        <p:nvSpPr>
-          <p:cNvPr id="5" name="Rectangle 4"/>
-          <p:cNvSpPr/>
-          <p:nvPr/>
-        </p:nvSpPr>
-        <p:spPr>
-          <a:xfrm>
-            <a:off x="1097280" y="5005596"/>
-            <a:ext cx="10058400" cy="882742"/>
-          </a:xfrm>
-          <a:prstGeom prst="rect">
-            <a:avLst/>
-          </a:prstGeom>
-        </p:spPr>
-        <p:txBody>
-          <a:bodyPr wrap="square">
-            <a:spAutoFit/>
-          </a:bodyPr>
-          <a:lstStyle/>
-          <a:p>
-            <a:pPr algn="ctr" rtl="1">
-              <a:lnSpc>
-                <a:spcPct val="107000"/>
-              </a:lnSpc>
-              <a:spcAft>
-                <a:spcPts val="800"/>
-              </a:spcAft>
-            </a:pPr>
-            <a:r>
-              <a:rPr lang="fa-IR" sz="1600" i="1" dirty="0">
-                <a:latin typeface="Calibri" panose="020F0502020204030204" pitchFamily="34" charset="0"/>
-                <a:ea typeface="Calibri" panose="020F0502020204030204" pitchFamily="34" charset="0"/>
-                <a:cs typeface="B Nazanin" panose="00000400000000000000" pitchFamily="2" charset="-78"/>
-              </a:rPr>
-              <a:t>جدول 3 : نمره تطبیق (</a:t>
-            </a:r>
-            <a:r>
-              <a:rPr lang="fa-IR" sz="1600" i="1" dirty="0">
-                <a:latin typeface="Calibri" panose="020F0502020204030204" pitchFamily="34" charset="0"/>
-                <a:ea typeface="Calibri" panose="020F0502020204030204" pitchFamily="34" charset="0"/>
-                <a:cs typeface="Times New Roman" panose="02020603050405020304" pitchFamily="18" charset="0"/>
-              </a:rPr>
-              <a:t>٪</a:t>
-            </a:r>
-            <a:r>
-              <a:rPr lang="fa-IR" sz="1600" i="1" dirty="0">
-                <a:latin typeface="Calibri" panose="020F0502020204030204" pitchFamily="34" charset="0"/>
-                <a:ea typeface="Calibri" panose="020F0502020204030204" pitchFamily="34" charset="0"/>
-                <a:cs typeface="B Nazanin" panose="00000400000000000000" pitchFamily="2" charset="-78"/>
-              </a:rPr>
-              <a:t>) بهترین آشکارسازها با </a:t>
-            </a:r>
-            <a:r>
-              <a:rPr lang="en-US" sz="1600" i="1" dirty="0" err="1">
-                <a:latin typeface="Calibri" panose="020F0502020204030204" pitchFamily="34" charset="0"/>
-                <a:ea typeface="Calibri" panose="020F0502020204030204" pitchFamily="34" charset="0"/>
-                <a:cs typeface="B Nazanin" panose="00000400000000000000" pitchFamily="2" charset="-78"/>
-              </a:rPr>
-              <a:t>HardNet</a:t>
-            </a:r>
-            <a:r>
-              <a:rPr lang="fa-IR" sz="1600" i="1" dirty="0">
-                <a:latin typeface="Calibri" panose="020F0502020204030204" pitchFamily="34" charset="0"/>
-                <a:ea typeface="Calibri" panose="020F0502020204030204" pitchFamily="34" charset="0"/>
-                <a:cs typeface="B Nazanin" panose="00000400000000000000" pitchFamily="2" charset="-78"/>
-              </a:rPr>
-              <a:t> و پیشرفته ترین ردیاب ها / توصیف کننده ها. نتایج در توالی </a:t>
-            </a:r>
-            <a:r>
-              <a:rPr lang="en-US" sz="1600" i="1" dirty="0" err="1">
-                <a:latin typeface="Calibri" panose="020F0502020204030204" pitchFamily="34" charset="0"/>
-                <a:ea typeface="Calibri" panose="020F0502020204030204" pitchFamily="34" charset="0"/>
-                <a:cs typeface="B Nazanin" panose="00000400000000000000" pitchFamily="2" charset="-78"/>
-              </a:rPr>
-              <a:t>HPatches</a:t>
-            </a:r>
-            <a:r>
-              <a:rPr lang="fa-IR" sz="1600" i="1" dirty="0">
-                <a:latin typeface="Calibri" panose="020F0502020204030204" pitchFamily="34" charset="0"/>
-                <a:ea typeface="Calibri" panose="020F0502020204030204" pitchFamily="34" charset="0"/>
-                <a:cs typeface="B Nazanin" panose="00000400000000000000" pitchFamily="2" charset="-78"/>
-              </a:rPr>
-              <a:t> ، هم از نظر دید و هم از نظر میزان روشنایی. معماری </a:t>
-            </a:r>
-            <a:r>
-              <a:rPr lang="en-US" sz="1600" i="1" dirty="0" err="1">
-                <a:latin typeface="Calibri" panose="020F0502020204030204" pitchFamily="34" charset="0"/>
-                <a:ea typeface="Calibri" panose="020F0502020204030204" pitchFamily="34" charset="0"/>
-                <a:cs typeface="B Nazanin" panose="00000400000000000000" pitchFamily="2" charset="-78"/>
-              </a:rPr>
-              <a:t>Key.Net</a:t>
-            </a:r>
-            <a:r>
-              <a:rPr lang="fa-IR" sz="1600" i="1" dirty="0">
-                <a:latin typeface="Calibri" panose="020F0502020204030204" pitchFamily="34" charset="0"/>
-                <a:ea typeface="Calibri" panose="020F0502020204030204" pitchFamily="34" charset="0"/>
-                <a:cs typeface="B Nazanin" panose="00000400000000000000" pitchFamily="2" charset="-78"/>
-              </a:rPr>
-              <a:t> بهترین نمره تطبیق را برای </a:t>
-            </a:r>
-            <a:r>
-              <a:rPr lang="en-US" sz="1600" i="1" dirty="0">
-                <a:latin typeface="Calibri" panose="020F0502020204030204" pitchFamily="34" charset="0"/>
-                <a:ea typeface="Calibri" panose="020F0502020204030204" pitchFamily="34" charset="0"/>
-                <a:cs typeface="B Nazanin" panose="00000400000000000000" pitchFamily="2" charset="-78"/>
-              </a:rPr>
-              <a:t>viewpoint</a:t>
-            </a:r>
-            <a:r>
-              <a:rPr lang="fa-IR" sz="1600" i="1" dirty="0">
-                <a:latin typeface="Calibri" panose="020F0502020204030204" pitchFamily="34" charset="0"/>
-                <a:ea typeface="Calibri" panose="020F0502020204030204" pitchFamily="34" charset="0"/>
-                <a:cs typeface="B Nazanin" panose="00000400000000000000" pitchFamily="2" charset="-78"/>
-              </a:rPr>
-              <a:t> کسب می کند ، در حالی که </a:t>
-            </a:r>
-            <a:r>
-              <a:rPr lang="en-US" sz="1600" i="1" dirty="0">
-                <a:latin typeface="Calibri" panose="020F0502020204030204" pitchFamily="34" charset="0"/>
-                <a:ea typeface="Calibri" panose="020F0502020204030204" pitchFamily="34" charset="0"/>
-                <a:cs typeface="B Nazanin" panose="00000400000000000000" pitchFamily="2" charset="-78"/>
-              </a:rPr>
-              <a:t>LF-Net + </a:t>
-            </a:r>
-            <a:r>
-              <a:rPr lang="en-US" sz="1600" i="1" dirty="0" err="1">
-                <a:latin typeface="Calibri" panose="020F0502020204030204" pitchFamily="34" charset="0"/>
-                <a:ea typeface="Calibri" panose="020F0502020204030204" pitchFamily="34" charset="0"/>
-                <a:cs typeface="B Nazanin" panose="00000400000000000000" pitchFamily="2" charset="-78"/>
-              </a:rPr>
-              <a:t>HardNet</a:t>
-            </a:r>
-            <a:r>
-              <a:rPr lang="fa-IR" sz="1600" i="1" dirty="0">
-                <a:latin typeface="Calibri" panose="020F0502020204030204" pitchFamily="34" charset="0"/>
-                <a:ea typeface="Calibri" panose="020F0502020204030204" pitchFamily="34" charset="0"/>
-                <a:cs typeface="B Nazanin" panose="00000400000000000000" pitchFamily="2" charset="-78"/>
-              </a:rPr>
-              <a:t> برای توالی های روشنایی است.</a:t>
-            </a:r>
-            <a:endParaRPr lang="en-US" sz="2400" dirty="0">
-              <a:effectLst/>
-              <a:latin typeface="Calibri" panose="020F0502020204030204" pitchFamily="34" charset="0"/>
-              <a:ea typeface="Calibri" panose="020F0502020204030204" pitchFamily="34" charset="0"/>
-              <a:cs typeface="Arial" panose="020B0604020202020204" pitchFamily="34" charset="0"/>
-            </a:endParaRPr>
-          </a:p>
-        </p:txBody>
-      </p:sp>
-    </p:spTree>
-    <p:extLst>
-      <p:ext uri="{BB962C8B-B14F-4D97-AF65-F5344CB8AC3E}">
-        <p14:creationId xmlns:p14="http://schemas.microsoft.com/office/powerpoint/2010/main" val="2022033756"/>
       </p:ext>
     </p:extLst>
   </p:cSld>
@@ -16180,36 +16041,53 @@
         <p:spPr/>
         <p:txBody>
           <a:bodyPr>
-            <a:normAutofit/>
+            <a:noAutofit/>
           </a:bodyPr>
           <a:lstStyle/>
           <a:p>
-            <a:pPr>
-              <a:buFont typeface="+mj-lt"/>
-              <a:buAutoNum type="arabicPeriod" startAt="7"/>
-            </a:pPr>
             <a:r>
               <a:rPr lang="en-US" sz="1800" dirty="0" smtClean="0"/>
-              <a:t>Results</a:t>
-            </a:r>
-            <a:endParaRPr lang="en-US" sz="1800" dirty="0" smtClean="0"/>
+              <a:t>Abstract</a:t>
+            </a:r>
+          </a:p>
+          <a:p>
+            <a:r>
+              <a:rPr lang="en-US" sz="1800" dirty="0" smtClean="0"/>
+              <a:t>Introduction</a:t>
+            </a:r>
+          </a:p>
+          <a:p>
+            <a:r>
+              <a:rPr lang="en-US" sz="1800" dirty="0" smtClean="0"/>
+              <a:t>Related Work</a:t>
+            </a:r>
           </a:p>
           <a:p>
             <a:pPr lvl="1"/>
             <a:r>
               <a:rPr lang="en-US" sz="1800" dirty="0"/>
-              <a:t>Preliminary </a:t>
+              <a:t>Handcrafted </a:t>
             </a:r>
             <a:r>
               <a:rPr lang="en-US" sz="1800" dirty="0" smtClean="0"/>
-              <a:t>Analysis</a:t>
+              <a:t>Detectors</a:t>
             </a:r>
           </a:p>
           <a:p>
             <a:pPr lvl="1"/>
             <a:r>
+              <a:rPr lang="en-US" sz="1800" dirty="0"/>
+              <a:t>Learned </a:t>
+            </a:r>
+            <a:r>
+              <a:rPr lang="en-US" sz="1800" dirty="0" smtClean="0"/>
+              <a:t>Detectors</a:t>
+            </a:r>
+          </a:p>
+          <a:p>
+            <a:r>
               <a:rPr lang="en-US" sz="1800" dirty="0" err="1"/>
-              <a:t>Keypoint</a:t>
+              <a:t>Key.Net</a:t>
             </a:r>
             <a:r>
               <a:rPr lang="en-US" sz="1800" dirty="0"/>
@@ -16217,47 +16095,94 @@
             </a:r>
             <a:r>
               <a:rPr lang="en-US" sz="1800" dirty="0" smtClean="0"/>
-              <a:t>Detection</a:t>
+              <a:t>Architecture</a:t>
             </a:r>
           </a:p>
           <a:p>
             <a:pPr lvl="1"/>
             <a:r>
-              <a:rPr lang="en-US" sz="1800" dirty="0" err="1"/>
-              <a:t>Keypoint</a:t>
-            </a:r>
-            <a:r>
               <a:rPr lang="en-US" sz="1800" dirty="0"/>
-              <a:t> </a:t>
+              <a:t>Handcrafted and Learned </a:t>
             </a:r>
             <a:r>
               <a:rPr lang="en-US" sz="1800" dirty="0" smtClean="0"/>
-              <a:t>Matching</a:t>
+              <a:t>Filters</a:t>
             </a:r>
           </a:p>
           <a:p>
             <a:pPr lvl="1"/>
             <a:r>
+              <a:rPr lang="en-US" sz="1800" dirty="0"/>
+              <a:t>Multi-scale </a:t>
+            </a:r>
+            <a:r>
               <a:rPr lang="en-US" sz="1800" dirty="0" smtClean="0"/>
-              <a:t>Efficiency</a:t>
-            </a:r>
-          </a:p>
-          <a:p>
-            <a:pPr>
-              <a:buAutoNum type="arabicPeriod" startAt="7"/>
-            </a:pPr>
+              <a:t>Pyramid</a:t>
+            </a:r>
+          </a:p>
+          <a:p>
+            <a:r>
+              <a:rPr lang="en-US" sz="1800" dirty="0"/>
+              <a:t>Loss </a:t>
+            </a:r>
             <a:r>
               <a:rPr lang="en-US" sz="1800" dirty="0" smtClean="0"/>
-              <a:t>Conclusions</a:t>
-            </a:r>
-          </a:p>
-          <a:p>
-            <a:pPr>
-              <a:buAutoNum type="arabicPeriod" startAt="7"/>
-            </a:pPr>
+              <a:t>Functions</a:t>
+            </a:r>
+          </a:p>
+          <a:p>
+            <a:pPr lvl="1"/>
             <a:r>
               <a:rPr lang="en-US" sz="1800" dirty="0"/>
-              <a:t>References</a:t>
+              <a:t>Index Proposal </a:t>
+            </a:r>
+            <a:r>
+              <a:rPr lang="en-US" sz="1800" dirty="0" smtClean="0"/>
+              <a:t>Layer</a:t>
+            </a:r>
+            <a:endParaRPr lang="en-US" sz="1800" dirty="0"/>
+          </a:p>
+          <a:p>
+            <a:r>
+              <a:rPr lang="en-US" sz="1800" dirty="0"/>
+              <a:t>Experimental </a:t>
+            </a:r>
+            <a:r>
+              <a:rPr lang="en-US" sz="1800" dirty="0" smtClean="0"/>
+              <a:t>Settings</a:t>
+            </a:r>
+          </a:p>
+          <a:p>
+            <a:pPr lvl="1"/>
+            <a:r>
+              <a:rPr lang="en-US" sz="1800" dirty="0"/>
+              <a:t>Training </a:t>
+            </a:r>
+            <a:r>
+              <a:rPr lang="en-US" sz="1800" dirty="0" smtClean="0"/>
+              <a:t>Data</a:t>
+            </a:r>
+          </a:p>
+          <a:p>
+            <a:pPr lvl="1"/>
+            <a:r>
+              <a:rPr lang="en-US" sz="1800" dirty="0"/>
+              <a:t>Evaluation </a:t>
+            </a:r>
+            <a:r>
+              <a:rPr lang="en-US" sz="1800" dirty="0" smtClean="0"/>
+              <a:t>Metrics</a:t>
+            </a:r>
+          </a:p>
+          <a:p>
+            <a:pPr lvl="1"/>
+            <a:r>
+              <a:rPr lang="en-US" sz="1800" dirty="0"/>
+              <a:t>Implementation </a:t>
+            </a:r>
+            <a:r>
+              <a:rPr lang="en-US" sz="1800" dirty="0" smtClean="0"/>
+              <a:t>Notes</a:t>
             </a:r>
           </a:p>
         </p:txBody>
@@ -16265,7 +16190,7 @@
     </p:spTree>
     <p:extLst>
       <p:ext uri="{BB962C8B-B14F-4D97-AF65-F5344CB8AC3E}">
-        <p14:creationId xmlns:p14="http://schemas.microsoft.com/office/powerpoint/2010/main" val="1638963298"/>
+        <p14:creationId xmlns:p14="http://schemas.microsoft.com/office/powerpoint/2010/main" val="2276898735"/>
       </p:ext>
     </p:extLst>
   </p:cSld>
@@ -16326,6 +16251,251 @@
               <a:rPr lang="en-US" dirty="0"/>
               <a:t> Matching</a:t>
             </a:r>
+            <a:endParaRPr lang="en-US" dirty="0"/>
+          </a:p>
+        </p:txBody>
+      </p:sp>
+      <p:pic>
+        <p:nvPicPr>
+          <p:cNvPr id="4" name="Picture 3"/>
+          <p:cNvPicPr>
+            <a:picLocks noChangeAspect="1"/>
+          </p:cNvPicPr>
+          <p:nvPr/>
+        </p:nvPicPr>
+        <p:blipFill>
+          <a:blip r:embed="rId2">
+            <a:extLst>
+              <a:ext uri="{28A0092B-C50C-407E-A947-70E740481C1C}">
+                <a14:useLocalDpi xmlns:a14="http://schemas.microsoft.com/office/drawing/2010/main" val="0"/>
+              </a:ext>
+            </a:extLst>
+          </a:blip>
+          <a:stretch>
+            <a:fillRect/>
+          </a:stretch>
+        </p:blipFill>
+        <p:spPr>
+          <a:xfrm>
+            <a:off x="4442434" y="1530455"/>
+            <a:ext cx="3368092" cy="3328928"/>
+          </a:xfrm>
+          <a:prstGeom prst="rect">
+            <a:avLst/>
+          </a:prstGeom>
+        </p:spPr>
+      </p:pic>
+      <p:sp>
+        <p:nvSpPr>
+          <p:cNvPr id="5" name="Rectangle 4"/>
+          <p:cNvSpPr/>
+          <p:nvPr/>
+        </p:nvSpPr>
+        <p:spPr>
+          <a:xfrm>
+            <a:off x="1097280" y="5005596"/>
+            <a:ext cx="10058400" cy="882742"/>
+          </a:xfrm>
+          <a:prstGeom prst="rect">
+            <a:avLst/>
+          </a:prstGeom>
+        </p:spPr>
+        <p:txBody>
+          <a:bodyPr wrap="square">
+            <a:spAutoFit/>
+          </a:bodyPr>
+          <a:lstStyle/>
+          <a:p>
+            <a:pPr algn="ctr" rtl="1">
+              <a:lnSpc>
+                <a:spcPct val="107000"/>
+              </a:lnSpc>
+              <a:spcAft>
+                <a:spcPts val="800"/>
+              </a:spcAft>
+            </a:pPr>
+            <a:r>
+              <a:rPr lang="fa-IR" sz="1600" i="1" dirty="0">
+                <a:latin typeface="Calibri" panose="020F0502020204030204" pitchFamily="34" charset="0"/>
+                <a:ea typeface="Calibri" panose="020F0502020204030204" pitchFamily="34" charset="0"/>
+                <a:cs typeface="B Nazanin" panose="00000400000000000000" pitchFamily="2" charset="-78"/>
+              </a:rPr>
+              <a:t>جدول 3 : نمره تطبیق (</a:t>
+            </a:r>
+            <a:r>
+              <a:rPr lang="fa-IR" sz="1600" i="1" dirty="0">
+                <a:latin typeface="Calibri" panose="020F0502020204030204" pitchFamily="34" charset="0"/>
+                <a:ea typeface="Calibri" panose="020F0502020204030204" pitchFamily="34" charset="0"/>
+                <a:cs typeface="Times New Roman" panose="02020603050405020304" pitchFamily="18" charset="0"/>
+              </a:rPr>
+              <a:t>٪</a:t>
+            </a:r>
+            <a:r>
+              <a:rPr lang="fa-IR" sz="1600" i="1" dirty="0">
+                <a:latin typeface="Calibri" panose="020F0502020204030204" pitchFamily="34" charset="0"/>
+                <a:ea typeface="Calibri" panose="020F0502020204030204" pitchFamily="34" charset="0"/>
+                <a:cs typeface="B Nazanin" panose="00000400000000000000" pitchFamily="2" charset="-78"/>
+              </a:rPr>
+              <a:t>) بهترین آشکارسازها با </a:t>
+            </a:r>
+            <a:r>
+              <a:rPr lang="en-US" sz="1600" i="1" dirty="0" err="1">
+                <a:latin typeface="Calibri" panose="020F0502020204030204" pitchFamily="34" charset="0"/>
+                <a:ea typeface="Calibri" panose="020F0502020204030204" pitchFamily="34" charset="0"/>
+                <a:cs typeface="B Nazanin" panose="00000400000000000000" pitchFamily="2" charset="-78"/>
+              </a:rPr>
+              <a:t>HardNet</a:t>
+            </a:r>
+            <a:r>
+              <a:rPr lang="fa-IR" sz="1600" i="1" dirty="0">
+                <a:latin typeface="Calibri" panose="020F0502020204030204" pitchFamily="34" charset="0"/>
+                <a:ea typeface="Calibri" panose="020F0502020204030204" pitchFamily="34" charset="0"/>
+                <a:cs typeface="B Nazanin" panose="00000400000000000000" pitchFamily="2" charset="-78"/>
+              </a:rPr>
+              <a:t> و پیشرفته ترین ردیاب ها / توصیف کننده ها. نتایج در توالی </a:t>
+            </a:r>
+            <a:r>
+              <a:rPr lang="en-US" sz="1600" i="1" dirty="0" err="1">
+                <a:latin typeface="Calibri" panose="020F0502020204030204" pitchFamily="34" charset="0"/>
+                <a:ea typeface="Calibri" panose="020F0502020204030204" pitchFamily="34" charset="0"/>
+                <a:cs typeface="B Nazanin" panose="00000400000000000000" pitchFamily="2" charset="-78"/>
+              </a:rPr>
+              <a:t>HPatches</a:t>
+            </a:r>
+            <a:r>
+              <a:rPr lang="fa-IR" sz="1600" i="1" dirty="0">
+                <a:latin typeface="Calibri" panose="020F0502020204030204" pitchFamily="34" charset="0"/>
+                <a:ea typeface="Calibri" panose="020F0502020204030204" pitchFamily="34" charset="0"/>
+                <a:cs typeface="B Nazanin" panose="00000400000000000000" pitchFamily="2" charset="-78"/>
+              </a:rPr>
+              <a:t> ، هم از نظر دید و هم از نظر میزان روشنایی. معماری </a:t>
+            </a:r>
+            <a:r>
+              <a:rPr lang="en-US" sz="1600" i="1" dirty="0" err="1">
+                <a:latin typeface="Calibri" panose="020F0502020204030204" pitchFamily="34" charset="0"/>
+                <a:ea typeface="Calibri" panose="020F0502020204030204" pitchFamily="34" charset="0"/>
+                <a:cs typeface="B Nazanin" panose="00000400000000000000" pitchFamily="2" charset="-78"/>
+              </a:rPr>
+              <a:t>Key.Net</a:t>
+            </a:r>
+            <a:r>
+              <a:rPr lang="fa-IR" sz="1600" i="1" dirty="0">
+                <a:latin typeface="Calibri" panose="020F0502020204030204" pitchFamily="34" charset="0"/>
+                <a:ea typeface="Calibri" panose="020F0502020204030204" pitchFamily="34" charset="0"/>
+                <a:cs typeface="B Nazanin" panose="00000400000000000000" pitchFamily="2" charset="-78"/>
+              </a:rPr>
+              <a:t> بهترین نمره تطبیق را برای </a:t>
+            </a:r>
+            <a:r>
+              <a:rPr lang="en-US" sz="1600" i="1" dirty="0">
+                <a:latin typeface="Calibri" panose="020F0502020204030204" pitchFamily="34" charset="0"/>
+                <a:ea typeface="Calibri" panose="020F0502020204030204" pitchFamily="34" charset="0"/>
+                <a:cs typeface="B Nazanin" panose="00000400000000000000" pitchFamily="2" charset="-78"/>
+              </a:rPr>
+              <a:t>viewpoint</a:t>
+            </a:r>
+            <a:r>
+              <a:rPr lang="fa-IR" sz="1600" i="1" dirty="0">
+                <a:latin typeface="Calibri" panose="020F0502020204030204" pitchFamily="34" charset="0"/>
+                <a:ea typeface="Calibri" panose="020F0502020204030204" pitchFamily="34" charset="0"/>
+                <a:cs typeface="B Nazanin" panose="00000400000000000000" pitchFamily="2" charset="-78"/>
+              </a:rPr>
+              <a:t> کسب می کند ، در حالی که </a:t>
+            </a:r>
+            <a:r>
+              <a:rPr lang="en-US" sz="1600" i="1" dirty="0">
+                <a:latin typeface="Calibri" panose="020F0502020204030204" pitchFamily="34" charset="0"/>
+                <a:ea typeface="Calibri" panose="020F0502020204030204" pitchFamily="34" charset="0"/>
+                <a:cs typeface="B Nazanin" panose="00000400000000000000" pitchFamily="2" charset="-78"/>
+              </a:rPr>
+              <a:t>LF-Net + </a:t>
+            </a:r>
+            <a:r>
+              <a:rPr lang="en-US" sz="1600" i="1" dirty="0" err="1">
+                <a:latin typeface="Calibri" panose="020F0502020204030204" pitchFamily="34" charset="0"/>
+                <a:ea typeface="Calibri" panose="020F0502020204030204" pitchFamily="34" charset="0"/>
+                <a:cs typeface="B Nazanin" panose="00000400000000000000" pitchFamily="2" charset="-78"/>
+              </a:rPr>
+              <a:t>HardNet</a:t>
+            </a:r>
+            <a:r>
+              <a:rPr lang="fa-IR" sz="1600" i="1" dirty="0">
+                <a:latin typeface="Calibri" panose="020F0502020204030204" pitchFamily="34" charset="0"/>
+                <a:ea typeface="Calibri" panose="020F0502020204030204" pitchFamily="34" charset="0"/>
+                <a:cs typeface="B Nazanin" panose="00000400000000000000" pitchFamily="2" charset="-78"/>
+              </a:rPr>
+              <a:t> برای توالی های روشنایی است.</a:t>
+            </a:r>
+            <a:endParaRPr lang="en-US" sz="2400" dirty="0">
+              <a:effectLst/>
+              <a:latin typeface="Calibri" panose="020F0502020204030204" pitchFamily="34" charset="0"/>
+              <a:ea typeface="Calibri" panose="020F0502020204030204" pitchFamily="34" charset="0"/>
+              <a:cs typeface="Arial" panose="020B0604020202020204" pitchFamily="34" charset="0"/>
+            </a:endParaRPr>
+          </a:p>
+        </p:txBody>
+      </p:sp>
+    </p:spTree>
+    <p:extLst>
+      <p:ext uri="{BB962C8B-B14F-4D97-AF65-F5344CB8AC3E}">
+        <p14:creationId xmlns:p14="http://schemas.microsoft.com/office/powerpoint/2010/main" val="2022033756"/>
+      </p:ext>
+    </p:extLst>
+  </p:cSld>
+  <p:clrMapOvr>
+    <a:masterClrMapping/>
+  </p:clrMapOvr>
+</p:sld>
+</file>
+
+<file path=ppt/slides/slide31.xml><?xml version="1.0" encoding="utf-8"?>
+<p:sld xmlns:a="http://schemas.openxmlformats.org/drawingml/2006/main" xmlns:r="http://schemas.openxmlformats.org/officeDocument/2006/relationships" xmlns:p="http://schemas.openxmlformats.org/presentationml/2006/main">
+  <p:cSld>
+    <p:spTree>
+      <p:nvGrpSpPr>
+        <p:cNvPr id="1" name=""/>
+        <p:cNvGrpSpPr/>
+        <p:nvPr/>
+      </p:nvGrpSpPr>
+      <p:grpSpPr>
+        <a:xfrm>
+          <a:off x="0" y="0"/>
+          <a:ext cx="0" cy="0"/>
+          <a:chOff x="0" y="0"/>
+          <a:chExt cx="0" cy="0"/>
+        </a:xfrm>
+      </p:grpSpPr>
+      <p:sp>
+        <p:nvSpPr>
+          <p:cNvPr id="2" name="Title 1">
+            <a:extLst>
+              <a:ext uri="{FF2B5EF4-FFF2-40B4-BE49-F238E27FC236}">
+                <a16:creationId xmlns:a16="http://schemas.microsoft.com/office/drawing/2014/main" id="{CDC62B56-74BF-47D4-B1CD-AF93A810B3B7}"/>
+              </a:ext>
+            </a:extLst>
+          </p:cNvPr>
+          <p:cNvSpPr>
+            <a:spLocks noGrp="1"/>
+          </p:cNvSpPr>
+          <p:nvPr>
+            <p:ph type="title"/>
+          </p:nvPr>
+        </p:nvSpPr>
+        <p:spPr>
+          <a:xfrm>
+            <a:off x="1097280" y="942871"/>
+            <a:ext cx="10058400" cy="587584"/>
+          </a:xfrm>
+        </p:spPr>
+        <p:txBody>
+          <a:bodyPr/>
+          <a:lstStyle/>
+          <a:p>
+            <a:r>
+              <a:rPr lang="en-US" dirty="0"/>
+              <a:t>Efficiency</a:t>
+            </a:r>
+            <a:endParaRPr lang="en-US" dirty="0"/>
           </a:p>
         </p:txBody>
       </p:sp>
@@ -16445,7 +16615,7 @@
 </p:sld>
 </file>
 
-<file path=ppt/slides/slide31.xml><?xml version="1.0" encoding="utf-8"?>
+<file path=ppt/slides/slide32.xml><?xml version="1.0" encoding="utf-8"?>
 <p:sld xmlns:a="http://schemas.openxmlformats.org/drawingml/2006/main" xmlns:r="http://schemas.openxmlformats.org/officeDocument/2006/relationships" xmlns:p="http://schemas.openxmlformats.org/presentationml/2006/main">
   <p:cSld>
     <p:spTree>
@@ -16595,133 +16765,6 @@
     <p:extLst>
       <p:ext uri="{BB962C8B-B14F-4D97-AF65-F5344CB8AC3E}">
         <p14:creationId xmlns:p14="http://schemas.microsoft.com/office/powerpoint/2010/main" val="622831513"/>
-      </p:ext>
-    </p:extLst>
-  </p:cSld>
-  <p:clrMapOvr>
-    <a:masterClrMapping/>
-  </p:clrMapOvr>
-</p:sld>
-</file>
-
-<file path=ppt/slides/slide32.xml><?xml version="1.0" encoding="utf-8"?>
-<p:sld xmlns:a="http://schemas.openxmlformats.org/drawingml/2006/main" xmlns:r="http://schemas.openxmlformats.org/officeDocument/2006/relationships" xmlns:p="http://schemas.openxmlformats.org/presentationml/2006/main">
-  <p:cSld>
-    <p:spTree>
-      <p:nvGrpSpPr>
-        <p:cNvPr id="1" name=""/>
-        <p:cNvGrpSpPr/>
-        <p:nvPr/>
-      </p:nvGrpSpPr>
-      <p:grpSpPr>
-        <a:xfrm>
-          <a:off x="0" y="0"/>
-          <a:ext cx="0" cy="0"/>
-          <a:chOff x="0" y="0"/>
-          <a:chExt cx="0" cy="0"/>
-        </a:xfrm>
-      </p:grpSpPr>
-      <p:sp>
-        <p:nvSpPr>
-          <p:cNvPr id="3" name="Content Placeholder 2">
-            <a:extLst>
-              <a:ext uri="{FF2B5EF4-FFF2-40B4-BE49-F238E27FC236}">
-                <a16:creationId xmlns:a16="http://schemas.microsoft.com/office/drawing/2014/main" id="{6AB250FE-08C8-4530-B722-29C38A359D8B}"/>
-              </a:ext>
-            </a:extLst>
-          </p:cNvPr>
-          <p:cNvSpPr>
-            <a:spLocks noGrp="1"/>
-          </p:cNvSpPr>
-          <p:nvPr>
-            <p:ph sz="half" idx="2"/>
-          </p:nvPr>
-        </p:nvSpPr>
-        <p:spPr>
-          <a:xfrm>
-            <a:off x="1097280" y="1602378"/>
-            <a:ext cx="10058400" cy="4266718"/>
-          </a:xfrm>
-        </p:spPr>
-        <p:txBody>
-          <a:bodyPr>
-            <a:noAutofit/>
-          </a:bodyPr>
-          <a:lstStyle/>
-          <a:p>
-            <a:r>
-              <a:rPr lang="en-US" sz="1800" dirty="0"/>
-              <a:t>We have introduced a novel approach to detect local features that combines handcrafted and learned CNN filters. We have proposed a multi-scale index proposal layer that finds </a:t>
-            </a:r>
-            <a:r>
-              <a:rPr lang="en-US" sz="1800" dirty="0" err="1"/>
-              <a:t>keypoints</a:t>
-            </a:r>
-            <a:r>
-              <a:rPr lang="en-US" sz="1800" dirty="0"/>
-              <a:t> across a range of scales, with a loss function that optimizes the robustness and discriminating properties of the detections. We demonstrated how to compute and combine differentiable </a:t>
-            </a:r>
-            <a:r>
-              <a:rPr lang="en-US" sz="1800" dirty="0" err="1"/>
-              <a:t>keypoint</a:t>
-            </a:r>
-            <a:r>
-              <a:rPr lang="en-US" sz="1800" dirty="0"/>
-              <a:t> detection loss for multiscale representation. Evaluation results on large benchmark show that combining handcrafted and learned features as well as multi-scale analysis at different stages of the network improves the repeatability scores compared to other state-of-the-art </a:t>
-            </a:r>
-            <a:r>
-              <a:rPr lang="en-US" sz="1800" dirty="0" err="1"/>
-              <a:t>keypoint</a:t>
-            </a:r>
-            <a:r>
-              <a:rPr lang="en-US" sz="1800" dirty="0"/>
-              <a:t> detection methods</a:t>
-            </a:r>
-            <a:r>
-              <a:rPr lang="en-US" sz="1800" dirty="0" smtClean="0"/>
-              <a:t>.</a:t>
-            </a:r>
-            <a:endParaRPr lang="en-US" sz="1800" dirty="0"/>
-          </a:p>
-        </p:txBody>
-      </p:sp>
-      <p:sp>
-        <p:nvSpPr>
-          <p:cNvPr id="2" name="Title 1">
-            <a:extLst>
-              <a:ext uri="{FF2B5EF4-FFF2-40B4-BE49-F238E27FC236}">
-                <a16:creationId xmlns:a16="http://schemas.microsoft.com/office/drawing/2014/main" id="{CDC62B56-74BF-47D4-B1CD-AF93A810B3B7}"/>
-              </a:ext>
-            </a:extLst>
-          </p:cNvPr>
-          <p:cNvSpPr>
-            <a:spLocks noGrp="1"/>
-          </p:cNvSpPr>
-          <p:nvPr>
-            <p:ph type="title"/>
-          </p:nvPr>
-        </p:nvSpPr>
-        <p:spPr>
-          <a:xfrm>
-            <a:off x="1097280" y="942871"/>
-            <a:ext cx="10058400" cy="587584"/>
-          </a:xfrm>
-        </p:spPr>
-        <p:txBody>
-          <a:bodyPr/>
-          <a:lstStyle/>
-          <a:p>
-            <a:r>
-              <a:rPr lang="en-US" dirty="0"/>
-              <a:t>Conclusions</a:t>
-            </a:r>
-          </a:p>
-        </p:txBody>
-      </p:sp>
-    </p:spTree>
-    <p:extLst>
-      <p:ext uri="{BB962C8B-B14F-4D97-AF65-F5344CB8AC3E}">
-        <p14:creationId xmlns:p14="http://schemas.microsoft.com/office/powerpoint/2010/main" val="549775944"/>
       </p:ext>
     </p:extLst>
   </p:cSld>
@@ -16777,12 +16820,36 @@
           <a:lstStyle/>
           <a:p>
             <a:r>
+              <a:rPr lang="en-US" sz="1800" dirty="0"/>
+              <a:t>We have introduced a novel approach to detect local features that combines handcrafted and learned CNN filters. We have proposed a multi-scale index proposal layer that finds </a:t>
+            </a:r>
+            <a:r>
+              <a:rPr lang="en-US" sz="1800" dirty="0" err="1"/>
+              <a:t>keypoints</a:t>
+            </a:r>
+            <a:r>
+              <a:rPr lang="en-US" sz="1800" dirty="0"/>
+              <a:t> across a range of scales, with a loss function that optimizes the robustness and discriminating properties of the detections. We demonstrated how to compute and combine differentiable </a:t>
+            </a:r>
+            <a:r>
+              <a:rPr lang="en-US" sz="1800" dirty="0" err="1"/>
+              <a:t>keypoint</a:t>
+            </a:r>
+            <a:r>
+              <a:rPr lang="en-US" sz="1800" dirty="0"/>
+              <a:t> detection loss for multiscale representation. Evaluation results on large benchmark show that combining handcrafted and learned features as well as multi-scale analysis at different stages of the network improves the repeatability scores compared to other state-of-the-art </a:t>
+            </a:r>
+            <a:r>
+              <a:rPr lang="en-US" sz="1800" dirty="0" err="1"/>
+              <a:t>keypoint</a:t>
+            </a:r>
+            <a:r>
+              <a:rPr lang="en-US" sz="1800" dirty="0"/>
+              <a:t> detection methods</a:t>
+            </a:r>
+            <a:r>
               <a:rPr lang="en-US" sz="1800" dirty="0" smtClean="0"/>
-              <a:t>We </a:t>
-            </a:r>
-            <a:r>
-              <a:rPr lang="en-US" sz="1800" dirty="0"/>
-              <a:t>further show that excessively increasing network’s complexity does not lead to improved results. In contrast, using handcrafted filters allows to significantly reduce the complexity of the architecture leading to a detector with 280 learnable parameters and inference of 175 frames per second. Proposed detectors lead to state of the-art matching performance when used with a descriptor on viewpoint.</a:t>
+              <a:t>.</a:t>
             </a:r>
             <a:endParaRPr lang="en-US" sz="1800" dirty="0"/>
           </a:p>
@@ -16824,7 +16891,7 @@
     </p:spTree>
     <p:extLst>
       <p:ext uri="{BB962C8B-B14F-4D97-AF65-F5344CB8AC3E}">
-        <p14:creationId xmlns:p14="http://schemas.microsoft.com/office/powerpoint/2010/main" val="4287027704"/>
+        <p14:creationId xmlns:p14="http://schemas.microsoft.com/office/powerpoint/2010/main" val="549775944"/>
       </p:ext>
     </p:extLst>
   </p:cSld>
@@ -16875,426 +16942,18 @@
         </p:spPr>
         <p:txBody>
           <a:bodyPr>
-            <a:normAutofit fontScale="70000" lnSpcReduction="20000"/>
+            <a:noAutofit/>
           </a:bodyPr>
           <a:lstStyle/>
           <a:p>
             <a:r>
-              <a:rPr lang="en-US" dirty="0"/>
-              <a:t>[1] Karel </a:t>
-            </a:r>
-            <a:r>
-              <a:rPr lang="en-US" dirty="0" err="1"/>
-              <a:t>Lenc</a:t>
-            </a:r>
-            <a:r>
-              <a:rPr lang="en-US" dirty="0"/>
-              <a:t> and Andrea </a:t>
-            </a:r>
-            <a:r>
-              <a:rPr lang="en-US" dirty="0" err="1"/>
-              <a:t>Vedaldi</a:t>
-            </a:r>
-            <a:r>
-              <a:rPr lang="en-US" dirty="0"/>
-              <a:t>. Large scale evaluation of local image feature detectors on </a:t>
-            </a:r>
-            <a:r>
-              <a:rPr lang="en-US" dirty="0" err="1"/>
-              <a:t>homography</a:t>
-            </a:r>
-            <a:r>
-              <a:rPr lang="en-US" dirty="0"/>
-              <a:t> datasets. BMVC, 2018.</a:t>
-            </a:r>
-          </a:p>
-          <a:p>
-            <a:r>
-              <a:rPr lang="en-US" dirty="0"/>
-              <a:t>[2] </a:t>
-            </a:r>
-            <a:r>
-              <a:rPr lang="en-US" dirty="0" err="1"/>
-              <a:t>Vassileios</a:t>
-            </a:r>
-            <a:r>
-              <a:rPr lang="en-US" dirty="0"/>
-              <a:t> </a:t>
-            </a:r>
-            <a:r>
-              <a:rPr lang="en-US" dirty="0" err="1"/>
-              <a:t>Balntas</a:t>
-            </a:r>
-            <a:r>
-              <a:rPr lang="en-US" dirty="0"/>
-              <a:t>, Karel </a:t>
-            </a:r>
-            <a:r>
-              <a:rPr lang="en-US" dirty="0" err="1"/>
-              <a:t>Lenc</a:t>
-            </a:r>
-            <a:r>
-              <a:rPr lang="en-US" dirty="0"/>
-              <a:t>, Andrea </a:t>
-            </a:r>
-            <a:r>
-              <a:rPr lang="en-US" dirty="0" err="1"/>
-              <a:t>Vedaldi</a:t>
-            </a:r>
-            <a:r>
-              <a:rPr lang="en-US" dirty="0"/>
-              <a:t>, and </a:t>
-            </a:r>
-            <a:r>
-              <a:rPr lang="en-US" dirty="0" err="1"/>
-              <a:t>Krystian</a:t>
-            </a:r>
-            <a:r>
-              <a:rPr lang="en-US" dirty="0"/>
-              <a:t> </a:t>
-            </a:r>
-            <a:r>
-              <a:rPr lang="en-US" dirty="0" err="1"/>
-              <a:t>Mikolajczyk</a:t>
-            </a:r>
-            <a:r>
-              <a:rPr lang="en-US" dirty="0"/>
-              <a:t>. </a:t>
-            </a:r>
-            <a:r>
-              <a:rPr lang="en-US" dirty="0" err="1"/>
-              <a:t>Hpatches</a:t>
-            </a:r>
-            <a:r>
-              <a:rPr lang="en-US" dirty="0"/>
-              <a:t>: A benchmark and evaluation of handcrafted and learned local descriptors. CVPR, 2017.</a:t>
-            </a:r>
-          </a:p>
-          <a:p>
-            <a:r>
-              <a:rPr lang="en-US" dirty="0"/>
-              <a:t>[3] </a:t>
-            </a:r>
-            <a:r>
-              <a:rPr lang="en-US" dirty="0" err="1"/>
-              <a:t>Xufeng</a:t>
-            </a:r>
-            <a:r>
-              <a:rPr lang="en-US" dirty="0"/>
-              <a:t> Han, Thomas Leung, </a:t>
-            </a:r>
-            <a:r>
-              <a:rPr lang="en-US" dirty="0" err="1"/>
-              <a:t>Yangqing</a:t>
-            </a:r>
-            <a:r>
-              <a:rPr lang="en-US" dirty="0"/>
-              <a:t> </a:t>
-            </a:r>
-            <a:r>
-              <a:rPr lang="en-US" dirty="0" err="1"/>
-              <a:t>Jia</a:t>
-            </a:r>
-            <a:r>
-              <a:rPr lang="en-US" dirty="0"/>
-              <a:t>, Rahul </a:t>
-            </a:r>
-            <a:r>
-              <a:rPr lang="en-US" dirty="0" err="1"/>
-              <a:t>Sukthankar</a:t>
-            </a:r>
-            <a:r>
-              <a:rPr lang="en-US" dirty="0"/>
-              <a:t>, and Alexander C. Berg. </a:t>
-            </a:r>
-            <a:r>
-              <a:rPr lang="en-US" dirty="0" err="1"/>
-              <a:t>Matchnet</a:t>
-            </a:r>
-            <a:r>
-              <a:rPr lang="en-US" dirty="0"/>
-              <a:t>: Unifying feature and metric learning for patch-based matching. CVPR, 2015.</a:t>
-            </a:r>
-          </a:p>
-          <a:p>
-            <a:r>
-              <a:rPr lang="en-US" dirty="0"/>
-              <a:t>[4] Sergey </a:t>
-            </a:r>
-            <a:r>
-              <a:rPr lang="en-US" dirty="0" err="1"/>
-              <a:t>Zagoruyko</a:t>
-            </a:r>
-            <a:r>
-              <a:rPr lang="en-US" dirty="0"/>
-              <a:t> and Nikos </a:t>
-            </a:r>
-            <a:r>
-              <a:rPr lang="en-US" dirty="0" err="1"/>
-              <a:t>Komodakis</a:t>
-            </a:r>
-            <a:r>
-              <a:rPr lang="en-US" dirty="0"/>
-              <a:t>. Learning to compare image patches via convolutional neural networks. CVPR, 2015.</a:t>
-            </a:r>
-          </a:p>
-          <a:p>
-            <a:r>
-              <a:rPr lang="en-US" dirty="0"/>
-              <a:t>[5] David G. Lowe. Distinctive image features from </a:t>
-            </a:r>
-            <a:r>
-              <a:rPr lang="en-US" dirty="0" err="1"/>
-              <a:t>scaleinvariant</a:t>
-            </a:r>
-            <a:r>
-              <a:rPr lang="en-US" dirty="0"/>
-              <a:t> </a:t>
-            </a:r>
-            <a:r>
-              <a:rPr lang="en-US" dirty="0" err="1"/>
-              <a:t>keypoints</a:t>
-            </a:r>
-            <a:r>
-              <a:rPr lang="en-US" dirty="0"/>
-              <a:t>. IJCV, 2004.</a:t>
-            </a:r>
-          </a:p>
-          <a:p>
-            <a:r>
-              <a:rPr lang="en-US" dirty="0"/>
-              <a:t>[6] </a:t>
-            </a:r>
-            <a:r>
-              <a:rPr lang="en-US" dirty="0" err="1"/>
-              <a:t>Krystian</a:t>
-            </a:r>
-            <a:r>
-              <a:rPr lang="en-US" dirty="0"/>
-              <a:t> </a:t>
-            </a:r>
-            <a:r>
-              <a:rPr lang="en-US" dirty="0" err="1"/>
-              <a:t>Mikolajczyk</a:t>
-            </a:r>
-            <a:r>
-              <a:rPr lang="en-US" dirty="0"/>
-              <a:t> and Cordelia </a:t>
-            </a:r>
-            <a:r>
-              <a:rPr lang="en-US" dirty="0" err="1"/>
-              <a:t>Schmid</a:t>
-            </a:r>
-            <a:r>
-              <a:rPr lang="en-US" dirty="0"/>
-              <a:t>. Scale &amp; affine invariant interest point detectors. ICCV, 2004.</a:t>
-            </a:r>
-          </a:p>
-          <a:p>
-            <a:r>
-              <a:rPr lang="en-US" dirty="0"/>
-              <a:t>[7] </a:t>
-            </a:r>
-            <a:r>
-              <a:rPr lang="en-US" dirty="0" err="1"/>
-              <a:t>Kwang</a:t>
-            </a:r>
-            <a:r>
-              <a:rPr lang="en-US" dirty="0"/>
-              <a:t> Moo Yi, Eduard </a:t>
-            </a:r>
-            <a:r>
-              <a:rPr lang="en-US" dirty="0" err="1"/>
-              <a:t>Trulls</a:t>
-            </a:r>
-            <a:r>
-              <a:rPr lang="en-US" dirty="0"/>
-              <a:t>, Vincent </a:t>
-            </a:r>
-            <a:r>
-              <a:rPr lang="en-US" dirty="0" err="1"/>
-              <a:t>Lepetit</a:t>
-            </a:r>
-            <a:r>
-              <a:rPr lang="en-US" dirty="0"/>
-              <a:t>, and Pascal </a:t>
-            </a:r>
-            <a:r>
-              <a:rPr lang="en-US" dirty="0" err="1"/>
-              <a:t>Fua</a:t>
-            </a:r>
-            <a:r>
-              <a:rPr lang="en-US" dirty="0"/>
-              <a:t>. Lift: Learned invariant feature transform. ECCV, 2016.</a:t>
-            </a:r>
-          </a:p>
-          <a:p>
-            <a:r>
-              <a:rPr lang="en-US" dirty="0"/>
-              <a:t>[8] Daniel </a:t>
-            </a:r>
-            <a:r>
-              <a:rPr lang="en-US" dirty="0" err="1"/>
-              <a:t>DeTone</a:t>
-            </a:r>
-            <a:r>
-              <a:rPr lang="en-US" dirty="0"/>
-              <a:t>, Tomasz </a:t>
-            </a:r>
-            <a:r>
-              <a:rPr lang="en-US" dirty="0" err="1"/>
-              <a:t>Malisiewicz</a:t>
-            </a:r>
-            <a:r>
-              <a:rPr lang="en-US" dirty="0"/>
-              <a:t>, and Andrew </a:t>
-            </a:r>
-            <a:r>
-              <a:rPr lang="en-US" dirty="0" err="1"/>
-              <a:t>Rabinovich</a:t>
-            </a:r>
-            <a:r>
-              <a:rPr lang="en-US" dirty="0"/>
-              <a:t>. Toward geometric deep slam. </a:t>
-            </a:r>
-            <a:r>
-              <a:rPr lang="en-US" dirty="0" err="1"/>
-              <a:t>arXiv</a:t>
-            </a:r>
-            <a:r>
-              <a:rPr lang="en-US" dirty="0"/>
-              <a:t> preprint arXiv:1707.07410, 2017.</a:t>
-            </a:r>
-          </a:p>
-          <a:p>
-            <a:r>
-              <a:rPr lang="en-US" dirty="0"/>
-              <a:t>[9] Karel </a:t>
-            </a:r>
-            <a:r>
-              <a:rPr lang="en-US" dirty="0" err="1"/>
-              <a:t>Lenc</a:t>
-            </a:r>
-            <a:r>
-              <a:rPr lang="en-US" dirty="0"/>
-              <a:t> and Andrea </a:t>
-            </a:r>
-            <a:r>
-              <a:rPr lang="en-US" dirty="0" err="1"/>
-              <a:t>Vedaldi</a:t>
-            </a:r>
-            <a:r>
-              <a:rPr lang="en-US" dirty="0"/>
-              <a:t>. Learning covariant feature detectors. ECCV, 2016.</a:t>
-            </a:r>
-          </a:p>
-          <a:p>
-            <a:r>
-              <a:rPr lang="en-US" dirty="0"/>
-              <a:t>[10] Xu Zhang, Felix X. Yu, </a:t>
-            </a:r>
-            <a:r>
-              <a:rPr lang="en-US" dirty="0" err="1"/>
-              <a:t>Svebor</a:t>
-            </a:r>
-            <a:r>
-              <a:rPr lang="en-US" dirty="0"/>
-              <a:t> </a:t>
-            </a:r>
-            <a:r>
-              <a:rPr lang="en-US" dirty="0" err="1"/>
-              <a:t>Karaman</a:t>
-            </a:r>
-            <a:r>
-              <a:rPr lang="en-US" dirty="0"/>
-              <a:t>, and Shih-Fu Chang. Learning discriminative and transformation covariant local feature detectors. CVPR, 2017.</a:t>
-            </a:r>
-          </a:p>
-          <a:p>
-            <a:r>
-              <a:rPr lang="en-US" dirty="0"/>
-              <a:t>[11] Yuki Ono, Eduard </a:t>
-            </a:r>
-            <a:r>
-              <a:rPr lang="en-US" dirty="0" err="1"/>
-              <a:t>Trulls</a:t>
-            </a:r>
-            <a:r>
-              <a:rPr lang="en-US" dirty="0"/>
-              <a:t>, Pascal </a:t>
-            </a:r>
-            <a:r>
-              <a:rPr lang="en-US" dirty="0" err="1"/>
-              <a:t>Fua</a:t>
-            </a:r>
-            <a:r>
-              <a:rPr lang="en-US" dirty="0"/>
-              <a:t>, and </a:t>
-            </a:r>
-            <a:r>
-              <a:rPr lang="en-US" dirty="0" err="1"/>
-              <a:t>Kwang</a:t>
-            </a:r>
-            <a:r>
-              <a:rPr lang="en-US" dirty="0"/>
-              <a:t> Moo Yi. LF-Net: Learning Local Features from Images. NIPS, 2018.</a:t>
-            </a:r>
-          </a:p>
-          <a:p>
-            <a:r>
-              <a:rPr lang="en-US" dirty="0"/>
-              <a:t>[12] </a:t>
-            </a:r>
-            <a:r>
-              <a:rPr lang="en-US" dirty="0" err="1"/>
-              <a:t>Kwang</a:t>
-            </a:r>
-            <a:r>
-              <a:rPr lang="en-US" dirty="0"/>
-              <a:t> Moo Yi, </a:t>
-            </a:r>
-            <a:r>
-              <a:rPr lang="en-US" dirty="0" err="1"/>
-              <a:t>Yannick</a:t>
-            </a:r>
-            <a:r>
-              <a:rPr lang="en-US" dirty="0"/>
-              <a:t> </a:t>
-            </a:r>
-            <a:r>
-              <a:rPr lang="en-US" dirty="0" err="1"/>
-              <a:t>Verdie</a:t>
-            </a:r>
-            <a:r>
-              <a:rPr lang="en-US" dirty="0"/>
-              <a:t>, Pascal </a:t>
-            </a:r>
-            <a:r>
-              <a:rPr lang="en-US" dirty="0" err="1"/>
-              <a:t>Fua</a:t>
-            </a:r>
-            <a:r>
-              <a:rPr lang="en-US" dirty="0"/>
-              <a:t>, and Vincent </a:t>
-            </a:r>
-            <a:r>
-              <a:rPr lang="en-US" dirty="0" err="1"/>
-              <a:t>Lepetit</a:t>
-            </a:r>
-            <a:r>
-              <a:rPr lang="en-US" dirty="0"/>
-              <a:t>. Learning to assign orientations to feature points. CVPR, 2016.</a:t>
-            </a:r>
-          </a:p>
-          <a:p>
-            <a:pPr marL="0" indent="0">
-              <a:buNone/>
-            </a:pPr>
-            <a:endParaRPr lang="en-US" dirty="0">
-              <a:solidFill>
-                <a:schemeClr val="tx1"/>
-              </a:solidFill>
-            </a:endParaRPr>
+              <a:rPr lang="en-US" sz="1800" dirty="0" smtClean="0"/>
+              <a:t>We </a:t>
+            </a:r>
+            <a:r>
+              <a:rPr lang="en-US" sz="1800" dirty="0"/>
+              <a:t>further show that excessively increasing network’s complexity does not lead to improved results. In contrast, using handcrafted filters allows to significantly reduce the complexity of the architecture leading to a detector with 280 learnable parameters and inference of 175 frames per second. Proposed detectors lead to state of the-art matching performance when used with a descriptor on viewpoint.</a:t>
+            </a:r>
           </a:p>
         </p:txBody>
       </p:sp>
@@ -17326,7 +16985,7 @@
           <a:p>
             <a:r>
               <a:rPr lang="en-US" dirty="0"/>
-              <a:t>References</a:t>
+              <a:t>Conclusions</a:t>
             </a:r>
           </a:p>
         </p:txBody>
@@ -17334,7 +16993,7 @@
     </p:spTree>
     <p:extLst>
       <p:ext uri="{BB962C8B-B14F-4D97-AF65-F5344CB8AC3E}">
-        <p14:creationId xmlns:p14="http://schemas.microsoft.com/office/powerpoint/2010/main" val="4040789266"/>
+        <p14:creationId xmlns:p14="http://schemas.microsoft.com/office/powerpoint/2010/main" val="4287027704"/>
       </p:ext>
     </p:extLst>
   </p:cSld>
@@ -17379,8 +17038,8 @@
         </p:nvSpPr>
         <p:spPr>
           <a:xfrm>
-            <a:off x="1097280" y="1602377"/>
-            <a:ext cx="10058400" cy="4502331"/>
+            <a:off x="1097280" y="1602378"/>
+            <a:ext cx="10058400" cy="4266718"/>
           </a:xfrm>
         </p:spPr>
         <p:txBody>
@@ -17391,7 +17050,257 @@
           <a:p>
             <a:r>
               <a:rPr lang="en-US" dirty="0"/>
-              <a:t>[13] Daniel </a:t>
+              <a:t>[1] Karel </a:t>
+            </a:r>
+            <a:r>
+              <a:rPr lang="en-US" dirty="0" err="1"/>
+              <a:t>Lenc</a:t>
+            </a:r>
+            <a:r>
+              <a:rPr lang="en-US" dirty="0"/>
+              <a:t> and Andrea </a:t>
+            </a:r>
+            <a:r>
+              <a:rPr lang="en-US" dirty="0" err="1"/>
+              <a:t>Vedaldi</a:t>
+            </a:r>
+            <a:r>
+              <a:rPr lang="en-US" dirty="0"/>
+              <a:t>. Large scale evaluation of local image feature detectors on </a:t>
+            </a:r>
+            <a:r>
+              <a:rPr lang="en-US" dirty="0" err="1"/>
+              <a:t>homography</a:t>
+            </a:r>
+            <a:r>
+              <a:rPr lang="en-US" dirty="0"/>
+              <a:t> datasets. BMVC, 2018.</a:t>
+            </a:r>
+          </a:p>
+          <a:p>
+            <a:r>
+              <a:rPr lang="en-US" dirty="0"/>
+              <a:t>[2] </a:t>
+            </a:r>
+            <a:r>
+              <a:rPr lang="en-US" dirty="0" err="1"/>
+              <a:t>Vassileios</a:t>
+            </a:r>
+            <a:r>
+              <a:rPr lang="en-US" dirty="0"/>
+              <a:t> </a:t>
+            </a:r>
+            <a:r>
+              <a:rPr lang="en-US" dirty="0" err="1"/>
+              <a:t>Balntas</a:t>
+            </a:r>
+            <a:r>
+              <a:rPr lang="en-US" dirty="0"/>
+              <a:t>, Karel </a:t>
+            </a:r>
+            <a:r>
+              <a:rPr lang="en-US" dirty="0" err="1"/>
+              <a:t>Lenc</a:t>
+            </a:r>
+            <a:r>
+              <a:rPr lang="en-US" dirty="0"/>
+              <a:t>, Andrea </a:t>
+            </a:r>
+            <a:r>
+              <a:rPr lang="en-US" dirty="0" err="1"/>
+              <a:t>Vedaldi</a:t>
+            </a:r>
+            <a:r>
+              <a:rPr lang="en-US" dirty="0"/>
+              <a:t>, and </a:t>
+            </a:r>
+            <a:r>
+              <a:rPr lang="en-US" dirty="0" err="1"/>
+              <a:t>Krystian</a:t>
+            </a:r>
+            <a:r>
+              <a:rPr lang="en-US" dirty="0"/>
+              <a:t> </a:t>
+            </a:r>
+            <a:r>
+              <a:rPr lang="en-US" dirty="0" err="1"/>
+              <a:t>Mikolajczyk</a:t>
+            </a:r>
+            <a:r>
+              <a:rPr lang="en-US" dirty="0"/>
+              <a:t>. </a:t>
+            </a:r>
+            <a:r>
+              <a:rPr lang="en-US" dirty="0" err="1"/>
+              <a:t>Hpatches</a:t>
+            </a:r>
+            <a:r>
+              <a:rPr lang="en-US" dirty="0"/>
+              <a:t>: A benchmark and evaluation of handcrafted and learned local descriptors. CVPR, 2017.</a:t>
+            </a:r>
+          </a:p>
+          <a:p>
+            <a:r>
+              <a:rPr lang="en-US" dirty="0"/>
+              <a:t>[3] </a:t>
+            </a:r>
+            <a:r>
+              <a:rPr lang="en-US" dirty="0" err="1"/>
+              <a:t>Xufeng</a:t>
+            </a:r>
+            <a:r>
+              <a:rPr lang="en-US" dirty="0"/>
+              <a:t> Han, Thomas Leung, </a:t>
+            </a:r>
+            <a:r>
+              <a:rPr lang="en-US" dirty="0" err="1"/>
+              <a:t>Yangqing</a:t>
+            </a:r>
+            <a:r>
+              <a:rPr lang="en-US" dirty="0"/>
+              <a:t> </a:t>
+            </a:r>
+            <a:r>
+              <a:rPr lang="en-US" dirty="0" err="1"/>
+              <a:t>Jia</a:t>
+            </a:r>
+            <a:r>
+              <a:rPr lang="en-US" dirty="0"/>
+              <a:t>, Rahul </a:t>
+            </a:r>
+            <a:r>
+              <a:rPr lang="en-US" dirty="0" err="1"/>
+              <a:t>Sukthankar</a:t>
+            </a:r>
+            <a:r>
+              <a:rPr lang="en-US" dirty="0"/>
+              <a:t>, and Alexander C. Berg. </a:t>
+            </a:r>
+            <a:r>
+              <a:rPr lang="en-US" dirty="0" err="1"/>
+              <a:t>Matchnet</a:t>
+            </a:r>
+            <a:r>
+              <a:rPr lang="en-US" dirty="0"/>
+              <a:t>: Unifying feature and metric learning for patch-based matching. CVPR, 2015.</a:t>
+            </a:r>
+          </a:p>
+          <a:p>
+            <a:r>
+              <a:rPr lang="en-US" dirty="0"/>
+              <a:t>[4] Sergey </a:t>
+            </a:r>
+            <a:r>
+              <a:rPr lang="en-US" dirty="0" err="1"/>
+              <a:t>Zagoruyko</a:t>
+            </a:r>
+            <a:r>
+              <a:rPr lang="en-US" dirty="0"/>
+              <a:t> and Nikos </a:t>
+            </a:r>
+            <a:r>
+              <a:rPr lang="en-US" dirty="0" err="1"/>
+              <a:t>Komodakis</a:t>
+            </a:r>
+            <a:r>
+              <a:rPr lang="en-US" dirty="0"/>
+              <a:t>. Learning to compare image patches via convolutional neural networks. CVPR, 2015.</a:t>
+            </a:r>
+          </a:p>
+          <a:p>
+            <a:r>
+              <a:rPr lang="en-US" dirty="0"/>
+              <a:t>[5] David G. Lowe. Distinctive image features from </a:t>
+            </a:r>
+            <a:r>
+              <a:rPr lang="en-US" dirty="0" err="1"/>
+              <a:t>scaleinvariant</a:t>
+            </a:r>
+            <a:r>
+              <a:rPr lang="en-US" dirty="0"/>
+              <a:t> </a:t>
+            </a:r>
+            <a:r>
+              <a:rPr lang="en-US" dirty="0" err="1"/>
+              <a:t>keypoints</a:t>
+            </a:r>
+            <a:r>
+              <a:rPr lang="en-US" dirty="0"/>
+              <a:t>. IJCV, 2004.</a:t>
+            </a:r>
+          </a:p>
+          <a:p>
+            <a:r>
+              <a:rPr lang="en-US" dirty="0"/>
+              <a:t>[6] </a:t>
+            </a:r>
+            <a:r>
+              <a:rPr lang="en-US" dirty="0" err="1"/>
+              <a:t>Krystian</a:t>
+            </a:r>
+            <a:r>
+              <a:rPr lang="en-US" dirty="0"/>
+              <a:t> </a:t>
+            </a:r>
+            <a:r>
+              <a:rPr lang="en-US" dirty="0" err="1"/>
+              <a:t>Mikolajczyk</a:t>
+            </a:r>
+            <a:r>
+              <a:rPr lang="en-US" dirty="0"/>
+              <a:t> and Cordelia </a:t>
+            </a:r>
+            <a:r>
+              <a:rPr lang="en-US" dirty="0" err="1"/>
+              <a:t>Schmid</a:t>
+            </a:r>
+            <a:r>
+              <a:rPr lang="en-US" dirty="0"/>
+              <a:t>. Scale &amp; affine invariant interest point detectors. ICCV, 2004.</a:t>
+            </a:r>
+          </a:p>
+          <a:p>
+            <a:r>
+              <a:rPr lang="en-US" dirty="0"/>
+              <a:t>[7] </a:t>
+            </a:r>
+            <a:r>
+              <a:rPr lang="en-US" dirty="0" err="1"/>
+              <a:t>Kwang</a:t>
+            </a:r>
+            <a:r>
+              <a:rPr lang="en-US" dirty="0"/>
+              <a:t> Moo Yi, Eduard </a:t>
+            </a:r>
+            <a:r>
+              <a:rPr lang="en-US" dirty="0" err="1"/>
+              <a:t>Trulls</a:t>
+            </a:r>
+            <a:r>
+              <a:rPr lang="en-US" dirty="0"/>
+              <a:t>, Vincent </a:t>
+            </a:r>
+            <a:r>
+              <a:rPr lang="en-US" dirty="0" err="1"/>
+              <a:t>Lepetit</a:t>
+            </a:r>
+            <a:r>
+              <a:rPr lang="en-US" dirty="0"/>
+              <a:t>, and Pascal </a:t>
+            </a:r>
+            <a:r>
+              <a:rPr lang="en-US" dirty="0" err="1"/>
+              <a:t>Fua</a:t>
+            </a:r>
+            <a:r>
+              <a:rPr lang="en-US" dirty="0"/>
+              <a:t>. Lift: Learned invariant feature transform. ECCV, 2016.</a:t>
+            </a:r>
+          </a:p>
+          <a:p>
+            <a:r>
+              <a:rPr lang="en-US" dirty="0"/>
+              <a:t>[8] Daniel </a:t>
             </a:r>
             <a:r>
               <a:rPr lang="en-US" dirty="0" err="1"/>
@@ -17415,21 +17324,103 @@
             </a:r>
             <a:r>
               <a:rPr lang="en-US" dirty="0"/>
-              <a:t>. </a:t>
+              <a:t>. Toward geometric deep slam. </a:t>
             </a:r>
             <a:r>
               <a:rPr lang="en-US" dirty="0" err="1"/>
-              <a:t>Superpoint</a:t>
-            </a:r>
-            <a:r>
-              <a:rPr lang="en-US" dirty="0"/>
-              <a:t>: Self-supervised interest point detection and description. CVPR Workshop, 2017.</a:t>
-            </a:r>
-          </a:p>
-          <a:p>
-            <a:r>
-              <a:rPr lang="en-US" dirty="0"/>
-              <a:t>[14] </a:t>
+              <a:t>arXiv</a:t>
+            </a:r>
+            <a:r>
+              <a:rPr lang="en-US" dirty="0"/>
+              <a:t> preprint arXiv:1707.07410, 2017.</a:t>
+            </a:r>
+          </a:p>
+          <a:p>
+            <a:r>
+              <a:rPr lang="en-US" dirty="0"/>
+              <a:t>[9] Karel </a:t>
+            </a:r>
+            <a:r>
+              <a:rPr lang="en-US" dirty="0" err="1"/>
+              <a:t>Lenc</a:t>
+            </a:r>
+            <a:r>
+              <a:rPr lang="en-US" dirty="0"/>
+              <a:t> and Andrea </a:t>
+            </a:r>
+            <a:r>
+              <a:rPr lang="en-US" dirty="0" err="1"/>
+              <a:t>Vedaldi</a:t>
+            </a:r>
+            <a:r>
+              <a:rPr lang="en-US" dirty="0"/>
+              <a:t>. Learning covariant feature detectors. ECCV, 2016.</a:t>
+            </a:r>
+          </a:p>
+          <a:p>
+            <a:r>
+              <a:rPr lang="en-US" dirty="0"/>
+              <a:t>[10] Xu Zhang, Felix X. Yu, </a:t>
+            </a:r>
+            <a:r>
+              <a:rPr lang="en-US" dirty="0" err="1"/>
+              <a:t>Svebor</a:t>
+            </a:r>
+            <a:r>
+              <a:rPr lang="en-US" dirty="0"/>
+              <a:t> </a:t>
+            </a:r>
+            <a:r>
+              <a:rPr lang="en-US" dirty="0" err="1"/>
+              <a:t>Karaman</a:t>
+            </a:r>
+            <a:r>
+              <a:rPr lang="en-US" dirty="0"/>
+              <a:t>, and Shih-Fu Chang. Learning discriminative and transformation covariant local feature detectors. CVPR, 2017.</a:t>
+            </a:r>
+          </a:p>
+          <a:p>
+            <a:r>
+              <a:rPr lang="en-US" dirty="0"/>
+              <a:t>[11] Yuki Ono, Eduard </a:t>
+            </a:r>
+            <a:r>
+              <a:rPr lang="en-US" dirty="0" err="1"/>
+              <a:t>Trulls</a:t>
+            </a:r>
+            <a:r>
+              <a:rPr lang="en-US" dirty="0"/>
+              <a:t>, Pascal </a:t>
+            </a:r>
+            <a:r>
+              <a:rPr lang="en-US" dirty="0" err="1"/>
+              <a:t>Fua</a:t>
+            </a:r>
+            <a:r>
+              <a:rPr lang="en-US" dirty="0"/>
+              <a:t>, and </a:t>
+            </a:r>
+            <a:r>
+              <a:rPr lang="en-US" dirty="0" err="1"/>
+              <a:t>Kwang</a:t>
+            </a:r>
+            <a:r>
+              <a:rPr lang="en-US" dirty="0"/>
+              <a:t> Moo Yi. LF-Net: Learning Local Features from Images. NIPS, 2018.</a:t>
+            </a:r>
+          </a:p>
+          <a:p>
+            <a:r>
+              <a:rPr lang="en-US" dirty="0"/>
+              <a:t>[12] </a:t>
+            </a:r>
+            <a:r>
+              <a:rPr lang="en-US" dirty="0" err="1"/>
+              <a:t>Kwang</a:t>
+            </a:r>
+            <a:r>
+              <a:rPr lang="en-US" dirty="0"/>
+              <a:t> Moo Yi, </a:t>
             </a:r>
             <a:r>
               <a:rPr lang="en-US" dirty="0" err="1"/>
@@ -17445,15 +17436,7 @@
             </a:r>
             <a:r>
               <a:rPr lang="en-US" dirty="0"/>
-              <a:t>, </a:t>
-            </a:r>
-            <a:r>
-              <a:rPr lang="en-US" dirty="0" err="1"/>
-              <a:t>Kwang</a:t>
-            </a:r>
-            <a:r>
-              <a:rPr lang="en-US" dirty="0"/>
-              <a:t> Moo Yi, Pascal </a:t>
+              <a:t>, Pascal </a:t>
             </a:r>
             <a:r>
               <a:rPr lang="en-US" dirty="0" err="1"/>
@@ -17469,324 +17452,18 @@
             </a:r>
             <a:r>
               <a:rPr lang="en-US" dirty="0"/>
-              <a:t>. Tilde: a temporally invariant learned detector. CVPR, 2015.</a:t>
-            </a:r>
-          </a:p>
-          <a:p>
-            <a:r>
-              <a:rPr lang="en-US" dirty="0"/>
-              <a:t>[15] </a:t>
-            </a:r>
-            <a:r>
-              <a:rPr lang="en-US" dirty="0" err="1"/>
-              <a:t>Krystian</a:t>
-            </a:r>
-            <a:r>
-              <a:rPr lang="en-US" dirty="0"/>
-              <a:t> </a:t>
-            </a:r>
-            <a:r>
-              <a:rPr lang="en-US" dirty="0" err="1"/>
-              <a:t>Mikolajczyk</a:t>
-            </a:r>
-            <a:r>
-              <a:rPr lang="en-US" dirty="0"/>
-              <a:t> and Cordelia </a:t>
-            </a:r>
-            <a:r>
-              <a:rPr lang="en-US" dirty="0" err="1"/>
-              <a:t>Schmid</a:t>
-            </a:r>
-            <a:r>
-              <a:rPr lang="en-US" dirty="0"/>
-              <a:t>. A performance evaluation of local descriptors. TPAMI, 2005.</a:t>
-            </a:r>
-          </a:p>
-          <a:p>
-            <a:r>
-              <a:rPr lang="en-US" dirty="0"/>
-              <a:t>[16] </a:t>
-            </a:r>
-            <a:r>
-              <a:rPr lang="en-US" dirty="0" err="1"/>
-              <a:t>Tinne</a:t>
-            </a:r>
-            <a:r>
-              <a:rPr lang="en-US" dirty="0"/>
-              <a:t> </a:t>
-            </a:r>
-            <a:r>
-              <a:rPr lang="en-US" dirty="0" err="1"/>
-              <a:t>Tuytelaars</a:t>
-            </a:r>
-            <a:r>
-              <a:rPr lang="en-US" dirty="0"/>
-              <a:t> and </a:t>
-            </a:r>
-            <a:r>
-              <a:rPr lang="en-US" dirty="0" err="1"/>
-              <a:t>Krystian</a:t>
-            </a:r>
-            <a:r>
-              <a:rPr lang="en-US" dirty="0"/>
-              <a:t> </a:t>
-            </a:r>
-            <a:r>
-              <a:rPr lang="en-US" dirty="0" err="1"/>
-              <a:t>Mikolajczyk</a:t>
-            </a:r>
-            <a:r>
-              <a:rPr lang="en-US" dirty="0"/>
-              <a:t>. Local invariant feature detectors: a survey. Foundations and Trends in Computer Graphics and Vision, 2008.</a:t>
-            </a:r>
-          </a:p>
-          <a:p>
-            <a:r>
-              <a:rPr lang="en-US" dirty="0"/>
-              <a:t>[17] Chris Harris and Mike Stephens. A combined corner and edge detector. </a:t>
-            </a:r>
-            <a:r>
-              <a:rPr lang="en-US" dirty="0" err="1"/>
-              <a:t>Alvey</a:t>
-            </a:r>
-            <a:r>
-              <a:rPr lang="en-US" dirty="0"/>
-              <a:t> Vision Conference, 1988.</a:t>
-            </a:r>
-          </a:p>
-          <a:p>
-            <a:r>
-              <a:rPr lang="en-US" dirty="0"/>
-              <a:t>[18] Paul </a:t>
-            </a:r>
-            <a:r>
-              <a:rPr lang="en-US" dirty="0" err="1"/>
-              <a:t>Beaudet</a:t>
-            </a:r>
-            <a:r>
-              <a:rPr lang="en-US" dirty="0"/>
-              <a:t>. Rotationally invariant image operators. ICPR, 1978.</a:t>
-            </a:r>
-          </a:p>
-          <a:p>
-            <a:r>
-              <a:rPr lang="en-US" dirty="0"/>
-              <a:t>[19] </a:t>
-            </a:r>
-            <a:r>
-              <a:rPr lang="en-US" dirty="0" err="1"/>
-              <a:t>Krystian</a:t>
-            </a:r>
-            <a:r>
-              <a:rPr lang="en-US" dirty="0"/>
-              <a:t> </a:t>
-            </a:r>
-            <a:r>
-              <a:rPr lang="en-US" dirty="0" err="1"/>
-              <a:t>Mikolajczyk</a:t>
-            </a:r>
-            <a:r>
-              <a:rPr lang="en-US" dirty="0"/>
-              <a:t>, </a:t>
-            </a:r>
-            <a:r>
-              <a:rPr lang="en-US" dirty="0" err="1"/>
-              <a:t>Tinne</a:t>
-            </a:r>
-            <a:r>
-              <a:rPr lang="en-US" dirty="0"/>
-              <a:t> </a:t>
-            </a:r>
-            <a:r>
-              <a:rPr lang="en-US" dirty="0" err="1"/>
-              <a:t>Tuytelaars</a:t>
-            </a:r>
-            <a:r>
-              <a:rPr lang="en-US" dirty="0"/>
-              <a:t>, Cordelia </a:t>
-            </a:r>
-            <a:r>
-              <a:rPr lang="en-US" dirty="0" err="1"/>
-              <a:t>Schmid</a:t>
-            </a:r>
-            <a:r>
-              <a:rPr lang="en-US" dirty="0"/>
-              <a:t>, Andrew Zisserman, Jiri </a:t>
-            </a:r>
-            <a:r>
-              <a:rPr lang="en-US" dirty="0" err="1"/>
-              <a:t>Matas</a:t>
-            </a:r>
-            <a:r>
-              <a:rPr lang="en-US" dirty="0"/>
-              <a:t>, Frederik </a:t>
-            </a:r>
-            <a:r>
-              <a:rPr lang="en-US" dirty="0" err="1"/>
-              <a:t>Schaffalitzky</a:t>
-            </a:r>
-            <a:r>
-              <a:rPr lang="en-US" dirty="0"/>
-              <a:t>, Timor </a:t>
-            </a:r>
-            <a:r>
-              <a:rPr lang="en-US" dirty="0" err="1"/>
-              <a:t>Kadir</a:t>
-            </a:r>
-            <a:r>
-              <a:rPr lang="en-US" dirty="0"/>
-              <a:t>, and Luc Van </a:t>
-            </a:r>
-            <a:r>
-              <a:rPr lang="en-US" dirty="0" err="1"/>
-              <a:t>Gool</a:t>
-            </a:r>
-            <a:r>
-              <a:rPr lang="en-US" dirty="0"/>
-              <a:t>. A comparison of affine region detectors. IJCV, 2005.</a:t>
-            </a:r>
-          </a:p>
-          <a:p>
-            <a:r>
-              <a:rPr lang="en-US" dirty="0"/>
-              <a:t>[20] Herbert Bay, Andreas </a:t>
-            </a:r>
-            <a:r>
-              <a:rPr lang="en-US" dirty="0" err="1"/>
-              <a:t>Ess</a:t>
-            </a:r>
-            <a:r>
-              <a:rPr lang="en-US" dirty="0"/>
-              <a:t>, </a:t>
-            </a:r>
-            <a:r>
-              <a:rPr lang="en-US" dirty="0" err="1"/>
-              <a:t>Tinne</a:t>
-            </a:r>
-            <a:r>
-              <a:rPr lang="en-US" dirty="0"/>
-              <a:t> </a:t>
-            </a:r>
-            <a:r>
-              <a:rPr lang="en-US" dirty="0" err="1"/>
-              <a:t>Tuytelaars</a:t>
-            </a:r>
-            <a:r>
-              <a:rPr lang="en-US" dirty="0"/>
-              <a:t>, and Luc Van </a:t>
-            </a:r>
-            <a:r>
-              <a:rPr lang="en-US" dirty="0" err="1"/>
-              <a:t>Gool</a:t>
-            </a:r>
-            <a:r>
-              <a:rPr lang="en-US" dirty="0"/>
-              <a:t>. Speeded-up robust features (surf). Computer Vision and Image Understanding, 2008.</a:t>
-            </a:r>
-          </a:p>
-          <a:p>
-            <a:r>
-              <a:rPr lang="en-US" dirty="0"/>
-              <a:t>[21] Pablo Fernandez </a:t>
-            </a:r>
-            <a:r>
-              <a:rPr lang="en-US" dirty="0" err="1"/>
-              <a:t>Alcantarilla</a:t>
-            </a:r>
-            <a:r>
-              <a:rPr lang="en-US" dirty="0"/>
-              <a:t>, Adrien </a:t>
-            </a:r>
-            <a:r>
-              <a:rPr lang="en-US" dirty="0" err="1"/>
-              <a:t>Bartoli</a:t>
-            </a:r>
-            <a:r>
-              <a:rPr lang="en-US" dirty="0"/>
-              <a:t>, and Andrew J. ´Davison. </a:t>
-            </a:r>
-            <a:r>
-              <a:rPr lang="en-US" dirty="0" err="1"/>
-              <a:t>Kaze</a:t>
-            </a:r>
-            <a:r>
-              <a:rPr lang="en-US" dirty="0"/>
-              <a:t> features. ECCV, 2012.</a:t>
-            </a:r>
-          </a:p>
-          <a:p>
-            <a:r>
-              <a:rPr lang="en-US" dirty="0"/>
-              <a:t>[22] Pablo Fernandez </a:t>
-            </a:r>
-            <a:r>
-              <a:rPr lang="en-US" dirty="0" err="1"/>
-              <a:t>Alcantarilla</a:t>
-            </a:r>
-            <a:r>
-              <a:rPr lang="en-US" dirty="0"/>
-              <a:t>, </a:t>
-            </a:r>
-            <a:r>
-              <a:rPr lang="en-US" dirty="0" err="1"/>
-              <a:t>Jes</a:t>
-            </a:r>
-            <a:r>
-              <a:rPr lang="en-US" dirty="0"/>
-              <a:t> ´ us Nuevo, and Adrien Bar- ´ </a:t>
-            </a:r>
-            <a:r>
-              <a:rPr lang="en-US" dirty="0" err="1"/>
-              <a:t>toli</a:t>
-            </a:r>
-            <a:r>
-              <a:rPr lang="en-US" dirty="0"/>
-              <a:t>. Fast explicit diffusion for accelerated features in nonlinear scale spaces. BMVC, 2013.</a:t>
-            </a:r>
-          </a:p>
-          <a:p>
-            <a:r>
-              <a:rPr lang="en-US" dirty="0"/>
-              <a:t>[23] Jiri </a:t>
-            </a:r>
-            <a:r>
-              <a:rPr lang="en-US" dirty="0" err="1"/>
-              <a:t>Matas</a:t>
-            </a:r>
-            <a:r>
-              <a:rPr lang="en-US" dirty="0"/>
-              <a:t>, Chum </a:t>
-            </a:r>
-            <a:r>
-              <a:rPr lang="en-US" dirty="0" err="1"/>
-              <a:t>Ondrej</a:t>
-            </a:r>
-            <a:r>
-              <a:rPr lang="en-US" dirty="0"/>
-              <a:t>, Urban Martin, and </a:t>
-            </a:r>
-            <a:r>
-              <a:rPr lang="en-US" dirty="0" err="1"/>
-              <a:t>Pajdla</a:t>
-            </a:r>
-            <a:r>
-              <a:rPr lang="en-US" dirty="0"/>
-              <a:t> Toms. Robust wide-baseline stereo from maximally stable extremal regions. Image and Vision Computing, 2004.</a:t>
-            </a:r>
-          </a:p>
-          <a:p>
-            <a:r>
-              <a:rPr lang="en-US" dirty="0"/>
-              <a:t>[24] Edward </a:t>
-            </a:r>
-            <a:r>
-              <a:rPr lang="en-US" dirty="0" err="1"/>
-              <a:t>Rosten</a:t>
-            </a:r>
-            <a:r>
-              <a:rPr lang="en-US" dirty="0"/>
-              <a:t> and Tom Drummond. Machine learning for high-speed corner detection. ECCV, 2006.</a:t>
-            </a:r>
+              <a:t>. Learning to assign orientations to feature points. CVPR, 2016.</a:t>
+            </a:r>
+          </a:p>
+          <a:p>
+            <a:pPr marL="0" indent="0">
+              <a:buNone/>
+            </a:pPr>
+            <a:endParaRPr lang="en-US" dirty="0">
+              <a:solidFill>
+                <a:schemeClr val="tx1"/>
+              </a:solidFill>
+            </a:endParaRPr>
           </a:p>
         </p:txBody>
       </p:sp>
@@ -17826,7 +17503,7 @@
     </p:spTree>
     <p:extLst>
       <p:ext uri="{BB962C8B-B14F-4D97-AF65-F5344CB8AC3E}">
-        <p14:creationId xmlns:p14="http://schemas.microsoft.com/office/powerpoint/2010/main" val="1289351617"/>
+        <p14:creationId xmlns:p14="http://schemas.microsoft.com/office/powerpoint/2010/main" val="4040789266"/>
       </p:ext>
     </p:extLst>
   </p:cSld>
@@ -17877,13 +17554,399 @@
         </p:spPr>
         <p:txBody>
           <a:bodyPr>
-            <a:normAutofit fontScale="62500" lnSpcReduction="20000"/>
+            <a:normAutofit fontScale="70000" lnSpcReduction="20000"/>
           </a:bodyPr>
           <a:lstStyle/>
           <a:p>
             <a:r>
               <a:rPr lang="en-US" dirty="0"/>
-              <a:t>[25] Edward </a:t>
+              <a:t>[13] Daniel </a:t>
+            </a:r>
+            <a:r>
+              <a:rPr lang="en-US" dirty="0" err="1"/>
+              <a:t>DeTone</a:t>
+            </a:r>
+            <a:r>
+              <a:rPr lang="en-US" dirty="0"/>
+              <a:t>, Tomasz </a:t>
+            </a:r>
+            <a:r>
+              <a:rPr lang="en-US" dirty="0" err="1"/>
+              <a:t>Malisiewicz</a:t>
+            </a:r>
+            <a:r>
+              <a:rPr lang="en-US" dirty="0"/>
+              <a:t>, and Andrew </a:t>
+            </a:r>
+            <a:r>
+              <a:rPr lang="en-US" dirty="0" err="1"/>
+              <a:t>Rabinovich</a:t>
+            </a:r>
+            <a:r>
+              <a:rPr lang="en-US" dirty="0"/>
+              <a:t>. </a:t>
+            </a:r>
+            <a:r>
+              <a:rPr lang="en-US" dirty="0" err="1"/>
+              <a:t>Superpoint</a:t>
+            </a:r>
+            <a:r>
+              <a:rPr lang="en-US" dirty="0"/>
+              <a:t>: Self-supervised interest point detection and description. CVPR Workshop, 2017.</a:t>
+            </a:r>
+          </a:p>
+          <a:p>
+            <a:r>
+              <a:rPr lang="en-US" dirty="0"/>
+              <a:t>[14] </a:t>
+            </a:r>
+            <a:r>
+              <a:rPr lang="en-US" dirty="0" err="1"/>
+              <a:t>Yannick</a:t>
+            </a:r>
+            <a:r>
+              <a:rPr lang="en-US" dirty="0"/>
+              <a:t> </a:t>
+            </a:r>
+            <a:r>
+              <a:rPr lang="en-US" dirty="0" err="1"/>
+              <a:t>Verdie</a:t>
+            </a:r>
+            <a:r>
+              <a:rPr lang="en-US" dirty="0"/>
+              <a:t>, </a:t>
+            </a:r>
+            <a:r>
+              <a:rPr lang="en-US" dirty="0" err="1"/>
+              <a:t>Kwang</a:t>
+            </a:r>
+            <a:r>
+              <a:rPr lang="en-US" dirty="0"/>
+              <a:t> Moo Yi, Pascal </a:t>
+            </a:r>
+            <a:r>
+              <a:rPr lang="en-US" dirty="0" err="1"/>
+              <a:t>Fua</a:t>
+            </a:r>
+            <a:r>
+              <a:rPr lang="en-US" dirty="0"/>
+              <a:t>, and Vincent </a:t>
+            </a:r>
+            <a:r>
+              <a:rPr lang="en-US" dirty="0" err="1"/>
+              <a:t>Lepetit</a:t>
+            </a:r>
+            <a:r>
+              <a:rPr lang="en-US" dirty="0"/>
+              <a:t>. Tilde: a temporally invariant learned detector. CVPR, 2015.</a:t>
+            </a:r>
+          </a:p>
+          <a:p>
+            <a:r>
+              <a:rPr lang="en-US" dirty="0"/>
+              <a:t>[15] </a:t>
+            </a:r>
+            <a:r>
+              <a:rPr lang="en-US" dirty="0" err="1"/>
+              <a:t>Krystian</a:t>
+            </a:r>
+            <a:r>
+              <a:rPr lang="en-US" dirty="0"/>
+              <a:t> </a:t>
+            </a:r>
+            <a:r>
+              <a:rPr lang="en-US" dirty="0" err="1"/>
+              <a:t>Mikolajczyk</a:t>
+            </a:r>
+            <a:r>
+              <a:rPr lang="en-US" dirty="0"/>
+              <a:t> and Cordelia </a:t>
+            </a:r>
+            <a:r>
+              <a:rPr lang="en-US" dirty="0" err="1"/>
+              <a:t>Schmid</a:t>
+            </a:r>
+            <a:r>
+              <a:rPr lang="en-US" dirty="0"/>
+              <a:t>. A performance evaluation of local descriptors. TPAMI, 2005.</a:t>
+            </a:r>
+          </a:p>
+          <a:p>
+            <a:r>
+              <a:rPr lang="en-US" dirty="0"/>
+              <a:t>[16] </a:t>
+            </a:r>
+            <a:r>
+              <a:rPr lang="en-US" dirty="0" err="1"/>
+              <a:t>Tinne</a:t>
+            </a:r>
+            <a:r>
+              <a:rPr lang="en-US" dirty="0"/>
+              <a:t> </a:t>
+            </a:r>
+            <a:r>
+              <a:rPr lang="en-US" dirty="0" err="1"/>
+              <a:t>Tuytelaars</a:t>
+            </a:r>
+            <a:r>
+              <a:rPr lang="en-US" dirty="0"/>
+              <a:t> and </a:t>
+            </a:r>
+            <a:r>
+              <a:rPr lang="en-US" dirty="0" err="1"/>
+              <a:t>Krystian</a:t>
+            </a:r>
+            <a:r>
+              <a:rPr lang="en-US" dirty="0"/>
+              <a:t> </a:t>
+            </a:r>
+            <a:r>
+              <a:rPr lang="en-US" dirty="0" err="1"/>
+              <a:t>Mikolajczyk</a:t>
+            </a:r>
+            <a:r>
+              <a:rPr lang="en-US" dirty="0"/>
+              <a:t>. Local invariant feature detectors: a survey. Foundations and Trends in Computer Graphics and Vision, 2008.</a:t>
+            </a:r>
+          </a:p>
+          <a:p>
+            <a:r>
+              <a:rPr lang="en-US" dirty="0"/>
+              <a:t>[17] Chris Harris and Mike Stephens. A combined corner and edge detector. </a:t>
+            </a:r>
+            <a:r>
+              <a:rPr lang="en-US" dirty="0" err="1"/>
+              <a:t>Alvey</a:t>
+            </a:r>
+            <a:r>
+              <a:rPr lang="en-US" dirty="0"/>
+              <a:t> Vision Conference, 1988.</a:t>
+            </a:r>
+          </a:p>
+          <a:p>
+            <a:r>
+              <a:rPr lang="en-US" dirty="0"/>
+              <a:t>[18] Paul </a:t>
+            </a:r>
+            <a:r>
+              <a:rPr lang="en-US" dirty="0" err="1"/>
+              <a:t>Beaudet</a:t>
+            </a:r>
+            <a:r>
+              <a:rPr lang="en-US" dirty="0"/>
+              <a:t>. Rotationally invariant image operators. ICPR, 1978.</a:t>
+            </a:r>
+          </a:p>
+          <a:p>
+            <a:r>
+              <a:rPr lang="en-US" dirty="0"/>
+              <a:t>[19] </a:t>
+            </a:r>
+            <a:r>
+              <a:rPr lang="en-US" dirty="0" err="1"/>
+              <a:t>Krystian</a:t>
+            </a:r>
+            <a:r>
+              <a:rPr lang="en-US" dirty="0"/>
+              <a:t> </a:t>
+            </a:r>
+            <a:r>
+              <a:rPr lang="en-US" dirty="0" err="1"/>
+              <a:t>Mikolajczyk</a:t>
+            </a:r>
+            <a:r>
+              <a:rPr lang="en-US" dirty="0"/>
+              <a:t>, </a:t>
+            </a:r>
+            <a:r>
+              <a:rPr lang="en-US" dirty="0" err="1"/>
+              <a:t>Tinne</a:t>
+            </a:r>
+            <a:r>
+              <a:rPr lang="en-US" dirty="0"/>
+              <a:t> </a:t>
+            </a:r>
+            <a:r>
+              <a:rPr lang="en-US" dirty="0" err="1"/>
+              <a:t>Tuytelaars</a:t>
+            </a:r>
+            <a:r>
+              <a:rPr lang="en-US" dirty="0"/>
+              <a:t>, Cordelia </a:t>
+            </a:r>
+            <a:r>
+              <a:rPr lang="en-US" dirty="0" err="1"/>
+              <a:t>Schmid</a:t>
+            </a:r>
+            <a:r>
+              <a:rPr lang="en-US" dirty="0"/>
+              <a:t>, Andrew Zisserman, Jiri </a:t>
+            </a:r>
+            <a:r>
+              <a:rPr lang="en-US" dirty="0" err="1"/>
+              <a:t>Matas</a:t>
+            </a:r>
+            <a:r>
+              <a:rPr lang="en-US" dirty="0"/>
+              <a:t>, Frederik </a:t>
+            </a:r>
+            <a:r>
+              <a:rPr lang="en-US" dirty="0" err="1"/>
+              <a:t>Schaffalitzky</a:t>
+            </a:r>
+            <a:r>
+              <a:rPr lang="en-US" dirty="0"/>
+              <a:t>, Timor </a:t>
+            </a:r>
+            <a:r>
+              <a:rPr lang="en-US" dirty="0" err="1"/>
+              <a:t>Kadir</a:t>
+            </a:r>
+            <a:r>
+              <a:rPr lang="en-US" dirty="0"/>
+              <a:t>, and Luc Van </a:t>
+            </a:r>
+            <a:r>
+              <a:rPr lang="en-US" dirty="0" err="1"/>
+              <a:t>Gool</a:t>
+            </a:r>
+            <a:r>
+              <a:rPr lang="en-US" dirty="0"/>
+              <a:t>. A comparison of affine region detectors. IJCV, 2005.</a:t>
+            </a:r>
+          </a:p>
+          <a:p>
+            <a:r>
+              <a:rPr lang="en-US" dirty="0"/>
+              <a:t>[20] Herbert Bay, Andreas </a:t>
+            </a:r>
+            <a:r>
+              <a:rPr lang="en-US" dirty="0" err="1"/>
+              <a:t>Ess</a:t>
+            </a:r>
+            <a:r>
+              <a:rPr lang="en-US" dirty="0"/>
+              <a:t>, </a:t>
+            </a:r>
+            <a:r>
+              <a:rPr lang="en-US" dirty="0" err="1"/>
+              <a:t>Tinne</a:t>
+            </a:r>
+            <a:r>
+              <a:rPr lang="en-US" dirty="0"/>
+              <a:t> </a:t>
+            </a:r>
+            <a:r>
+              <a:rPr lang="en-US" dirty="0" err="1"/>
+              <a:t>Tuytelaars</a:t>
+            </a:r>
+            <a:r>
+              <a:rPr lang="en-US" dirty="0"/>
+              <a:t>, and Luc Van </a:t>
+            </a:r>
+            <a:r>
+              <a:rPr lang="en-US" dirty="0" err="1"/>
+              <a:t>Gool</a:t>
+            </a:r>
+            <a:r>
+              <a:rPr lang="en-US" dirty="0"/>
+              <a:t>. Speeded-up robust features (surf). Computer Vision and Image Understanding, 2008.</a:t>
+            </a:r>
+          </a:p>
+          <a:p>
+            <a:r>
+              <a:rPr lang="en-US" dirty="0"/>
+              <a:t>[21] Pablo Fernandez </a:t>
+            </a:r>
+            <a:r>
+              <a:rPr lang="en-US" dirty="0" err="1"/>
+              <a:t>Alcantarilla</a:t>
+            </a:r>
+            <a:r>
+              <a:rPr lang="en-US" dirty="0"/>
+              <a:t>, Adrien </a:t>
+            </a:r>
+            <a:r>
+              <a:rPr lang="en-US" dirty="0" err="1"/>
+              <a:t>Bartoli</a:t>
+            </a:r>
+            <a:r>
+              <a:rPr lang="en-US" dirty="0"/>
+              <a:t>, and Andrew J. ´Davison. </a:t>
+            </a:r>
+            <a:r>
+              <a:rPr lang="en-US" dirty="0" err="1"/>
+              <a:t>Kaze</a:t>
+            </a:r>
+            <a:r>
+              <a:rPr lang="en-US" dirty="0"/>
+              <a:t> features. ECCV, 2012.</a:t>
+            </a:r>
+          </a:p>
+          <a:p>
+            <a:r>
+              <a:rPr lang="en-US" dirty="0"/>
+              <a:t>[22] Pablo Fernandez </a:t>
+            </a:r>
+            <a:r>
+              <a:rPr lang="en-US" dirty="0" err="1"/>
+              <a:t>Alcantarilla</a:t>
+            </a:r>
+            <a:r>
+              <a:rPr lang="en-US" dirty="0"/>
+              <a:t>, </a:t>
+            </a:r>
+            <a:r>
+              <a:rPr lang="en-US" dirty="0" err="1"/>
+              <a:t>Jes</a:t>
+            </a:r>
+            <a:r>
+              <a:rPr lang="en-US" dirty="0"/>
+              <a:t> ´ us Nuevo, and Adrien Bar- ´ </a:t>
+            </a:r>
+            <a:r>
+              <a:rPr lang="en-US" dirty="0" err="1"/>
+              <a:t>toli</a:t>
+            </a:r>
+            <a:r>
+              <a:rPr lang="en-US" dirty="0"/>
+              <a:t>. Fast explicit diffusion for accelerated features in nonlinear scale spaces. BMVC, 2013.</a:t>
+            </a:r>
+          </a:p>
+          <a:p>
+            <a:r>
+              <a:rPr lang="en-US" dirty="0"/>
+              <a:t>[23] Jiri </a:t>
+            </a:r>
+            <a:r>
+              <a:rPr lang="en-US" dirty="0" err="1"/>
+              <a:t>Matas</a:t>
+            </a:r>
+            <a:r>
+              <a:rPr lang="en-US" dirty="0"/>
+              <a:t>, Chum </a:t>
+            </a:r>
+            <a:r>
+              <a:rPr lang="en-US" dirty="0" err="1"/>
+              <a:t>Ondrej</a:t>
+            </a:r>
+            <a:r>
+              <a:rPr lang="en-US" dirty="0"/>
+              <a:t>, Urban Martin, and </a:t>
+            </a:r>
+            <a:r>
+              <a:rPr lang="en-US" dirty="0" err="1"/>
+              <a:t>Pajdla</a:t>
+            </a:r>
+            <a:r>
+              <a:rPr lang="en-US" dirty="0"/>
+              <a:t> Toms. Robust wide-baseline stereo from maximally stable extremal regions. Image and Vision Computing, 2004.</a:t>
+            </a:r>
+          </a:p>
+          <a:p>
+            <a:r>
+              <a:rPr lang="en-US" dirty="0"/>
+              <a:t>[24] Edward </a:t>
             </a:r>
             <a:r>
               <a:rPr lang="en-US" dirty="0" err="1"/>
@@ -17891,541 +17954,7 @@
             </a:r>
             <a:r>
               <a:rPr lang="en-US" dirty="0"/>
-              <a:t>, Reid Porter, and Tom Drummond. Faster and better: A machine learning approach to corner detection. TPAMI, 2010.</a:t>
-            </a:r>
-          </a:p>
-          <a:p>
-            <a:r>
-              <a:rPr lang="en-US" dirty="0"/>
-              <a:t>[26] Stefan </a:t>
-            </a:r>
-            <a:r>
-              <a:rPr lang="en-US" dirty="0" err="1"/>
-              <a:t>Leutenegger</a:t>
-            </a:r>
-            <a:r>
-              <a:rPr lang="en-US" dirty="0"/>
-              <a:t>, </a:t>
-            </a:r>
-            <a:r>
-              <a:rPr lang="en-US" dirty="0" err="1"/>
-              <a:t>Chli</a:t>
-            </a:r>
-            <a:r>
-              <a:rPr lang="en-US" dirty="0"/>
-              <a:t> Margarita, and </a:t>
-            </a:r>
-            <a:r>
-              <a:rPr lang="en-US" dirty="0" err="1"/>
-              <a:t>Siegwart</a:t>
-            </a:r>
-            <a:r>
-              <a:rPr lang="en-US" dirty="0"/>
-              <a:t> Roland. Brisk: Binary robust invariant scalable </a:t>
-            </a:r>
-            <a:r>
-              <a:rPr lang="en-US" dirty="0" err="1"/>
-              <a:t>keypoints</a:t>
-            </a:r>
-            <a:r>
-              <a:rPr lang="en-US" dirty="0"/>
-              <a:t>. ICCV, 2011.</a:t>
-            </a:r>
-          </a:p>
-          <a:p>
-            <a:r>
-              <a:rPr lang="en-US" dirty="0"/>
-              <a:t>[27] Ethan </a:t>
-            </a:r>
-            <a:r>
-              <a:rPr lang="en-US" dirty="0" err="1"/>
-              <a:t>Rublee</a:t>
-            </a:r>
-            <a:r>
-              <a:rPr lang="en-US" dirty="0"/>
-              <a:t>, Vincent </a:t>
-            </a:r>
-            <a:r>
-              <a:rPr lang="en-US" dirty="0" err="1"/>
-              <a:t>Rabaud</a:t>
-            </a:r>
-            <a:r>
-              <a:rPr lang="en-US" dirty="0"/>
-              <a:t>, Kurt </a:t>
-            </a:r>
-            <a:r>
-              <a:rPr lang="en-US" dirty="0" err="1"/>
-              <a:t>Konolige</a:t>
-            </a:r>
-            <a:r>
-              <a:rPr lang="en-US" dirty="0"/>
-              <a:t>, and Gary </a:t>
-            </a:r>
-            <a:r>
-              <a:rPr lang="en-US" dirty="0" err="1"/>
-              <a:t>Bradski</a:t>
-            </a:r>
-            <a:r>
-              <a:rPr lang="en-US" dirty="0"/>
-              <a:t>. Orb: An efficient alternative to sift or surf. ICCV, 2011.</a:t>
-            </a:r>
-          </a:p>
-          <a:p>
-            <a:r>
-              <a:rPr lang="en-US" dirty="0"/>
-              <a:t>[28] Nikolay </a:t>
-            </a:r>
-            <a:r>
-              <a:rPr lang="en-US" dirty="0" err="1"/>
-              <a:t>Savinov</a:t>
-            </a:r>
-            <a:r>
-              <a:rPr lang="en-US" dirty="0"/>
-              <a:t>, Akihito Seki, </a:t>
-            </a:r>
-            <a:r>
-              <a:rPr lang="en-US" dirty="0" err="1"/>
-              <a:t>Lubor</a:t>
-            </a:r>
-            <a:r>
-              <a:rPr lang="en-US" dirty="0"/>
-              <a:t> </a:t>
-            </a:r>
-            <a:r>
-              <a:rPr lang="en-US" dirty="0" err="1"/>
-              <a:t>Ladicky</a:t>
-            </a:r>
-            <a:r>
-              <a:rPr lang="en-US" dirty="0"/>
-              <a:t>, </a:t>
-            </a:r>
-            <a:r>
-              <a:rPr lang="en-US" dirty="0" err="1"/>
-              <a:t>Torsten</a:t>
-            </a:r>
-            <a:r>
-              <a:rPr lang="en-US" dirty="0"/>
-              <a:t> Sattler, and Marc </a:t>
-            </a:r>
-            <a:r>
-              <a:rPr lang="en-US" dirty="0" err="1"/>
-              <a:t>Pollefeys</a:t>
-            </a:r>
-            <a:r>
-              <a:rPr lang="en-US" dirty="0"/>
-              <a:t>. Quad-networks: unsupervised learning to rank for interest point detection. CVPR, 2017.</a:t>
-            </a:r>
-          </a:p>
-          <a:p>
-            <a:r>
-              <a:rPr lang="en-US" dirty="0"/>
-              <a:t>[29] Georgios Georgakis, </a:t>
-            </a:r>
-            <a:r>
-              <a:rPr lang="en-US" dirty="0" err="1"/>
-              <a:t>Srikrishna</a:t>
-            </a:r>
-            <a:r>
-              <a:rPr lang="en-US" dirty="0"/>
-              <a:t> </a:t>
-            </a:r>
-            <a:r>
-              <a:rPr lang="en-US" dirty="0" err="1"/>
-              <a:t>Karanam</a:t>
-            </a:r>
-            <a:r>
-              <a:rPr lang="en-US" dirty="0"/>
-              <a:t>, </a:t>
-            </a:r>
-            <a:r>
-              <a:rPr lang="en-US" dirty="0" err="1"/>
-              <a:t>Ziyan</a:t>
-            </a:r>
-            <a:r>
-              <a:rPr lang="en-US" dirty="0"/>
-              <a:t> Wu, Jan Ernst, and Jana </a:t>
-            </a:r>
-            <a:r>
-              <a:rPr lang="en-US" dirty="0" err="1"/>
-              <a:t>Kosecka</a:t>
-            </a:r>
-            <a:r>
-              <a:rPr lang="en-US" dirty="0"/>
-              <a:t>. End-to-end learning of </a:t>
-            </a:r>
-            <a:r>
-              <a:rPr lang="en-US" dirty="0" err="1"/>
-              <a:t>keypoint</a:t>
-            </a:r>
-            <a:r>
-              <a:rPr lang="en-US" dirty="0"/>
-              <a:t> detector and descriptor for pose invariant 3d matching. CVPR, 2018.</a:t>
-            </a:r>
-          </a:p>
-          <a:p>
-            <a:r>
-              <a:rPr lang="en-US" dirty="0"/>
-              <a:t>[30] </a:t>
-            </a:r>
-            <a:r>
-              <a:rPr lang="en-US" dirty="0" err="1"/>
-              <a:t>Wilfried</a:t>
-            </a:r>
-            <a:r>
-              <a:rPr lang="en-US" dirty="0"/>
-              <a:t> Hartmann, Michal </a:t>
-            </a:r>
-            <a:r>
-              <a:rPr lang="en-US" dirty="0" err="1"/>
-              <a:t>Havlena</a:t>
-            </a:r>
-            <a:r>
-              <a:rPr lang="en-US" dirty="0"/>
-              <a:t>, and Konrad Schindler. Predicting </a:t>
-            </a:r>
-            <a:r>
-              <a:rPr lang="en-US" dirty="0" err="1"/>
-              <a:t>matchability</a:t>
-            </a:r>
-            <a:r>
-              <a:rPr lang="en-US" dirty="0"/>
-              <a:t>. CVPR, 2014.</a:t>
-            </a:r>
-          </a:p>
-          <a:p>
-            <a:r>
-              <a:rPr lang="en-US" dirty="0"/>
-              <a:t>[31] </a:t>
-            </a:r>
-            <a:r>
-              <a:rPr lang="en-US" dirty="0" err="1"/>
-              <a:t>Kwang</a:t>
-            </a:r>
-            <a:r>
-              <a:rPr lang="en-US" dirty="0"/>
-              <a:t> Moo Yi, Eduard </a:t>
-            </a:r>
-            <a:r>
-              <a:rPr lang="en-US" dirty="0" err="1"/>
-              <a:t>Trulls</a:t>
-            </a:r>
-            <a:r>
-              <a:rPr lang="en-US" dirty="0"/>
-              <a:t>, Yuki Ono, Vincent </a:t>
-            </a:r>
-            <a:r>
-              <a:rPr lang="en-US" dirty="0" err="1"/>
-              <a:t>Lepetit</a:t>
-            </a:r>
-            <a:r>
-              <a:rPr lang="en-US" dirty="0"/>
-              <a:t>, Mathieu Salzmann, and Pascal </a:t>
-            </a:r>
-            <a:r>
-              <a:rPr lang="en-US" dirty="0" err="1"/>
-              <a:t>Fua</a:t>
-            </a:r>
-            <a:r>
-              <a:rPr lang="en-US" dirty="0"/>
-              <a:t>. Learning to find good correspondences. CVPR, 2018.</a:t>
-            </a:r>
-          </a:p>
-          <a:p>
-            <a:r>
-              <a:rPr lang="en-US" dirty="0"/>
-              <a:t>[32] </a:t>
-            </a:r>
-            <a:r>
-              <a:rPr lang="en-US" dirty="0" err="1"/>
-              <a:t>Dmytro</a:t>
-            </a:r>
-            <a:r>
-              <a:rPr lang="en-US" dirty="0"/>
-              <a:t> </a:t>
-            </a:r>
-            <a:r>
-              <a:rPr lang="en-US" dirty="0" err="1"/>
-              <a:t>Mishkin</a:t>
-            </a:r>
-            <a:r>
-              <a:rPr lang="en-US" dirty="0"/>
-              <a:t>, Filip </a:t>
-            </a:r>
-            <a:r>
-              <a:rPr lang="en-US" dirty="0" err="1"/>
-              <a:t>Radenovic</a:t>
-            </a:r>
-            <a:r>
-              <a:rPr lang="en-US" dirty="0"/>
-              <a:t>, and Jiri </a:t>
-            </a:r>
-            <a:r>
-              <a:rPr lang="en-US" dirty="0" err="1"/>
-              <a:t>Matas</a:t>
-            </a:r>
-            <a:r>
-              <a:rPr lang="en-US" dirty="0"/>
-              <a:t>. Repeatability is not enough: Learning affine regions via discriminability. ECCV, 2018.</a:t>
-            </a:r>
-          </a:p>
-          <a:p>
-            <a:r>
-              <a:rPr lang="en-US" dirty="0"/>
-              <a:t>[33] Luc </a:t>
-            </a:r>
-            <a:r>
-              <a:rPr lang="en-US" dirty="0" err="1"/>
-              <a:t>Florack</a:t>
-            </a:r>
-            <a:r>
-              <a:rPr lang="en-US" dirty="0"/>
-              <a:t>, Bart </a:t>
-            </a:r>
-            <a:r>
-              <a:rPr lang="en-US" dirty="0" err="1"/>
-              <a:t>Ter</a:t>
-            </a:r>
-            <a:r>
-              <a:rPr lang="en-US" dirty="0"/>
-              <a:t> </a:t>
-            </a:r>
-            <a:r>
-              <a:rPr lang="en-US" dirty="0" err="1"/>
-              <a:t>Haar</a:t>
-            </a:r>
-            <a:r>
-              <a:rPr lang="en-US" dirty="0"/>
-              <a:t> </a:t>
-            </a:r>
-            <a:r>
-              <a:rPr lang="en-US" dirty="0" err="1"/>
-              <a:t>Romeny</a:t>
-            </a:r>
-            <a:r>
-              <a:rPr lang="en-US" dirty="0"/>
-              <a:t>, Max </a:t>
-            </a:r>
-            <a:r>
-              <a:rPr lang="en-US" dirty="0" err="1"/>
-              <a:t>Viergever</a:t>
-            </a:r>
-            <a:r>
-              <a:rPr lang="en-US" dirty="0"/>
-              <a:t>, and Jan </a:t>
-            </a:r>
-            <a:r>
-              <a:rPr lang="en-US" dirty="0" err="1"/>
-              <a:t>Koenderink</a:t>
-            </a:r>
-            <a:r>
-              <a:rPr lang="en-US" dirty="0"/>
-              <a:t>. The </a:t>
-            </a:r>
-            <a:r>
-              <a:rPr lang="en-US" dirty="0" err="1"/>
-              <a:t>gaussian</a:t>
-            </a:r>
-            <a:r>
-              <a:rPr lang="en-US" dirty="0"/>
-              <a:t> scale-space paradigm and the multiscale local jet. IJCV, 2002.</a:t>
-            </a:r>
-          </a:p>
-          <a:p>
-            <a:r>
-              <a:rPr lang="en-US" dirty="0"/>
-              <a:t>[34] </a:t>
-            </a:r>
-            <a:r>
-              <a:rPr lang="en-US" dirty="0" err="1"/>
-              <a:t>Krystian</a:t>
-            </a:r>
-            <a:r>
-              <a:rPr lang="en-US" dirty="0"/>
-              <a:t> </a:t>
-            </a:r>
-            <a:r>
-              <a:rPr lang="en-US" dirty="0" err="1"/>
-              <a:t>Mikolajczyk</a:t>
-            </a:r>
-            <a:r>
-              <a:rPr lang="en-US" dirty="0"/>
-              <a:t> and Cordelia </a:t>
-            </a:r>
-            <a:r>
-              <a:rPr lang="en-US" dirty="0" err="1"/>
-              <a:t>Schmid</a:t>
-            </a:r>
-            <a:r>
-              <a:rPr lang="en-US" dirty="0"/>
-              <a:t>. Indexing based on scale invariant interest points. ICCV, 2001.</a:t>
-            </a:r>
-          </a:p>
-          <a:p>
-            <a:r>
-              <a:rPr lang="en-US" dirty="0"/>
-              <a:t>[35] </a:t>
-            </a:r>
-            <a:r>
-              <a:rPr lang="en-US" dirty="0" err="1"/>
-              <a:t>Supasorn</a:t>
-            </a:r>
-            <a:r>
-              <a:rPr lang="en-US" dirty="0"/>
-              <a:t> </a:t>
-            </a:r>
-            <a:r>
-              <a:rPr lang="en-US" dirty="0" err="1"/>
-              <a:t>Suwajanakorn</a:t>
-            </a:r>
-            <a:r>
-              <a:rPr lang="en-US" dirty="0"/>
-              <a:t>, Noah </a:t>
-            </a:r>
-            <a:r>
-              <a:rPr lang="en-US" dirty="0" err="1"/>
-              <a:t>Snavely</a:t>
-            </a:r>
-            <a:r>
-              <a:rPr lang="en-US" dirty="0"/>
-              <a:t>, Jonathan </a:t>
-            </a:r>
-            <a:r>
-              <a:rPr lang="en-US" dirty="0" err="1"/>
-              <a:t>Tompson</a:t>
-            </a:r>
-            <a:r>
-              <a:rPr lang="en-US" dirty="0"/>
-              <a:t>, and Mohammad </a:t>
-            </a:r>
-            <a:r>
-              <a:rPr lang="en-US" dirty="0" err="1"/>
-              <a:t>Norouzi</a:t>
-            </a:r>
-            <a:r>
-              <a:rPr lang="en-US" dirty="0"/>
-              <a:t>. Discovery of latent 3d </a:t>
-            </a:r>
-            <a:r>
-              <a:rPr lang="en-US" dirty="0" err="1"/>
-              <a:t>keypoints</a:t>
-            </a:r>
-            <a:r>
-              <a:rPr lang="en-US" dirty="0"/>
-              <a:t> via end-to-end geometric reasoning. NIPS, 2018.</a:t>
-            </a:r>
-          </a:p>
-          <a:p>
-            <a:r>
-              <a:rPr lang="en-US" dirty="0"/>
-              <a:t>[36] </a:t>
-            </a:r>
-            <a:r>
-              <a:rPr lang="en-US" dirty="0" err="1"/>
-              <a:t>Jingming</a:t>
-            </a:r>
-            <a:r>
-              <a:rPr lang="en-US" dirty="0"/>
-              <a:t> Dong and Stefano </a:t>
-            </a:r>
-            <a:r>
-              <a:rPr lang="en-US" dirty="0" err="1"/>
-              <a:t>Soatto</a:t>
-            </a:r>
-            <a:r>
-              <a:rPr lang="en-US" dirty="0"/>
-              <a:t>. Domain-size pooling in local descriptors: </a:t>
-            </a:r>
-            <a:r>
-              <a:rPr lang="en-US" dirty="0" err="1"/>
-              <a:t>Dsp</a:t>
-            </a:r>
-            <a:r>
-              <a:rPr lang="en-US" dirty="0"/>
-              <a:t>-sift. CVPR, 2017.</a:t>
-            </a:r>
-          </a:p>
-          <a:p>
-            <a:r>
-              <a:rPr lang="en-US" dirty="0"/>
-              <a:t>[37] </a:t>
-            </a:r>
-            <a:r>
-              <a:rPr lang="en-US" dirty="0" err="1"/>
-              <a:t>Stepan</a:t>
-            </a:r>
-            <a:r>
-              <a:rPr lang="en-US" dirty="0"/>
-              <a:t> </a:t>
-            </a:r>
-            <a:r>
-              <a:rPr lang="en-US" dirty="0" err="1"/>
-              <a:t>Obdrzalek</a:t>
-            </a:r>
-            <a:r>
-              <a:rPr lang="en-US" dirty="0"/>
-              <a:t> and Jiri </a:t>
-            </a:r>
-            <a:r>
-              <a:rPr lang="en-US" dirty="0" err="1"/>
-              <a:t>Matas</a:t>
-            </a:r>
-            <a:r>
-              <a:rPr lang="en-US" dirty="0"/>
-              <a:t>. Object recognition using local affine frames on distinguished regions. BMVC, 2002.</a:t>
-            </a:r>
-          </a:p>
-          <a:p>
-            <a:r>
-              <a:rPr lang="en-US" dirty="0"/>
-              <a:t>[38] </a:t>
-            </a:r>
-            <a:r>
-              <a:rPr lang="en-US" dirty="0" err="1"/>
-              <a:t>Anastasiya</a:t>
-            </a:r>
-            <a:r>
-              <a:rPr lang="en-US" dirty="0"/>
-              <a:t> </a:t>
-            </a:r>
-            <a:r>
-              <a:rPr lang="en-US" dirty="0" err="1"/>
-              <a:t>Mishchuk</a:t>
-            </a:r>
-            <a:r>
-              <a:rPr lang="en-US" dirty="0"/>
-              <a:t>, </a:t>
-            </a:r>
-            <a:r>
-              <a:rPr lang="en-US" dirty="0" err="1"/>
-              <a:t>Dmytro</a:t>
-            </a:r>
-            <a:r>
-              <a:rPr lang="en-US" dirty="0"/>
-              <a:t> </a:t>
-            </a:r>
-            <a:r>
-              <a:rPr lang="en-US" dirty="0" err="1"/>
-              <a:t>Mishkin</a:t>
-            </a:r>
-            <a:r>
-              <a:rPr lang="en-US" dirty="0"/>
-              <a:t>, Filip </a:t>
-            </a:r>
-            <a:r>
-              <a:rPr lang="en-US" dirty="0" err="1"/>
-              <a:t>Radenovic</a:t>
-            </a:r>
-            <a:r>
-              <a:rPr lang="en-US" dirty="0"/>
-              <a:t>, and Jiri </a:t>
-            </a:r>
-            <a:r>
-              <a:rPr lang="en-US" dirty="0" err="1"/>
-              <a:t>Matas</a:t>
-            </a:r>
-            <a:r>
-              <a:rPr lang="en-US" dirty="0"/>
-              <a:t>. Working hard to know your neighbor’s margins: Local descriptor learning loss. NIPS, 2017.</a:t>
+              <a:t> and Tom Drummond. Machine learning for high-speed corner detection. ECCV, 2006.</a:t>
             </a:r>
           </a:p>
         </p:txBody>
@@ -18466,6 +17995,646 @@
     </p:spTree>
     <p:extLst>
       <p:ext uri="{BB962C8B-B14F-4D97-AF65-F5344CB8AC3E}">
+        <p14:creationId xmlns:p14="http://schemas.microsoft.com/office/powerpoint/2010/main" val="1289351617"/>
+      </p:ext>
+    </p:extLst>
+  </p:cSld>
+  <p:clrMapOvr>
+    <a:masterClrMapping/>
+  </p:clrMapOvr>
+</p:sld>
+</file>
+
+<file path=ppt/slides/slide37.xml><?xml version="1.0" encoding="utf-8"?>
+<p:sld xmlns:a="http://schemas.openxmlformats.org/drawingml/2006/main" xmlns:r="http://schemas.openxmlformats.org/officeDocument/2006/relationships" xmlns:p="http://schemas.openxmlformats.org/presentationml/2006/main">
+  <p:cSld>
+    <p:spTree>
+      <p:nvGrpSpPr>
+        <p:cNvPr id="1" name=""/>
+        <p:cNvGrpSpPr/>
+        <p:nvPr/>
+      </p:nvGrpSpPr>
+      <p:grpSpPr>
+        <a:xfrm>
+          <a:off x="0" y="0"/>
+          <a:ext cx="0" cy="0"/>
+          <a:chOff x="0" y="0"/>
+          <a:chExt cx="0" cy="0"/>
+        </a:xfrm>
+      </p:grpSpPr>
+      <p:sp>
+        <p:nvSpPr>
+          <p:cNvPr id="3" name="Content Placeholder 2">
+            <a:extLst>
+              <a:ext uri="{FF2B5EF4-FFF2-40B4-BE49-F238E27FC236}">
+                <a16:creationId xmlns:a16="http://schemas.microsoft.com/office/drawing/2014/main" id="{6AB250FE-08C8-4530-B722-29C38A359D8B}"/>
+              </a:ext>
+            </a:extLst>
+          </p:cNvPr>
+          <p:cNvSpPr>
+            <a:spLocks noGrp="1"/>
+          </p:cNvSpPr>
+          <p:nvPr>
+            <p:ph sz="half" idx="2"/>
+          </p:nvPr>
+        </p:nvSpPr>
+        <p:spPr>
+          <a:xfrm>
+            <a:off x="1097280" y="1602377"/>
+            <a:ext cx="10058400" cy="4502331"/>
+          </a:xfrm>
+        </p:spPr>
+        <p:txBody>
+          <a:bodyPr>
+            <a:normAutofit fontScale="62500" lnSpcReduction="20000"/>
+          </a:bodyPr>
+          <a:lstStyle/>
+          <a:p>
+            <a:r>
+              <a:rPr lang="en-US" dirty="0"/>
+              <a:t>[25] Edward </a:t>
+            </a:r>
+            <a:r>
+              <a:rPr lang="en-US" dirty="0" err="1"/>
+              <a:t>Rosten</a:t>
+            </a:r>
+            <a:r>
+              <a:rPr lang="en-US" dirty="0"/>
+              <a:t>, Reid Porter, and Tom Drummond. Faster and better: A machine learning approach to corner detection. TPAMI, 2010.</a:t>
+            </a:r>
+          </a:p>
+          <a:p>
+            <a:r>
+              <a:rPr lang="en-US" dirty="0"/>
+              <a:t>[26] Stefan </a:t>
+            </a:r>
+            <a:r>
+              <a:rPr lang="en-US" dirty="0" err="1"/>
+              <a:t>Leutenegger</a:t>
+            </a:r>
+            <a:r>
+              <a:rPr lang="en-US" dirty="0"/>
+              <a:t>, </a:t>
+            </a:r>
+            <a:r>
+              <a:rPr lang="en-US" dirty="0" err="1"/>
+              <a:t>Chli</a:t>
+            </a:r>
+            <a:r>
+              <a:rPr lang="en-US" dirty="0"/>
+              <a:t> Margarita, and </a:t>
+            </a:r>
+            <a:r>
+              <a:rPr lang="en-US" dirty="0" err="1"/>
+              <a:t>Siegwart</a:t>
+            </a:r>
+            <a:r>
+              <a:rPr lang="en-US" dirty="0"/>
+              <a:t> Roland. Brisk: Binary robust invariant scalable </a:t>
+            </a:r>
+            <a:r>
+              <a:rPr lang="en-US" dirty="0" err="1"/>
+              <a:t>keypoints</a:t>
+            </a:r>
+            <a:r>
+              <a:rPr lang="en-US" dirty="0"/>
+              <a:t>. ICCV, 2011.</a:t>
+            </a:r>
+          </a:p>
+          <a:p>
+            <a:r>
+              <a:rPr lang="en-US" dirty="0"/>
+              <a:t>[27] Ethan </a:t>
+            </a:r>
+            <a:r>
+              <a:rPr lang="en-US" dirty="0" err="1"/>
+              <a:t>Rublee</a:t>
+            </a:r>
+            <a:r>
+              <a:rPr lang="en-US" dirty="0"/>
+              <a:t>, Vincent </a:t>
+            </a:r>
+            <a:r>
+              <a:rPr lang="en-US" dirty="0" err="1"/>
+              <a:t>Rabaud</a:t>
+            </a:r>
+            <a:r>
+              <a:rPr lang="en-US" dirty="0"/>
+              <a:t>, Kurt </a:t>
+            </a:r>
+            <a:r>
+              <a:rPr lang="en-US" dirty="0" err="1"/>
+              <a:t>Konolige</a:t>
+            </a:r>
+            <a:r>
+              <a:rPr lang="en-US" dirty="0"/>
+              <a:t>, and Gary </a:t>
+            </a:r>
+            <a:r>
+              <a:rPr lang="en-US" dirty="0" err="1"/>
+              <a:t>Bradski</a:t>
+            </a:r>
+            <a:r>
+              <a:rPr lang="en-US" dirty="0"/>
+              <a:t>. Orb: An efficient alternative to sift or surf. ICCV, 2011.</a:t>
+            </a:r>
+          </a:p>
+          <a:p>
+            <a:r>
+              <a:rPr lang="en-US" dirty="0"/>
+              <a:t>[28] Nikolay </a:t>
+            </a:r>
+            <a:r>
+              <a:rPr lang="en-US" dirty="0" err="1"/>
+              <a:t>Savinov</a:t>
+            </a:r>
+            <a:r>
+              <a:rPr lang="en-US" dirty="0"/>
+              <a:t>, Akihito Seki, </a:t>
+            </a:r>
+            <a:r>
+              <a:rPr lang="en-US" dirty="0" err="1"/>
+              <a:t>Lubor</a:t>
+            </a:r>
+            <a:r>
+              <a:rPr lang="en-US" dirty="0"/>
+              <a:t> </a:t>
+            </a:r>
+            <a:r>
+              <a:rPr lang="en-US" dirty="0" err="1"/>
+              <a:t>Ladicky</a:t>
+            </a:r>
+            <a:r>
+              <a:rPr lang="en-US" dirty="0"/>
+              <a:t>, </a:t>
+            </a:r>
+            <a:r>
+              <a:rPr lang="en-US" dirty="0" err="1"/>
+              <a:t>Torsten</a:t>
+            </a:r>
+            <a:r>
+              <a:rPr lang="en-US" dirty="0"/>
+              <a:t> Sattler, and Marc </a:t>
+            </a:r>
+            <a:r>
+              <a:rPr lang="en-US" dirty="0" err="1"/>
+              <a:t>Pollefeys</a:t>
+            </a:r>
+            <a:r>
+              <a:rPr lang="en-US" dirty="0"/>
+              <a:t>. Quad-networks: unsupervised learning to rank for interest point detection. CVPR, 2017.</a:t>
+            </a:r>
+          </a:p>
+          <a:p>
+            <a:r>
+              <a:rPr lang="en-US" dirty="0"/>
+              <a:t>[29] Georgios Georgakis, </a:t>
+            </a:r>
+            <a:r>
+              <a:rPr lang="en-US" dirty="0" err="1"/>
+              <a:t>Srikrishna</a:t>
+            </a:r>
+            <a:r>
+              <a:rPr lang="en-US" dirty="0"/>
+              <a:t> </a:t>
+            </a:r>
+            <a:r>
+              <a:rPr lang="en-US" dirty="0" err="1"/>
+              <a:t>Karanam</a:t>
+            </a:r>
+            <a:r>
+              <a:rPr lang="en-US" dirty="0"/>
+              <a:t>, </a:t>
+            </a:r>
+            <a:r>
+              <a:rPr lang="en-US" dirty="0" err="1"/>
+              <a:t>Ziyan</a:t>
+            </a:r>
+            <a:r>
+              <a:rPr lang="en-US" dirty="0"/>
+              <a:t> Wu, Jan Ernst, and Jana </a:t>
+            </a:r>
+            <a:r>
+              <a:rPr lang="en-US" dirty="0" err="1"/>
+              <a:t>Kosecka</a:t>
+            </a:r>
+            <a:r>
+              <a:rPr lang="en-US" dirty="0"/>
+              <a:t>. End-to-end learning of </a:t>
+            </a:r>
+            <a:r>
+              <a:rPr lang="en-US" dirty="0" err="1"/>
+              <a:t>keypoint</a:t>
+            </a:r>
+            <a:r>
+              <a:rPr lang="en-US" dirty="0"/>
+              <a:t> detector and descriptor for pose invariant 3d matching. CVPR, 2018.</a:t>
+            </a:r>
+          </a:p>
+          <a:p>
+            <a:r>
+              <a:rPr lang="en-US" dirty="0"/>
+              <a:t>[30] </a:t>
+            </a:r>
+            <a:r>
+              <a:rPr lang="en-US" dirty="0" err="1"/>
+              <a:t>Wilfried</a:t>
+            </a:r>
+            <a:r>
+              <a:rPr lang="en-US" dirty="0"/>
+              <a:t> Hartmann, Michal </a:t>
+            </a:r>
+            <a:r>
+              <a:rPr lang="en-US" dirty="0" err="1"/>
+              <a:t>Havlena</a:t>
+            </a:r>
+            <a:r>
+              <a:rPr lang="en-US" dirty="0"/>
+              <a:t>, and Konrad Schindler. Predicting </a:t>
+            </a:r>
+            <a:r>
+              <a:rPr lang="en-US" dirty="0" err="1"/>
+              <a:t>matchability</a:t>
+            </a:r>
+            <a:r>
+              <a:rPr lang="en-US" dirty="0"/>
+              <a:t>. CVPR, 2014.</a:t>
+            </a:r>
+          </a:p>
+          <a:p>
+            <a:r>
+              <a:rPr lang="en-US" dirty="0"/>
+              <a:t>[31] </a:t>
+            </a:r>
+            <a:r>
+              <a:rPr lang="en-US" dirty="0" err="1"/>
+              <a:t>Kwang</a:t>
+            </a:r>
+            <a:r>
+              <a:rPr lang="en-US" dirty="0"/>
+              <a:t> Moo Yi, Eduard </a:t>
+            </a:r>
+            <a:r>
+              <a:rPr lang="en-US" dirty="0" err="1"/>
+              <a:t>Trulls</a:t>
+            </a:r>
+            <a:r>
+              <a:rPr lang="en-US" dirty="0"/>
+              <a:t>, Yuki Ono, Vincent </a:t>
+            </a:r>
+            <a:r>
+              <a:rPr lang="en-US" dirty="0" err="1"/>
+              <a:t>Lepetit</a:t>
+            </a:r>
+            <a:r>
+              <a:rPr lang="en-US" dirty="0"/>
+              <a:t>, Mathieu Salzmann, and Pascal </a:t>
+            </a:r>
+            <a:r>
+              <a:rPr lang="en-US" dirty="0" err="1"/>
+              <a:t>Fua</a:t>
+            </a:r>
+            <a:r>
+              <a:rPr lang="en-US" dirty="0"/>
+              <a:t>. Learning to find good correspondences. CVPR, 2018.</a:t>
+            </a:r>
+          </a:p>
+          <a:p>
+            <a:r>
+              <a:rPr lang="en-US" dirty="0"/>
+              <a:t>[32] </a:t>
+            </a:r>
+            <a:r>
+              <a:rPr lang="en-US" dirty="0" err="1"/>
+              <a:t>Dmytro</a:t>
+            </a:r>
+            <a:r>
+              <a:rPr lang="en-US" dirty="0"/>
+              <a:t> </a:t>
+            </a:r>
+            <a:r>
+              <a:rPr lang="en-US" dirty="0" err="1"/>
+              <a:t>Mishkin</a:t>
+            </a:r>
+            <a:r>
+              <a:rPr lang="en-US" dirty="0"/>
+              <a:t>, Filip </a:t>
+            </a:r>
+            <a:r>
+              <a:rPr lang="en-US" dirty="0" err="1"/>
+              <a:t>Radenovic</a:t>
+            </a:r>
+            <a:r>
+              <a:rPr lang="en-US" dirty="0"/>
+              <a:t>, and Jiri </a:t>
+            </a:r>
+            <a:r>
+              <a:rPr lang="en-US" dirty="0" err="1"/>
+              <a:t>Matas</a:t>
+            </a:r>
+            <a:r>
+              <a:rPr lang="en-US" dirty="0"/>
+              <a:t>. Repeatability is not enough: Learning affine regions via discriminability. ECCV, 2018.</a:t>
+            </a:r>
+          </a:p>
+          <a:p>
+            <a:r>
+              <a:rPr lang="en-US" dirty="0"/>
+              <a:t>[33] Luc </a:t>
+            </a:r>
+            <a:r>
+              <a:rPr lang="en-US" dirty="0" err="1"/>
+              <a:t>Florack</a:t>
+            </a:r>
+            <a:r>
+              <a:rPr lang="en-US" dirty="0"/>
+              <a:t>, Bart </a:t>
+            </a:r>
+            <a:r>
+              <a:rPr lang="en-US" dirty="0" err="1"/>
+              <a:t>Ter</a:t>
+            </a:r>
+            <a:r>
+              <a:rPr lang="en-US" dirty="0"/>
+              <a:t> </a:t>
+            </a:r>
+            <a:r>
+              <a:rPr lang="en-US" dirty="0" err="1"/>
+              <a:t>Haar</a:t>
+            </a:r>
+            <a:r>
+              <a:rPr lang="en-US" dirty="0"/>
+              <a:t> </a:t>
+            </a:r>
+            <a:r>
+              <a:rPr lang="en-US" dirty="0" err="1"/>
+              <a:t>Romeny</a:t>
+            </a:r>
+            <a:r>
+              <a:rPr lang="en-US" dirty="0"/>
+              <a:t>, Max </a:t>
+            </a:r>
+            <a:r>
+              <a:rPr lang="en-US" dirty="0" err="1"/>
+              <a:t>Viergever</a:t>
+            </a:r>
+            <a:r>
+              <a:rPr lang="en-US" dirty="0"/>
+              <a:t>, and Jan </a:t>
+            </a:r>
+            <a:r>
+              <a:rPr lang="en-US" dirty="0" err="1"/>
+              <a:t>Koenderink</a:t>
+            </a:r>
+            <a:r>
+              <a:rPr lang="en-US" dirty="0"/>
+              <a:t>. The </a:t>
+            </a:r>
+            <a:r>
+              <a:rPr lang="en-US" dirty="0" err="1"/>
+              <a:t>gaussian</a:t>
+            </a:r>
+            <a:r>
+              <a:rPr lang="en-US" dirty="0"/>
+              <a:t> scale-space paradigm and the multiscale local jet. IJCV, 2002.</a:t>
+            </a:r>
+          </a:p>
+          <a:p>
+            <a:r>
+              <a:rPr lang="en-US" dirty="0"/>
+              <a:t>[34] </a:t>
+            </a:r>
+            <a:r>
+              <a:rPr lang="en-US" dirty="0" err="1"/>
+              <a:t>Krystian</a:t>
+            </a:r>
+            <a:r>
+              <a:rPr lang="en-US" dirty="0"/>
+              <a:t> </a:t>
+            </a:r>
+            <a:r>
+              <a:rPr lang="en-US" dirty="0" err="1"/>
+              <a:t>Mikolajczyk</a:t>
+            </a:r>
+            <a:r>
+              <a:rPr lang="en-US" dirty="0"/>
+              <a:t> and Cordelia </a:t>
+            </a:r>
+            <a:r>
+              <a:rPr lang="en-US" dirty="0" err="1"/>
+              <a:t>Schmid</a:t>
+            </a:r>
+            <a:r>
+              <a:rPr lang="en-US" dirty="0"/>
+              <a:t>. Indexing based on scale invariant interest points. ICCV, 2001.</a:t>
+            </a:r>
+          </a:p>
+          <a:p>
+            <a:r>
+              <a:rPr lang="en-US" dirty="0"/>
+              <a:t>[35] </a:t>
+            </a:r>
+            <a:r>
+              <a:rPr lang="en-US" dirty="0" err="1"/>
+              <a:t>Supasorn</a:t>
+            </a:r>
+            <a:r>
+              <a:rPr lang="en-US" dirty="0"/>
+              <a:t> </a:t>
+            </a:r>
+            <a:r>
+              <a:rPr lang="en-US" dirty="0" err="1"/>
+              <a:t>Suwajanakorn</a:t>
+            </a:r>
+            <a:r>
+              <a:rPr lang="en-US" dirty="0"/>
+              <a:t>, Noah </a:t>
+            </a:r>
+            <a:r>
+              <a:rPr lang="en-US" dirty="0" err="1"/>
+              <a:t>Snavely</a:t>
+            </a:r>
+            <a:r>
+              <a:rPr lang="en-US" dirty="0"/>
+              <a:t>, Jonathan </a:t>
+            </a:r>
+            <a:r>
+              <a:rPr lang="en-US" dirty="0" err="1"/>
+              <a:t>Tompson</a:t>
+            </a:r>
+            <a:r>
+              <a:rPr lang="en-US" dirty="0"/>
+              <a:t>, and Mohammad </a:t>
+            </a:r>
+            <a:r>
+              <a:rPr lang="en-US" dirty="0" err="1"/>
+              <a:t>Norouzi</a:t>
+            </a:r>
+            <a:r>
+              <a:rPr lang="en-US" dirty="0"/>
+              <a:t>. Discovery of latent 3d </a:t>
+            </a:r>
+            <a:r>
+              <a:rPr lang="en-US" dirty="0" err="1"/>
+              <a:t>keypoints</a:t>
+            </a:r>
+            <a:r>
+              <a:rPr lang="en-US" dirty="0"/>
+              <a:t> via end-to-end geometric reasoning. NIPS, 2018.</a:t>
+            </a:r>
+          </a:p>
+          <a:p>
+            <a:r>
+              <a:rPr lang="en-US" dirty="0"/>
+              <a:t>[36] </a:t>
+            </a:r>
+            <a:r>
+              <a:rPr lang="en-US" dirty="0" err="1"/>
+              <a:t>Jingming</a:t>
+            </a:r>
+            <a:r>
+              <a:rPr lang="en-US" dirty="0"/>
+              <a:t> Dong and Stefano </a:t>
+            </a:r>
+            <a:r>
+              <a:rPr lang="en-US" dirty="0" err="1"/>
+              <a:t>Soatto</a:t>
+            </a:r>
+            <a:r>
+              <a:rPr lang="en-US" dirty="0"/>
+              <a:t>. Domain-size pooling in local descriptors: </a:t>
+            </a:r>
+            <a:r>
+              <a:rPr lang="en-US" dirty="0" err="1"/>
+              <a:t>Dsp</a:t>
+            </a:r>
+            <a:r>
+              <a:rPr lang="en-US" dirty="0"/>
+              <a:t>-sift. CVPR, 2017.</a:t>
+            </a:r>
+          </a:p>
+          <a:p>
+            <a:r>
+              <a:rPr lang="en-US" dirty="0"/>
+              <a:t>[37] </a:t>
+            </a:r>
+            <a:r>
+              <a:rPr lang="en-US" dirty="0" err="1"/>
+              <a:t>Stepan</a:t>
+            </a:r>
+            <a:r>
+              <a:rPr lang="en-US" dirty="0"/>
+              <a:t> </a:t>
+            </a:r>
+            <a:r>
+              <a:rPr lang="en-US" dirty="0" err="1"/>
+              <a:t>Obdrzalek</a:t>
+            </a:r>
+            <a:r>
+              <a:rPr lang="en-US" dirty="0"/>
+              <a:t> and Jiri </a:t>
+            </a:r>
+            <a:r>
+              <a:rPr lang="en-US" dirty="0" err="1"/>
+              <a:t>Matas</a:t>
+            </a:r>
+            <a:r>
+              <a:rPr lang="en-US" dirty="0"/>
+              <a:t>. Object recognition using local affine frames on distinguished regions. BMVC, 2002.</a:t>
+            </a:r>
+          </a:p>
+          <a:p>
+            <a:r>
+              <a:rPr lang="en-US" dirty="0"/>
+              <a:t>[38] </a:t>
+            </a:r>
+            <a:r>
+              <a:rPr lang="en-US" dirty="0" err="1"/>
+              <a:t>Anastasiya</a:t>
+            </a:r>
+            <a:r>
+              <a:rPr lang="en-US" dirty="0"/>
+              <a:t> </a:t>
+            </a:r>
+            <a:r>
+              <a:rPr lang="en-US" dirty="0" err="1"/>
+              <a:t>Mishchuk</a:t>
+            </a:r>
+            <a:r>
+              <a:rPr lang="en-US" dirty="0"/>
+              <a:t>, </a:t>
+            </a:r>
+            <a:r>
+              <a:rPr lang="en-US" dirty="0" err="1"/>
+              <a:t>Dmytro</a:t>
+            </a:r>
+            <a:r>
+              <a:rPr lang="en-US" dirty="0"/>
+              <a:t> </a:t>
+            </a:r>
+            <a:r>
+              <a:rPr lang="en-US" dirty="0" err="1"/>
+              <a:t>Mishkin</a:t>
+            </a:r>
+            <a:r>
+              <a:rPr lang="en-US" dirty="0"/>
+              <a:t>, Filip </a:t>
+            </a:r>
+            <a:r>
+              <a:rPr lang="en-US" dirty="0" err="1"/>
+              <a:t>Radenovic</a:t>
+            </a:r>
+            <a:r>
+              <a:rPr lang="en-US" dirty="0"/>
+              <a:t>, and Jiri </a:t>
+            </a:r>
+            <a:r>
+              <a:rPr lang="en-US" dirty="0" err="1"/>
+              <a:t>Matas</a:t>
+            </a:r>
+            <a:r>
+              <a:rPr lang="en-US" dirty="0"/>
+              <a:t>. Working hard to know your neighbor’s margins: Local descriptor learning loss. NIPS, 2017.</a:t>
+            </a:r>
+          </a:p>
+        </p:txBody>
+      </p:sp>
+      <p:sp>
+        <p:nvSpPr>
+          <p:cNvPr id="2" name="Title 1">
+            <a:extLst>
+              <a:ext uri="{FF2B5EF4-FFF2-40B4-BE49-F238E27FC236}">
+                <a16:creationId xmlns:a16="http://schemas.microsoft.com/office/drawing/2014/main" id="{CDC62B56-74BF-47D4-B1CD-AF93A810B3B7}"/>
+              </a:ext>
+            </a:extLst>
+          </p:cNvPr>
+          <p:cNvSpPr>
+            <a:spLocks noGrp="1"/>
+          </p:cNvSpPr>
+          <p:nvPr>
+            <p:ph type="title"/>
+          </p:nvPr>
+        </p:nvSpPr>
+        <p:spPr>
+          <a:xfrm>
+            <a:off x="1097280" y="942871"/>
+            <a:ext cx="10058400" cy="587584"/>
+          </a:xfrm>
+        </p:spPr>
+        <p:txBody>
+          <a:bodyPr/>
+          <a:lstStyle/>
+          <a:p>
+            <a:r>
+              <a:rPr lang="en-US" dirty="0"/>
+              <a:t>References</a:t>
+            </a:r>
+          </a:p>
+        </p:txBody>
+      </p:sp>
+    </p:spTree>
+    <p:extLst>
+      <p:ext uri="{BB962C8B-B14F-4D97-AF65-F5344CB8AC3E}">
         <p14:creationId xmlns:p14="http://schemas.microsoft.com/office/powerpoint/2010/main" val="3628327107"/>
       </p:ext>
     </p:extLst>
@@ -18476,7 +18645,7 @@
 </p:sld>
 </file>
 
-<file path=ppt/slides/slide37.xml><?xml version="1.0" encoding="utf-8"?>
+<file path=ppt/slides/slide38.xml><?xml version="1.0" encoding="utf-8"?>
 <p:sld xmlns:a="http://schemas.openxmlformats.org/drawingml/2006/main" xmlns:r="http://schemas.openxmlformats.org/officeDocument/2006/relationships" xmlns:p="http://schemas.openxmlformats.org/presentationml/2006/main">
   <p:cSld>
     <p:spTree>
@@ -18571,6 +18740,14 @@
 <file path=ppt/slides/slide4.xml><?xml version="1.0" encoding="utf-8"?>
 <p:sld xmlns:a="http://schemas.openxmlformats.org/drawingml/2006/main" xmlns:r="http://schemas.openxmlformats.org/officeDocument/2006/relationships" xmlns:p="http://schemas.openxmlformats.org/presentationml/2006/main">
   <p:cSld>
+    <p:bg>
+      <p:bgPr>
+        <a:solidFill>
+          <a:srgbClr val="EDEFF7"/>
+        </a:solidFill>
+        <a:effectLst/>
+      </p:bgPr>
+    </p:bg>
     <p:spTree>
       <p:nvGrpSpPr>
         <p:cNvPr id="1" name=""/>
@@ -18587,10 +18764,38 @@
       </p:grpSpPr>
       <p:sp>
         <p:nvSpPr>
-          <p:cNvPr id="3" name="Content Placeholder 2">
+          <p:cNvPr id="19" name="Title 18">
             <a:extLst>
               <a:ext uri="{FF2B5EF4-FFF2-40B4-BE49-F238E27FC236}">
-                <a16:creationId xmlns:a16="http://schemas.microsoft.com/office/drawing/2014/main" id="{6AB250FE-08C8-4530-B722-29C38A359D8B}"/>
+                <a16:creationId xmlns:a16="http://schemas.microsoft.com/office/drawing/2014/main" id="{55BA9AC8-EA60-644D-9DDA-B76203EA1E87}"/>
+              </a:ext>
+            </a:extLst>
+          </p:cNvPr>
+          <p:cNvSpPr>
+            <a:spLocks noGrp="1"/>
+          </p:cNvSpPr>
+          <p:nvPr>
+            <p:ph type="title"/>
+          </p:nvPr>
+        </p:nvSpPr>
+        <p:spPr/>
+        <p:txBody>
+          <a:bodyPr/>
+          <a:lstStyle/>
+          <a:p>
+            <a:r>
+              <a:rPr lang="en-US" b="1" dirty="0"/>
+              <a:t>Table of Contents</a:t>
+            </a:r>
+          </a:p>
+        </p:txBody>
+      </p:sp>
+      <p:sp>
+        <p:nvSpPr>
+          <p:cNvPr id="17" name="Content Placeholder 16">
+            <a:extLst>
+              <a:ext uri="{FF2B5EF4-FFF2-40B4-BE49-F238E27FC236}">
+                <a16:creationId xmlns:a16="http://schemas.microsoft.com/office/drawing/2014/main" id="{8E7591AD-81F4-2E45-AE36-F4DA40C19031}"/>
               </a:ext>
             </a:extLst>
           </p:cNvPr>
@@ -18601,139 +18806,38 @@
             <p:ph sz="half" idx="2"/>
           </p:nvPr>
         </p:nvSpPr>
-        <p:spPr>
-          <a:xfrm>
-            <a:off x="1097280" y="1602378"/>
-            <a:ext cx="10058400" cy="4266718"/>
-          </a:xfrm>
-        </p:spPr>
+        <p:spPr/>
         <p:txBody>
           <a:bodyPr>
             <a:normAutofit/>
           </a:bodyPr>
           <a:lstStyle/>
           <a:p>
-            <a:pPr lvl="1">
-              <a:buClr>
-                <a:schemeClr val="tx1"/>
-              </a:buClr>
-              <a:buFont typeface="Arial" panose="020B0604020202020204" pitchFamily="34" charset="0"/>
-              <a:buChar char="•"/>
+            <a:pPr>
+              <a:buFont typeface="+mj-lt"/>
+              <a:buAutoNum type="arabicPeriod" startAt="7"/>
             </a:pPr>
             <a:r>
-              <a:rPr lang="en-US" sz="1800" dirty="0" err="1" smtClean="0"/>
-              <a:t>keypoint</a:t>
-            </a:r>
-            <a:r>
               <a:rPr lang="en-US" sz="1800" dirty="0" smtClean="0"/>
-              <a:t> detection</a:t>
-            </a:r>
-            <a:endParaRPr lang="fa-IR" sz="1800" dirty="0" smtClean="0"/>
-          </a:p>
-          <a:p>
-            <a:pPr lvl="1">
-              <a:buClr>
-                <a:schemeClr val="tx1"/>
-              </a:buClr>
-              <a:buFont typeface="Arial" panose="020B0604020202020204" pitchFamily="34" charset="0"/>
-              <a:buChar char="•"/>
-            </a:pPr>
+              <a:t>Results</a:t>
+            </a:r>
+          </a:p>
+          <a:p>
+            <a:pPr lvl="1"/>
             <a:r>
               <a:rPr lang="en-US" sz="1800" dirty="0"/>
-              <a:t>handcrafted and learned CNN </a:t>
+              <a:t>Preliminary </a:t>
             </a:r>
             <a:r>
               <a:rPr lang="en-US" sz="1800" dirty="0" smtClean="0"/>
-              <a:t>filters</a:t>
-            </a:r>
-            <a:endParaRPr lang="fa-IR" sz="1800" dirty="0" smtClean="0"/>
-          </a:p>
-          <a:p>
-            <a:pPr lvl="1">
-              <a:buClr>
-                <a:schemeClr val="tx1"/>
-              </a:buClr>
-              <a:buFont typeface="Arial" panose="020B0604020202020204" pitchFamily="34" charset="0"/>
-              <a:buChar char="•"/>
-            </a:pPr>
-            <a:r>
-              <a:rPr lang="en-US" sz="1800" dirty="0"/>
-              <a:t>multi-scale </a:t>
-            </a:r>
-            <a:r>
-              <a:rPr lang="en-US" sz="1800" dirty="0" smtClean="0"/>
-              <a:t>architecture</a:t>
-            </a:r>
-            <a:endParaRPr lang="fa-IR" sz="1800" dirty="0" smtClean="0"/>
-          </a:p>
-          <a:p>
-            <a:pPr lvl="1">
-              <a:buClr>
-                <a:schemeClr val="tx1"/>
-              </a:buClr>
-              <a:buFont typeface="Arial" panose="020B0604020202020204" pitchFamily="34" charset="0"/>
-              <a:buChar char="•"/>
-            </a:pPr>
-            <a:r>
-              <a:rPr lang="en-US" sz="1800" dirty="0"/>
-              <a:t>Handcrafted filters provide anchor structures for learned filters, which localize, score and rank repeatable features</a:t>
-            </a:r>
-            <a:r>
-              <a:rPr lang="en-US" sz="1800" dirty="0" smtClean="0"/>
-              <a:t>.</a:t>
-            </a:r>
-            <a:endParaRPr lang="fa-IR" sz="1800" dirty="0"/>
-          </a:p>
-          <a:p>
-            <a:pPr lvl="1">
-              <a:buClr>
-                <a:schemeClr val="tx1"/>
-              </a:buClr>
-              <a:buFont typeface="Arial" panose="020B0604020202020204" pitchFamily="34" charset="0"/>
-              <a:buChar char="•"/>
-            </a:pPr>
-            <a:r>
-              <a:rPr lang="en-US" sz="1800" dirty="0"/>
-              <a:t>loss </a:t>
-            </a:r>
-            <a:r>
-              <a:rPr lang="en-US" sz="1800" dirty="0" smtClean="0"/>
-              <a:t>function</a:t>
-            </a:r>
-            <a:endParaRPr lang="fa-IR" sz="1800" dirty="0" smtClean="0"/>
-          </a:p>
-          <a:p>
-            <a:pPr lvl="1">
-              <a:buClr>
-                <a:schemeClr val="tx1"/>
-              </a:buClr>
-              <a:buFont typeface="Arial" panose="020B0604020202020204" pitchFamily="34" charset="0"/>
-              <a:buChar char="•"/>
-            </a:pPr>
-            <a:r>
-              <a:rPr lang="en-US" sz="1800" dirty="0" smtClean="0"/>
-              <a:t>Data :</a:t>
-            </a:r>
-          </a:p>
-          <a:p>
-            <a:pPr lvl="2">
-              <a:buClr>
-                <a:schemeClr val="tx1"/>
-              </a:buClr>
-              <a:buFont typeface="Arial" panose="020B0604020202020204" pitchFamily="34" charset="0"/>
-              <a:buChar char="•"/>
-            </a:pPr>
-            <a:r>
-              <a:rPr lang="en-US" sz="1800" dirty="0" smtClean="0"/>
-              <a:t>ImageNet </a:t>
-            </a:r>
-            <a:r>
-              <a:rPr lang="en-US" sz="1800" dirty="0"/>
-              <a:t>and evaluated on </a:t>
-            </a:r>
+              <a:t>Analysis</a:t>
+            </a:r>
+          </a:p>
+          <a:p>
+            <a:pPr lvl="1"/>
             <a:r>
               <a:rPr lang="en-US" sz="1800" dirty="0" err="1"/>
-              <a:t>HPatches</a:t>
+              <a:t>Keypoint</a:t>
             </a:r>
             <a:r>
               <a:rPr lang="en-US" sz="1800" dirty="0"/>
@@ -18741,53 +18845,47 @@
             </a:r>
             <a:r>
               <a:rPr lang="en-US" sz="1800" dirty="0" smtClean="0"/>
-              <a:t>benchmark.</a:t>
-            </a:r>
-          </a:p>
-          <a:p>
-            <a:pPr lvl="1">
-              <a:buClr>
-                <a:schemeClr val="tx1"/>
-              </a:buClr>
-              <a:buFont typeface="Arial" panose="020B0604020202020204" pitchFamily="34" charset="0"/>
-              <a:buChar char="•"/>
+              <a:t>Detection</a:t>
+            </a:r>
+          </a:p>
+          <a:p>
+            <a:pPr lvl="1"/>
+            <a:r>
+              <a:rPr lang="en-US" sz="1800" dirty="0" err="1"/>
+              <a:t>Keypoint</a:t>
+            </a:r>
+            <a:r>
+              <a:rPr lang="en-US" sz="1800" dirty="0"/>
+              <a:t> </a:t>
+            </a:r>
+            <a:r>
+              <a:rPr lang="en-US" sz="1800" dirty="0" smtClean="0"/>
+              <a:t>Matching</a:t>
+            </a:r>
+          </a:p>
+          <a:p>
+            <a:pPr lvl="1"/>
+            <a:r>
+              <a:rPr lang="en-US" sz="1800" dirty="0" smtClean="0"/>
+              <a:t>Efficiency</a:t>
+            </a:r>
+          </a:p>
+          <a:p>
+            <a:pPr>
+              <a:buAutoNum type="arabicPeriod" startAt="7"/>
             </a:pPr>
             <a:r>
+              <a:rPr lang="en-US" sz="1800" dirty="0" smtClean="0"/>
+              <a:t>Conclusions</a:t>
+            </a:r>
+          </a:p>
+          <a:p>
+            <a:pPr>
+              <a:buAutoNum type="arabicPeriod" startAt="7"/>
+            </a:pPr>
+            <a:r>
               <a:rPr lang="en-US" sz="1800" dirty="0"/>
-              <a:t>outperforms state-of-the-art detectors in terms of repeatability, matching performance and complexity. </a:t>
-            </a:r>
-          </a:p>
-        </p:txBody>
-      </p:sp>
-      <p:sp>
-        <p:nvSpPr>
-          <p:cNvPr id="2" name="Title 1">
-            <a:extLst>
-              <a:ext uri="{FF2B5EF4-FFF2-40B4-BE49-F238E27FC236}">
-                <a16:creationId xmlns:a16="http://schemas.microsoft.com/office/drawing/2014/main" id="{CDC62B56-74BF-47D4-B1CD-AF93A810B3B7}"/>
-              </a:ext>
-            </a:extLst>
-          </p:cNvPr>
-          <p:cNvSpPr>
-            <a:spLocks noGrp="1"/>
-          </p:cNvSpPr>
-          <p:nvPr>
-            <p:ph type="title"/>
-          </p:nvPr>
-        </p:nvSpPr>
-        <p:spPr>
-          <a:xfrm>
-            <a:off x="1097280" y="942871"/>
-            <a:ext cx="10058400" cy="587584"/>
-          </a:xfrm>
-        </p:spPr>
-        <p:txBody>
-          <a:bodyPr/>
-          <a:lstStyle/>
-          <a:p>
-            <a:r>
-              <a:rPr lang="en-US" dirty="0"/>
-              <a:t>Abstract</a:t>
+              <a:t>References</a:t>
             </a:r>
           </a:p>
         </p:txBody>
@@ -18795,7 +18893,7 @@
     </p:spTree>
     <p:extLst>
       <p:ext uri="{BB962C8B-B14F-4D97-AF65-F5344CB8AC3E}">
-        <p14:creationId xmlns:p14="http://schemas.microsoft.com/office/powerpoint/2010/main" val="2682059810"/>
+        <p14:creationId xmlns:p14="http://schemas.microsoft.com/office/powerpoint/2010/main" val="1638963298"/>
       </p:ext>
     </p:extLst>
   </p:cSld>
@@ -18850,25 +18948,127 @@
           </a:bodyPr>
           <a:lstStyle/>
           <a:p>
-            <a:pPr lvl="1"/>
+            <a:pPr lvl="1">
+              <a:buClr>
+                <a:schemeClr val="tx1"/>
+              </a:buClr>
+              <a:buFont typeface="Arial" panose="020B0604020202020204" pitchFamily="34" charset="0"/>
+              <a:buChar char="•"/>
+            </a:pPr>
+            <a:r>
+              <a:rPr lang="en-US" sz="1800" dirty="0" err="1" smtClean="0"/>
+              <a:t>keypoint</a:t>
+            </a:r>
+            <a:r>
+              <a:rPr lang="en-US" sz="1800" dirty="0" smtClean="0"/>
+              <a:t> detection</a:t>
+            </a:r>
+            <a:endParaRPr lang="fa-IR" sz="1800" dirty="0" smtClean="0"/>
+          </a:p>
+          <a:p>
+            <a:pPr lvl="1">
+              <a:buClr>
+                <a:schemeClr val="tx1"/>
+              </a:buClr>
+              <a:buFont typeface="Arial" panose="020B0604020202020204" pitchFamily="34" charset="0"/>
+              <a:buChar char="•"/>
+            </a:pPr>
             <a:r>
               <a:rPr lang="en-US" sz="1800" dirty="0"/>
-              <a:t>self-guided navigation or 3D </a:t>
+              <a:t>handcrafted and learned CNN </a:t>
             </a:r>
             <a:r>
               <a:rPr lang="en-US" sz="1800" dirty="0" smtClean="0"/>
-              <a:t>reconstruction</a:t>
-            </a:r>
-          </a:p>
-          <a:p>
-            <a:pPr lvl="1"/>
+              <a:t>filters</a:t>
+            </a:r>
+            <a:endParaRPr lang="fa-IR" sz="1800" dirty="0" smtClean="0"/>
+          </a:p>
+          <a:p>
+            <a:pPr lvl="1">
+              <a:buClr>
+                <a:schemeClr val="tx1"/>
+              </a:buClr>
+              <a:buFont typeface="Arial" panose="020B0604020202020204" pitchFamily="34" charset="0"/>
+              <a:buChar char="•"/>
+            </a:pPr>
             <a:r>
               <a:rPr lang="en-US" sz="1800" dirty="0"/>
-              <a:t>advantage of learning methods over handcrafted ones has not been clearly demonstrated in </a:t>
+              <a:t>multi-scale </a:t>
+            </a:r>
+            <a:r>
+              <a:rPr lang="en-US" sz="1800" dirty="0" smtClean="0"/>
+              <a:t>architecture</a:t>
+            </a:r>
+            <a:endParaRPr lang="fa-IR" sz="1800" dirty="0" smtClean="0"/>
+          </a:p>
+          <a:p>
+            <a:pPr lvl="1">
+              <a:buClr>
+                <a:schemeClr val="tx1"/>
+              </a:buClr>
+              <a:buFont typeface="Arial" panose="020B0604020202020204" pitchFamily="34" charset="0"/>
+              <a:buChar char="•"/>
+            </a:pPr>
+            <a:r>
+              <a:rPr lang="en-US" sz="1800" dirty="0"/>
+              <a:t>Handcrafted filters provide anchor structures for learned filters, which localize, score and rank repeatable features</a:t>
+            </a:r>
+            <a:r>
+              <a:rPr lang="en-US" sz="1800" dirty="0" smtClean="0"/>
+              <a:t>.</a:t>
+            </a:r>
+            <a:endParaRPr lang="fa-IR" sz="1800" dirty="0"/>
+          </a:p>
+          <a:p>
+            <a:pPr lvl="1">
+              <a:buClr>
+                <a:schemeClr val="tx1"/>
+              </a:buClr>
+              <a:buFont typeface="Arial" panose="020B0604020202020204" pitchFamily="34" charset="0"/>
+              <a:buChar char="•"/>
+            </a:pPr>
+            <a:r>
+              <a:rPr lang="en-US" sz="1800" dirty="0"/>
+              <a:t>loss </a:t>
+            </a:r>
+            <a:r>
+              <a:rPr lang="en-US" sz="1800" dirty="0" smtClean="0"/>
+              <a:t>function</a:t>
+            </a:r>
+            <a:endParaRPr lang="fa-IR" sz="1800" dirty="0" smtClean="0"/>
+          </a:p>
+          <a:p>
+            <a:pPr lvl="1">
+              <a:buClr>
+                <a:schemeClr val="tx1"/>
+              </a:buClr>
+              <a:buFont typeface="Arial" panose="020B0604020202020204" pitchFamily="34" charset="0"/>
+              <a:buChar char="•"/>
+            </a:pPr>
+            <a:r>
+              <a:rPr lang="en-US" sz="1800" dirty="0" smtClean="0"/>
+              <a:t>Data :</a:t>
+            </a:r>
+          </a:p>
+          <a:p>
+            <a:pPr lvl="2">
+              <a:buClr>
+                <a:schemeClr val="tx1"/>
+              </a:buClr>
+              <a:buFont typeface="Arial" panose="020B0604020202020204" pitchFamily="34" charset="0"/>
+              <a:buChar char="•"/>
+            </a:pPr>
+            <a:r>
+              <a:rPr lang="en-US" sz="1800" dirty="0" smtClean="0"/>
+              <a:t>ImageNet </a:t>
+            </a:r>
+            <a:r>
+              <a:rPr lang="en-US" sz="1800" dirty="0"/>
+              <a:t>and evaluated on </a:t>
             </a:r>
             <a:r>
               <a:rPr lang="en-US" sz="1800" dirty="0" err="1"/>
-              <a:t>keypoint</a:t>
+              <a:t>HPatches</a:t>
             </a:r>
             <a:r>
               <a:rPr lang="en-US" sz="1800" dirty="0"/>
@@ -18876,64 +19076,21 @@
             </a:r>
             <a:r>
               <a:rPr lang="en-US" sz="1800" dirty="0" smtClean="0"/>
-              <a:t>detection.</a:t>
-            </a:r>
-          </a:p>
-          <a:p>
-            <a:pPr lvl="1"/>
-            <a:r>
-              <a:rPr lang="en-US" sz="1800" dirty="0" smtClean="0"/>
-              <a:t>Convolutional </a:t>
-            </a:r>
+              <a:t>benchmark.</a:t>
+            </a:r>
+          </a:p>
+          <a:p>
+            <a:pPr lvl="1">
+              <a:buClr>
+                <a:schemeClr val="tx1"/>
+              </a:buClr>
+              <a:buFont typeface="Arial" panose="020B0604020202020204" pitchFamily="34" charset="0"/>
+              <a:buChar char="•"/>
+            </a:pPr>
             <a:r>
               <a:rPr lang="en-US" sz="1800" dirty="0"/>
-              <a:t>Neural Networks (</a:t>
-            </a:r>
-            <a:r>
-              <a:rPr lang="en-US" sz="1800" dirty="0" smtClean="0"/>
-              <a:t>CNNs)</a:t>
-            </a:r>
-            <a:endParaRPr lang="fa-IR" sz="1800" dirty="0" smtClean="0"/>
-          </a:p>
-          <a:p>
-            <a:pPr lvl="1"/>
-            <a:r>
-              <a:rPr lang="en-US" sz="1800" dirty="0" smtClean="0"/>
-              <a:t>local </a:t>
-            </a:r>
-            <a:r>
-              <a:rPr lang="en-US" sz="1800" dirty="0"/>
-              <a:t>feature detectors were based on engineered filters. For instance, approaches such as </a:t>
-            </a:r>
-            <a:r>
-              <a:rPr lang="en-US" sz="1800" dirty="0" smtClean="0"/>
-              <a:t>Difference</a:t>
-            </a:r>
-            <a:r>
-              <a:rPr lang="fa-IR" sz="1800" dirty="0" smtClean="0"/>
-              <a:t> </a:t>
-            </a:r>
-            <a:r>
-              <a:rPr lang="en-US" sz="1800" dirty="0" smtClean="0"/>
-              <a:t>of Gaussians, </a:t>
-            </a:r>
-            <a:r>
-              <a:rPr lang="en-US" sz="1800" dirty="0"/>
-              <a:t>Harris-Laplace or Hessian-Affine </a:t>
-            </a:r>
-            <a:r>
-              <a:rPr lang="en-US" sz="1800" dirty="0" smtClean="0"/>
-              <a:t>use </a:t>
-            </a:r>
-            <a:r>
-              <a:rPr lang="en-US" sz="1800" dirty="0"/>
-              <a:t>combinations of image derivatives to compute feature maps, which is remarkably similar to the operations in trained CNN’s layers. </a:t>
-            </a:r>
-            <a:endParaRPr lang="en-US" sz="1800" dirty="0">
-              <a:solidFill>
-                <a:schemeClr val="tx1"/>
-              </a:solidFill>
-            </a:endParaRPr>
+              <a:t>outperforms state-of-the-art detectors in terms of repeatability, matching performance and complexity. </a:t>
+            </a:r>
           </a:p>
         </p:txBody>
       </p:sp>
@@ -18965,7 +19122,7 @@
           <a:p>
             <a:r>
               <a:rPr lang="en-US" dirty="0"/>
-              <a:t>Introduction</a:t>
+              <a:t>Abstract</a:t>
             </a:r>
           </a:p>
         </p:txBody>
@@ -18973,7 +19130,7 @@
     </p:spTree>
     <p:extLst>
       <p:ext uri="{BB962C8B-B14F-4D97-AF65-F5344CB8AC3E}">
-        <p14:creationId xmlns:p14="http://schemas.microsoft.com/office/powerpoint/2010/main" val="403096264"/>
+        <p14:creationId xmlns:p14="http://schemas.microsoft.com/office/powerpoint/2010/main" val="2682059810"/>
       </p:ext>
     </p:extLst>
   </p:cSld>
@@ -19030,71 +19187,84 @@
           <a:p>
             <a:pPr lvl="1"/>
             <a:r>
-              <a:rPr lang="en-US" sz="2000" dirty="0"/>
-              <a:t>In summary, our contributions are the following</a:t>
-            </a:r>
-            <a:r>
-              <a:rPr lang="en-US" sz="2000" dirty="0" smtClean="0"/>
-              <a:t>:</a:t>
-            </a:r>
-          </a:p>
-          <a:p>
-            <a:pPr lvl="2"/>
-            <a:r>
-              <a:rPr lang="en-US" sz="2000" dirty="0" smtClean="0"/>
-              <a:t>a</a:t>
-            </a:r>
-            <a:r>
-              <a:rPr lang="en-US" sz="2000" dirty="0"/>
-              <a:t>) a </a:t>
-            </a:r>
-            <a:r>
-              <a:rPr lang="en-US" sz="2000" dirty="0" err="1"/>
+              <a:rPr lang="en-US" sz="1800" dirty="0"/>
+              <a:t>self-guided navigation or 3D </a:t>
+            </a:r>
+            <a:r>
+              <a:rPr lang="en-US" sz="1800" dirty="0" smtClean="0"/>
+              <a:t>reconstruction</a:t>
+            </a:r>
+          </a:p>
+          <a:p>
+            <a:pPr lvl="1"/>
+            <a:r>
+              <a:rPr lang="en-US" sz="1800" dirty="0"/>
+              <a:t>advantage of learning methods over handcrafted ones has not been clearly demonstrated in </a:t>
+            </a:r>
+            <a:r>
+              <a:rPr lang="en-US" sz="1800" dirty="0" err="1"/>
               <a:t>keypoint</a:t>
             </a:r>
             <a:r>
-              <a:rPr lang="en-US" sz="2000" dirty="0"/>
-              <a:t> detector that combines handcrafted and learned CNN </a:t>
-            </a:r>
-            <a:r>
-              <a:rPr lang="en-US" sz="2000" dirty="0" smtClean="0"/>
-              <a:t>features</a:t>
-            </a:r>
-          </a:p>
-          <a:p>
-            <a:pPr lvl="2"/>
-            <a:r>
-              <a:rPr lang="en-US" sz="2000" dirty="0" smtClean="0"/>
-              <a:t>b</a:t>
-            </a:r>
-            <a:r>
-              <a:rPr lang="en-US" sz="2000" dirty="0"/>
-              <a:t>) a novel multi-scale loss and operator for detecting and ranking stable </a:t>
-            </a:r>
-            <a:r>
-              <a:rPr lang="en-US" sz="2000" dirty="0" err="1"/>
-              <a:t>keypoints</a:t>
-            </a:r>
-            <a:r>
-              <a:rPr lang="en-US" sz="2000" dirty="0"/>
-              <a:t> across scales</a:t>
-            </a:r>
-            <a:r>
-              <a:rPr lang="en-US" sz="2000" dirty="0" smtClean="0"/>
-              <a:t>,</a:t>
-            </a:r>
-          </a:p>
-          <a:p>
-            <a:pPr lvl="2"/>
-            <a:r>
-              <a:rPr lang="en-US" sz="2000" dirty="0" smtClean="0"/>
-              <a:t>c) </a:t>
-            </a:r>
-            <a:r>
-              <a:rPr lang="en-US" sz="2000" dirty="0"/>
-              <a:t>a multi-scale feature detection with shallow architecture. </a:t>
-            </a:r>
-            <a:endParaRPr lang="en-US" sz="2000" dirty="0">
+              <a:rPr lang="en-US" sz="1800" dirty="0"/>
+              <a:t> </a:t>
+            </a:r>
+            <a:r>
+              <a:rPr lang="en-US" sz="1800" dirty="0" smtClean="0"/>
+              <a:t>detection.</a:t>
+            </a:r>
+          </a:p>
+          <a:p>
+            <a:pPr lvl="1"/>
+            <a:r>
+              <a:rPr lang="en-US" sz="1800" dirty="0" smtClean="0"/>
+              <a:t>Convolutional </a:t>
+            </a:r>
+            <a:r>
+              <a:rPr lang="en-US" sz="1800" dirty="0"/>
+              <a:t>Neural Networks (</a:t>
+            </a:r>
+            <a:r>
+              <a:rPr lang="en-US" sz="1800" dirty="0" smtClean="0"/>
+              <a:t>CNNs)</a:t>
+            </a:r>
+            <a:endParaRPr lang="fa-IR" sz="1800" dirty="0" smtClean="0"/>
+          </a:p>
+          <a:p>
+            <a:pPr lvl="1"/>
+            <a:r>
+              <a:rPr lang="en-US" sz="1800" dirty="0" smtClean="0"/>
+              <a:t>local </a:t>
+            </a:r>
+            <a:r>
+              <a:rPr lang="en-US" sz="1800" dirty="0"/>
+              <a:t>feature detectors were based on engineered filters. For instance, approaches such as </a:t>
+            </a:r>
+            <a:r>
+              <a:rPr lang="en-US" sz="1800" dirty="0" smtClean="0"/>
+              <a:t>Difference</a:t>
+            </a:r>
+            <a:r>
+              <a:rPr lang="fa-IR" sz="1800" dirty="0" smtClean="0"/>
+              <a:t> </a:t>
+            </a:r>
+            <a:r>
+              <a:rPr lang="en-US" sz="1800" dirty="0" smtClean="0"/>
+              <a:t>of Gaussians, </a:t>
+            </a:r>
+            <a:r>
+              <a:rPr lang="en-US" sz="1800" dirty="0"/>
+              <a:t>Harris-Laplace or Hessian-Affine </a:t>
+            </a:r>
+            <a:r>
+              <a:rPr lang="en-US" sz="1800" dirty="0" smtClean="0"/>
+              <a:t>use </a:t>
+            </a:r>
+            <a:r>
+              <a:rPr lang="en-US" sz="1800" dirty="0"/>
+              <a:t>combinations of image derivatives to compute feature maps, which is remarkably similar to the operations in trained CNN’s layers. </a:t>
+            </a:r>
+            <a:endParaRPr lang="en-US" sz="1800" dirty="0">
               <a:solidFill>
                 <a:schemeClr val="tx1"/>
               </a:solidFill>
@@ -19138,6 +19308,171 @@
     </p:spTree>
     <p:extLst>
       <p:ext uri="{BB962C8B-B14F-4D97-AF65-F5344CB8AC3E}">
+        <p14:creationId xmlns:p14="http://schemas.microsoft.com/office/powerpoint/2010/main" val="403096264"/>
+      </p:ext>
+    </p:extLst>
+  </p:cSld>
+  <p:clrMapOvr>
+    <a:masterClrMapping/>
+  </p:clrMapOvr>
+</p:sld>
+</file>
+
+<file path=ppt/slides/slide7.xml><?xml version="1.0" encoding="utf-8"?>
+<p:sld xmlns:a="http://schemas.openxmlformats.org/drawingml/2006/main" xmlns:r="http://schemas.openxmlformats.org/officeDocument/2006/relationships" xmlns:p="http://schemas.openxmlformats.org/presentationml/2006/main">
+  <p:cSld>
+    <p:spTree>
+      <p:nvGrpSpPr>
+        <p:cNvPr id="1" name=""/>
+        <p:cNvGrpSpPr/>
+        <p:nvPr/>
+      </p:nvGrpSpPr>
+      <p:grpSpPr>
+        <a:xfrm>
+          <a:off x="0" y="0"/>
+          <a:ext cx="0" cy="0"/>
+          <a:chOff x="0" y="0"/>
+          <a:chExt cx="0" cy="0"/>
+        </a:xfrm>
+      </p:grpSpPr>
+      <p:sp>
+        <p:nvSpPr>
+          <p:cNvPr id="3" name="Content Placeholder 2">
+            <a:extLst>
+              <a:ext uri="{FF2B5EF4-FFF2-40B4-BE49-F238E27FC236}">
+                <a16:creationId xmlns:a16="http://schemas.microsoft.com/office/drawing/2014/main" id="{6AB250FE-08C8-4530-B722-29C38A359D8B}"/>
+              </a:ext>
+            </a:extLst>
+          </p:cNvPr>
+          <p:cNvSpPr>
+            <a:spLocks noGrp="1"/>
+          </p:cNvSpPr>
+          <p:nvPr>
+            <p:ph sz="half" idx="2"/>
+          </p:nvPr>
+        </p:nvSpPr>
+        <p:spPr>
+          <a:xfrm>
+            <a:off x="1097280" y="1602378"/>
+            <a:ext cx="10058400" cy="4266718"/>
+          </a:xfrm>
+        </p:spPr>
+        <p:txBody>
+          <a:bodyPr>
+            <a:normAutofit/>
+          </a:bodyPr>
+          <a:lstStyle/>
+          <a:p>
+            <a:pPr lvl="1"/>
+            <a:r>
+              <a:rPr lang="en-US" sz="2000" dirty="0"/>
+              <a:t>In summary, our contributions are the following</a:t>
+            </a:r>
+            <a:r>
+              <a:rPr lang="en-US" sz="2000" dirty="0" smtClean="0"/>
+              <a:t>:</a:t>
+            </a:r>
+          </a:p>
+          <a:p>
+            <a:pPr lvl="2"/>
+            <a:r>
+              <a:rPr lang="en-US" sz="2000" dirty="0" smtClean="0"/>
+              <a:t>a</a:t>
+            </a:r>
+            <a:r>
+              <a:rPr lang="en-US" sz="2000" dirty="0"/>
+              <a:t>) a </a:t>
+            </a:r>
+            <a:r>
+              <a:rPr lang="en-US" sz="2000" dirty="0" err="1"/>
+              <a:t>keypoint</a:t>
+            </a:r>
+            <a:r>
+              <a:rPr lang="en-US" sz="2000" dirty="0"/>
+              <a:t> detector that combines handcrafted and learned CNN </a:t>
+            </a:r>
+            <a:r>
+              <a:rPr lang="en-US" sz="2000" dirty="0" smtClean="0"/>
+              <a:t>features</a:t>
+            </a:r>
+          </a:p>
+          <a:p>
+            <a:pPr lvl="2"/>
+            <a:r>
+              <a:rPr lang="en-US" sz="2000" dirty="0" smtClean="0"/>
+              <a:t>b</a:t>
+            </a:r>
+            <a:r>
+              <a:rPr lang="en-US" sz="2000" dirty="0"/>
+              <a:t>) a novel multi-scale loss and operator for detecting and ranking stable </a:t>
+            </a:r>
+            <a:r>
+              <a:rPr lang="en-US" sz="2000" dirty="0" err="1"/>
+              <a:t>keypoints</a:t>
+            </a:r>
+            <a:r>
+              <a:rPr lang="en-US" sz="2000" dirty="0"/>
+              <a:t> across scales</a:t>
+            </a:r>
+            <a:r>
+              <a:rPr lang="en-US" sz="2000" dirty="0" smtClean="0"/>
+              <a:t>,</a:t>
+            </a:r>
+          </a:p>
+          <a:p>
+            <a:pPr lvl="2"/>
+            <a:r>
+              <a:rPr lang="en-US" sz="2000" dirty="0" smtClean="0"/>
+              <a:t>c) </a:t>
+            </a:r>
+            <a:r>
+              <a:rPr lang="en-US" sz="2000" dirty="0"/>
+              <a:t>a multi-scale feature detection with shallow architecture. </a:t>
+            </a:r>
+            <a:endParaRPr lang="en-US" sz="2000" dirty="0">
+              <a:solidFill>
+                <a:schemeClr val="tx1"/>
+              </a:solidFill>
+            </a:endParaRPr>
+          </a:p>
+        </p:txBody>
+      </p:sp>
+      <p:sp>
+        <p:nvSpPr>
+          <p:cNvPr id="2" name="Title 1">
+            <a:extLst>
+              <a:ext uri="{FF2B5EF4-FFF2-40B4-BE49-F238E27FC236}">
+                <a16:creationId xmlns:a16="http://schemas.microsoft.com/office/drawing/2014/main" id="{CDC62B56-74BF-47D4-B1CD-AF93A810B3B7}"/>
+              </a:ext>
+            </a:extLst>
+          </p:cNvPr>
+          <p:cNvSpPr>
+            <a:spLocks noGrp="1"/>
+          </p:cNvSpPr>
+          <p:nvPr>
+            <p:ph type="title"/>
+          </p:nvPr>
+        </p:nvSpPr>
+        <p:spPr>
+          <a:xfrm>
+            <a:off x="1097280" y="942871"/>
+            <a:ext cx="10058400" cy="587584"/>
+          </a:xfrm>
+        </p:spPr>
+        <p:txBody>
+          <a:bodyPr/>
+          <a:lstStyle/>
+          <a:p>
+            <a:r>
+              <a:rPr lang="en-US" dirty="0"/>
+              <a:t>Introduction</a:t>
+            </a:r>
+          </a:p>
+        </p:txBody>
+      </p:sp>
+    </p:spTree>
+    <p:extLst>
+      <p:ext uri="{BB962C8B-B14F-4D97-AF65-F5344CB8AC3E}">
         <p14:creationId xmlns:p14="http://schemas.microsoft.com/office/powerpoint/2010/main" val="2973492517"/>
       </p:ext>
     </p:extLst>
@@ -19148,7 +19483,7 @@
 </p:sld>
 </file>
 
-<file path=ppt/slides/slide7.xml><?xml version="1.0" encoding="utf-8"?>
+<file path=ppt/slides/slide8.xml><?xml version="1.0" encoding="utf-8"?>
 <p:sld xmlns:a="http://schemas.openxmlformats.org/drawingml/2006/main" xmlns:r="http://schemas.openxmlformats.org/officeDocument/2006/relationships" xmlns:p="http://schemas.openxmlformats.org/presentationml/2006/main">
   <p:cSld>
     <p:spTree>
@@ -19318,128 +19653,6 @@
 </p:sld>
 </file>
 
-<file path=ppt/slides/slide8.xml><?xml version="1.0" encoding="utf-8"?>
-<p:sld xmlns:a="http://schemas.openxmlformats.org/drawingml/2006/main" xmlns:r="http://schemas.openxmlformats.org/officeDocument/2006/relationships" xmlns:p="http://schemas.openxmlformats.org/presentationml/2006/main">
-  <p:cSld>
-    <p:spTree>
-      <p:nvGrpSpPr>
-        <p:cNvPr id="1" name=""/>
-        <p:cNvGrpSpPr/>
-        <p:nvPr/>
-      </p:nvGrpSpPr>
-      <p:grpSpPr>
-        <a:xfrm>
-          <a:off x="0" y="0"/>
-          <a:ext cx="0" cy="0"/>
-          <a:chOff x="0" y="0"/>
-          <a:chExt cx="0" cy="0"/>
-        </a:xfrm>
-      </p:grpSpPr>
-      <p:sp>
-        <p:nvSpPr>
-          <p:cNvPr id="3" name="Content Placeholder 2">
-            <a:extLst>
-              <a:ext uri="{FF2B5EF4-FFF2-40B4-BE49-F238E27FC236}">
-                <a16:creationId xmlns:a16="http://schemas.microsoft.com/office/drawing/2014/main" id="{6AB250FE-08C8-4530-B722-29C38A359D8B}"/>
-              </a:ext>
-            </a:extLst>
-          </p:cNvPr>
-          <p:cNvSpPr>
-            <a:spLocks noGrp="1"/>
-          </p:cNvSpPr>
-          <p:nvPr>
-            <p:ph sz="half" idx="2"/>
-          </p:nvPr>
-        </p:nvSpPr>
-        <p:spPr>
-          <a:xfrm>
-            <a:off x="1097280" y="1602378"/>
-            <a:ext cx="10058400" cy="4266718"/>
-          </a:xfrm>
-        </p:spPr>
-        <p:txBody>
-          <a:bodyPr>
-            <a:normAutofit/>
-          </a:bodyPr>
-          <a:lstStyle/>
-          <a:p>
-            <a:r>
-              <a:rPr lang="en-US" sz="1800" dirty="0"/>
-              <a:t>We present related works in two main categories</a:t>
-            </a:r>
-            <a:r>
-              <a:rPr lang="en-US" sz="1800" dirty="0" smtClean="0"/>
-              <a:t>:</a:t>
-            </a:r>
-          </a:p>
-          <a:p>
-            <a:pPr lvl="1"/>
-            <a:r>
-              <a:rPr lang="en-US" sz="1800" dirty="0" smtClean="0"/>
-              <a:t>Handcrafted</a:t>
-            </a:r>
-            <a:endParaRPr lang="en-US" sz="1800" dirty="0"/>
-          </a:p>
-          <a:p>
-            <a:pPr lvl="1"/>
-            <a:r>
-              <a:rPr lang="en-US" sz="1800" dirty="0" smtClean="0"/>
-              <a:t>learned based</a:t>
-            </a:r>
-            <a:endParaRPr lang="en-US" sz="1800" dirty="0">
-              <a:solidFill>
-                <a:schemeClr val="tx1"/>
-              </a:solidFill>
-            </a:endParaRPr>
-          </a:p>
-        </p:txBody>
-      </p:sp>
-      <p:sp>
-        <p:nvSpPr>
-          <p:cNvPr id="2" name="Title 1">
-            <a:extLst>
-              <a:ext uri="{FF2B5EF4-FFF2-40B4-BE49-F238E27FC236}">
-                <a16:creationId xmlns:a16="http://schemas.microsoft.com/office/drawing/2014/main" id="{CDC62B56-74BF-47D4-B1CD-AF93A810B3B7}"/>
-              </a:ext>
-            </a:extLst>
-          </p:cNvPr>
-          <p:cNvSpPr>
-            <a:spLocks noGrp="1"/>
-          </p:cNvSpPr>
-          <p:nvPr>
-            <p:ph type="title"/>
-          </p:nvPr>
-        </p:nvSpPr>
-        <p:spPr>
-          <a:xfrm>
-            <a:off x="1097280" y="942871"/>
-            <a:ext cx="10058400" cy="587584"/>
-          </a:xfrm>
-        </p:spPr>
-        <p:txBody>
-          <a:bodyPr/>
-          <a:lstStyle/>
-          <a:p>
-            <a:r>
-              <a:rPr lang="en-US" dirty="0"/>
-              <a:t>Related Work</a:t>
-            </a:r>
-          </a:p>
-        </p:txBody>
-      </p:sp>
-    </p:spTree>
-    <p:extLst>
-      <p:ext uri="{BB962C8B-B14F-4D97-AF65-F5344CB8AC3E}">
-        <p14:creationId xmlns:p14="http://schemas.microsoft.com/office/powerpoint/2010/main" val="3276548967"/>
-      </p:ext>
-    </p:extLst>
-  </p:cSld>
-  <p:clrMapOvr>
-    <a:masterClrMapping/>
-  </p:clrMapOvr>
-</p:sld>
-</file>
-
 <file path=ppt/slides/slide9.xml><?xml version="1.0" encoding="utf-8"?>
 <p:sld xmlns:a="http://schemas.openxmlformats.org/drawingml/2006/main" xmlns:r="http://schemas.openxmlformats.org/officeDocument/2006/relationships" xmlns:p="http://schemas.openxmlformats.org/presentationml/2006/main">
   <p:cSld>
@@ -19487,135 +19700,26 @@
           <a:p>
             <a:r>
               <a:rPr lang="en-US" sz="1800" dirty="0"/>
-              <a:t>Traditional feature detectors localize geometric structures through engineered algorithms, which are often referred to as handcrafted. </a:t>
+              <a:t>We present related works in two main categories</a:t>
             </a:r>
             <a:r>
               <a:rPr lang="en-US" sz="1800" dirty="0" smtClean="0"/>
-              <a:t>Harris </a:t>
-            </a:r>
-            <a:r>
-              <a:rPr lang="en-US" sz="1800" dirty="0"/>
-              <a:t>and Hessian </a:t>
-            </a:r>
+              <a:t>:</a:t>
+            </a:r>
+          </a:p>
+          <a:p>
+            <a:pPr lvl="1"/>
             <a:r>
               <a:rPr lang="en-US" sz="1800" dirty="0" smtClean="0"/>
-              <a:t>detectors </a:t>
-            </a:r>
-            <a:r>
-              <a:rPr lang="en-US" sz="1800" dirty="0"/>
-              <a:t>used first and second order image derivatives to </a:t>
-            </a:r>
+              <a:t>Handcrafted</a:t>
+            </a:r>
+            <a:endParaRPr lang="en-US" sz="1800" dirty="0"/>
+          </a:p>
+          <a:p>
+            <a:pPr lvl="1"/>
             <a:r>
               <a:rPr lang="en-US" sz="1800" dirty="0" smtClean="0"/>
-              <a:t>find</a:t>
-            </a:r>
-            <a:r>
-              <a:rPr lang="fa-IR" sz="1800" dirty="0" smtClean="0"/>
-              <a:t> </a:t>
-            </a:r>
-            <a:r>
-              <a:rPr lang="en-US" sz="1800" dirty="0" smtClean="0"/>
-              <a:t>corners </a:t>
-            </a:r>
-            <a:r>
-              <a:rPr lang="en-US" sz="1800" dirty="0"/>
-              <a:t>or blobs in images</a:t>
-            </a:r>
-            <a:r>
-              <a:rPr lang="en-US" sz="1800" dirty="0" smtClean="0"/>
-              <a:t>.</a:t>
-            </a:r>
-          </a:p>
-          <a:p>
-            <a:r>
-              <a:rPr lang="en-US" sz="1800" dirty="0"/>
-              <a:t>Multi-scale improvements were proposed </a:t>
-            </a:r>
-            <a:r>
-              <a:rPr lang="en-US" sz="1800" dirty="0" smtClean="0"/>
-              <a:t>in KAZE and </a:t>
-            </a:r>
-            <a:r>
-              <a:rPr lang="en-US" sz="1800" dirty="0"/>
-              <a:t>its extension, </a:t>
-            </a:r>
-            <a:r>
-              <a:rPr lang="en-US" sz="1800" dirty="0" smtClean="0"/>
-              <a:t>A-KAZE, </a:t>
-            </a:r>
-            <a:r>
-              <a:rPr lang="en-US" sz="1800" dirty="0"/>
-              <a:t>where </a:t>
-            </a:r>
-            <a:r>
-              <a:rPr lang="en-US" sz="1800" dirty="0" smtClean="0"/>
-              <a:t>Hessian detector </a:t>
-            </a:r>
-            <a:r>
-              <a:rPr lang="en-US" sz="1800" dirty="0"/>
-              <a:t>was applied to a non-linear diffusion scale space </a:t>
-            </a:r>
-            <a:r>
-              <a:rPr lang="en-US" sz="1800" dirty="0" smtClean="0"/>
-              <a:t>in contrast </a:t>
-            </a:r>
-            <a:r>
-              <a:rPr lang="en-US" sz="1800" dirty="0"/>
-              <a:t>to widely used Gaussian pyramid</a:t>
-            </a:r>
-            <a:r>
-              <a:rPr lang="en-US" sz="1800" dirty="0" smtClean="0"/>
-              <a:t>.</a:t>
-            </a:r>
-          </a:p>
-          <a:p>
-            <a:r>
-              <a:rPr lang="en-US" sz="1800" dirty="0" smtClean="0"/>
-              <a:t>Although corner detectors </a:t>
-            </a:r>
-            <a:r>
-              <a:rPr lang="en-US" sz="1800" dirty="0"/>
-              <a:t>proved to be robust and efficient, other </a:t>
-            </a:r>
-            <a:r>
-              <a:rPr lang="en-US" sz="1800" dirty="0" smtClean="0"/>
-              <a:t>methods seek  </a:t>
-            </a:r>
-            <a:r>
-              <a:rPr lang="en-US" sz="1800" dirty="0" err="1" smtClean="0"/>
-              <a:t>lternative</a:t>
-            </a:r>
-            <a:r>
-              <a:rPr lang="en-US" sz="1800" dirty="0" smtClean="0"/>
-              <a:t> </a:t>
-            </a:r>
-            <a:r>
-              <a:rPr lang="en-US" sz="1800" dirty="0"/>
-              <a:t>structures within images. </a:t>
-            </a:r>
-            <a:r>
-              <a:rPr lang="en-US" sz="1800" dirty="0" smtClean="0"/>
-              <a:t>SIFT looked for </a:t>
-            </a:r>
-            <a:r>
-              <a:rPr lang="en-US" sz="1800" dirty="0"/>
-              <a:t>blobs over multiple scale levels, and </a:t>
-            </a:r>
-            <a:r>
-              <a:rPr lang="en-US" sz="1800" dirty="0" smtClean="0"/>
-              <a:t>MSER </a:t>
-            </a:r>
-            <a:r>
-              <a:rPr lang="en-US" sz="1800" dirty="0"/>
-              <a:t>segmented and selected stable regions as </a:t>
-            </a:r>
-            <a:r>
-              <a:rPr lang="en-US" sz="1800" dirty="0" err="1"/>
-              <a:t>keypoints</a:t>
-            </a:r>
-            <a:r>
-              <a:rPr lang="en-US" sz="1800" dirty="0"/>
-              <a:t>.</a:t>
+              <a:t>learned based</a:t>
             </a:r>
             <a:endParaRPr lang="en-US" sz="1800" dirty="0">
               <a:solidFill>
@@ -19653,7 +19757,7 @@
           <a:p>
             <a:r>
               <a:rPr lang="en-US" dirty="0"/>
-              <a:t>Handcrafted Detectors</a:t>
+              <a:t>Related Work</a:t>
             </a:r>
           </a:p>
         </p:txBody>
@@ -19661,7 +19765,7 @@
     </p:spTree>
     <p:extLst>
       <p:ext uri="{BB962C8B-B14F-4D97-AF65-F5344CB8AC3E}">
-        <p14:creationId xmlns:p14="http://schemas.microsoft.com/office/powerpoint/2010/main" val="2895162980"/>
+        <p14:creationId xmlns:p14="http://schemas.microsoft.com/office/powerpoint/2010/main" val="3276548967"/>
       </p:ext>
     </p:extLst>
   </p:cSld>
@@ -19964,6 +20068,15 @@
 </file>
 
 <file path=customXml/item2.xml><?xml version="1.0" encoding="utf-8"?>
+<?mso-contentType ?>
+<FormTemplates xmlns="http://schemas.microsoft.com/sharepoint/v3/contenttype/forms">
+  <Display>DocumentLibraryForm</Display>
+  <Edit>DocumentLibraryForm</Edit>
+  <New>DocumentLibraryForm</New>
+</FormTemplates>
+</file>
+
+<file path=customXml/item3.xml><?xml version="1.0" encoding="utf-8"?>
 <ct:contentTypeSchema xmlns:ct="http://schemas.microsoft.com/office/2006/metadata/contentType" xmlns:ma="http://schemas.microsoft.com/office/2006/metadata/properties/metaAttributes" ct:_="" ma:_="" ma:contentTypeName="Document" ma:contentTypeID="0x01010079F111ED35F8CC479449609E8A0923A6" ma:contentTypeVersion="12" ma:contentTypeDescription="Create a new document." ma:contentTypeScope="" ma:versionID="fa6e671f1cd7e4d96ff9652be322dd5e">
   <xsd:schema xmlns:xsd="http://www.w3.org/2001/XMLSchema" xmlns:xs="http://www.w3.org/2001/XMLSchema" xmlns:p="http://schemas.microsoft.com/office/2006/metadata/properties" xmlns:ns2="71af3243-3dd4-4a8d-8c0d-dd76da1f02a5" xmlns:ns3="16c05727-aa75-4e4a-9b5f-8a80a1165891" targetNamespace="http://schemas.microsoft.com/office/2006/metadata/properties" ma:root="true" ma:fieldsID="4e2496f70b101db0b8013f30a071bbf7" ns2:_="" ns3:_="">
     <xsd:import namespace="71af3243-3dd4-4a8d-8c0d-dd76da1f02a5"/>
@@ -20184,15 +20297,6 @@
 </ct:contentTypeSchema>
 </file>
 
-<file path=customXml/item3.xml><?xml version="1.0" encoding="utf-8"?>
-<?mso-contentType ?>
-<FormTemplates xmlns="http://schemas.microsoft.com/sharepoint/v3/contenttype/forms">
-  <Display>DocumentLibraryForm</Display>
-  <Edit>DocumentLibraryForm</Edit>
-  <New>DocumentLibraryForm</New>
-</FormTemplates>
-</file>
-
 <file path=customXml/itemProps1.xml><?xml version="1.0" encoding="utf-8"?>
 <ds:datastoreItem xmlns:ds="http://schemas.openxmlformats.org/officeDocument/2006/customXml" ds:itemID="{44FAF7B5-E40C-46BE-9C83-DA251FCAE61E}">
   <ds:schemaRefs>
@@ -20211,6 +20315,14 @@
 </file>
 
 <file path=customXml/itemProps2.xml><?xml version="1.0" encoding="utf-8"?>
+<ds:datastoreItem xmlns:ds="http://schemas.openxmlformats.org/officeDocument/2006/customXml" ds:itemID="{5029FA76-0C86-4BF1-99F1-A3115FBFFAB0}">
+  <ds:schemaRefs>
+    <ds:schemaRef ds:uri="http://schemas.microsoft.com/sharepoint/v3/contenttype/forms"/>
+  </ds:schemaRefs>
+</ds:datastoreItem>
+</file>
+
+<file path=customXml/itemProps3.xml><?xml version="1.0" encoding="utf-8"?>
 <ds:datastoreItem xmlns:ds="http://schemas.openxmlformats.org/officeDocument/2006/customXml" ds:itemID="{E0A43D08-F4F9-4D95-9CB2-7DE374416074}">
   <ds:schemaRefs>
     <ds:schemaRef ds:uri="http://schemas.microsoft.com/office/2006/metadata/contentType"/>
@@ -20227,12 +20339,4 @@
     <ds:schemaRef ds:uri="http://schemas.microsoft.com/internal/obd"/>
   </ds:schemaRefs>
 </ds:datastoreItem>
-</file>
-
-<file path=customXml/itemProps3.xml><?xml version="1.0" encoding="utf-8"?>
-<ds:datastoreItem xmlns:ds="http://schemas.openxmlformats.org/officeDocument/2006/customXml" ds:itemID="{5029FA76-0C86-4BF1-99F1-A3115FBFFAB0}">
-  <ds:schemaRefs>
-    <ds:schemaRef ds:uri="http://schemas.microsoft.com/sharepoint/v3/contenttype/forms"/>
-  </ds:schemaRefs>
-</ds:datastoreItem>
 </file>
--- a/slides.pptx
+++ b/slides.pptx
@@ -29,8 +29,8 @@
     <p:sldId id="385" r:id="rId26"/>
     <p:sldId id="360" r:id="rId27"/>
     <p:sldId id="375" r:id="rId28"/>
-    <p:sldId id="376" r:id="rId29"/>
-    <p:sldId id="363" r:id="rId30"/>
+    <p:sldId id="363" r:id="rId29"/>
+    <p:sldId id="376" r:id="rId30"/>
     <p:sldId id="377" r:id="rId31"/>
     <p:sldId id="364" r:id="rId32"/>
     <p:sldId id="378" r:id="rId33"/>
@@ -14947,6 +14947,62 @@
       </p:grpSpPr>
       <p:sp>
         <p:nvSpPr>
+          <p:cNvPr id="3" name="Content Placeholder 2">
+            <a:extLst>
+              <a:ext uri="{FF2B5EF4-FFF2-40B4-BE49-F238E27FC236}">
+                <a16:creationId xmlns:a16="http://schemas.microsoft.com/office/drawing/2014/main" id="{6AB250FE-08C8-4530-B722-29C38A359D8B}"/>
+              </a:ext>
+            </a:extLst>
+          </p:cNvPr>
+          <p:cNvSpPr>
+            <a:spLocks noGrp="1"/>
+          </p:cNvSpPr>
+          <p:nvPr>
+            <p:ph sz="half" idx="2"/>
+          </p:nvPr>
+        </p:nvSpPr>
+        <p:spPr>
+          <a:xfrm>
+            <a:off x="1097280" y="1602378"/>
+            <a:ext cx="10058400" cy="4266718"/>
+          </a:xfrm>
+        </p:spPr>
+        <p:txBody>
+          <a:bodyPr>
+            <a:normAutofit/>
+          </a:bodyPr>
+          <a:lstStyle/>
+          <a:p>
+            <a:r>
+              <a:rPr lang="en-US" sz="1800" dirty="0"/>
+              <a:t>In this section, we present the experiments and discuss the results. We first show results on validation data for several variants of the proposed architecture. Next, </a:t>
+            </a:r>
+            <a:r>
+              <a:rPr lang="en-US" sz="1800" dirty="0" err="1"/>
+              <a:t>Key.Net</a:t>
+            </a:r>
+            <a:r>
+              <a:rPr lang="en-US" sz="1800" dirty="0"/>
+              <a:t> repeatability scores in single-scale and multi-scale are presented along with the state-of-the art detectors on </a:t>
+            </a:r>
+            <a:r>
+              <a:rPr lang="en-US" sz="1800" dirty="0" err="1"/>
+              <a:t>HPatches</a:t>
+            </a:r>
+            <a:r>
+              <a:rPr lang="en-US" sz="1800" dirty="0"/>
+              <a:t>. Moreover, we evaluate the matching performance, the number of learnable parameters and inference time of our proposed detector and compare to other techniques.</a:t>
+            </a:r>
+            <a:endParaRPr lang="en-US" sz="1800" dirty="0">
+              <a:solidFill>
+                <a:schemeClr val="tx1"/>
+              </a:solidFill>
+            </a:endParaRPr>
+          </a:p>
+        </p:txBody>
+      </p:sp>
+      <p:sp>
+        <p:nvSpPr>
           <p:cNvPr id="2" name="Title 1">
             <a:extLst>
               <a:ext uri="{FF2B5EF4-FFF2-40B4-BE49-F238E27FC236}">
@@ -14973,8 +15029,72 @@
           <a:p>
             <a:r>
               <a:rPr lang="en-US" dirty="0"/>
-              <a:t>Implementation Notes</a:t>
-            </a:r>
+              <a:t>Results</a:t>
+            </a:r>
+          </a:p>
+        </p:txBody>
+      </p:sp>
+    </p:spTree>
+    <p:extLst>
+      <p:ext uri="{BB962C8B-B14F-4D97-AF65-F5344CB8AC3E}">
+        <p14:creationId xmlns:p14="http://schemas.microsoft.com/office/powerpoint/2010/main" val="1169903759"/>
+      </p:ext>
+    </p:extLst>
+  </p:cSld>
+  <p:clrMapOvr>
+    <a:masterClrMapping/>
+  </p:clrMapOvr>
+</p:sld>
+</file>
+
+<file path=ppt/slides/slide26.xml><?xml version="1.0" encoding="utf-8"?>
+<p:sld xmlns:a="http://schemas.openxmlformats.org/drawingml/2006/main" xmlns:r="http://schemas.openxmlformats.org/officeDocument/2006/relationships" xmlns:p="http://schemas.openxmlformats.org/presentationml/2006/main">
+  <p:cSld>
+    <p:spTree>
+      <p:nvGrpSpPr>
+        <p:cNvPr id="1" name=""/>
+        <p:cNvGrpSpPr/>
+        <p:nvPr/>
+      </p:nvGrpSpPr>
+      <p:grpSpPr>
+        <a:xfrm>
+          <a:off x="0" y="0"/>
+          <a:ext cx="0" cy="0"/>
+          <a:chOff x="0" y="0"/>
+          <a:chExt cx="0" cy="0"/>
+        </a:xfrm>
+      </p:grpSpPr>
+      <p:sp>
+        <p:nvSpPr>
+          <p:cNvPr id="2" name="Title 1">
+            <a:extLst>
+              <a:ext uri="{FF2B5EF4-FFF2-40B4-BE49-F238E27FC236}">
+                <a16:creationId xmlns:a16="http://schemas.microsoft.com/office/drawing/2014/main" id="{CDC62B56-74BF-47D4-B1CD-AF93A810B3B7}"/>
+              </a:ext>
+            </a:extLst>
+          </p:cNvPr>
+          <p:cNvSpPr>
+            <a:spLocks noGrp="1"/>
+          </p:cNvSpPr>
+          <p:nvPr>
+            <p:ph type="title"/>
+          </p:nvPr>
+        </p:nvSpPr>
+        <p:spPr>
+          <a:xfrm>
+            <a:off x="1097280" y="942871"/>
+            <a:ext cx="10058400" cy="587584"/>
+          </a:xfrm>
+        </p:spPr>
+        <p:txBody>
+          <a:bodyPr/>
+          <a:lstStyle/>
+          <a:p>
+            <a:r>
+              <a:rPr lang="en-US" dirty="0"/>
+              <a:t>Preliminary Analysis</a:t>
+            </a:r>
+            <a:endParaRPr lang="en-US" dirty="0"/>
           </a:p>
         </p:txBody>
       </p:sp>
@@ -15117,125 +15237,6 @@
     <p:extLst>
       <p:ext uri="{BB962C8B-B14F-4D97-AF65-F5344CB8AC3E}">
         <p14:creationId xmlns:p14="http://schemas.microsoft.com/office/powerpoint/2010/main" val="338996607"/>
-      </p:ext>
-    </p:extLst>
-  </p:cSld>
-  <p:clrMapOvr>
-    <a:masterClrMapping/>
-  </p:clrMapOvr>
-</p:sld>
-</file>
-
-<file path=ppt/slides/slide26.xml><?xml version="1.0" encoding="utf-8"?>
-<p:sld xmlns:a="http://schemas.openxmlformats.org/drawingml/2006/main" xmlns:r="http://schemas.openxmlformats.org/officeDocument/2006/relationships" xmlns:p="http://schemas.openxmlformats.org/presentationml/2006/main">
-  <p:cSld>
-    <p:spTree>
-      <p:nvGrpSpPr>
-        <p:cNvPr id="1" name=""/>
-        <p:cNvGrpSpPr/>
-        <p:nvPr/>
-      </p:nvGrpSpPr>
-      <p:grpSpPr>
-        <a:xfrm>
-          <a:off x="0" y="0"/>
-          <a:ext cx="0" cy="0"/>
-          <a:chOff x="0" y="0"/>
-          <a:chExt cx="0" cy="0"/>
-        </a:xfrm>
-      </p:grpSpPr>
-      <p:sp>
-        <p:nvSpPr>
-          <p:cNvPr id="3" name="Content Placeholder 2">
-            <a:extLst>
-              <a:ext uri="{FF2B5EF4-FFF2-40B4-BE49-F238E27FC236}">
-                <a16:creationId xmlns:a16="http://schemas.microsoft.com/office/drawing/2014/main" id="{6AB250FE-08C8-4530-B722-29C38A359D8B}"/>
-              </a:ext>
-            </a:extLst>
-          </p:cNvPr>
-          <p:cNvSpPr>
-            <a:spLocks noGrp="1"/>
-          </p:cNvSpPr>
-          <p:nvPr>
-            <p:ph sz="half" idx="2"/>
-          </p:nvPr>
-        </p:nvSpPr>
-        <p:spPr>
-          <a:xfrm>
-            <a:off x="1097280" y="1602378"/>
-            <a:ext cx="10058400" cy="4266718"/>
-          </a:xfrm>
-        </p:spPr>
-        <p:txBody>
-          <a:bodyPr>
-            <a:normAutofit/>
-          </a:bodyPr>
-          <a:lstStyle/>
-          <a:p>
-            <a:r>
-              <a:rPr lang="en-US" sz="1800" dirty="0"/>
-              <a:t>In this section, we present the experiments and discuss the results. We first show results on validation data for several variants of the proposed architecture. Next, </a:t>
-            </a:r>
-            <a:r>
-              <a:rPr lang="en-US" sz="1800" dirty="0" err="1"/>
-              <a:t>Key.Net</a:t>
-            </a:r>
-            <a:r>
-              <a:rPr lang="en-US" sz="1800" dirty="0"/>
-              <a:t> repeatability scores in single-scale and multi-scale are presented along with the state-of-the art detectors on </a:t>
-            </a:r>
-            <a:r>
-              <a:rPr lang="en-US" sz="1800" dirty="0" err="1"/>
-              <a:t>HPatches</a:t>
-            </a:r>
-            <a:r>
-              <a:rPr lang="en-US" sz="1800" dirty="0"/>
-              <a:t>. Moreover, we evaluate the matching performance, the number of learnable parameters and inference time of our proposed detector and compare to other techniques.</a:t>
-            </a:r>
-            <a:endParaRPr lang="en-US" sz="1800" dirty="0">
-              <a:solidFill>
-                <a:schemeClr val="tx1"/>
-              </a:solidFill>
-            </a:endParaRPr>
-          </a:p>
-        </p:txBody>
-      </p:sp>
-      <p:sp>
-        <p:nvSpPr>
-          <p:cNvPr id="2" name="Title 1">
-            <a:extLst>
-              <a:ext uri="{FF2B5EF4-FFF2-40B4-BE49-F238E27FC236}">
-                <a16:creationId xmlns:a16="http://schemas.microsoft.com/office/drawing/2014/main" id="{CDC62B56-74BF-47D4-B1CD-AF93A810B3B7}"/>
-              </a:ext>
-            </a:extLst>
-          </p:cNvPr>
-          <p:cNvSpPr>
-            <a:spLocks noGrp="1"/>
-          </p:cNvSpPr>
-          <p:nvPr>
-            <p:ph type="title"/>
-          </p:nvPr>
-        </p:nvSpPr>
-        <p:spPr>
-          <a:xfrm>
-            <a:off x="1097280" y="942871"/>
-            <a:ext cx="10058400" cy="587584"/>
-          </a:xfrm>
-        </p:spPr>
-        <p:txBody>
-          <a:bodyPr/>
-          <a:lstStyle/>
-          <a:p>
-            <a:r>
-              <a:rPr lang="en-US" dirty="0"/>
-              <a:t>Results</a:t>
-            </a:r>
-          </a:p>
-        </p:txBody>
-      </p:sp>
-    </p:spTree>
-    <p:extLst>
-      <p:ext uri="{BB962C8B-B14F-4D97-AF65-F5344CB8AC3E}">
-        <p14:creationId xmlns:p14="http://schemas.microsoft.com/office/powerpoint/2010/main" val="1169903759"/>
       </p:ext>
     </p:extLst>
   </p:cSld>
@@ -20300,16 +20301,16 @@
 <file path=customXml/itemProps1.xml><?xml version="1.0" encoding="utf-8"?>
 <ds:datastoreItem xmlns:ds="http://schemas.openxmlformats.org/officeDocument/2006/customXml" ds:itemID="{44FAF7B5-E40C-46BE-9C83-DA251FCAE61E}">
   <ds:schemaRefs>
-    <ds:schemaRef ds:uri="http://schemas.openxmlformats.org/package/2006/metadata/core-properties"/>
-    <ds:schemaRef ds:uri="http://schemas.microsoft.com/office/2006/documentManagement/types"/>
     <ds:schemaRef ds:uri="http://purl.org/dc/elements/1.1/"/>
-    <ds:schemaRef ds:uri="http://purl.org/dc/terms/"/>
-    <ds:schemaRef ds:uri="http://schemas.microsoft.com/office/infopath/2007/PartnerControls"/>
-    <ds:schemaRef ds:uri="71af3243-3dd4-4a8d-8c0d-dd76da1f02a5"/>
-    <ds:schemaRef ds:uri="http://purl.org/dc/dcmitype/"/>
     <ds:schemaRef ds:uri="16c05727-aa75-4e4a-9b5f-8a80a1165891"/>
     <ds:schemaRef ds:uri="http://schemas.microsoft.com/office/2006/metadata/properties"/>
+    <ds:schemaRef ds:uri="http://schemas.microsoft.com/office/2006/documentManagement/types"/>
+    <ds:schemaRef ds:uri="http://schemas.microsoft.com/office/infopath/2007/PartnerControls"/>
+    <ds:schemaRef ds:uri="http://schemas.openxmlformats.org/package/2006/metadata/core-properties"/>
+    <ds:schemaRef ds:uri="71af3243-3dd4-4a8d-8c0d-dd76da1f02a5"/>
     <ds:schemaRef ds:uri="http://www.w3.org/XML/1998/namespace"/>
+    <ds:schemaRef ds:uri="http://purl.org/dc/dcmitype/"/>
+    <ds:schemaRef ds:uri="http://purl.org/dc/terms/"/>
   </ds:schemaRefs>
 </ds:datastoreItem>
 </file>
